--- a/JOB RECOMMENDER.pptx
+++ b/JOB RECOMMENDER.pptx
@@ -111,6 +111,11 @@
       </a:defRPr>
     </a:lvl9pPr>
   </p:defaultTextStyle>
+  <p:extLst>
+    <p:ext uri="{EFAFB233-063F-42B5-8137-9DF3F51BA10A}">
+      <p15:sldGuideLst xmlns:p15="http://schemas.microsoft.com/office/powerpoint/2012/main"/>
+    </p:ext>
+  </p:extLst>
 </p:presentation>
 </file>
 
@@ -263,7 +268,7 @@
           <a:p>
             <a:fld id="{BE17025A-5189-4947-81BB-5983C6028C2C}" type="datetimeFigureOut">
               <a:rPr lang="de-DE" smtClean="0"/>
-              <a:t>01.08.2022</a:t>
+              <a:t>04.08.2022</a:t>
             </a:fld>
             <a:endParaRPr lang="de-DE"/>
           </a:p>
@@ -463,7 +468,7 @@
           <a:p>
             <a:fld id="{BE17025A-5189-4947-81BB-5983C6028C2C}" type="datetimeFigureOut">
               <a:rPr lang="de-DE" smtClean="0"/>
-              <a:t>01.08.2022</a:t>
+              <a:t>04.08.2022</a:t>
             </a:fld>
             <a:endParaRPr lang="de-DE"/>
           </a:p>
@@ -673,7 +678,7 @@
           <a:p>
             <a:fld id="{BE17025A-5189-4947-81BB-5983C6028C2C}" type="datetimeFigureOut">
               <a:rPr lang="de-DE" smtClean="0"/>
-              <a:t>01.08.2022</a:t>
+              <a:t>04.08.2022</a:t>
             </a:fld>
             <a:endParaRPr lang="de-DE"/>
           </a:p>
@@ -873,7 +878,7 @@
           <a:p>
             <a:fld id="{BE17025A-5189-4947-81BB-5983C6028C2C}" type="datetimeFigureOut">
               <a:rPr lang="de-DE" smtClean="0"/>
-              <a:t>01.08.2022</a:t>
+              <a:t>04.08.2022</a:t>
             </a:fld>
             <a:endParaRPr lang="de-DE"/>
           </a:p>
@@ -1149,7 +1154,7 @@
           <a:p>
             <a:fld id="{BE17025A-5189-4947-81BB-5983C6028C2C}" type="datetimeFigureOut">
               <a:rPr lang="de-DE" smtClean="0"/>
-              <a:t>01.08.2022</a:t>
+              <a:t>04.08.2022</a:t>
             </a:fld>
             <a:endParaRPr lang="de-DE"/>
           </a:p>
@@ -1417,7 +1422,7 @@
           <a:p>
             <a:fld id="{BE17025A-5189-4947-81BB-5983C6028C2C}" type="datetimeFigureOut">
               <a:rPr lang="de-DE" smtClean="0"/>
-              <a:t>01.08.2022</a:t>
+              <a:t>04.08.2022</a:t>
             </a:fld>
             <a:endParaRPr lang="de-DE"/>
           </a:p>
@@ -1832,7 +1837,7 @@
           <a:p>
             <a:fld id="{BE17025A-5189-4947-81BB-5983C6028C2C}" type="datetimeFigureOut">
               <a:rPr lang="de-DE" smtClean="0"/>
-              <a:t>01.08.2022</a:t>
+              <a:t>04.08.2022</a:t>
             </a:fld>
             <a:endParaRPr lang="de-DE"/>
           </a:p>
@@ -1974,7 +1979,7 @@
           <a:p>
             <a:fld id="{BE17025A-5189-4947-81BB-5983C6028C2C}" type="datetimeFigureOut">
               <a:rPr lang="de-DE" smtClean="0"/>
-              <a:t>01.08.2022</a:t>
+              <a:t>04.08.2022</a:t>
             </a:fld>
             <a:endParaRPr lang="de-DE"/>
           </a:p>
@@ -2087,7 +2092,7 @@
           <a:p>
             <a:fld id="{BE17025A-5189-4947-81BB-5983C6028C2C}" type="datetimeFigureOut">
               <a:rPr lang="de-DE" smtClean="0"/>
-              <a:t>01.08.2022</a:t>
+              <a:t>04.08.2022</a:t>
             </a:fld>
             <a:endParaRPr lang="de-DE"/>
           </a:p>
@@ -2400,7 +2405,7 @@
           <a:p>
             <a:fld id="{BE17025A-5189-4947-81BB-5983C6028C2C}" type="datetimeFigureOut">
               <a:rPr lang="de-DE" smtClean="0"/>
-              <a:t>01.08.2022</a:t>
+              <a:t>04.08.2022</a:t>
             </a:fld>
             <a:endParaRPr lang="de-DE"/>
           </a:p>
@@ -2689,7 +2694,7 @@
           <a:p>
             <a:fld id="{BE17025A-5189-4947-81BB-5983C6028C2C}" type="datetimeFigureOut">
               <a:rPr lang="de-DE" smtClean="0"/>
-              <a:t>01.08.2022</a:t>
+              <a:t>04.08.2022</a:t>
             </a:fld>
             <a:endParaRPr lang="de-DE"/>
           </a:p>
@@ -2932,7 +2937,7 @@
           <a:p>
             <a:fld id="{BE17025A-5189-4947-81BB-5983C6028C2C}" type="datetimeFigureOut">
               <a:rPr lang="de-DE" smtClean="0"/>
-              <a:t>01.08.2022</a:t>
+              <a:t>04.08.2022</a:t>
             </a:fld>
             <a:endParaRPr lang="de-DE"/>
           </a:p>
@@ -3444,42 +3449,6 @@
           </a:p>
         </p:txBody>
       </p:sp>
-      <p:pic>
-        <p:nvPicPr>
-          <p:cNvPr id="5" name="Picture 4">
-            <a:extLst>
-              <a:ext uri="{FF2B5EF4-FFF2-40B4-BE49-F238E27FC236}">
-                <a16:creationId xmlns:a16="http://schemas.microsoft.com/office/drawing/2014/main" id="{2BD49346-A45F-4447-8E63-4F4BFC680F00}"/>
-              </a:ext>
-            </a:extLst>
-          </p:cNvPr>
-          <p:cNvPicPr>
-            <a:picLocks noChangeAspect="1"/>
-          </p:cNvPicPr>
-          <p:nvPr/>
-        </p:nvPicPr>
-        <p:blipFill>
-          <a:blip r:embed="rId2">
-            <a:extLst>
-              <a:ext uri="{28A0092B-C50C-407E-A947-70E740481C1C}">
-                <a14:useLocalDpi xmlns:a14="http://schemas.microsoft.com/office/drawing/2010/main" val="0"/>
-              </a:ext>
-            </a:extLst>
-          </a:blip>
-          <a:stretch>
-            <a:fillRect/>
-          </a:stretch>
-        </p:blipFill>
-        <p:spPr>
-          <a:xfrm>
-            <a:off x="1882066" y="2589945"/>
-            <a:ext cx="9141042" cy="3983971"/>
-          </a:xfrm>
-          <a:prstGeom prst="rect">
-            <a:avLst/>
-          </a:prstGeom>
-        </p:spPr>
-      </p:pic>
     </p:spTree>
     <p:extLst>
       <p:ext uri="{BB962C8B-B14F-4D97-AF65-F5344CB8AC3E}">
@@ -3716,7 +3685,7 @@
         </p:blipFill>
         <p:spPr>
           <a:xfrm>
-            <a:off x="7918912" y="3691771"/>
+            <a:off x="1094449" y="5275659"/>
             <a:ext cx="2924175" cy="876300"/>
           </a:xfrm>
           <a:prstGeom prst="rect">
@@ -3746,7 +3715,7 @@
         </p:blipFill>
         <p:spPr>
           <a:xfrm>
-            <a:off x="44897" y="4088133"/>
+            <a:off x="8626184" y="5342334"/>
             <a:ext cx="3228975" cy="742950"/>
           </a:xfrm>
           <a:prstGeom prst="rect">
@@ -3756,10 +3725,10 @@
       </p:pic>
       <p:sp>
         <p:nvSpPr>
-          <p:cNvPr id="12" name="Rectangle 11">
-            <a:extLst>
-              <a:ext uri="{FF2B5EF4-FFF2-40B4-BE49-F238E27FC236}">
-                <a16:creationId xmlns:a16="http://schemas.microsoft.com/office/drawing/2014/main" id="{3654FB9C-E977-45CD-9949-82D8B1CB6821}"/>
+          <p:cNvPr id="15" name="Rectangle 14">
+            <a:extLst>
+              <a:ext uri="{FF2B5EF4-FFF2-40B4-BE49-F238E27FC236}">
+                <a16:creationId xmlns:a16="http://schemas.microsoft.com/office/drawing/2014/main" id="{CB1CB52C-0CD7-4873-99A8-78E9C6F6AC31}"/>
               </a:ext>
             </a:extLst>
           </p:cNvPr>
@@ -3768,96 +3737,7 @@
         </p:nvSpPr>
         <p:spPr>
           <a:xfrm>
-            <a:off x="4057094" y="3672755"/>
-            <a:ext cx="2511641" cy="509770"/>
-          </a:xfrm>
-          <a:prstGeom prst="rect">
-            <a:avLst/>
-          </a:prstGeom>
-        </p:spPr>
-        <p:style>
-          <a:lnRef idx="2">
-            <a:schemeClr val="accent6"/>
-          </a:lnRef>
-          <a:fillRef idx="1">
-            <a:schemeClr val="lt1"/>
-          </a:fillRef>
-          <a:effectRef idx="0">
-            <a:schemeClr val="accent6"/>
-          </a:effectRef>
-          <a:fontRef idx="minor">
-            <a:schemeClr val="dk1"/>
-          </a:fontRef>
-        </p:style>
-        <p:txBody>
-          <a:bodyPr rtlCol="0" anchor="ctr"/>
-          <a:lstStyle/>
-          <a:p>
-            <a:pPr algn="ctr"/>
-            <a:r>
-              <a:rPr lang="de-DE" dirty="0"/>
-              <a:t>8182</a:t>
-            </a:r>
-          </a:p>
-        </p:txBody>
-      </p:sp>
-      <p:cxnSp>
-        <p:nvCxnSpPr>
-          <p:cNvPr id="14" name="Straight Arrow Connector 13">
-            <a:extLst>
-              <a:ext uri="{FF2B5EF4-FFF2-40B4-BE49-F238E27FC236}">
-                <a16:creationId xmlns:a16="http://schemas.microsoft.com/office/drawing/2014/main" id="{542644C4-C722-4793-B53E-16BF76D5699A}"/>
-              </a:ext>
-            </a:extLst>
-          </p:cNvPr>
-          <p:cNvCxnSpPr>
-            <a:cxnSpLocks/>
-            <a:stCxn id="12" idx="2"/>
-          </p:cNvCxnSpPr>
-          <p:nvPr/>
-        </p:nvCxnSpPr>
-        <p:spPr>
-          <a:xfrm>
-            <a:off x="5312915" y="4182525"/>
-            <a:ext cx="370" cy="518582"/>
-          </a:xfrm>
-          <a:prstGeom prst="straightConnector1">
-            <a:avLst/>
-          </a:prstGeom>
-          <a:ln>
-            <a:tailEnd type="triangle"/>
-          </a:ln>
-        </p:spPr>
-        <p:style>
-          <a:lnRef idx="1">
-            <a:schemeClr val="accent1"/>
-          </a:lnRef>
-          <a:fillRef idx="0">
-            <a:schemeClr val="accent1"/>
-          </a:fillRef>
-          <a:effectRef idx="0">
-            <a:schemeClr val="accent1"/>
-          </a:effectRef>
-          <a:fontRef idx="minor">
-            <a:schemeClr val="tx1"/>
-          </a:fontRef>
-        </p:style>
-      </p:cxnSp>
-      <p:sp>
-        <p:nvSpPr>
-          <p:cNvPr id="15" name="Rectangle 14">
-            <a:extLst>
-              <a:ext uri="{FF2B5EF4-FFF2-40B4-BE49-F238E27FC236}">
-                <a16:creationId xmlns:a16="http://schemas.microsoft.com/office/drawing/2014/main" id="{CB1CB52C-0CD7-4873-99A8-78E9C6F6AC31}"/>
-              </a:ext>
-            </a:extLst>
-          </p:cNvPr>
-          <p:cNvSpPr/>
-          <p:nvPr/>
-        </p:nvSpPr>
-        <p:spPr>
-          <a:xfrm>
-            <a:off x="4056354" y="4718482"/>
+            <a:off x="4983302" y="3984021"/>
             <a:ext cx="2512381" cy="550415"/>
           </a:xfrm>
           <a:prstGeom prst="rect">
@@ -3890,385 +3770,6 @@
           </a:p>
         </p:txBody>
       </p:sp>
-      <p:sp>
-        <p:nvSpPr>
-          <p:cNvPr id="16" name="Rectangle 15">
-            <a:extLst>
-              <a:ext uri="{FF2B5EF4-FFF2-40B4-BE49-F238E27FC236}">
-                <a16:creationId xmlns:a16="http://schemas.microsoft.com/office/drawing/2014/main" id="{4C124E62-03CA-4DE2-8DD5-E00E4F7BBB84}"/>
-              </a:ext>
-            </a:extLst>
-          </p:cNvPr>
-          <p:cNvSpPr/>
-          <p:nvPr/>
-        </p:nvSpPr>
-        <p:spPr>
-          <a:xfrm>
-            <a:off x="1180730" y="6098965"/>
-            <a:ext cx="2121763" cy="535958"/>
-          </a:xfrm>
-          <a:prstGeom prst="rect">
-            <a:avLst/>
-          </a:prstGeom>
-        </p:spPr>
-        <p:style>
-          <a:lnRef idx="2">
-            <a:schemeClr val="accent6"/>
-          </a:lnRef>
-          <a:fillRef idx="1">
-            <a:schemeClr val="lt1"/>
-          </a:fillRef>
-          <a:effectRef idx="0">
-            <a:schemeClr val="accent6"/>
-          </a:effectRef>
-          <a:fontRef idx="minor">
-            <a:schemeClr val="dk1"/>
-          </a:fontRef>
-        </p:style>
-        <p:txBody>
-          <a:bodyPr rtlCol="0" anchor="ctr"/>
-          <a:lstStyle/>
-          <a:p>
-            <a:pPr algn="ctr"/>
-            <a:r>
-              <a:rPr lang="de-DE" dirty="0"/>
-              <a:t>1310 </a:t>
-            </a:r>
-          </a:p>
-          <a:p>
-            <a:pPr algn="ctr"/>
-            <a:r>
-              <a:rPr lang="de-DE" dirty="0"/>
-              <a:t>Data Analyst</a:t>
-            </a:r>
-          </a:p>
-        </p:txBody>
-      </p:sp>
-      <p:sp>
-        <p:nvSpPr>
-          <p:cNvPr id="17" name="Rectangle 16">
-            <a:extLst>
-              <a:ext uri="{FF2B5EF4-FFF2-40B4-BE49-F238E27FC236}">
-                <a16:creationId xmlns:a16="http://schemas.microsoft.com/office/drawing/2014/main" id="{52A9EF21-068F-4F18-A0BA-6E7EFE28C841}"/>
-              </a:ext>
-            </a:extLst>
-          </p:cNvPr>
-          <p:cNvSpPr/>
-          <p:nvPr/>
-        </p:nvSpPr>
-        <p:spPr>
-          <a:xfrm>
-            <a:off x="3712346" y="6072329"/>
-            <a:ext cx="1862831" cy="535958"/>
-          </a:xfrm>
-          <a:prstGeom prst="rect">
-            <a:avLst/>
-          </a:prstGeom>
-        </p:spPr>
-        <p:style>
-          <a:lnRef idx="2">
-            <a:schemeClr val="accent6"/>
-          </a:lnRef>
-          <a:fillRef idx="1">
-            <a:schemeClr val="lt1"/>
-          </a:fillRef>
-          <a:effectRef idx="0">
-            <a:schemeClr val="accent6"/>
-          </a:effectRef>
-          <a:fontRef idx="minor">
-            <a:schemeClr val="dk1"/>
-          </a:fontRef>
-        </p:style>
-        <p:txBody>
-          <a:bodyPr rtlCol="0" anchor="ctr"/>
-          <a:lstStyle/>
-          <a:p>
-            <a:pPr algn="ctr"/>
-            <a:r>
-              <a:rPr lang="de-DE" dirty="0"/>
-              <a:t>1303</a:t>
-            </a:r>
-          </a:p>
-          <a:p>
-            <a:pPr algn="ctr"/>
-            <a:r>
-              <a:rPr lang="de-DE" dirty="0"/>
-              <a:t>Data Scientist</a:t>
-            </a:r>
-          </a:p>
-        </p:txBody>
-      </p:sp>
-      <p:sp>
-        <p:nvSpPr>
-          <p:cNvPr id="18" name="Rectangle 17">
-            <a:extLst>
-              <a:ext uri="{FF2B5EF4-FFF2-40B4-BE49-F238E27FC236}">
-                <a16:creationId xmlns:a16="http://schemas.microsoft.com/office/drawing/2014/main" id="{E9A04DAE-D5AD-47F6-90B3-1F58F404D4AC}"/>
-              </a:ext>
-            </a:extLst>
-          </p:cNvPr>
-          <p:cNvSpPr/>
-          <p:nvPr/>
-        </p:nvSpPr>
-        <p:spPr>
-          <a:xfrm>
-            <a:off x="6095999" y="6072327"/>
-            <a:ext cx="1862831" cy="535958"/>
-          </a:xfrm>
-          <a:prstGeom prst="rect">
-            <a:avLst/>
-          </a:prstGeom>
-        </p:spPr>
-        <p:style>
-          <a:lnRef idx="2">
-            <a:schemeClr val="accent6"/>
-          </a:lnRef>
-          <a:fillRef idx="1">
-            <a:schemeClr val="lt1"/>
-          </a:fillRef>
-          <a:effectRef idx="0">
-            <a:schemeClr val="accent6"/>
-          </a:effectRef>
-          <a:fontRef idx="minor">
-            <a:schemeClr val="dk1"/>
-          </a:fontRef>
-        </p:style>
-        <p:txBody>
-          <a:bodyPr rtlCol="0" anchor="ctr"/>
-          <a:lstStyle/>
-          <a:p>
-            <a:pPr algn="ctr"/>
-            <a:r>
-              <a:rPr lang="de-DE" dirty="0"/>
-              <a:t>897</a:t>
-            </a:r>
-          </a:p>
-          <a:p>
-            <a:pPr algn="ctr"/>
-            <a:r>
-              <a:rPr lang="de-DE" dirty="0"/>
-              <a:t>Data Engineer</a:t>
-            </a:r>
-          </a:p>
-        </p:txBody>
-      </p:sp>
-      <p:sp>
-        <p:nvSpPr>
-          <p:cNvPr id="19" name="Rectangle 18">
-            <a:extLst>
-              <a:ext uri="{FF2B5EF4-FFF2-40B4-BE49-F238E27FC236}">
-                <a16:creationId xmlns:a16="http://schemas.microsoft.com/office/drawing/2014/main" id="{39470B36-872F-4A10-B0C5-9107078A1618}"/>
-              </a:ext>
-            </a:extLst>
-          </p:cNvPr>
-          <p:cNvSpPr/>
-          <p:nvPr/>
-        </p:nvSpPr>
-        <p:spPr>
-          <a:xfrm>
-            <a:off x="8875451" y="6045696"/>
-            <a:ext cx="1862831" cy="535958"/>
-          </a:xfrm>
-          <a:prstGeom prst="rect">
-            <a:avLst/>
-          </a:prstGeom>
-        </p:spPr>
-        <p:style>
-          <a:lnRef idx="2">
-            <a:schemeClr val="accent6"/>
-          </a:lnRef>
-          <a:fillRef idx="1">
-            <a:schemeClr val="lt1"/>
-          </a:fillRef>
-          <a:effectRef idx="0">
-            <a:schemeClr val="accent6"/>
-          </a:effectRef>
-          <a:fontRef idx="minor">
-            <a:schemeClr val="dk1"/>
-          </a:fontRef>
-        </p:style>
-        <p:txBody>
-          <a:bodyPr rtlCol="0" anchor="ctr"/>
-          <a:lstStyle/>
-          <a:p>
-            <a:pPr algn="ctr"/>
-            <a:r>
-              <a:rPr lang="de-DE" dirty="0"/>
-              <a:t>Other</a:t>
-            </a:r>
-          </a:p>
-        </p:txBody>
-      </p:sp>
-      <p:cxnSp>
-        <p:nvCxnSpPr>
-          <p:cNvPr id="21" name="Straight Arrow Connector 20">
-            <a:extLst>
-              <a:ext uri="{FF2B5EF4-FFF2-40B4-BE49-F238E27FC236}">
-                <a16:creationId xmlns:a16="http://schemas.microsoft.com/office/drawing/2014/main" id="{E7025988-203F-4779-9B05-038DA9EEC794}"/>
-              </a:ext>
-            </a:extLst>
-          </p:cNvPr>
-          <p:cNvCxnSpPr>
-            <a:cxnSpLocks/>
-            <a:endCxn id="16" idx="0"/>
-          </p:cNvCxnSpPr>
-          <p:nvPr/>
-        </p:nvCxnSpPr>
-        <p:spPr>
-          <a:xfrm flipH="1">
-            <a:off x="2241612" y="5264457"/>
-            <a:ext cx="3070932" cy="834508"/>
-          </a:xfrm>
-          <a:prstGeom prst="straightConnector1">
-            <a:avLst/>
-          </a:prstGeom>
-          <a:ln>
-            <a:tailEnd type="triangle"/>
-          </a:ln>
-        </p:spPr>
-        <p:style>
-          <a:lnRef idx="1">
-            <a:schemeClr val="accent1"/>
-          </a:lnRef>
-          <a:fillRef idx="0">
-            <a:schemeClr val="accent1"/>
-          </a:fillRef>
-          <a:effectRef idx="0">
-            <a:schemeClr val="accent1"/>
-          </a:effectRef>
-          <a:fontRef idx="minor">
-            <a:schemeClr val="tx1"/>
-          </a:fontRef>
-        </p:style>
-      </p:cxnSp>
-      <p:cxnSp>
-        <p:nvCxnSpPr>
-          <p:cNvPr id="23" name="Straight Arrow Connector 22">
-            <a:extLst>
-              <a:ext uri="{FF2B5EF4-FFF2-40B4-BE49-F238E27FC236}">
-                <a16:creationId xmlns:a16="http://schemas.microsoft.com/office/drawing/2014/main" id="{4CBF30BF-8542-41E7-A6C9-9135783E8942}"/>
-              </a:ext>
-            </a:extLst>
-          </p:cNvPr>
-          <p:cNvCxnSpPr>
-            <a:cxnSpLocks/>
-            <a:stCxn id="15" idx="2"/>
-            <a:endCxn id="17" idx="0"/>
-          </p:cNvCxnSpPr>
-          <p:nvPr/>
-        </p:nvCxnSpPr>
-        <p:spPr>
-          <a:xfrm flipH="1">
-            <a:off x="4643762" y="5268897"/>
-            <a:ext cx="668783" cy="803432"/>
-          </a:xfrm>
-          <a:prstGeom prst="straightConnector1">
-            <a:avLst/>
-          </a:prstGeom>
-          <a:ln>
-            <a:tailEnd type="triangle"/>
-          </a:ln>
-        </p:spPr>
-        <p:style>
-          <a:lnRef idx="1">
-            <a:schemeClr val="accent1"/>
-          </a:lnRef>
-          <a:fillRef idx="0">
-            <a:schemeClr val="accent1"/>
-          </a:fillRef>
-          <a:effectRef idx="0">
-            <a:schemeClr val="accent1"/>
-          </a:effectRef>
-          <a:fontRef idx="minor">
-            <a:schemeClr val="tx1"/>
-          </a:fontRef>
-        </p:style>
-      </p:cxnSp>
-      <p:cxnSp>
-        <p:nvCxnSpPr>
-          <p:cNvPr id="25" name="Straight Arrow Connector 24">
-            <a:extLst>
-              <a:ext uri="{FF2B5EF4-FFF2-40B4-BE49-F238E27FC236}">
-                <a16:creationId xmlns:a16="http://schemas.microsoft.com/office/drawing/2014/main" id="{82832FEB-AE9B-4C22-B048-91C33B4C566A}"/>
-              </a:ext>
-            </a:extLst>
-          </p:cNvPr>
-          <p:cNvCxnSpPr>
-            <a:cxnSpLocks/>
-            <a:stCxn id="15" idx="2"/>
-            <a:endCxn id="18" idx="0"/>
-          </p:cNvCxnSpPr>
-          <p:nvPr/>
-        </p:nvCxnSpPr>
-        <p:spPr>
-          <a:xfrm>
-            <a:off x="5312545" y="5268897"/>
-            <a:ext cx="1714870" cy="803430"/>
-          </a:xfrm>
-          <a:prstGeom prst="straightConnector1">
-            <a:avLst/>
-          </a:prstGeom>
-          <a:ln>
-            <a:tailEnd type="triangle"/>
-          </a:ln>
-        </p:spPr>
-        <p:style>
-          <a:lnRef idx="1">
-            <a:schemeClr val="accent1"/>
-          </a:lnRef>
-          <a:fillRef idx="0">
-            <a:schemeClr val="accent1"/>
-          </a:fillRef>
-          <a:effectRef idx="0">
-            <a:schemeClr val="accent1"/>
-          </a:effectRef>
-          <a:fontRef idx="minor">
-            <a:schemeClr val="tx1"/>
-          </a:fontRef>
-        </p:style>
-      </p:cxnSp>
-      <p:cxnSp>
-        <p:nvCxnSpPr>
-          <p:cNvPr id="34" name="Straight Arrow Connector 33">
-            <a:extLst>
-              <a:ext uri="{FF2B5EF4-FFF2-40B4-BE49-F238E27FC236}">
-                <a16:creationId xmlns:a16="http://schemas.microsoft.com/office/drawing/2014/main" id="{A95BC7D6-3C5D-4287-B4CE-475D13A675E8}"/>
-              </a:ext>
-            </a:extLst>
-          </p:cNvPr>
-          <p:cNvCxnSpPr>
-            <a:stCxn id="15" idx="2"/>
-            <a:endCxn id="19" idx="0"/>
-          </p:cNvCxnSpPr>
-          <p:nvPr/>
-        </p:nvCxnSpPr>
-        <p:spPr>
-          <a:xfrm>
-            <a:off x="5312545" y="5268897"/>
-            <a:ext cx="4494322" cy="776799"/>
-          </a:xfrm>
-          <a:prstGeom prst="straightConnector1">
-            <a:avLst/>
-          </a:prstGeom>
-          <a:ln>
-            <a:tailEnd type="triangle"/>
-          </a:ln>
-        </p:spPr>
-        <p:style>
-          <a:lnRef idx="1">
-            <a:schemeClr val="accent1"/>
-          </a:lnRef>
-          <a:fillRef idx="0">
-            <a:schemeClr val="accent1"/>
-          </a:fillRef>
-          <a:effectRef idx="0">
-            <a:schemeClr val="accent1"/>
-          </a:effectRef>
-          <a:fontRef idx="minor">
-            <a:schemeClr val="tx1"/>
-          </a:fontRef>
-        </p:style>
-      </p:cxnSp>
       <p:pic>
         <p:nvPicPr>
           <p:cNvPr id="37" name="Picture 36">
@@ -4291,8 +3792,8 @@
         </p:blipFill>
         <p:spPr>
           <a:xfrm>
-            <a:off x="6906842" y="812304"/>
-            <a:ext cx="4948317" cy="2523595"/>
+            <a:off x="6494486" y="923279"/>
+            <a:ext cx="5658532" cy="2885798"/>
           </a:xfrm>
           <a:prstGeom prst="rect">
             <a:avLst/>
@@ -4321,7 +3822,7 @@
         </p:blipFill>
         <p:spPr>
           <a:xfrm>
-            <a:off x="7958830" y="4688704"/>
+            <a:off x="4767879" y="5342334"/>
             <a:ext cx="2943225" cy="676275"/>
           </a:xfrm>
           <a:prstGeom prst="rect">
@@ -5547,50 +5048,6 @@
               <a:rPr lang="de-DE" dirty="0"/>
               <a:t>KNN</a:t>
             </a:r>
-          </a:p>
-        </p:txBody>
-      </p:sp>
-      <p:sp>
-        <p:nvSpPr>
-          <p:cNvPr id="13" name="TextBox 12">
-            <a:extLst>
-              <a:ext uri="{FF2B5EF4-FFF2-40B4-BE49-F238E27FC236}">
-                <a16:creationId xmlns:a16="http://schemas.microsoft.com/office/drawing/2014/main" id="{92A625CB-91AB-4137-A3B3-00AAAE930805}"/>
-              </a:ext>
-            </a:extLst>
-          </p:cNvPr>
-          <p:cNvSpPr txBox="1"/>
-          <p:nvPr/>
-        </p:nvSpPr>
-        <p:spPr>
-          <a:xfrm>
-            <a:off x="1671963" y="5333378"/>
-            <a:ext cx="4471386" cy="369332"/>
-          </a:xfrm>
-          <a:prstGeom prst="rect">
-            <a:avLst/>
-          </a:prstGeom>
-          <a:noFill/>
-        </p:spPr>
-        <p:txBody>
-          <a:bodyPr wrap="square" rtlCol="0">
-            <a:spAutoFit/>
-          </a:bodyPr>
-          <a:lstStyle/>
-          <a:p>
-            <a:r>
-              <a:rPr lang="de-DE" dirty="0" err="1"/>
-              <a:t>Spacy</a:t>
-            </a:r>
-            <a:r>
-              <a:rPr lang="de-DE" dirty="0"/>
-              <a:t> </a:t>
-            </a:r>
-            <a:r>
-              <a:rPr lang="de-DE" dirty="0" err="1"/>
-              <a:t>similarity</a:t>
-            </a:r>
-            <a:endParaRPr lang="de-DE" dirty="0"/>
           </a:p>
         </p:txBody>
       </p:sp>

--- a/JOB RECOMMENDER.pptx
+++ b/JOB RECOMMENDER.pptx
@@ -10,9 +10,7 @@
     <p:sldId id="258" r:id="rId4"/>
     <p:sldId id="259" r:id="rId5"/>
     <p:sldId id="261" r:id="rId6"/>
-    <p:sldId id="262" r:id="rId7"/>
-    <p:sldId id="260" r:id="rId8"/>
-    <p:sldId id="263" r:id="rId9"/>
+    <p:sldId id="260" r:id="rId7"/>
   </p:sldIdLst>
   <p:sldSz cx="12192000" cy="6858000"/>
   <p:notesSz cx="6858000" cy="9144000"/>
@@ -268,7 +266,7 @@
           <a:p>
             <a:fld id="{BE17025A-5189-4947-81BB-5983C6028C2C}" type="datetimeFigureOut">
               <a:rPr lang="de-DE" smtClean="0"/>
-              <a:t>04.08.2022</a:t>
+              <a:t>05.08.2022</a:t>
             </a:fld>
             <a:endParaRPr lang="de-DE"/>
           </a:p>
@@ -468,7 +466,7 @@
           <a:p>
             <a:fld id="{BE17025A-5189-4947-81BB-5983C6028C2C}" type="datetimeFigureOut">
               <a:rPr lang="de-DE" smtClean="0"/>
-              <a:t>04.08.2022</a:t>
+              <a:t>05.08.2022</a:t>
             </a:fld>
             <a:endParaRPr lang="de-DE"/>
           </a:p>
@@ -678,7 +676,7 @@
           <a:p>
             <a:fld id="{BE17025A-5189-4947-81BB-5983C6028C2C}" type="datetimeFigureOut">
               <a:rPr lang="de-DE" smtClean="0"/>
-              <a:t>04.08.2022</a:t>
+              <a:t>05.08.2022</a:t>
             </a:fld>
             <a:endParaRPr lang="de-DE"/>
           </a:p>
@@ -878,7 +876,7 @@
           <a:p>
             <a:fld id="{BE17025A-5189-4947-81BB-5983C6028C2C}" type="datetimeFigureOut">
               <a:rPr lang="de-DE" smtClean="0"/>
-              <a:t>04.08.2022</a:t>
+              <a:t>05.08.2022</a:t>
             </a:fld>
             <a:endParaRPr lang="de-DE"/>
           </a:p>
@@ -1154,7 +1152,7 @@
           <a:p>
             <a:fld id="{BE17025A-5189-4947-81BB-5983C6028C2C}" type="datetimeFigureOut">
               <a:rPr lang="de-DE" smtClean="0"/>
-              <a:t>04.08.2022</a:t>
+              <a:t>05.08.2022</a:t>
             </a:fld>
             <a:endParaRPr lang="de-DE"/>
           </a:p>
@@ -1422,7 +1420,7 @@
           <a:p>
             <a:fld id="{BE17025A-5189-4947-81BB-5983C6028C2C}" type="datetimeFigureOut">
               <a:rPr lang="de-DE" smtClean="0"/>
-              <a:t>04.08.2022</a:t>
+              <a:t>05.08.2022</a:t>
             </a:fld>
             <a:endParaRPr lang="de-DE"/>
           </a:p>
@@ -1837,7 +1835,7 @@
           <a:p>
             <a:fld id="{BE17025A-5189-4947-81BB-5983C6028C2C}" type="datetimeFigureOut">
               <a:rPr lang="de-DE" smtClean="0"/>
-              <a:t>04.08.2022</a:t>
+              <a:t>05.08.2022</a:t>
             </a:fld>
             <a:endParaRPr lang="de-DE"/>
           </a:p>
@@ -1979,7 +1977,7 @@
           <a:p>
             <a:fld id="{BE17025A-5189-4947-81BB-5983C6028C2C}" type="datetimeFigureOut">
               <a:rPr lang="de-DE" smtClean="0"/>
-              <a:t>04.08.2022</a:t>
+              <a:t>05.08.2022</a:t>
             </a:fld>
             <a:endParaRPr lang="de-DE"/>
           </a:p>
@@ -2092,7 +2090,7 @@
           <a:p>
             <a:fld id="{BE17025A-5189-4947-81BB-5983C6028C2C}" type="datetimeFigureOut">
               <a:rPr lang="de-DE" smtClean="0"/>
-              <a:t>04.08.2022</a:t>
+              <a:t>05.08.2022</a:t>
             </a:fld>
             <a:endParaRPr lang="de-DE"/>
           </a:p>
@@ -2405,7 +2403,7 @@
           <a:p>
             <a:fld id="{BE17025A-5189-4947-81BB-5983C6028C2C}" type="datetimeFigureOut">
               <a:rPr lang="de-DE" smtClean="0"/>
-              <a:t>04.08.2022</a:t>
+              <a:t>05.08.2022</a:t>
             </a:fld>
             <a:endParaRPr lang="de-DE"/>
           </a:p>
@@ -2694,7 +2692,7 @@
           <a:p>
             <a:fld id="{BE17025A-5189-4947-81BB-5983C6028C2C}" type="datetimeFigureOut">
               <a:rPr lang="de-DE" smtClean="0"/>
-              <a:t>04.08.2022</a:t>
+              <a:t>05.08.2022</a:t>
             </a:fld>
             <a:endParaRPr lang="de-DE"/>
           </a:p>
@@ -2937,7 +2935,7 @@
           <a:p>
             <a:fld id="{BE17025A-5189-4947-81BB-5983C6028C2C}" type="datetimeFigureOut">
               <a:rPr lang="de-DE" smtClean="0"/>
-              <a:t>04.08.2022</a:t>
+              <a:t>05.08.2022</a:t>
             </a:fld>
             <a:endParaRPr lang="de-DE"/>
           </a:p>
@@ -3737,7 +3735,7 @@
         </p:nvSpPr>
         <p:spPr>
           <a:xfrm>
-            <a:off x="4983302" y="3984021"/>
+            <a:off x="4839809" y="4215328"/>
             <a:ext cx="2512381" cy="550415"/>
           </a:xfrm>
           <a:prstGeom prst="rect">
@@ -3764,8 +3762,8 @@
           <a:p>
             <a:pPr algn="ctr"/>
             <a:r>
-              <a:rPr lang="de-DE" dirty="0"/>
-              <a:t>3512</a:t>
+              <a:rPr lang="de-DE" sz="2800" b="1" dirty="0"/>
+              <a:t>3500</a:t>
             </a:r>
           </a:p>
         </p:txBody>
@@ -4403,30 +4401,72 @@
       </p:sp>
       <p:pic>
         <p:nvPicPr>
-          <p:cNvPr id="5" name="Content Placeholder 4">
-            <a:extLst>
-              <a:ext uri="{FF2B5EF4-FFF2-40B4-BE49-F238E27FC236}">
-                <a16:creationId xmlns:a16="http://schemas.microsoft.com/office/drawing/2014/main" id="{3EB95B79-9BD5-4B47-A6C0-6B22758C38C3}"/>
+          <p:cNvPr id="13" name="Picture 12">
+            <a:extLst>
+              <a:ext uri="{FF2B5EF4-FFF2-40B4-BE49-F238E27FC236}">
+                <a16:creationId xmlns:a16="http://schemas.microsoft.com/office/drawing/2014/main" id="{A01CC9EE-2620-4087-854F-C14B83691417}"/>
               </a:ext>
             </a:extLst>
           </p:cNvPr>
           <p:cNvPicPr>
-            <a:picLocks noGrp="1" noChangeAspect="1"/>
+            <a:picLocks noChangeAspect="1"/>
           </p:cNvPicPr>
-          <p:nvPr>
-            <p:ph idx="1"/>
-          </p:nvPr>
+          <p:nvPr/>
         </p:nvPicPr>
         <p:blipFill>
-          <a:blip r:embed="rId2"/>
+          <a:blip r:embed="rId2">
+            <a:extLst>
+              <a:ext uri="{28A0092B-C50C-407E-A947-70E740481C1C}">
+                <a14:useLocalDpi xmlns:a14="http://schemas.microsoft.com/office/drawing/2010/main" val="0"/>
+              </a:ext>
+            </a:extLst>
+          </a:blip>
           <a:stretch>
             <a:fillRect/>
           </a:stretch>
         </p:blipFill>
         <p:spPr>
           <a:xfrm>
-            <a:off x="1313895" y="1463394"/>
-            <a:ext cx="9303438" cy="4937406"/>
+            <a:off x="0" y="1892487"/>
+            <a:ext cx="6270982" cy="3762589"/>
+          </a:xfrm>
+          <a:prstGeom prst="rect">
+            <a:avLst/>
+          </a:prstGeom>
+        </p:spPr>
+      </p:pic>
+      <p:pic>
+        <p:nvPicPr>
+          <p:cNvPr id="17" name="Content Placeholder 16">
+            <a:extLst>
+              <a:ext uri="{FF2B5EF4-FFF2-40B4-BE49-F238E27FC236}">
+                <a16:creationId xmlns:a16="http://schemas.microsoft.com/office/drawing/2014/main" id="{B8135A7A-6F07-42A3-89A9-78FB5E6C3522}"/>
+              </a:ext>
+            </a:extLst>
+          </p:cNvPr>
+          <p:cNvPicPr>
+            <a:picLocks noGrp="1" noChangeAspect="1"/>
+          </p:cNvPicPr>
+          <p:nvPr>
+            <p:ph idx="1"/>
+          </p:nvPr>
+        </p:nvPicPr>
+        <p:blipFill>
+          <a:blip r:embed="rId3">
+            <a:extLst>
+              <a:ext uri="{28A0092B-C50C-407E-A947-70E740481C1C}">
+                <a14:useLocalDpi xmlns:a14="http://schemas.microsoft.com/office/drawing/2010/main" val="0"/>
+              </a:ext>
+            </a:extLst>
+          </a:blip>
+          <a:stretch>
+            <a:fillRect/>
+          </a:stretch>
+        </p:blipFill>
+        <p:spPr>
+          <a:xfrm>
+            <a:off x="6096000" y="1927225"/>
+            <a:ext cx="6155184" cy="3693111"/>
           </a:xfrm>
         </p:spPr>
       </p:pic>
@@ -4465,229 +4505,6 @@
           <p:cNvPr id="2" name="Title 1">
             <a:extLst>
               <a:ext uri="{FF2B5EF4-FFF2-40B4-BE49-F238E27FC236}">
-                <a16:creationId xmlns:a16="http://schemas.microsoft.com/office/drawing/2014/main" id="{A0F26F78-EF1E-4BA6-B9AC-65BA7C602C25}"/>
-              </a:ext>
-            </a:extLst>
-          </p:cNvPr>
-          <p:cNvSpPr>
-            <a:spLocks noGrp="1"/>
-          </p:cNvSpPr>
-          <p:nvPr>
-            <p:ph type="title"/>
-          </p:nvPr>
-        </p:nvSpPr>
-        <p:spPr/>
-        <p:txBody>
-          <a:bodyPr/>
-          <a:lstStyle/>
-          <a:p>
-            <a:r>
-              <a:rPr lang="de-DE" dirty="0">
-                <a:latin typeface="Times New Roman" panose="02020603050405020304" pitchFamily="18" charset="0"/>
-                <a:cs typeface="Times New Roman" panose="02020603050405020304" pitchFamily="18" charset="0"/>
-              </a:rPr>
-              <a:t>2. </a:t>
-            </a:r>
-            <a:r>
-              <a:rPr lang="de-DE" dirty="0" err="1">
-                <a:latin typeface="Times New Roman" panose="02020603050405020304" pitchFamily="18" charset="0"/>
-                <a:cs typeface="Times New Roman" panose="02020603050405020304" pitchFamily="18" charset="0"/>
-              </a:rPr>
-              <a:t>Exploratory</a:t>
-            </a:r>
-            <a:r>
-              <a:rPr lang="de-DE" dirty="0">
-                <a:latin typeface="Times New Roman" panose="02020603050405020304" pitchFamily="18" charset="0"/>
-                <a:cs typeface="Times New Roman" panose="02020603050405020304" pitchFamily="18" charset="0"/>
-              </a:rPr>
-              <a:t> Data Analyst</a:t>
-            </a:r>
-            <a:endParaRPr lang="de-DE" dirty="0"/>
-          </a:p>
-        </p:txBody>
-      </p:sp>
-      <p:pic>
-        <p:nvPicPr>
-          <p:cNvPr id="5" name="Content Placeholder 4">
-            <a:extLst>
-              <a:ext uri="{FF2B5EF4-FFF2-40B4-BE49-F238E27FC236}">
-                <a16:creationId xmlns:a16="http://schemas.microsoft.com/office/drawing/2014/main" id="{A7A3253E-96C4-4698-842F-C62EB5FAAF56}"/>
-              </a:ext>
-            </a:extLst>
-          </p:cNvPr>
-          <p:cNvPicPr>
-            <a:picLocks noGrp="1" noChangeAspect="1"/>
-          </p:cNvPicPr>
-          <p:nvPr>
-            <p:ph idx="1"/>
-          </p:nvPr>
-        </p:nvPicPr>
-        <p:blipFill>
-          <a:blip r:embed="rId2"/>
-          <a:stretch>
-            <a:fillRect/>
-          </a:stretch>
-        </p:blipFill>
-        <p:spPr>
-          <a:xfrm>
-            <a:off x="1472629" y="1790114"/>
-            <a:ext cx="2695022" cy="4351338"/>
-          </a:xfrm>
-        </p:spPr>
-      </p:pic>
-      <p:pic>
-        <p:nvPicPr>
-          <p:cNvPr id="7" name="Picture 6">
-            <a:extLst>
-              <a:ext uri="{FF2B5EF4-FFF2-40B4-BE49-F238E27FC236}">
-                <a16:creationId xmlns:a16="http://schemas.microsoft.com/office/drawing/2014/main" id="{F456421B-0879-44CE-8124-C9F009F16772}"/>
-              </a:ext>
-            </a:extLst>
-          </p:cNvPr>
-          <p:cNvPicPr>
-            <a:picLocks noChangeAspect="1"/>
-          </p:cNvPicPr>
-          <p:nvPr/>
-        </p:nvPicPr>
-        <p:blipFill>
-          <a:blip r:embed="rId3"/>
-          <a:stretch>
-            <a:fillRect/>
-          </a:stretch>
-        </p:blipFill>
-        <p:spPr>
-          <a:xfrm>
-            <a:off x="6625935" y="1690688"/>
-            <a:ext cx="2127448" cy="4418545"/>
-          </a:xfrm>
-          <a:prstGeom prst="rect">
-            <a:avLst/>
-          </a:prstGeom>
-        </p:spPr>
-      </p:pic>
-      <p:sp>
-        <p:nvSpPr>
-          <p:cNvPr id="8" name="TextBox 7">
-            <a:extLst>
-              <a:ext uri="{FF2B5EF4-FFF2-40B4-BE49-F238E27FC236}">
-                <a16:creationId xmlns:a16="http://schemas.microsoft.com/office/drawing/2014/main" id="{24277DAE-D627-4E34-AD18-D04B1C43B8DF}"/>
-              </a:ext>
-            </a:extLst>
-          </p:cNvPr>
-          <p:cNvSpPr txBox="1"/>
-          <p:nvPr/>
-        </p:nvSpPr>
-        <p:spPr>
-          <a:xfrm>
-            <a:off x="2024109" y="6240754"/>
-            <a:ext cx="1793289" cy="400110"/>
-          </a:xfrm>
-          <a:prstGeom prst="rect">
-            <a:avLst/>
-          </a:prstGeom>
-          <a:noFill/>
-        </p:spPr>
-        <p:txBody>
-          <a:bodyPr wrap="square" rtlCol="0">
-            <a:spAutoFit/>
-          </a:bodyPr>
-          <a:lstStyle/>
-          <a:p>
-            <a:r>
-              <a:rPr lang="de-DE" sz="2000" b="1" dirty="0" err="1"/>
-              <a:t>Two</a:t>
-            </a:r>
-            <a:r>
-              <a:rPr lang="de-DE" sz="2000" b="1" dirty="0"/>
-              <a:t> </a:t>
-            </a:r>
-            <a:r>
-              <a:rPr lang="de-DE" sz="2000" b="1" dirty="0" err="1"/>
-              <a:t>words</a:t>
-            </a:r>
-            <a:endParaRPr lang="de-DE" sz="2000" b="1" dirty="0"/>
-          </a:p>
-        </p:txBody>
-      </p:sp>
-      <p:sp>
-        <p:nvSpPr>
-          <p:cNvPr id="9" name="TextBox 8">
-            <a:extLst>
-              <a:ext uri="{FF2B5EF4-FFF2-40B4-BE49-F238E27FC236}">
-                <a16:creationId xmlns:a16="http://schemas.microsoft.com/office/drawing/2014/main" id="{4EF9C37F-A8F9-45B3-97FB-51950A59170B}"/>
-              </a:ext>
-            </a:extLst>
-          </p:cNvPr>
-          <p:cNvSpPr txBox="1"/>
-          <p:nvPr/>
-        </p:nvSpPr>
-        <p:spPr>
-          <a:xfrm>
-            <a:off x="7235301" y="6217419"/>
-            <a:ext cx="1313895" cy="400110"/>
-          </a:xfrm>
-          <a:prstGeom prst="rect">
-            <a:avLst/>
-          </a:prstGeom>
-          <a:noFill/>
-        </p:spPr>
-        <p:txBody>
-          <a:bodyPr wrap="square" rtlCol="0">
-            <a:spAutoFit/>
-          </a:bodyPr>
-          <a:lstStyle/>
-          <a:p>
-            <a:r>
-              <a:rPr lang="de-DE" sz="2000" b="1" dirty="0" err="1"/>
-              <a:t>One</a:t>
-            </a:r>
-            <a:r>
-              <a:rPr lang="de-DE" sz="2000" b="1" dirty="0"/>
-              <a:t> </a:t>
-            </a:r>
-            <a:r>
-              <a:rPr lang="de-DE" sz="2000" b="1" dirty="0" err="1"/>
-              <a:t>word</a:t>
-            </a:r>
-            <a:endParaRPr lang="de-DE" sz="2000" b="1" dirty="0"/>
-          </a:p>
-        </p:txBody>
-      </p:sp>
-    </p:spTree>
-    <p:extLst>
-      <p:ext uri="{BB962C8B-B14F-4D97-AF65-F5344CB8AC3E}">
-        <p14:creationId xmlns:p14="http://schemas.microsoft.com/office/powerpoint/2010/main" val="2685701256"/>
-      </p:ext>
-    </p:extLst>
-  </p:cSld>
-  <p:clrMapOvr>
-    <a:masterClrMapping/>
-  </p:clrMapOvr>
-</p:sld>
-</file>
-
-<file path=ppt/slides/slide7.xml><?xml version="1.0" encoding="utf-8"?>
-<p:sld xmlns:a="http://schemas.openxmlformats.org/drawingml/2006/main" xmlns:r="http://schemas.openxmlformats.org/officeDocument/2006/relationships" xmlns:p="http://schemas.openxmlformats.org/presentationml/2006/main">
-  <p:cSld>
-    <p:spTree>
-      <p:nvGrpSpPr>
-        <p:cNvPr id="1" name=""/>
-        <p:cNvGrpSpPr/>
-        <p:nvPr/>
-      </p:nvGrpSpPr>
-      <p:grpSpPr>
-        <a:xfrm>
-          <a:off x="0" y="0"/>
-          <a:ext cx="0" cy="0"/>
-          <a:chOff x="0" y="0"/>
-          <a:chExt cx="0" cy="0"/>
-        </a:xfrm>
-      </p:grpSpPr>
-      <p:sp>
-        <p:nvSpPr>
-          <p:cNvPr id="2" name="Title 1">
-            <a:extLst>
-              <a:ext uri="{FF2B5EF4-FFF2-40B4-BE49-F238E27FC236}">
                 <a16:creationId xmlns:a16="http://schemas.microsoft.com/office/drawing/2014/main" id="{874CD79B-61D5-437C-8992-E8BBD8F96992}"/>
               </a:ext>
             </a:extLst>
@@ -4725,35 +4542,6 @@
           </a:p>
         </p:txBody>
       </p:sp>
-      <p:pic>
-        <p:nvPicPr>
-          <p:cNvPr id="5" name="Content Placeholder 4">
-            <a:extLst>
-              <a:ext uri="{FF2B5EF4-FFF2-40B4-BE49-F238E27FC236}">
-                <a16:creationId xmlns:a16="http://schemas.microsoft.com/office/drawing/2014/main" id="{D40FD286-280D-4BA3-A702-DFB51E735404}"/>
-              </a:ext>
-            </a:extLst>
-          </p:cNvPr>
-          <p:cNvPicPr>
-            <a:picLocks noGrp="1" noChangeAspect="1"/>
-          </p:cNvPicPr>
-          <p:nvPr>
-            <p:ph idx="1"/>
-          </p:nvPr>
-        </p:nvPicPr>
-        <p:blipFill>
-          <a:blip r:embed="rId2"/>
-          <a:stretch>
-            <a:fillRect/>
-          </a:stretch>
-        </p:blipFill>
-        <p:spPr>
-          <a:xfrm>
-            <a:off x="6566518" y="1285192"/>
-            <a:ext cx="5257800" cy="1750064"/>
-          </a:xfrm>
-        </p:spPr>
-      </p:pic>
       <p:sp>
         <p:nvSpPr>
           <p:cNvPr id="7" name="TextBox 6">
@@ -5051,131 +4839,21 @@
           </a:p>
         </p:txBody>
       </p:sp>
-    </p:spTree>
-    <p:extLst>
-      <p:ext uri="{BB962C8B-B14F-4D97-AF65-F5344CB8AC3E}">
-        <p14:creationId xmlns:p14="http://schemas.microsoft.com/office/powerpoint/2010/main" val="3973118690"/>
-      </p:ext>
-    </p:extLst>
-  </p:cSld>
-  <p:clrMapOvr>
-    <a:masterClrMapping/>
-  </p:clrMapOvr>
-</p:sld>
-</file>
-
-<file path=ppt/slides/slide8.xml><?xml version="1.0" encoding="utf-8"?>
-<p:sld xmlns:a="http://schemas.openxmlformats.org/drawingml/2006/main" xmlns:r="http://schemas.openxmlformats.org/officeDocument/2006/relationships" xmlns:p="http://schemas.openxmlformats.org/presentationml/2006/main">
-  <p:cSld>
-    <p:spTree>
-      <p:nvGrpSpPr>
-        <p:cNvPr id="1" name=""/>
-        <p:cNvGrpSpPr/>
-        <p:nvPr/>
-      </p:nvGrpSpPr>
-      <p:grpSpPr>
-        <a:xfrm>
-          <a:off x="0" y="0"/>
-          <a:ext cx="0" cy="0"/>
-          <a:chOff x="0" y="0"/>
-          <a:chExt cx="0" cy="0"/>
-        </a:xfrm>
-      </p:grpSpPr>
-      <p:sp>
-        <p:nvSpPr>
-          <p:cNvPr id="2" name="Title 1">
-            <a:extLst>
-              <a:ext uri="{FF2B5EF4-FFF2-40B4-BE49-F238E27FC236}">
-                <a16:creationId xmlns:a16="http://schemas.microsoft.com/office/drawing/2014/main" id="{24608B90-3B5E-43FE-ADF9-87891578F87F}"/>
-              </a:ext>
-            </a:extLst>
-          </p:cNvPr>
-          <p:cNvSpPr>
-            <a:spLocks noGrp="1"/>
-          </p:cNvSpPr>
-          <p:nvPr>
-            <p:ph type="title"/>
-          </p:nvPr>
-        </p:nvSpPr>
-        <p:spPr>
-          <a:xfrm>
-            <a:off x="838200" y="365126"/>
-            <a:ext cx="10019190" cy="842238"/>
-          </a:xfrm>
-        </p:spPr>
-        <p:txBody>
-          <a:bodyPr/>
-          <a:lstStyle/>
-          <a:p>
-            <a:r>
-              <a:rPr lang="de-DE" b="1" dirty="0">
-                <a:latin typeface="Times New Roman" panose="02020603050405020304" pitchFamily="18" charset="0"/>
-                <a:cs typeface="Times New Roman" panose="02020603050405020304" pitchFamily="18" charset="0"/>
-              </a:rPr>
-              <a:t>3. Job </a:t>
-            </a:r>
-            <a:r>
-              <a:rPr lang="de-DE" b="1" dirty="0" err="1">
-                <a:latin typeface="Times New Roman" panose="02020603050405020304" pitchFamily="18" charset="0"/>
-                <a:cs typeface="Times New Roman" panose="02020603050405020304" pitchFamily="18" charset="0"/>
-              </a:rPr>
-              <a:t>recommender</a:t>
-            </a:r>
-            <a:endParaRPr lang="de-DE" dirty="0"/>
-          </a:p>
-        </p:txBody>
-      </p:sp>
-      <p:sp>
-        <p:nvSpPr>
-          <p:cNvPr id="3" name="Content Placeholder 2">
-            <a:extLst>
-              <a:ext uri="{FF2B5EF4-FFF2-40B4-BE49-F238E27FC236}">
-                <a16:creationId xmlns:a16="http://schemas.microsoft.com/office/drawing/2014/main" id="{AA053B28-1055-48A7-9317-6E47C1101774}"/>
-              </a:ext>
-            </a:extLst>
-          </p:cNvPr>
-          <p:cNvSpPr>
-            <a:spLocks noGrp="1"/>
-          </p:cNvSpPr>
-          <p:nvPr>
-            <p:ph idx="1"/>
-          </p:nvPr>
-        </p:nvSpPr>
-        <p:spPr>
-          <a:xfrm>
-            <a:off x="967666" y="1426130"/>
-            <a:ext cx="10386134" cy="438181"/>
-          </a:xfrm>
-        </p:spPr>
-        <p:txBody>
-          <a:bodyPr>
-            <a:normAutofit fontScale="92500" lnSpcReduction="10000"/>
-          </a:bodyPr>
-          <a:lstStyle/>
-          <a:p>
-            <a:pPr marL="0" indent="0">
-              <a:buNone/>
-            </a:pPr>
-            <a:r>
-              <a:rPr lang="de-DE" b="1" dirty="0"/>
-              <a:t>Evaluation</a:t>
-            </a:r>
-          </a:p>
-        </p:txBody>
-      </p:sp>
       <p:pic>
         <p:nvPicPr>
-          <p:cNvPr id="5" name="Picture 4">
-            <a:extLst>
-              <a:ext uri="{FF2B5EF4-FFF2-40B4-BE49-F238E27FC236}">
-                <a16:creationId xmlns:a16="http://schemas.microsoft.com/office/drawing/2014/main" id="{D0707F54-943A-4FDA-AB05-4678C0200D7D}"/>
+          <p:cNvPr id="12" name="Content Placeholder 11">
+            <a:extLst>
+              <a:ext uri="{FF2B5EF4-FFF2-40B4-BE49-F238E27FC236}">
+                <a16:creationId xmlns:a16="http://schemas.microsoft.com/office/drawing/2014/main" id="{50AC7108-296E-430F-B04D-DE89B8B1D4A2}"/>
               </a:ext>
             </a:extLst>
           </p:cNvPr>
           <p:cNvPicPr>
-            <a:picLocks noChangeAspect="1"/>
+            <a:picLocks noGrp="1" noChangeAspect="1"/>
           </p:cNvPicPr>
-          <p:nvPr/>
+          <p:nvPr>
+            <p:ph idx="1"/>
+          </p:nvPr>
         </p:nvPicPr>
         <p:blipFill>
           <a:blip r:embed="rId2"/>
@@ -5185,18 +4863,15 @@
         </p:blipFill>
         <p:spPr>
           <a:xfrm>
-            <a:off x="967666" y="1864311"/>
-            <a:ext cx="11055658" cy="4973711"/>
+            <a:off x="7554533" y="1690688"/>
+            <a:ext cx="4424401" cy="4351338"/>
           </a:xfrm>
-          <a:prstGeom prst="rect">
-            <a:avLst/>
-          </a:prstGeom>
         </p:spPr>
       </p:pic>
     </p:spTree>
     <p:extLst>
       <p:ext uri="{BB962C8B-B14F-4D97-AF65-F5344CB8AC3E}">
-        <p14:creationId xmlns:p14="http://schemas.microsoft.com/office/powerpoint/2010/main" val="2150060924"/>
+        <p14:creationId xmlns:p14="http://schemas.microsoft.com/office/powerpoint/2010/main" val="3973118690"/>
       </p:ext>
     </p:extLst>
   </p:cSld>

--- a/JOB RECOMMENDER.pptx
+++ b/JOB RECOMMENDER.pptx
@@ -3370,7 +3370,7 @@
         </p:nvSpPr>
         <p:spPr>
           <a:xfrm>
-            <a:off x="479394" y="284084"/>
+            <a:off x="239697" y="1899820"/>
             <a:ext cx="11398927" cy="2281562"/>
           </a:xfrm>
         </p:spPr>
@@ -3414,36 +3414,6 @@
                 <a:schemeClr val="accent1"/>
               </a:solidFill>
             </a:endParaRPr>
-          </a:p>
-        </p:txBody>
-      </p:sp>
-      <p:sp>
-        <p:nvSpPr>
-          <p:cNvPr id="3" name="Subtitle 2">
-            <a:extLst>
-              <a:ext uri="{FF2B5EF4-FFF2-40B4-BE49-F238E27FC236}">
-                <a16:creationId xmlns:a16="http://schemas.microsoft.com/office/drawing/2014/main" id="{86FA07F6-FA34-47C6-BFB1-94111673A9FA}"/>
-              </a:ext>
-            </a:extLst>
-          </p:cNvPr>
-          <p:cNvSpPr>
-            <a:spLocks noGrp="1"/>
-          </p:cNvSpPr>
-          <p:nvPr>
-            <p:ph type="subTitle" idx="1"/>
-          </p:nvPr>
-        </p:nvSpPr>
-        <p:spPr>
-          <a:xfrm>
-            <a:off x="1168892" y="2787588"/>
-            <a:ext cx="10398711" cy="3411245"/>
-          </a:xfrm>
-        </p:spPr>
-        <p:txBody>
-          <a:bodyPr/>
-          <a:lstStyle/>
-          <a:p>
-            <a:endParaRPr lang="de-DE" dirty="0"/>
           </a:p>
         </p:txBody>
       </p:sp>
@@ -3533,8 +3503,8 @@
         </p:nvSpPr>
         <p:spPr>
           <a:xfrm>
-            <a:off x="802688" y="1582341"/>
-            <a:ext cx="6507332" cy="1846659"/>
+            <a:off x="210260" y="1845012"/>
+            <a:ext cx="6507332" cy="1107996"/>
           </a:xfrm>
           <a:prstGeom prst="rect">
             <a:avLst/>
@@ -3552,22 +3522,6 @@
                 <a:latin typeface="Times New Roman" panose="02020603050405020304" pitchFamily="18" charset="0"/>
                 <a:cs typeface="Times New Roman" panose="02020603050405020304" pitchFamily="18" charset="0"/>
               </a:rPr>
-              <a:t>Time	     : </a:t>
-            </a:r>
-            <a:r>
-              <a:rPr lang="de-DE" sz="2400" dirty="0">
-                <a:latin typeface="Times New Roman" panose="02020603050405020304" pitchFamily="18" charset="0"/>
-                <a:cs typeface="Times New Roman" panose="02020603050405020304" pitchFamily="18" charset="0"/>
-              </a:rPr>
-              <a:t>21.07 and 29.07</a:t>
-            </a:r>
-          </a:p>
-          <a:p>
-            <a:r>
-              <a:rPr lang="de-DE" sz="2400" b="1" dirty="0">
-                <a:latin typeface="Times New Roman" panose="02020603050405020304" pitchFamily="18" charset="0"/>
-                <a:cs typeface="Times New Roman" panose="02020603050405020304" pitchFamily="18" charset="0"/>
-              </a:rPr>
               <a:t>Keyword : </a:t>
             </a:r>
             <a:r>
@@ -3607,54 +3561,6 @@
               </a:rPr>
               <a:t> Germany</a:t>
             </a:r>
-          </a:p>
-          <a:p>
-            <a:r>
-              <a:rPr lang="de-DE" sz="2400" b="1" dirty="0" err="1">
-                <a:latin typeface="Times New Roman" panose="02020603050405020304" pitchFamily="18" charset="0"/>
-                <a:cs typeface="Times New Roman" panose="02020603050405020304" pitchFamily="18" charset="0"/>
-              </a:rPr>
-              <a:t>Platform</a:t>
-            </a:r>
-            <a:r>
-              <a:rPr lang="de-DE" sz="2400" b="1" dirty="0">
-                <a:latin typeface="Times New Roman" panose="02020603050405020304" pitchFamily="18" charset="0"/>
-                <a:cs typeface="Times New Roman" panose="02020603050405020304" pitchFamily="18" charset="0"/>
-              </a:rPr>
-              <a:t>  :</a:t>
-            </a:r>
-            <a:r>
-              <a:rPr lang="de-DE" sz="2400" dirty="0">
-                <a:latin typeface="Times New Roman" panose="02020603050405020304" pitchFamily="18" charset="0"/>
-                <a:cs typeface="Times New Roman" panose="02020603050405020304" pitchFamily="18" charset="0"/>
-              </a:rPr>
-              <a:t> </a:t>
-            </a:r>
-            <a:r>
-              <a:rPr lang="de-DE" sz="2400" dirty="0" err="1">
-                <a:latin typeface="Times New Roman" panose="02020603050405020304" pitchFamily="18" charset="0"/>
-                <a:cs typeface="Times New Roman" panose="02020603050405020304" pitchFamily="18" charset="0"/>
-              </a:rPr>
-              <a:t>Indeed</a:t>
-            </a:r>
-            <a:r>
-              <a:rPr lang="de-DE" sz="2400" dirty="0">
-                <a:latin typeface="Times New Roman" panose="02020603050405020304" pitchFamily="18" charset="0"/>
-                <a:cs typeface="Times New Roman" panose="02020603050405020304" pitchFamily="18" charset="0"/>
-              </a:rPr>
-              <a:t>, Glassdoor and </a:t>
-            </a:r>
-            <a:r>
-              <a:rPr lang="de-DE" sz="2400" dirty="0" err="1">
-                <a:latin typeface="Times New Roman" panose="02020603050405020304" pitchFamily="18" charset="0"/>
-                <a:cs typeface="Times New Roman" panose="02020603050405020304" pitchFamily="18" charset="0"/>
-              </a:rPr>
-              <a:t>Linkedin</a:t>
-            </a:r>
-            <a:endParaRPr lang="de-DE" sz="2400" dirty="0">
-              <a:latin typeface="Times New Roman" panose="02020603050405020304" pitchFamily="18" charset="0"/>
-              <a:cs typeface="Times New Roman" panose="02020603050405020304" pitchFamily="18" charset="0"/>
-            </a:endParaRPr>
           </a:p>
           <a:p>
             <a:endParaRPr lang="de-DE" dirty="0"/>
@@ -3683,7 +3589,7 @@
         </p:blipFill>
         <p:spPr>
           <a:xfrm>
-            <a:off x="1094449" y="5275659"/>
+            <a:off x="437627" y="4026409"/>
             <a:ext cx="2924175" cy="876300"/>
           </a:xfrm>
           <a:prstGeom prst="rect">
@@ -3713,7 +3619,7 @@
         </p:blipFill>
         <p:spPr>
           <a:xfrm>
-            <a:off x="8626184" y="5342334"/>
+            <a:off x="8574668" y="4093084"/>
             <a:ext cx="3228975" cy="742950"/>
           </a:xfrm>
           <a:prstGeom prst="rect">
@@ -3721,53 +3627,6 @@
           </a:prstGeom>
         </p:spPr>
       </p:pic>
-      <p:sp>
-        <p:nvSpPr>
-          <p:cNvPr id="15" name="Rectangle 14">
-            <a:extLst>
-              <a:ext uri="{FF2B5EF4-FFF2-40B4-BE49-F238E27FC236}">
-                <a16:creationId xmlns:a16="http://schemas.microsoft.com/office/drawing/2014/main" id="{CB1CB52C-0CD7-4873-99A8-78E9C6F6AC31}"/>
-              </a:ext>
-            </a:extLst>
-          </p:cNvPr>
-          <p:cNvSpPr/>
-          <p:nvPr/>
-        </p:nvSpPr>
-        <p:spPr>
-          <a:xfrm>
-            <a:off x="4839809" y="4215328"/>
-            <a:ext cx="2512381" cy="550415"/>
-          </a:xfrm>
-          <a:prstGeom prst="rect">
-            <a:avLst/>
-          </a:prstGeom>
-        </p:spPr>
-        <p:style>
-          <a:lnRef idx="2">
-            <a:schemeClr val="accent6"/>
-          </a:lnRef>
-          <a:fillRef idx="1">
-            <a:schemeClr val="lt1"/>
-          </a:fillRef>
-          <a:effectRef idx="0">
-            <a:schemeClr val="accent6"/>
-          </a:effectRef>
-          <a:fontRef idx="minor">
-            <a:schemeClr val="dk1"/>
-          </a:fontRef>
-        </p:style>
-        <p:txBody>
-          <a:bodyPr rtlCol="0" anchor="ctr"/>
-          <a:lstStyle/>
-          <a:p>
-            <a:pPr algn="ctr"/>
-            <a:r>
-              <a:rPr lang="de-DE" sz="2800" b="1" dirty="0"/>
-              <a:t>3500</a:t>
-            </a:r>
-          </a:p>
-        </p:txBody>
-      </p:sp>
       <p:pic>
         <p:nvPicPr>
           <p:cNvPr id="37" name="Picture 36">
@@ -3820,7 +3679,7 @@
         </p:blipFill>
         <p:spPr>
           <a:xfrm>
-            <a:off x="4767879" y="5342334"/>
+            <a:off x="4347477" y="5683625"/>
             <a:ext cx="2943225" cy="676275"/>
           </a:xfrm>
           <a:prstGeom prst="rect">
@@ -3968,7 +3827,7 @@
           <a:p>
             <a:r>
               <a:rPr lang="de-DE" sz="2400" dirty="0"/>
-              <a:t>	English:  1465</a:t>
+              <a:t>	English:  ~ 1400</a:t>
             </a:r>
           </a:p>
           <a:p>
@@ -3982,7 +3841,7 @@
             </a:r>
             <a:r>
               <a:rPr lang="de-DE" sz="2400" dirty="0"/>
-              <a:t>: 2047</a:t>
+              <a:t>: ~ 2000</a:t>
             </a:r>
           </a:p>
         </p:txBody>
@@ -4557,7 +4416,7 @@
         <p:spPr>
           <a:xfrm>
             <a:off x="497151" y="1597981"/>
-            <a:ext cx="5992426" cy="461665"/>
+            <a:ext cx="7696938" cy="461665"/>
           </a:xfrm>
           <a:prstGeom prst="rect">
             <a:avLst/>
@@ -4571,60 +4430,67 @@
           <a:lstStyle/>
           <a:p>
             <a:r>
-              <a:rPr lang="de-DE" sz="2400" dirty="0" err="1">
+              <a:rPr lang="de-DE" sz="2400" b="1" dirty="0" err="1">
                 <a:latin typeface="Times New Roman" panose="02020603050405020304" pitchFamily="18" charset="0"/>
                 <a:cs typeface="Times New Roman" panose="02020603050405020304" pitchFamily="18" charset="0"/>
               </a:rPr>
               <a:t>Using</a:t>
             </a:r>
             <a:r>
+              <a:rPr lang="de-DE" sz="2400" b="1" dirty="0">
+                <a:latin typeface="Times New Roman" panose="02020603050405020304" pitchFamily="18" charset="0"/>
+                <a:cs typeface="Times New Roman" panose="02020603050405020304" pitchFamily="18" charset="0"/>
+              </a:rPr>
+              <a:t> </a:t>
+            </a:r>
+            <a:r>
+              <a:rPr lang="de-DE" sz="2400" b="1" dirty="0" err="1">
+                <a:latin typeface="Times New Roman" panose="02020603050405020304" pitchFamily="18" charset="0"/>
+                <a:cs typeface="Times New Roman" panose="02020603050405020304" pitchFamily="18" charset="0"/>
+              </a:rPr>
+              <a:t>natural</a:t>
+            </a:r>
+            <a:r>
+              <a:rPr lang="de-DE" sz="2400" b="1" dirty="0">
+                <a:latin typeface="Times New Roman" panose="02020603050405020304" pitchFamily="18" charset="0"/>
+                <a:cs typeface="Times New Roman" panose="02020603050405020304" pitchFamily="18" charset="0"/>
+              </a:rPr>
+              <a:t> </a:t>
+            </a:r>
+            <a:r>
+              <a:rPr lang="de-DE" sz="2400" b="1" dirty="0" err="1">
+                <a:latin typeface="Times New Roman" panose="02020603050405020304" pitchFamily="18" charset="0"/>
+                <a:cs typeface="Times New Roman" panose="02020603050405020304" pitchFamily="18" charset="0"/>
+              </a:rPr>
+              <a:t>language</a:t>
+            </a:r>
+            <a:r>
+              <a:rPr lang="de-DE" sz="2400" b="1" dirty="0">
+                <a:latin typeface="Times New Roman" panose="02020603050405020304" pitchFamily="18" charset="0"/>
+                <a:cs typeface="Times New Roman" panose="02020603050405020304" pitchFamily="18" charset="0"/>
+              </a:rPr>
+              <a:t> </a:t>
+            </a:r>
+            <a:r>
+              <a:rPr lang="de-DE" sz="2400" b="1" dirty="0" err="1">
+                <a:latin typeface="Times New Roman" panose="02020603050405020304" pitchFamily="18" charset="0"/>
+                <a:cs typeface="Times New Roman" panose="02020603050405020304" pitchFamily="18" charset="0"/>
+              </a:rPr>
+              <a:t>processing</a:t>
+            </a:r>
+            <a:r>
+              <a:rPr lang="de-DE" sz="2400" b="1" dirty="0">
+                <a:latin typeface="Times New Roman" panose="02020603050405020304" pitchFamily="18" charset="0"/>
+                <a:cs typeface="Times New Roman" panose="02020603050405020304" pitchFamily="18" charset="0"/>
+              </a:rPr>
+              <a:t> </a:t>
+            </a:r>
+            <a:r>
               <a:rPr lang="de-DE" sz="2400" dirty="0">
                 <a:latin typeface="Times New Roman" panose="02020603050405020304" pitchFamily="18" charset="0"/>
                 <a:cs typeface="Times New Roman" panose="02020603050405020304" pitchFamily="18" charset="0"/>
               </a:rPr>
-              <a:t> </a:t>
-            </a:r>
-            <a:r>
-              <a:rPr lang="de-DE" sz="2400" dirty="0" err="1">
-                <a:latin typeface="Times New Roman" panose="02020603050405020304" pitchFamily="18" charset="0"/>
-                <a:cs typeface="Times New Roman" panose="02020603050405020304" pitchFamily="18" charset="0"/>
-              </a:rPr>
-              <a:t>natural</a:t>
-            </a:r>
-            <a:r>
-              <a:rPr lang="de-DE" sz="2400" dirty="0">
-                <a:latin typeface="Times New Roman" panose="02020603050405020304" pitchFamily="18" charset="0"/>
-                <a:cs typeface="Times New Roman" panose="02020603050405020304" pitchFamily="18" charset="0"/>
-              </a:rPr>
-              <a:t> </a:t>
-            </a:r>
-            <a:r>
-              <a:rPr lang="de-DE" sz="2400" dirty="0" err="1">
-                <a:latin typeface="Times New Roman" panose="02020603050405020304" pitchFamily="18" charset="0"/>
-                <a:cs typeface="Times New Roman" panose="02020603050405020304" pitchFamily="18" charset="0"/>
-              </a:rPr>
-              <a:t>language</a:t>
-            </a:r>
-            <a:r>
-              <a:rPr lang="de-DE" sz="2400" dirty="0">
-                <a:latin typeface="Times New Roman" panose="02020603050405020304" pitchFamily="18" charset="0"/>
-                <a:cs typeface="Times New Roman" panose="02020603050405020304" pitchFamily="18" charset="0"/>
-              </a:rPr>
-              <a:t> </a:t>
-            </a:r>
-            <a:r>
-              <a:rPr lang="de-DE" sz="2400" dirty="0" err="1">
-                <a:latin typeface="Times New Roman" panose="02020603050405020304" pitchFamily="18" charset="0"/>
-                <a:cs typeface="Times New Roman" panose="02020603050405020304" pitchFamily="18" charset="0"/>
-              </a:rPr>
-              <a:t>processing</a:t>
-            </a:r>
-            <a:r>
-              <a:rPr lang="de-DE" sz="2400" dirty="0">
-                <a:latin typeface="Times New Roman" panose="02020603050405020304" pitchFamily="18" charset="0"/>
-                <a:cs typeface="Times New Roman" panose="02020603050405020304" pitchFamily="18" charset="0"/>
-              </a:rPr>
-              <a:t> (</a:t>
+              <a:t>(</a:t>
             </a:r>
             <a:r>
               <a:rPr lang="de-DE" sz="2400" dirty="0" err="1">
@@ -4671,7 +4537,7 @@
         </p:nvSpPr>
         <p:spPr>
           <a:xfrm>
-            <a:off x="497151" y="2689934"/>
+            <a:off x="461642" y="2228822"/>
             <a:ext cx="5646198" cy="461665"/>
           </a:xfrm>
           <a:prstGeom prst="rect">
@@ -4686,34 +4552,34 @@
           <a:lstStyle/>
           <a:p>
             <a:r>
-              <a:rPr lang="de-DE" sz="2400" dirty="0">
+              <a:rPr lang="de-DE" sz="2400" b="1" dirty="0">
                 <a:latin typeface="Times New Roman" panose="02020603050405020304" pitchFamily="18" charset="0"/>
                 <a:cs typeface="Times New Roman" panose="02020603050405020304" pitchFamily="18" charset="0"/>
               </a:rPr>
               <a:t>Content Base </a:t>
             </a:r>
             <a:r>
-              <a:rPr lang="de-DE" sz="2400" dirty="0" err="1">
+              <a:rPr lang="de-DE" sz="2400" b="1" dirty="0" err="1">
                 <a:latin typeface="Times New Roman" panose="02020603050405020304" pitchFamily="18" charset="0"/>
                 <a:cs typeface="Times New Roman" panose="02020603050405020304" pitchFamily="18" charset="0"/>
               </a:rPr>
               <a:t>recommender</a:t>
             </a:r>
             <a:r>
-              <a:rPr lang="de-DE" sz="2400" dirty="0">
+              <a:rPr lang="de-DE" sz="2400" b="1" dirty="0">
                 <a:latin typeface="Times New Roman" panose="02020603050405020304" pitchFamily="18" charset="0"/>
                 <a:cs typeface="Times New Roman" panose="02020603050405020304" pitchFamily="18" charset="0"/>
               </a:rPr>
               <a:t> </a:t>
             </a:r>
             <a:r>
-              <a:rPr lang="de-DE" sz="2400" dirty="0" err="1">
+              <a:rPr lang="de-DE" sz="2400" b="1" dirty="0" err="1">
                 <a:latin typeface="Times New Roman" panose="02020603050405020304" pitchFamily="18" charset="0"/>
                 <a:cs typeface="Times New Roman" panose="02020603050405020304" pitchFamily="18" charset="0"/>
               </a:rPr>
               <a:t>system</a:t>
             </a:r>
-            <a:endParaRPr lang="de-DE" sz="2400" dirty="0">
+            <a:endParaRPr lang="de-DE" sz="2400" b="1" dirty="0">
               <a:latin typeface="Times New Roman" panose="02020603050405020304" pitchFamily="18" charset="0"/>
               <a:cs typeface="Times New Roman" panose="02020603050405020304" pitchFamily="18" charset="0"/>
             </a:endParaRPr>
@@ -4734,7 +4600,7 @@
         </p:nvSpPr>
         <p:spPr>
           <a:xfrm>
-            <a:off x="1624614" y="3533313"/>
+            <a:off x="1553593" y="2965256"/>
             <a:ext cx="4471386" cy="369332"/>
           </a:xfrm>
           <a:prstGeom prst="rect">
@@ -4778,7 +4644,7 @@
         </p:nvSpPr>
         <p:spPr>
           <a:xfrm>
-            <a:off x="1624614" y="4099693"/>
+            <a:off x="1553593" y="3491598"/>
             <a:ext cx="4471386" cy="369332"/>
           </a:xfrm>
           <a:prstGeom prst="rect">
@@ -4818,7 +4684,7 @@
         </p:nvSpPr>
         <p:spPr>
           <a:xfrm>
-            <a:off x="1658647" y="4666073"/>
+            <a:off x="1553593" y="4059245"/>
             <a:ext cx="4471386" cy="369332"/>
           </a:xfrm>
           <a:prstGeom prst="rect">
@@ -4841,10 +4707,10 @@
       </p:sp>
       <p:pic>
         <p:nvPicPr>
-          <p:cNvPr id="12" name="Content Placeholder 11">
-            <a:extLst>
-              <a:ext uri="{FF2B5EF4-FFF2-40B4-BE49-F238E27FC236}">
-                <a16:creationId xmlns:a16="http://schemas.microsoft.com/office/drawing/2014/main" id="{50AC7108-296E-430F-B04D-DE89B8B1D4A2}"/>
+          <p:cNvPr id="6" name="Content Placeholder 5">
+            <a:extLst>
+              <a:ext uri="{FF2B5EF4-FFF2-40B4-BE49-F238E27FC236}">
+                <a16:creationId xmlns:a16="http://schemas.microsoft.com/office/drawing/2014/main" id="{44D37559-2D06-4298-9F8F-EA4C3A1BCA1E}"/>
               </a:ext>
             </a:extLst>
           </p:cNvPr>
@@ -4863,8 +4729,8 @@
         </p:blipFill>
         <p:spPr>
           <a:xfrm>
-            <a:off x="7554533" y="1690688"/>
-            <a:ext cx="4424401" cy="4351338"/>
+            <a:off x="310718" y="4719147"/>
+            <a:ext cx="11594237" cy="1773728"/>
           </a:xfrm>
         </p:spPr>
       </p:pic>

--- a/JOB RECOMMENDER.pptx
+++ b/JOB RECOMMENDER.pptx
@@ -2,23 +2,23 @@
 <file path=ppt/presentation.xml><?xml version="1.0" encoding="utf-8"?>
 <p:presentation xmlns:a="http://schemas.openxmlformats.org/drawingml/2006/main" xmlns:r="http://schemas.openxmlformats.org/officeDocument/2006/relationships" xmlns:p="http://schemas.openxmlformats.org/presentationml/2006/main" saveSubsetFonts="1">
   <p:sldMasterIdLst>
-    <p:sldMasterId id="2147483719" r:id="rId1"/>
+    <p:sldMasterId id="2147483773" r:id="rId1"/>
   </p:sldMasterIdLst>
   <p:sldIdLst>
     <p:sldId id="256" r:id="rId2"/>
     <p:sldId id="257" r:id="rId3"/>
     <p:sldId id="258" r:id="rId4"/>
-    <p:sldId id="259" r:id="rId5"/>
-    <p:sldId id="261" r:id="rId6"/>
-    <p:sldId id="260" r:id="rId7"/>
+    <p:sldId id="262" r:id="rId5"/>
+    <p:sldId id="263" r:id="rId6"/>
+    <p:sldId id="264" r:id="rId7"/>
   </p:sldIdLst>
   <p:sldSz cx="12192000" cy="6858000"/>
   <p:notesSz cx="6858000" cy="9144000"/>
   <p:defaultTextStyle>
     <a:defPPr>
-      <a:defRPr lang="de-DE"/>
+      <a:defRPr lang="en-US"/>
     </a:defPPr>
-    <a:lvl1pPr marL="0" algn="l" defTabSz="914400" rtl="0" eaLnBrk="1" latinLnBrk="0" hangingPunct="1">
+    <a:lvl1pPr marL="0" algn="l" defTabSz="457200" rtl="0" eaLnBrk="1" latinLnBrk="0" hangingPunct="1">
       <a:defRPr sz="1800" kern="1200">
         <a:solidFill>
           <a:schemeClr val="tx1"/>
@@ -28,7 +28,7 @@
         <a:cs typeface="+mn-cs"/>
       </a:defRPr>
     </a:lvl1pPr>
-    <a:lvl2pPr marL="457200" algn="l" defTabSz="914400" rtl="0" eaLnBrk="1" latinLnBrk="0" hangingPunct="1">
+    <a:lvl2pPr marL="457200" algn="l" defTabSz="457200" rtl="0" eaLnBrk="1" latinLnBrk="0" hangingPunct="1">
       <a:defRPr sz="1800" kern="1200">
         <a:solidFill>
           <a:schemeClr val="tx1"/>
@@ -38,7 +38,7 @@
         <a:cs typeface="+mn-cs"/>
       </a:defRPr>
     </a:lvl2pPr>
-    <a:lvl3pPr marL="914400" algn="l" defTabSz="914400" rtl="0" eaLnBrk="1" latinLnBrk="0" hangingPunct="1">
+    <a:lvl3pPr marL="914400" algn="l" defTabSz="457200" rtl="0" eaLnBrk="1" latinLnBrk="0" hangingPunct="1">
       <a:defRPr sz="1800" kern="1200">
         <a:solidFill>
           <a:schemeClr val="tx1"/>
@@ -48,7 +48,7 @@
         <a:cs typeface="+mn-cs"/>
       </a:defRPr>
     </a:lvl3pPr>
-    <a:lvl4pPr marL="1371600" algn="l" defTabSz="914400" rtl="0" eaLnBrk="1" latinLnBrk="0" hangingPunct="1">
+    <a:lvl4pPr marL="1371600" algn="l" defTabSz="457200" rtl="0" eaLnBrk="1" latinLnBrk="0" hangingPunct="1">
       <a:defRPr sz="1800" kern="1200">
         <a:solidFill>
           <a:schemeClr val="tx1"/>
@@ -58,7 +58,7 @@
         <a:cs typeface="+mn-cs"/>
       </a:defRPr>
     </a:lvl4pPr>
-    <a:lvl5pPr marL="1828800" algn="l" defTabSz="914400" rtl="0" eaLnBrk="1" latinLnBrk="0" hangingPunct="1">
+    <a:lvl5pPr marL="1828800" algn="l" defTabSz="457200" rtl="0" eaLnBrk="1" latinLnBrk="0" hangingPunct="1">
       <a:defRPr sz="1800" kern="1200">
         <a:solidFill>
           <a:schemeClr val="tx1"/>
@@ -68,7 +68,7 @@
         <a:cs typeface="+mn-cs"/>
       </a:defRPr>
     </a:lvl5pPr>
-    <a:lvl6pPr marL="2286000" algn="l" defTabSz="914400" rtl="0" eaLnBrk="1" latinLnBrk="0" hangingPunct="1">
+    <a:lvl6pPr marL="2286000" algn="l" defTabSz="457200" rtl="0" eaLnBrk="1" latinLnBrk="0" hangingPunct="1">
       <a:defRPr sz="1800" kern="1200">
         <a:solidFill>
           <a:schemeClr val="tx1"/>
@@ -78,7 +78,7 @@
         <a:cs typeface="+mn-cs"/>
       </a:defRPr>
     </a:lvl6pPr>
-    <a:lvl7pPr marL="2743200" algn="l" defTabSz="914400" rtl="0" eaLnBrk="1" latinLnBrk="0" hangingPunct="1">
+    <a:lvl7pPr marL="2743200" algn="l" defTabSz="457200" rtl="0" eaLnBrk="1" latinLnBrk="0" hangingPunct="1">
       <a:defRPr sz="1800" kern="1200">
         <a:solidFill>
           <a:schemeClr val="tx1"/>
@@ -88,7 +88,7 @@
         <a:cs typeface="+mn-cs"/>
       </a:defRPr>
     </a:lvl7pPr>
-    <a:lvl8pPr marL="3200400" algn="l" defTabSz="914400" rtl="0" eaLnBrk="1" latinLnBrk="0" hangingPunct="1">
+    <a:lvl8pPr marL="3200400" algn="l" defTabSz="457200" rtl="0" eaLnBrk="1" latinLnBrk="0" hangingPunct="1">
       <a:defRPr sz="1800" kern="1200">
         <a:solidFill>
           <a:schemeClr val="tx1"/>
@@ -98,7 +98,7 @@
         <a:cs typeface="+mn-cs"/>
       </a:defRPr>
     </a:lvl8pPr>
-    <a:lvl9pPr marL="3657600" algn="l" defTabSz="914400" rtl="0" eaLnBrk="1" latinLnBrk="0" hangingPunct="1">
+    <a:lvl9pPr marL="3657600" algn="l" defTabSz="457200" rtl="0" eaLnBrk="1" latinLnBrk="0" hangingPunct="1">
       <a:defRPr sz="1800" kern="1200">
         <a:solidFill>
           <a:schemeClr val="tx1"/>
@@ -118,7 +118,7 @@
 </file>
 
 <file path=ppt/slideLayouts/slideLayout1.xml><?xml version="1.0" encoding="utf-8"?>
-<p:sldLayout xmlns:a="http://schemas.openxmlformats.org/drawingml/2006/main" xmlns:r="http://schemas.openxmlformats.org/officeDocument/2006/relationships" xmlns:p="http://schemas.openxmlformats.org/presentationml/2006/main" type="title" preserve="1">
+<p:sldLayout xmlns:a="http://schemas.openxmlformats.org/drawingml/2006/main" xmlns:r="http://schemas.openxmlformats.org/officeDocument/2006/relationships" xmlns:p="http://schemas.openxmlformats.org/presentationml/2006/main" showMasterSp="0" type="title" preserve="1">
   <p:cSld name="Title Slide">
     <p:spTree>
       <p:nvGrpSpPr>
@@ -136,13 +136,83 @@
       </p:grpSpPr>
       <p:sp>
         <p:nvSpPr>
-          <p:cNvPr id="2" name="Title 1">
-            <a:extLst>
-              <a:ext uri="{FF2B5EF4-FFF2-40B4-BE49-F238E27FC236}">
-                <a16:creationId xmlns:a16="http://schemas.microsoft.com/office/drawing/2014/main" id="{7384B35D-FC42-4D9B-9B5F-182875907D75}"/>
-              </a:ext>
-            </a:extLst>
-          </p:cNvPr>
+          <p:cNvPr id="7" name="Rectangle 6"/>
+          <p:cNvSpPr/>
+          <p:nvPr/>
+        </p:nvSpPr>
+        <p:spPr>
+          <a:xfrm>
+            <a:off x="3175" y="6400800"/>
+            <a:ext cx="12188825" cy="457200"/>
+          </a:xfrm>
+          <a:prstGeom prst="rect">
+            <a:avLst/>
+          </a:prstGeom>
+          <a:solidFill>
+            <a:schemeClr val="accent2"/>
+          </a:solidFill>
+          <a:ln>
+            <a:noFill/>
+          </a:ln>
+        </p:spPr>
+        <p:style>
+          <a:lnRef idx="2">
+            <a:schemeClr val="accent1">
+              <a:shade val="50000"/>
+            </a:schemeClr>
+          </a:lnRef>
+          <a:fillRef idx="1">
+            <a:schemeClr val="accent1"/>
+          </a:fillRef>
+          <a:effectRef idx="0">
+            <a:schemeClr val="accent1"/>
+          </a:effectRef>
+          <a:fontRef idx="minor">
+            <a:schemeClr val="lt1"/>
+          </a:fontRef>
+        </p:style>
+      </p:sp>
+      <p:sp>
+        <p:nvSpPr>
+          <p:cNvPr id="8" name="Rectangle 7"/>
+          <p:cNvSpPr/>
+          <p:nvPr/>
+        </p:nvSpPr>
+        <p:spPr>
+          <a:xfrm>
+            <a:off x="15" y="6334316"/>
+            <a:ext cx="12188825" cy="64008"/>
+          </a:xfrm>
+          <a:prstGeom prst="rect">
+            <a:avLst/>
+          </a:prstGeom>
+          <a:solidFill>
+            <a:schemeClr val="accent1"/>
+          </a:solidFill>
+          <a:ln>
+            <a:noFill/>
+          </a:ln>
+        </p:spPr>
+        <p:style>
+          <a:lnRef idx="2">
+            <a:schemeClr val="accent1">
+              <a:shade val="50000"/>
+            </a:schemeClr>
+          </a:lnRef>
+          <a:fillRef idx="1">
+            <a:schemeClr val="accent1"/>
+          </a:fillRef>
+          <a:effectRef idx="0">
+            <a:schemeClr val="accent1"/>
+          </a:effectRef>
+          <a:fontRef idx="minor">
+            <a:schemeClr val="lt1"/>
+          </a:fontRef>
+        </p:style>
+      </p:sp>
+      <p:sp>
+        <p:nvSpPr>
+          <p:cNvPr id="2" name="Title 1"/>
           <p:cNvSpPr>
             <a:spLocks noGrp="1"/>
           </p:cNvSpPr>
@@ -152,15 +222,27 @@
         </p:nvSpPr>
         <p:spPr>
           <a:xfrm>
-            <a:off x="1524000" y="1122363"/>
-            <a:ext cx="9144000" cy="2387600"/>
-          </a:xfrm>
-        </p:spPr>
-        <p:txBody>
-          <a:bodyPr anchor="b"/>
+            <a:off x="1097280" y="758952"/>
+            <a:ext cx="10058400" cy="3566160"/>
+          </a:xfrm>
+        </p:spPr>
+        <p:txBody>
+          <a:bodyPr anchor="b">
+            <a:normAutofit/>
+          </a:bodyPr>
           <a:lstStyle>
-            <a:lvl1pPr algn="ctr">
-              <a:defRPr sz="6000"/>
+            <a:lvl1pPr algn="l">
+              <a:lnSpc>
+                <a:spcPct val="85000"/>
+              </a:lnSpc>
+              <a:defRPr sz="8000" spc="-50" baseline="0">
+                <a:solidFill>
+                  <a:schemeClr val="tx1">
+                    <a:lumMod val="85000"/>
+                    <a:lumOff val="15000"/>
+                  </a:schemeClr>
+                </a:solidFill>
+              </a:defRPr>
             </a:lvl1pPr>
           </a:lstStyle>
           <a:p>
@@ -168,19 +250,13 @@
               <a:rPr lang="en-US"/>
               <a:t>Click to edit Master title style</a:t>
             </a:r>
-            <a:endParaRPr lang="de-DE"/>
-          </a:p>
-        </p:txBody>
-      </p:sp>
-      <p:sp>
-        <p:nvSpPr>
-          <p:cNvPr id="3" name="Subtitle 2">
-            <a:extLst>
-              <a:ext uri="{FF2B5EF4-FFF2-40B4-BE49-F238E27FC236}">
-                <a16:creationId xmlns:a16="http://schemas.microsoft.com/office/drawing/2014/main" id="{090837FE-B94E-4AF1-AE83-3BD300980EC9}"/>
-              </a:ext>
-            </a:extLst>
-          </p:cNvPr>
+            <a:endParaRPr lang="en-US" dirty="0"/>
+          </a:p>
+        </p:txBody>
+      </p:sp>
+      <p:sp>
+        <p:nvSpPr>
+          <p:cNvPr id="3" name="Subtitle 2"/>
           <p:cNvSpPr>
             <a:spLocks noGrp="1"/>
           </p:cNvSpPr>
@@ -190,48 +266,55 @@
         </p:nvSpPr>
         <p:spPr>
           <a:xfrm>
-            <a:off x="1524000" y="3602038"/>
-            <a:ext cx="9144000" cy="1655762"/>
-          </a:xfrm>
-        </p:spPr>
-        <p:txBody>
-          <a:bodyPr/>
+            <a:off x="1100051" y="4455621"/>
+            <a:ext cx="10058400" cy="1143000"/>
+          </a:xfrm>
+        </p:spPr>
+        <p:txBody>
+          <a:bodyPr lIns="91440" rIns="91440">
+            <a:normAutofit/>
+          </a:bodyPr>
           <a:lstStyle>
-            <a:lvl1pPr marL="0" indent="0" algn="ctr">
-              <a:buNone/>
-              <a:defRPr sz="2400"/>
+            <a:lvl1pPr marL="0" indent="0" algn="l">
+              <a:buNone/>
+              <a:defRPr sz="2400" cap="all" spc="200" baseline="0">
+                <a:solidFill>
+                  <a:schemeClr val="tx2"/>
+                </a:solidFill>
+                <a:latin typeface="+mj-lt"/>
+              </a:defRPr>
             </a:lvl1pPr>
             <a:lvl2pPr marL="457200" indent="0" algn="ctr">
               <a:buNone/>
-              <a:defRPr sz="2000"/>
+              <a:defRPr sz="2400"/>
             </a:lvl2pPr>
             <a:lvl3pPr marL="914400" indent="0" algn="ctr">
               <a:buNone/>
-              <a:defRPr sz="1800"/>
+              <a:defRPr sz="2400"/>
             </a:lvl3pPr>
             <a:lvl4pPr marL="1371600" indent="0" algn="ctr">
               <a:buNone/>
-              <a:defRPr sz="1600"/>
+              <a:defRPr sz="2000"/>
             </a:lvl4pPr>
             <a:lvl5pPr marL="1828800" indent="0" algn="ctr">
               <a:buNone/>
-              <a:defRPr sz="1600"/>
+              <a:defRPr sz="2000"/>
             </a:lvl5pPr>
             <a:lvl6pPr marL="2286000" indent="0" algn="ctr">
               <a:buNone/>
-              <a:defRPr sz="1600"/>
+              <a:defRPr sz="2000"/>
             </a:lvl6pPr>
             <a:lvl7pPr marL="2743200" indent="0" algn="ctr">
               <a:buNone/>
-              <a:defRPr sz="1600"/>
+              <a:defRPr sz="2000"/>
             </a:lvl7pPr>
             <a:lvl8pPr marL="3200400" indent="0" algn="ctr">
               <a:buNone/>
-              <a:defRPr sz="1600"/>
+              <a:defRPr sz="2000"/>
             </a:lvl8pPr>
             <a:lvl9pPr marL="3657600" indent="0" algn="ctr">
               <a:buNone/>
-              <a:defRPr sz="1600"/>
+              <a:defRPr sz="2000"/>
             </a:lvl9pPr>
           </a:lstStyle>
           <a:p>
@@ -239,19 +322,13 @@
               <a:rPr lang="en-US"/>
               <a:t>Click to edit Master subtitle style</a:t>
             </a:r>
-            <a:endParaRPr lang="de-DE"/>
-          </a:p>
-        </p:txBody>
-      </p:sp>
-      <p:sp>
-        <p:nvSpPr>
-          <p:cNvPr id="4" name="Date Placeholder 3">
-            <a:extLst>
-              <a:ext uri="{FF2B5EF4-FFF2-40B4-BE49-F238E27FC236}">
-                <a16:creationId xmlns:a16="http://schemas.microsoft.com/office/drawing/2014/main" id="{DB83C537-171F-4AE0-9A97-D1A4E5194C80}"/>
-              </a:ext>
-            </a:extLst>
-          </p:cNvPr>
+            <a:endParaRPr lang="en-US" dirty="0"/>
+          </a:p>
+        </p:txBody>
+      </p:sp>
+      <p:sp>
+        <p:nvSpPr>
+          <p:cNvPr id="4" name="Date Placeholder 3"/>
           <p:cNvSpPr>
             <a:spLocks noGrp="1"/>
           </p:cNvSpPr>
@@ -266,7 +343,7 @@
           <a:p>
             <a:fld id="{BE17025A-5189-4947-81BB-5983C6028C2C}" type="datetimeFigureOut">
               <a:rPr lang="de-DE" smtClean="0"/>
-              <a:t>05.08.2022</a:t>
+              <a:t>10.08.2022</a:t>
             </a:fld>
             <a:endParaRPr lang="de-DE"/>
           </a:p>
@@ -274,13 +351,7 @@
       </p:sp>
       <p:sp>
         <p:nvSpPr>
-          <p:cNvPr id="5" name="Footer Placeholder 4">
-            <a:extLst>
-              <a:ext uri="{FF2B5EF4-FFF2-40B4-BE49-F238E27FC236}">
-                <a16:creationId xmlns:a16="http://schemas.microsoft.com/office/drawing/2014/main" id="{206A8C22-5A8E-4581-BA1D-08729FB7D400}"/>
-              </a:ext>
-            </a:extLst>
-          </p:cNvPr>
+          <p:cNvPr id="5" name="Footer Placeholder 4"/>
           <p:cNvSpPr>
             <a:spLocks noGrp="1"/>
           </p:cNvSpPr>
@@ -299,13 +370,7 @@
       </p:sp>
       <p:sp>
         <p:nvSpPr>
-          <p:cNvPr id="6" name="Slide Number Placeholder 5">
-            <a:extLst>
-              <a:ext uri="{FF2B5EF4-FFF2-40B4-BE49-F238E27FC236}">
-                <a16:creationId xmlns:a16="http://schemas.microsoft.com/office/drawing/2014/main" id="{BD904755-6841-4094-8D45-29B87FCA219F}"/>
-              </a:ext>
-            </a:extLst>
-          </p:cNvPr>
+          <p:cNvPr id="6" name="Slide Number Placeholder 5"/>
           <p:cNvSpPr>
             <a:spLocks noGrp="1"/>
           </p:cNvSpPr>
@@ -326,10 +391,48 @@
           </a:p>
         </p:txBody>
       </p:sp>
+      <p:cxnSp>
+        <p:nvCxnSpPr>
+          <p:cNvPr id="9" name="Straight Connector 8"/>
+          <p:cNvCxnSpPr/>
+          <p:nvPr/>
+        </p:nvCxnSpPr>
+        <p:spPr>
+          <a:xfrm>
+            <a:off x="1207658" y="4343400"/>
+            <a:ext cx="9875520" cy="0"/>
+          </a:xfrm>
+          <a:prstGeom prst="line">
+            <a:avLst/>
+          </a:prstGeom>
+          <a:ln w="6350">
+            <a:solidFill>
+              <a:schemeClr val="tx1">
+                <a:lumMod val="50000"/>
+                <a:lumOff val="50000"/>
+              </a:schemeClr>
+            </a:solidFill>
+          </a:ln>
+        </p:spPr>
+        <p:style>
+          <a:lnRef idx="1">
+            <a:schemeClr val="accent1"/>
+          </a:lnRef>
+          <a:fillRef idx="0">
+            <a:schemeClr val="accent1"/>
+          </a:fillRef>
+          <a:effectRef idx="0">
+            <a:schemeClr val="accent1"/>
+          </a:effectRef>
+          <a:fontRef idx="minor">
+            <a:schemeClr val="tx1"/>
+          </a:fontRef>
+        </p:style>
+      </p:cxnSp>
     </p:spTree>
     <p:extLst>
       <p:ext uri="{BB962C8B-B14F-4D97-AF65-F5344CB8AC3E}">
-        <p14:creationId xmlns:p14="http://schemas.microsoft.com/office/powerpoint/2010/main" val="2041023938"/>
+        <p14:creationId xmlns:p14="http://schemas.microsoft.com/office/powerpoint/2010/main" val="877757184"/>
       </p:ext>
     </p:extLst>
   </p:cSld>
@@ -358,13 +461,7 @@
       </p:grpSpPr>
       <p:sp>
         <p:nvSpPr>
-          <p:cNvPr id="2" name="Title 1">
-            <a:extLst>
-              <a:ext uri="{FF2B5EF4-FFF2-40B4-BE49-F238E27FC236}">
-                <a16:creationId xmlns:a16="http://schemas.microsoft.com/office/drawing/2014/main" id="{43BB6BB0-AAC6-4C94-81D3-7C368206A2F5}"/>
-              </a:ext>
-            </a:extLst>
-          </p:cNvPr>
+          <p:cNvPr id="2" name="Title 1"/>
           <p:cNvSpPr>
             <a:spLocks noGrp="1"/>
           </p:cNvSpPr>
@@ -381,19 +478,13 @@
               <a:rPr lang="en-US"/>
               <a:t>Click to edit Master title style</a:t>
             </a:r>
-            <a:endParaRPr lang="de-DE"/>
-          </a:p>
-        </p:txBody>
-      </p:sp>
-      <p:sp>
-        <p:nvSpPr>
-          <p:cNvPr id="3" name="Vertical Text Placeholder 2">
-            <a:extLst>
-              <a:ext uri="{FF2B5EF4-FFF2-40B4-BE49-F238E27FC236}">
-                <a16:creationId xmlns:a16="http://schemas.microsoft.com/office/drawing/2014/main" id="{D3902F29-A696-4FF8-BA67-FA9BBEED7918}"/>
-              </a:ext>
-            </a:extLst>
-          </p:cNvPr>
+            <a:endParaRPr lang="en-US" dirty="0"/>
+          </a:p>
+        </p:txBody>
+      </p:sp>
+      <p:sp>
+        <p:nvSpPr>
+          <p:cNvPr id="3" name="Vertical Text Placeholder 2"/>
           <p:cNvSpPr>
             <a:spLocks noGrp="1"/>
           </p:cNvSpPr>
@@ -403,7 +494,7 @@
         </p:nvSpPr>
         <p:spPr/>
         <p:txBody>
-          <a:bodyPr vert="eaVert"/>
+          <a:bodyPr vert="eaVert" lIns="45720" tIns="0" rIns="45720" bIns="0"/>
           <a:lstStyle/>
           <a:p>
             <a:pPr lvl="0"/>
@@ -439,19 +530,13 @@
               <a:rPr lang="en-US"/>
               <a:t>Fifth level</a:t>
             </a:r>
-            <a:endParaRPr lang="de-DE"/>
-          </a:p>
-        </p:txBody>
-      </p:sp>
-      <p:sp>
-        <p:nvSpPr>
-          <p:cNvPr id="4" name="Date Placeholder 3">
-            <a:extLst>
-              <a:ext uri="{FF2B5EF4-FFF2-40B4-BE49-F238E27FC236}">
-                <a16:creationId xmlns:a16="http://schemas.microsoft.com/office/drawing/2014/main" id="{0CEFC437-5C87-40DA-BD32-6856A7E20086}"/>
-              </a:ext>
-            </a:extLst>
-          </p:cNvPr>
+            <a:endParaRPr lang="en-US" dirty="0"/>
+          </a:p>
+        </p:txBody>
+      </p:sp>
+      <p:sp>
+        <p:nvSpPr>
+          <p:cNvPr id="4" name="Date Placeholder 3"/>
           <p:cNvSpPr>
             <a:spLocks noGrp="1"/>
           </p:cNvSpPr>
@@ -466,7 +551,7 @@
           <a:p>
             <a:fld id="{BE17025A-5189-4947-81BB-5983C6028C2C}" type="datetimeFigureOut">
               <a:rPr lang="de-DE" smtClean="0"/>
-              <a:t>05.08.2022</a:t>
+              <a:t>10.08.2022</a:t>
             </a:fld>
             <a:endParaRPr lang="de-DE"/>
           </a:p>
@@ -474,13 +559,7 @@
       </p:sp>
       <p:sp>
         <p:nvSpPr>
-          <p:cNvPr id="5" name="Footer Placeholder 4">
-            <a:extLst>
-              <a:ext uri="{FF2B5EF4-FFF2-40B4-BE49-F238E27FC236}">
-                <a16:creationId xmlns:a16="http://schemas.microsoft.com/office/drawing/2014/main" id="{5BCE0303-A741-4D02-A0A9-040676DC9B2F}"/>
-              </a:ext>
-            </a:extLst>
-          </p:cNvPr>
+          <p:cNvPr id="5" name="Footer Placeholder 4"/>
           <p:cNvSpPr>
             <a:spLocks noGrp="1"/>
           </p:cNvSpPr>
@@ -499,13 +578,7 @@
       </p:sp>
       <p:sp>
         <p:nvSpPr>
-          <p:cNvPr id="6" name="Slide Number Placeholder 5">
-            <a:extLst>
-              <a:ext uri="{FF2B5EF4-FFF2-40B4-BE49-F238E27FC236}">
-                <a16:creationId xmlns:a16="http://schemas.microsoft.com/office/drawing/2014/main" id="{C39AB2D0-7790-4D97-A57F-71E5CC4F8D80}"/>
-              </a:ext>
-            </a:extLst>
-          </p:cNvPr>
+          <p:cNvPr id="6" name="Slide Number Placeholder 5"/>
           <p:cNvSpPr>
             <a:spLocks noGrp="1"/>
           </p:cNvSpPr>
@@ -529,7 +602,7 @@
     </p:spTree>
     <p:extLst>
       <p:ext uri="{BB962C8B-B14F-4D97-AF65-F5344CB8AC3E}">
-        <p14:creationId xmlns:p14="http://schemas.microsoft.com/office/powerpoint/2010/main" val="3077121938"/>
+        <p14:creationId xmlns:p14="http://schemas.microsoft.com/office/powerpoint/2010/main" val="3519026797"/>
       </p:ext>
     </p:extLst>
   </p:cSld>
@@ -540,7 +613,7 @@
 </file>
 
 <file path=ppt/slideLayouts/slideLayout11.xml><?xml version="1.0" encoding="utf-8"?>
-<p:sldLayout xmlns:a="http://schemas.openxmlformats.org/drawingml/2006/main" xmlns:r="http://schemas.openxmlformats.org/officeDocument/2006/relationships" xmlns:p="http://schemas.openxmlformats.org/presentationml/2006/main" type="vertTitleAndTx" preserve="1">
+<p:sldLayout xmlns:a="http://schemas.openxmlformats.org/drawingml/2006/main" xmlns:r="http://schemas.openxmlformats.org/officeDocument/2006/relationships" xmlns:p="http://schemas.openxmlformats.org/presentationml/2006/main" showMasterSp="0" type="vertTitleAndTx" preserve="1">
   <p:cSld name="Vertical Title and Text">
     <p:spTree>
       <p:nvGrpSpPr>
@@ -558,13 +631,83 @@
       </p:grpSpPr>
       <p:sp>
         <p:nvSpPr>
-          <p:cNvPr id="2" name="Vertical Title 1">
-            <a:extLst>
-              <a:ext uri="{FF2B5EF4-FFF2-40B4-BE49-F238E27FC236}">
-                <a16:creationId xmlns:a16="http://schemas.microsoft.com/office/drawing/2014/main" id="{3B55B26F-3C86-4B55-B3CB-E481780822F9}"/>
-              </a:ext>
-            </a:extLst>
-          </p:cNvPr>
+          <p:cNvPr id="7" name="Rectangle 6"/>
+          <p:cNvSpPr/>
+          <p:nvPr/>
+        </p:nvSpPr>
+        <p:spPr>
+          <a:xfrm>
+            <a:off x="3175" y="6400800"/>
+            <a:ext cx="12188825" cy="457200"/>
+          </a:xfrm>
+          <a:prstGeom prst="rect">
+            <a:avLst/>
+          </a:prstGeom>
+          <a:solidFill>
+            <a:schemeClr val="accent2"/>
+          </a:solidFill>
+          <a:ln>
+            <a:noFill/>
+          </a:ln>
+        </p:spPr>
+        <p:style>
+          <a:lnRef idx="2">
+            <a:schemeClr val="accent1">
+              <a:shade val="50000"/>
+            </a:schemeClr>
+          </a:lnRef>
+          <a:fillRef idx="1">
+            <a:schemeClr val="accent1"/>
+          </a:fillRef>
+          <a:effectRef idx="0">
+            <a:schemeClr val="accent1"/>
+          </a:effectRef>
+          <a:fontRef idx="minor">
+            <a:schemeClr val="lt1"/>
+          </a:fontRef>
+        </p:style>
+      </p:sp>
+      <p:sp>
+        <p:nvSpPr>
+          <p:cNvPr id="8" name="Rectangle 7"/>
+          <p:cNvSpPr/>
+          <p:nvPr/>
+        </p:nvSpPr>
+        <p:spPr>
+          <a:xfrm>
+            <a:off x="15" y="6334316"/>
+            <a:ext cx="12188825" cy="64008"/>
+          </a:xfrm>
+          <a:prstGeom prst="rect">
+            <a:avLst/>
+          </a:prstGeom>
+          <a:solidFill>
+            <a:schemeClr val="accent1"/>
+          </a:solidFill>
+          <a:ln>
+            <a:noFill/>
+          </a:ln>
+        </p:spPr>
+        <p:style>
+          <a:lnRef idx="2">
+            <a:schemeClr val="accent1">
+              <a:shade val="50000"/>
+            </a:schemeClr>
+          </a:lnRef>
+          <a:fillRef idx="1">
+            <a:schemeClr val="accent1"/>
+          </a:fillRef>
+          <a:effectRef idx="0">
+            <a:schemeClr val="accent1"/>
+          </a:effectRef>
+          <a:fontRef idx="minor">
+            <a:schemeClr val="lt1"/>
+          </a:fontRef>
+        </p:style>
+      </p:sp>
+      <p:sp>
+        <p:nvSpPr>
+          <p:cNvPr id="2" name="Vertical Title 1"/>
           <p:cNvSpPr>
             <a:spLocks noGrp="1"/>
           </p:cNvSpPr>
@@ -574,8 +717,8 @@
         </p:nvSpPr>
         <p:spPr>
           <a:xfrm>
-            <a:off x="8724900" y="365125"/>
-            <a:ext cx="2628900" cy="5811838"/>
+            <a:off x="8724900" y="412302"/>
+            <a:ext cx="2628900" cy="5759898"/>
           </a:xfrm>
         </p:spPr>
         <p:txBody>
@@ -586,19 +729,13 @@
               <a:rPr lang="en-US"/>
               <a:t>Click to edit Master title style</a:t>
             </a:r>
-            <a:endParaRPr lang="de-DE"/>
-          </a:p>
-        </p:txBody>
-      </p:sp>
-      <p:sp>
-        <p:nvSpPr>
-          <p:cNvPr id="3" name="Vertical Text Placeholder 2">
-            <a:extLst>
-              <a:ext uri="{FF2B5EF4-FFF2-40B4-BE49-F238E27FC236}">
-                <a16:creationId xmlns:a16="http://schemas.microsoft.com/office/drawing/2014/main" id="{D771C2BC-A19B-4C27-BCA9-C0A9CFE1201F}"/>
-              </a:ext>
-            </a:extLst>
-          </p:cNvPr>
+            <a:endParaRPr lang="en-US" dirty="0"/>
+          </a:p>
+        </p:txBody>
+      </p:sp>
+      <p:sp>
+        <p:nvSpPr>
+          <p:cNvPr id="3" name="Vertical Text Placeholder 2"/>
           <p:cNvSpPr>
             <a:spLocks noGrp="1"/>
           </p:cNvSpPr>
@@ -608,12 +745,12 @@
         </p:nvSpPr>
         <p:spPr>
           <a:xfrm>
-            <a:off x="838200" y="365125"/>
-            <a:ext cx="7734300" cy="5811838"/>
-          </a:xfrm>
-        </p:spPr>
-        <p:txBody>
-          <a:bodyPr vert="eaVert"/>
+            <a:off x="838200" y="412302"/>
+            <a:ext cx="7734300" cy="5759898"/>
+          </a:xfrm>
+        </p:spPr>
+        <p:txBody>
+          <a:bodyPr vert="eaVert" lIns="45720" tIns="0" rIns="45720" bIns="0"/>
           <a:lstStyle/>
           <a:p>
             <a:pPr lvl="0"/>
@@ -649,19 +786,13 @@
               <a:rPr lang="en-US"/>
               <a:t>Fifth level</a:t>
             </a:r>
-            <a:endParaRPr lang="de-DE"/>
-          </a:p>
-        </p:txBody>
-      </p:sp>
-      <p:sp>
-        <p:nvSpPr>
-          <p:cNvPr id="4" name="Date Placeholder 3">
-            <a:extLst>
-              <a:ext uri="{FF2B5EF4-FFF2-40B4-BE49-F238E27FC236}">
-                <a16:creationId xmlns:a16="http://schemas.microsoft.com/office/drawing/2014/main" id="{0D8C1B44-F4DB-41A7-8643-C6CB0C49931C}"/>
-              </a:ext>
-            </a:extLst>
-          </p:cNvPr>
+            <a:endParaRPr lang="en-US" dirty="0"/>
+          </a:p>
+        </p:txBody>
+      </p:sp>
+      <p:sp>
+        <p:nvSpPr>
+          <p:cNvPr id="4" name="Date Placeholder 3"/>
           <p:cNvSpPr>
             <a:spLocks noGrp="1"/>
           </p:cNvSpPr>
@@ -676,7 +807,7 @@
           <a:p>
             <a:fld id="{BE17025A-5189-4947-81BB-5983C6028C2C}" type="datetimeFigureOut">
               <a:rPr lang="de-DE" smtClean="0"/>
-              <a:t>05.08.2022</a:t>
+              <a:t>10.08.2022</a:t>
             </a:fld>
             <a:endParaRPr lang="de-DE"/>
           </a:p>
@@ -684,13 +815,7 @@
       </p:sp>
       <p:sp>
         <p:nvSpPr>
-          <p:cNvPr id="5" name="Footer Placeholder 4">
-            <a:extLst>
-              <a:ext uri="{FF2B5EF4-FFF2-40B4-BE49-F238E27FC236}">
-                <a16:creationId xmlns:a16="http://schemas.microsoft.com/office/drawing/2014/main" id="{3433F71F-3668-4E4F-A224-BBF0621C30A3}"/>
-              </a:ext>
-            </a:extLst>
-          </p:cNvPr>
+          <p:cNvPr id="5" name="Footer Placeholder 4"/>
           <p:cNvSpPr>
             <a:spLocks noGrp="1"/>
           </p:cNvSpPr>
@@ -709,13 +834,7 @@
       </p:sp>
       <p:sp>
         <p:nvSpPr>
-          <p:cNvPr id="6" name="Slide Number Placeholder 5">
-            <a:extLst>
-              <a:ext uri="{FF2B5EF4-FFF2-40B4-BE49-F238E27FC236}">
-                <a16:creationId xmlns:a16="http://schemas.microsoft.com/office/drawing/2014/main" id="{88B23A46-D751-45FA-8CFE-3C209B739D2E}"/>
-              </a:ext>
-            </a:extLst>
-          </p:cNvPr>
+          <p:cNvPr id="6" name="Slide Number Placeholder 5"/>
           <p:cNvSpPr>
             <a:spLocks noGrp="1"/>
           </p:cNvSpPr>
@@ -739,7 +858,7 @@
     </p:spTree>
     <p:extLst>
       <p:ext uri="{BB962C8B-B14F-4D97-AF65-F5344CB8AC3E}">
-        <p14:creationId xmlns:p14="http://schemas.microsoft.com/office/powerpoint/2010/main" val="2109270173"/>
+        <p14:creationId xmlns:p14="http://schemas.microsoft.com/office/powerpoint/2010/main" val="4270863524"/>
       </p:ext>
     </p:extLst>
   </p:cSld>
@@ -768,13 +887,7 @@
       </p:grpSpPr>
       <p:sp>
         <p:nvSpPr>
-          <p:cNvPr id="2" name="Title 1">
-            <a:extLst>
-              <a:ext uri="{FF2B5EF4-FFF2-40B4-BE49-F238E27FC236}">
-                <a16:creationId xmlns:a16="http://schemas.microsoft.com/office/drawing/2014/main" id="{29A89E15-301B-49C5-8F91-23691A6B4124}"/>
-              </a:ext>
-            </a:extLst>
-          </p:cNvPr>
+          <p:cNvPr id="2" name="Title 1"/>
           <p:cNvSpPr>
             <a:spLocks noGrp="1"/>
           </p:cNvSpPr>
@@ -791,19 +904,13 @@
               <a:rPr lang="en-US"/>
               <a:t>Click to edit Master title style</a:t>
             </a:r>
-            <a:endParaRPr lang="de-DE"/>
-          </a:p>
-        </p:txBody>
-      </p:sp>
-      <p:sp>
-        <p:nvSpPr>
-          <p:cNvPr id="3" name="Content Placeholder 2">
-            <a:extLst>
-              <a:ext uri="{FF2B5EF4-FFF2-40B4-BE49-F238E27FC236}">
-                <a16:creationId xmlns:a16="http://schemas.microsoft.com/office/drawing/2014/main" id="{4B99546B-26E3-4C77-BB61-6851D5FB0A3C}"/>
-              </a:ext>
-            </a:extLst>
-          </p:cNvPr>
+            <a:endParaRPr lang="en-US" dirty="0"/>
+          </a:p>
+        </p:txBody>
+      </p:sp>
+      <p:sp>
+        <p:nvSpPr>
+          <p:cNvPr id="3" name="Content Placeholder 2"/>
           <p:cNvSpPr>
             <a:spLocks noGrp="1"/>
           </p:cNvSpPr>
@@ -849,19 +956,13 @@
               <a:rPr lang="en-US"/>
               <a:t>Fifth level</a:t>
             </a:r>
-            <a:endParaRPr lang="de-DE"/>
-          </a:p>
-        </p:txBody>
-      </p:sp>
-      <p:sp>
-        <p:nvSpPr>
-          <p:cNvPr id="4" name="Date Placeholder 3">
-            <a:extLst>
-              <a:ext uri="{FF2B5EF4-FFF2-40B4-BE49-F238E27FC236}">
-                <a16:creationId xmlns:a16="http://schemas.microsoft.com/office/drawing/2014/main" id="{0037F56C-B618-47F2-BDEB-7DDF8445D241}"/>
-              </a:ext>
-            </a:extLst>
-          </p:cNvPr>
+            <a:endParaRPr lang="en-US" dirty="0"/>
+          </a:p>
+        </p:txBody>
+      </p:sp>
+      <p:sp>
+        <p:nvSpPr>
+          <p:cNvPr id="4" name="Date Placeholder 3"/>
           <p:cNvSpPr>
             <a:spLocks noGrp="1"/>
           </p:cNvSpPr>
@@ -876,7 +977,7 @@
           <a:p>
             <a:fld id="{BE17025A-5189-4947-81BB-5983C6028C2C}" type="datetimeFigureOut">
               <a:rPr lang="de-DE" smtClean="0"/>
-              <a:t>05.08.2022</a:t>
+              <a:t>10.08.2022</a:t>
             </a:fld>
             <a:endParaRPr lang="de-DE"/>
           </a:p>
@@ -884,13 +985,7 @@
       </p:sp>
       <p:sp>
         <p:nvSpPr>
-          <p:cNvPr id="5" name="Footer Placeholder 4">
-            <a:extLst>
-              <a:ext uri="{FF2B5EF4-FFF2-40B4-BE49-F238E27FC236}">
-                <a16:creationId xmlns:a16="http://schemas.microsoft.com/office/drawing/2014/main" id="{0A715D98-52F9-4534-8DA8-D3C5634A592C}"/>
-              </a:ext>
-            </a:extLst>
-          </p:cNvPr>
+          <p:cNvPr id="5" name="Footer Placeholder 4"/>
           <p:cNvSpPr>
             <a:spLocks noGrp="1"/>
           </p:cNvSpPr>
@@ -909,13 +1004,7 @@
       </p:sp>
       <p:sp>
         <p:nvSpPr>
-          <p:cNvPr id="6" name="Slide Number Placeholder 5">
-            <a:extLst>
-              <a:ext uri="{FF2B5EF4-FFF2-40B4-BE49-F238E27FC236}">
-                <a16:creationId xmlns:a16="http://schemas.microsoft.com/office/drawing/2014/main" id="{392D67FA-45C4-4007-A50E-9371FBF30E58}"/>
-              </a:ext>
-            </a:extLst>
-          </p:cNvPr>
+          <p:cNvPr id="6" name="Slide Number Placeholder 5"/>
           <p:cNvSpPr>
             <a:spLocks noGrp="1"/>
           </p:cNvSpPr>
@@ -939,7 +1028,7 @@
     </p:spTree>
     <p:extLst>
       <p:ext uri="{BB962C8B-B14F-4D97-AF65-F5344CB8AC3E}">
-        <p14:creationId xmlns:p14="http://schemas.microsoft.com/office/powerpoint/2010/main" val="1766870041"/>
+        <p14:creationId xmlns:p14="http://schemas.microsoft.com/office/powerpoint/2010/main" val="3848999429"/>
       </p:ext>
     </p:extLst>
   </p:cSld>
@@ -950,8 +1039,16 @@
 </file>
 
 <file path=ppt/slideLayouts/slideLayout3.xml><?xml version="1.0" encoding="utf-8"?>
-<p:sldLayout xmlns:a="http://schemas.openxmlformats.org/drawingml/2006/main" xmlns:r="http://schemas.openxmlformats.org/officeDocument/2006/relationships" xmlns:p="http://schemas.openxmlformats.org/presentationml/2006/main" type="secHead" preserve="1">
+<p:sldLayout xmlns:a="http://schemas.openxmlformats.org/drawingml/2006/main" xmlns:r="http://schemas.openxmlformats.org/officeDocument/2006/relationships" xmlns:p="http://schemas.openxmlformats.org/presentationml/2006/main" showMasterSp="0" type="secHead" preserve="1">
   <p:cSld name="Section Header">
+    <p:bg>
+      <p:bgPr>
+        <a:solidFill>
+          <a:schemeClr val="bg1"/>
+        </a:solidFill>
+        <a:effectLst/>
+      </p:bgPr>
+    </p:bg>
     <p:spTree>
       <p:nvGrpSpPr>
         <p:cNvPr id="1" name=""/>
@@ -968,13 +1065,83 @@
       </p:grpSpPr>
       <p:sp>
         <p:nvSpPr>
-          <p:cNvPr id="2" name="Title 1">
-            <a:extLst>
-              <a:ext uri="{FF2B5EF4-FFF2-40B4-BE49-F238E27FC236}">
-                <a16:creationId xmlns:a16="http://schemas.microsoft.com/office/drawing/2014/main" id="{89BA56B4-2170-4C35-85C2-EF0341ACF170}"/>
-              </a:ext>
-            </a:extLst>
-          </p:cNvPr>
+          <p:cNvPr id="7" name="Rectangle 6"/>
+          <p:cNvSpPr/>
+          <p:nvPr/>
+        </p:nvSpPr>
+        <p:spPr>
+          <a:xfrm>
+            <a:off x="3175" y="6400800"/>
+            <a:ext cx="12188825" cy="457200"/>
+          </a:xfrm>
+          <a:prstGeom prst="rect">
+            <a:avLst/>
+          </a:prstGeom>
+          <a:solidFill>
+            <a:schemeClr val="accent2"/>
+          </a:solidFill>
+          <a:ln>
+            <a:noFill/>
+          </a:ln>
+        </p:spPr>
+        <p:style>
+          <a:lnRef idx="2">
+            <a:schemeClr val="accent1">
+              <a:shade val="50000"/>
+            </a:schemeClr>
+          </a:lnRef>
+          <a:fillRef idx="1">
+            <a:schemeClr val="accent1"/>
+          </a:fillRef>
+          <a:effectRef idx="0">
+            <a:schemeClr val="accent1"/>
+          </a:effectRef>
+          <a:fontRef idx="minor">
+            <a:schemeClr val="lt1"/>
+          </a:fontRef>
+        </p:style>
+      </p:sp>
+      <p:sp>
+        <p:nvSpPr>
+          <p:cNvPr id="8" name="Rectangle 7"/>
+          <p:cNvSpPr/>
+          <p:nvPr/>
+        </p:nvSpPr>
+        <p:spPr>
+          <a:xfrm>
+            <a:off x="15" y="6334316"/>
+            <a:ext cx="12188825" cy="64008"/>
+          </a:xfrm>
+          <a:prstGeom prst="rect">
+            <a:avLst/>
+          </a:prstGeom>
+          <a:solidFill>
+            <a:schemeClr val="accent1"/>
+          </a:solidFill>
+          <a:ln>
+            <a:noFill/>
+          </a:ln>
+        </p:spPr>
+        <p:style>
+          <a:lnRef idx="2">
+            <a:schemeClr val="accent1">
+              <a:shade val="50000"/>
+            </a:schemeClr>
+          </a:lnRef>
+          <a:fillRef idx="1">
+            <a:schemeClr val="accent1"/>
+          </a:fillRef>
+          <a:effectRef idx="0">
+            <a:schemeClr val="accent1"/>
+          </a:effectRef>
+          <a:fontRef idx="minor">
+            <a:schemeClr val="lt1"/>
+          </a:fontRef>
+        </p:style>
+      </p:sp>
+      <p:sp>
+        <p:nvSpPr>
+          <p:cNvPr id="2" name="Title 1"/>
           <p:cNvSpPr>
             <a:spLocks noGrp="1"/>
           </p:cNvSpPr>
@@ -984,64 +1151,71 @@
         </p:nvSpPr>
         <p:spPr>
           <a:xfrm>
-            <a:off x="831850" y="1709738"/>
-            <a:ext cx="10515600" cy="2852737"/>
-          </a:xfrm>
-        </p:spPr>
-        <p:txBody>
-          <a:bodyPr anchor="b"/>
+            <a:off x="1097280" y="758952"/>
+            <a:ext cx="10058400" cy="3566160"/>
+          </a:xfrm>
+        </p:spPr>
+        <p:txBody>
+          <a:bodyPr anchor="b" anchorCtr="0">
+            <a:normAutofit/>
+          </a:bodyPr>
           <a:lstStyle>
             <a:lvl1pPr>
-              <a:defRPr sz="6000"/>
-            </a:lvl1pPr>
-          </a:lstStyle>
-          <a:p>
-            <a:r>
-              <a:rPr lang="en-US"/>
-              <a:t>Click to edit Master title style</a:t>
-            </a:r>
-            <a:endParaRPr lang="de-DE"/>
-          </a:p>
-        </p:txBody>
-      </p:sp>
-      <p:sp>
-        <p:nvSpPr>
-          <p:cNvPr id="3" name="Text Placeholder 2">
-            <a:extLst>
-              <a:ext uri="{FF2B5EF4-FFF2-40B4-BE49-F238E27FC236}">
-                <a16:creationId xmlns:a16="http://schemas.microsoft.com/office/drawing/2014/main" id="{3C857446-6AEF-4FA7-8269-4DC292CCDA6A}"/>
-              </a:ext>
-            </a:extLst>
-          </p:cNvPr>
-          <p:cNvSpPr>
-            <a:spLocks noGrp="1"/>
-          </p:cNvSpPr>
-          <p:nvPr>
-            <p:ph type="body" idx="1"/>
-          </p:nvPr>
-        </p:nvSpPr>
-        <p:spPr>
-          <a:xfrm>
-            <a:off x="831850" y="4589463"/>
-            <a:ext cx="10515600" cy="1500187"/>
-          </a:xfrm>
-        </p:spPr>
-        <p:txBody>
-          <a:bodyPr/>
-          <a:lstStyle>
-            <a:lvl1pPr marL="0" indent="0">
-              <a:buNone/>
-              <a:defRPr sz="2400">
+              <a:lnSpc>
+                <a:spcPct val="85000"/>
+              </a:lnSpc>
+              <a:defRPr sz="8000" b="0">
                 <a:solidFill>
                   <a:schemeClr val="tx1">
-                    <a:tint val="75000"/>
+                    <a:lumMod val="85000"/>
+                    <a:lumOff val="15000"/>
                   </a:schemeClr>
                 </a:solidFill>
               </a:defRPr>
             </a:lvl1pPr>
+          </a:lstStyle>
+          <a:p>
+            <a:r>
+              <a:rPr lang="en-US"/>
+              <a:t>Click to edit Master title style</a:t>
+            </a:r>
+            <a:endParaRPr lang="en-US" dirty="0"/>
+          </a:p>
+        </p:txBody>
+      </p:sp>
+      <p:sp>
+        <p:nvSpPr>
+          <p:cNvPr id="3" name="Text Placeholder 2"/>
+          <p:cNvSpPr>
+            <a:spLocks noGrp="1"/>
+          </p:cNvSpPr>
+          <p:nvPr>
+            <p:ph type="body" idx="1"/>
+          </p:nvPr>
+        </p:nvSpPr>
+        <p:spPr>
+          <a:xfrm>
+            <a:off x="1097280" y="4453128"/>
+            <a:ext cx="10058400" cy="1143000"/>
+          </a:xfrm>
+        </p:spPr>
+        <p:txBody>
+          <a:bodyPr lIns="91440" rIns="91440" anchor="t" anchorCtr="0">
+            <a:normAutofit/>
+          </a:bodyPr>
+          <a:lstStyle>
+            <a:lvl1pPr marL="0" indent="0">
+              <a:buNone/>
+              <a:defRPr sz="2400" cap="all" spc="200" baseline="0">
+                <a:solidFill>
+                  <a:schemeClr val="tx2"/>
+                </a:solidFill>
+                <a:latin typeface="+mj-lt"/>
+              </a:defRPr>
+            </a:lvl1pPr>
             <a:lvl2pPr marL="457200" indent="0">
               <a:buNone/>
-              <a:defRPr sz="2000">
+              <a:defRPr sz="1800">
                 <a:solidFill>
                   <a:schemeClr val="tx1">
                     <a:tint val="75000"/>
@@ -1051,7 +1225,7 @@
             </a:lvl2pPr>
             <a:lvl3pPr marL="914400" indent="0">
               <a:buNone/>
-              <a:defRPr sz="1800">
+              <a:defRPr sz="1600">
                 <a:solidFill>
                   <a:schemeClr val="tx1">
                     <a:tint val="75000"/>
@@ -1061,7 +1235,7 @@
             </a:lvl3pPr>
             <a:lvl4pPr marL="1371600" indent="0">
               <a:buNone/>
-              <a:defRPr sz="1600">
+              <a:defRPr sz="1400">
                 <a:solidFill>
                   <a:schemeClr val="tx1">
                     <a:tint val="75000"/>
@@ -1071,7 +1245,7 @@
             </a:lvl4pPr>
             <a:lvl5pPr marL="1828800" indent="0">
               <a:buNone/>
-              <a:defRPr sz="1600">
+              <a:defRPr sz="1400">
                 <a:solidFill>
                   <a:schemeClr val="tx1">
                     <a:tint val="75000"/>
@@ -1081,7 +1255,7 @@
             </a:lvl5pPr>
             <a:lvl6pPr marL="2286000" indent="0">
               <a:buNone/>
-              <a:defRPr sz="1600">
+              <a:defRPr sz="1400">
                 <a:solidFill>
                   <a:schemeClr val="tx1">
                     <a:tint val="75000"/>
@@ -1091,7 +1265,7 @@
             </a:lvl6pPr>
             <a:lvl7pPr marL="2743200" indent="0">
               <a:buNone/>
-              <a:defRPr sz="1600">
+              <a:defRPr sz="1400">
                 <a:solidFill>
                   <a:schemeClr val="tx1">
                     <a:tint val="75000"/>
@@ -1101,7 +1275,7 @@
             </a:lvl7pPr>
             <a:lvl8pPr marL="3200400" indent="0">
               <a:buNone/>
-              <a:defRPr sz="1600">
+              <a:defRPr sz="1400">
                 <a:solidFill>
                   <a:schemeClr val="tx1">
                     <a:tint val="75000"/>
@@ -1111,7 +1285,7 @@
             </a:lvl8pPr>
             <a:lvl9pPr marL="3657600" indent="0">
               <a:buNone/>
-              <a:defRPr sz="1600">
+              <a:defRPr sz="1400">
                 <a:solidFill>
                   <a:schemeClr val="tx1">
                     <a:tint val="75000"/>
@@ -1131,13 +1305,7 @@
       </p:sp>
       <p:sp>
         <p:nvSpPr>
-          <p:cNvPr id="4" name="Date Placeholder 3">
-            <a:extLst>
-              <a:ext uri="{FF2B5EF4-FFF2-40B4-BE49-F238E27FC236}">
-                <a16:creationId xmlns:a16="http://schemas.microsoft.com/office/drawing/2014/main" id="{1990442D-5899-453C-A1E1-7F338AF2732B}"/>
-              </a:ext>
-            </a:extLst>
-          </p:cNvPr>
+          <p:cNvPr id="4" name="Date Placeholder 3"/>
           <p:cNvSpPr>
             <a:spLocks noGrp="1"/>
           </p:cNvSpPr>
@@ -1152,7 +1320,7 @@
           <a:p>
             <a:fld id="{BE17025A-5189-4947-81BB-5983C6028C2C}" type="datetimeFigureOut">
               <a:rPr lang="de-DE" smtClean="0"/>
-              <a:t>05.08.2022</a:t>
+              <a:t>10.08.2022</a:t>
             </a:fld>
             <a:endParaRPr lang="de-DE"/>
           </a:p>
@@ -1160,13 +1328,7 @@
       </p:sp>
       <p:sp>
         <p:nvSpPr>
-          <p:cNvPr id="5" name="Footer Placeholder 4">
-            <a:extLst>
-              <a:ext uri="{FF2B5EF4-FFF2-40B4-BE49-F238E27FC236}">
-                <a16:creationId xmlns:a16="http://schemas.microsoft.com/office/drawing/2014/main" id="{4E3BB722-8F8B-4CEC-B0C8-13C47AC65323}"/>
-              </a:ext>
-            </a:extLst>
-          </p:cNvPr>
+          <p:cNvPr id="5" name="Footer Placeholder 4"/>
           <p:cNvSpPr>
             <a:spLocks noGrp="1"/>
           </p:cNvSpPr>
@@ -1185,13 +1347,7 @@
       </p:sp>
       <p:sp>
         <p:nvSpPr>
-          <p:cNvPr id="6" name="Slide Number Placeholder 5">
-            <a:extLst>
-              <a:ext uri="{FF2B5EF4-FFF2-40B4-BE49-F238E27FC236}">
-                <a16:creationId xmlns:a16="http://schemas.microsoft.com/office/drawing/2014/main" id="{D977C48D-DBD3-4C7A-B092-FB3A39748B2D}"/>
-              </a:ext>
-            </a:extLst>
-          </p:cNvPr>
+          <p:cNvPr id="6" name="Slide Number Placeholder 5"/>
           <p:cNvSpPr>
             <a:spLocks noGrp="1"/>
           </p:cNvSpPr>
@@ -1212,10 +1368,48 @@
           </a:p>
         </p:txBody>
       </p:sp>
+      <p:cxnSp>
+        <p:nvCxnSpPr>
+          <p:cNvPr id="9" name="Straight Connector 8"/>
+          <p:cNvCxnSpPr/>
+          <p:nvPr/>
+        </p:nvCxnSpPr>
+        <p:spPr>
+          <a:xfrm>
+            <a:off x="1207658" y="4343400"/>
+            <a:ext cx="9875520" cy="0"/>
+          </a:xfrm>
+          <a:prstGeom prst="line">
+            <a:avLst/>
+          </a:prstGeom>
+          <a:ln w="6350">
+            <a:solidFill>
+              <a:schemeClr val="tx1">
+                <a:lumMod val="50000"/>
+                <a:lumOff val="50000"/>
+              </a:schemeClr>
+            </a:solidFill>
+          </a:ln>
+        </p:spPr>
+        <p:style>
+          <a:lnRef idx="1">
+            <a:schemeClr val="accent1"/>
+          </a:lnRef>
+          <a:fillRef idx="0">
+            <a:schemeClr val="accent1"/>
+          </a:fillRef>
+          <a:effectRef idx="0">
+            <a:schemeClr val="accent1"/>
+          </a:effectRef>
+          <a:fontRef idx="minor">
+            <a:schemeClr val="tx1"/>
+          </a:fontRef>
+        </p:style>
+      </p:cxnSp>
     </p:spTree>
     <p:extLst>
       <p:ext uri="{BB962C8B-B14F-4D97-AF65-F5344CB8AC3E}">
-        <p14:creationId xmlns:p14="http://schemas.microsoft.com/office/powerpoint/2010/main" val="1183275447"/>
+        <p14:creationId xmlns:p14="http://schemas.microsoft.com/office/powerpoint/2010/main" val="2767541027"/>
       </p:ext>
     </p:extLst>
   </p:cSld>
@@ -1244,13 +1438,7 @@
       </p:grpSpPr>
       <p:sp>
         <p:nvSpPr>
-          <p:cNvPr id="2" name="Title 1">
-            <a:extLst>
-              <a:ext uri="{FF2B5EF4-FFF2-40B4-BE49-F238E27FC236}">
-                <a16:creationId xmlns:a16="http://schemas.microsoft.com/office/drawing/2014/main" id="{60043D1A-313D-4F08-BB3D-858642AC5EF7}"/>
-              </a:ext>
-            </a:extLst>
-          </p:cNvPr>
+          <p:cNvPr id="8" name="Title 7"/>
           <p:cNvSpPr>
             <a:spLocks noGrp="1"/>
           </p:cNvSpPr>
@@ -1258,7 +1446,12 @@
             <p:ph type="title"/>
           </p:nvPr>
         </p:nvSpPr>
-        <p:spPr/>
+        <p:spPr>
+          <a:xfrm>
+            <a:off x="1097280" y="286603"/>
+            <a:ext cx="10058400" cy="1450757"/>
+          </a:xfrm>
+        </p:spPr>
         <p:txBody>
           <a:bodyPr/>
           <a:lstStyle/>
@@ -1267,19 +1460,13 @@
               <a:rPr lang="en-US"/>
               <a:t>Click to edit Master title style</a:t>
             </a:r>
-            <a:endParaRPr lang="de-DE"/>
-          </a:p>
-        </p:txBody>
-      </p:sp>
-      <p:sp>
-        <p:nvSpPr>
-          <p:cNvPr id="3" name="Content Placeholder 2">
-            <a:extLst>
-              <a:ext uri="{FF2B5EF4-FFF2-40B4-BE49-F238E27FC236}">
-                <a16:creationId xmlns:a16="http://schemas.microsoft.com/office/drawing/2014/main" id="{5FC92CB4-E8E1-4E6B-B7DF-6F81CA272331}"/>
-              </a:ext>
-            </a:extLst>
-          </p:cNvPr>
+            <a:endParaRPr lang="en-US" dirty="0"/>
+          </a:p>
+        </p:txBody>
+      </p:sp>
+      <p:sp>
+        <p:nvSpPr>
+          <p:cNvPr id="3" name="Content Placeholder 2"/>
           <p:cNvSpPr>
             <a:spLocks noGrp="1"/>
           </p:cNvSpPr>
@@ -1289,8 +1476,8 @@
         </p:nvSpPr>
         <p:spPr>
           <a:xfrm>
-            <a:off x="838200" y="1825625"/>
-            <a:ext cx="5181600" cy="4351338"/>
+            <a:off x="1097278" y="1845734"/>
+            <a:ext cx="4937760" cy="4023360"/>
           </a:xfrm>
         </p:spPr>
         <p:txBody>
@@ -1330,19 +1517,13 @@
               <a:rPr lang="en-US"/>
               <a:t>Fifth level</a:t>
             </a:r>
-            <a:endParaRPr lang="de-DE"/>
-          </a:p>
-        </p:txBody>
-      </p:sp>
-      <p:sp>
-        <p:nvSpPr>
-          <p:cNvPr id="4" name="Content Placeholder 3">
-            <a:extLst>
-              <a:ext uri="{FF2B5EF4-FFF2-40B4-BE49-F238E27FC236}">
-                <a16:creationId xmlns:a16="http://schemas.microsoft.com/office/drawing/2014/main" id="{8927386E-07ED-4784-AF44-E8E20F12ADFD}"/>
-              </a:ext>
-            </a:extLst>
-          </p:cNvPr>
+            <a:endParaRPr lang="en-US" dirty="0"/>
+          </a:p>
+        </p:txBody>
+      </p:sp>
+      <p:sp>
+        <p:nvSpPr>
+          <p:cNvPr id="4" name="Content Placeholder 3"/>
           <p:cNvSpPr>
             <a:spLocks noGrp="1"/>
           </p:cNvSpPr>
@@ -1352,8 +1533,8 @@
         </p:nvSpPr>
         <p:spPr>
           <a:xfrm>
-            <a:off x="6172200" y="1825625"/>
-            <a:ext cx="5181600" cy="4351338"/>
+            <a:off x="6217920" y="1845735"/>
+            <a:ext cx="4937760" cy="4023360"/>
           </a:xfrm>
         </p:spPr>
         <p:txBody>
@@ -1393,19 +1574,13 @@
               <a:rPr lang="en-US"/>
               <a:t>Fifth level</a:t>
             </a:r>
-            <a:endParaRPr lang="de-DE"/>
-          </a:p>
-        </p:txBody>
-      </p:sp>
-      <p:sp>
-        <p:nvSpPr>
-          <p:cNvPr id="5" name="Date Placeholder 4">
-            <a:extLst>
-              <a:ext uri="{FF2B5EF4-FFF2-40B4-BE49-F238E27FC236}">
-                <a16:creationId xmlns:a16="http://schemas.microsoft.com/office/drawing/2014/main" id="{9A76B932-9548-414B-A0B5-C5B7D32C1DB3}"/>
-              </a:ext>
-            </a:extLst>
-          </p:cNvPr>
+            <a:endParaRPr lang="en-US" dirty="0"/>
+          </a:p>
+        </p:txBody>
+      </p:sp>
+      <p:sp>
+        <p:nvSpPr>
+          <p:cNvPr id="5" name="Date Placeholder 4"/>
           <p:cNvSpPr>
             <a:spLocks noGrp="1"/>
           </p:cNvSpPr>
@@ -1420,7 +1595,7 @@
           <a:p>
             <a:fld id="{BE17025A-5189-4947-81BB-5983C6028C2C}" type="datetimeFigureOut">
               <a:rPr lang="de-DE" smtClean="0"/>
-              <a:t>05.08.2022</a:t>
+              <a:t>10.08.2022</a:t>
             </a:fld>
             <a:endParaRPr lang="de-DE"/>
           </a:p>
@@ -1428,13 +1603,7 @@
       </p:sp>
       <p:sp>
         <p:nvSpPr>
-          <p:cNvPr id="6" name="Footer Placeholder 5">
-            <a:extLst>
-              <a:ext uri="{FF2B5EF4-FFF2-40B4-BE49-F238E27FC236}">
-                <a16:creationId xmlns:a16="http://schemas.microsoft.com/office/drawing/2014/main" id="{4E995B08-6DF9-49DE-BBE7-F4EB718491BF}"/>
-              </a:ext>
-            </a:extLst>
-          </p:cNvPr>
+          <p:cNvPr id="6" name="Footer Placeholder 5"/>
           <p:cNvSpPr>
             <a:spLocks noGrp="1"/>
           </p:cNvSpPr>
@@ -1453,13 +1622,7 @@
       </p:sp>
       <p:sp>
         <p:nvSpPr>
-          <p:cNvPr id="7" name="Slide Number Placeholder 6">
-            <a:extLst>
-              <a:ext uri="{FF2B5EF4-FFF2-40B4-BE49-F238E27FC236}">
-                <a16:creationId xmlns:a16="http://schemas.microsoft.com/office/drawing/2014/main" id="{33FDDFEE-2488-4471-A4FA-468BE4B4B878}"/>
-              </a:ext>
-            </a:extLst>
-          </p:cNvPr>
+          <p:cNvPr id="7" name="Slide Number Placeholder 6"/>
           <p:cNvSpPr>
             <a:spLocks noGrp="1"/>
           </p:cNvSpPr>
@@ -1483,7 +1646,7 @@
     </p:spTree>
     <p:extLst>
       <p:ext uri="{BB962C8B-B14F-4D97-AF65-F5344CB8AC3E}">
-        <p14:creationId xmlns:p14="http://schemas.microsoft.com/office/powerpoint/2010/main" val="3404029476"/>
+        <p14:creationId xmlns:p14="http://schemas.microsoft.com/office/powerpoint/2010/main" val="1992941662"/>
       </p:ext>
     </p:extLst>
   </p:cSld>
@@ -1512,13 +1675,7 @@
       </p:grpSpPr>
       <p:sp>
         <p:nvSpPr>
-          <p:cNvPr id="2" name="Title 1">
-            <a:extLst>
-              <a:ext uri="{FF2B5EF4-FFF2-40B4-BE49-F238E27FC236}">
-                <a16:creationId xmlns:a16="http://schemas.microsoft.com/office/drawing/2014/main" id="{F04FBF4B-C5E1-42B6-BC1E-C619331B70B5}"/>
-              </a:ext>
-            </a:extLst>
-          </p:cNvPr>
+          <p:cNvPr id="10" name="Title 9"/>
           <p:cNvSpPr>
             <a:spLocks noGrp="1"/>
           </p:cNvSpPr>
@@ -1528,8 +1685,8 @@
         </p:nvSpPr>
         <p:spPr>
           <a:xfrm>
-            <a:off x="839788" y="365125"/>
-            <a:ext cx="10515600" cy="1325563"/>
+            <a:off x="1097280" y="286603"/>
+            <a:ext cx="10058400" cy="1450757"/>
           </a:xfrm>
         </p:spPr>
         <p:txBody>
@@ -1540,19 +1697,13 @@
               <a:rPr lang="en-US"/>
               <a:t>Click to edit Master title style</a:t>
             </a:r>
-            <a:endParaRPr lang="de-DE"/>
-          </a:p>
-        </p:txBody>
-      </p:sp>
-      <p:sp>
-        <p:nvSpPr>
-          <p:cNvPr id="3" name="Text Placeholder 2">
-            <a:extLst>
-              <a:ext uri="{FF2B5EF4-FFF2-40B4-BE49-F238E27FC236}">
-                <a16:creationId xmlns:a16="http://schemas.microsoft.com/office/drawing/2014/main" id="{62D2046C-CC7F-4EDF-845C-3C80A2BBA2DC}"/>
-              </a:ext>
-            </a:extLst>
-          </p:cNvPr>
+            <a:endParaRPr lang="en-US" dirty="0"/>
+          </a:p>
+        </p:txBody>
+      </p:sp>
+      <p:sp>
+        <p:nvSpPr>
+          <p:cNvPr id="3" name="Text Placeholder 2"/>
           <p:cNvSpPr>
             <a:spLocks noGrp="1"/>
           </p:cNvSpPr>
@@ -1562,16 +1713,22 @@
         </p:nvSpPr>
         <p:spPr>
           <a:xfrm>
-            <a:off x="839788" y="1681163"/>
-            <a:ext cx="5157787" cy="823912"/>
-          </a:xfrm>
-        </p:spPr>
-        <p:txBody>
-          <a:bodyPr anchor="b"/>
+            <a:off x="1097280" y="1846052"/>
+            <a:ext cx="4937760" cy="736282"/>
+          </a:xfrm>
+        </p:spPr>
+        <p:txBody>
+          <a:bodyPr lIns="91440" rIns="91440" anchor="ctr">
+            <a:normAutofit/>
+          </a:bodyPr>
           <a:lstStyle>
             <a:lvl1pPr marL="0" indent="0">
               <a:buNone/>
-              <a:defRPr sz="2400" b="1"/>
+              <a:defRPr sz="2000" b="0" cap="all" baseline="0">
+                <a:solidFill>
+                  <a:schemeClr val="tx2"/>
+                </a:solidFill>
+              </a:defRPr>
             </a:lvl1pPr>
             <a:lvl2pPr marL="457200" indent="0">
               <a:buNone/>
@@ -1617,13 +1774,7 @@
       </p:sp>
       <p:sp>
         <p:nvSpPr>
-          <p:cNvPr id="4" name="Content Placeholder 3">
-            <a:extLst>
-              <a:ext uri="{FF2B5EF4-FFF2-40B4-BE49-F238E27FC236}">
-                <a16:creationId xmlns:a16="http://schemas.microsoft.com/office/drawing/2014/main" id="{71587302-5114-4A37-A51B-01A5D6F33E08}"/>
-              </a:ext>
-            </a:extLst>
-          </p:cNvPr>
+          <p:cNvPr id="4" name="Content Placeholder 3"/>
           <p:cNvSpPr>
             <a:spLocks noGrp="1"/>
           </p:cNvSpPr>
@@ -1633,8 +1784,8 @@
         </p:nvSpPr>
         <p:spPr>
           <a:xfrm>
-            <a:off x="839788" y="2505075"/>
-            <a:ext cx="5157787" cy="3684588"/>
+            <a:off x="1097280" y="2582334"/>
+            <a:ext cx="4937760" cy="3378200"/>
           </a:xfrm>
         </p:spPr>
         <p:txBody>
@@ -1674,19 +1825,13 @@
               <a:rPr lang="en-US"/>
               <a:t>Fifth level</a:t>
             </a:r>
-            <a:endParaRPr lang="de-DE"/>
-          </a:p>
-        </p:txBody>
-      </p:sp>
-      <p:sp>
-        <p:nvSpPr>
-          <p:cNvPr id="5" name="Text Placeholder 4">
-            <a:extLst>
-              <a:ext uri="{FF2B5EF4-FFF2-40B4-BE49-F238E27FC236}">
-                <a16:creationId xmlns:a16="http://schemas.microsoft.com/office/drawing/2014/main" id="{4CCAFC5A-3772-4028-89D8-158F40EAED22}"/>
-              </a:ext>
-            </a:extLst>
-          </p:cNvPr>
+            <a:endParaRPr lang="en-US" dirty="0"/>
+          </a:p>
+        </p:txBody>
+      </p:sp>
+      <p:sp>
+        <p:nvSpPr>
+          <p:cNvPr id="5" name="Text Placeholder 4"/>
           <p:cNvSpPr>
             <a:spLocks noGrp="1"/>
           </p:cNvSpPr>
@@ -1696,16 +1841,22 @@
         </p:nvSpPr>
         <p:spPr>
           <a:xfrm>
-            <a:off x="6172200" y="1681163"/>
-            <a:ext cx="5183188" cy="823912"/>
-          </a:xfrm>
-        </p:spPr>
-        <p:txBody>
-          <a:bodyPr anchor="b"/>
+            <a:off x="6217920" y="1846052"/>
+            <a:ext cx="4937760" cy="736282"/>
+          </a:xfrm>
+        </p:spPr>
+        <p:txBody>
+          <a:bodyPr lIns="91440" rIns="91440" anchor="ctr">
+            <a:normAutofit/>
+          </a:bodyPr>
           <a:lstStyle>
             <a:lvl1pPr marL="0" indent="0">
               <a:buNone/>
-              <a:defRPr sz="2400" b="1"/>
+              <a:defRPr sz="2000" b="0" cap="all" baseline="0">
+                <a:solidFill>
+                  <a:schemeClr val="tx2"/>
+                </a:solidFill>
+              </a:defRPr>
             </a:lvl1pPr>
             <a:lvl2pPr marL="457200" indent="0">
               <a:buNone/>
@@ -1751,13 +1902,7 @@
       </p:sp>
       <p:sp>
         <p:nvSpPr>
-          <p:cNvPr id="6" name="Content Placeholder 5">
-            <a:extLst>
-              <a:ext uri="{FF2B5EF4-FFF2-40B4-BE49-F238E27FC236}">
-                <a16:creationId xmlns:a16="http://schemas.microsoft.com/office/drawing/2014/main" id="{7FA33ED2-7E76-42DE-878C-8A5606EC55D7}"/>
-              </a:ext>
-            </a:extLst>
-          </p:cNvPr>
+          <p:cNvPr id="6" name="Content Placeholder 5"/>
           <p:cNvSpPr>
             <a:spLocks noGrp="1"/>
           </p:cNvSpPr>
@@ -1767,8 +1912,8 @@
         </p:nvSpPr>
         <p:spPr>
           <a:xfrm>
-            <a:off x="6172200" y="2505075"/>
-            <a:ext cx="5183188" cy="3684588"/>
+            <a:off x="6217920" y="2582334"/>
+            <a:ext cx="4937760" cy="3378200"/>
           </a:xfrm>
         </p:spPr>
         <p:txBody>
@@ -1808,19 +1953,13 @@
               <a:rPr lang="en-US"/>
               <a:t>Fifth level</a:t>
             </a:r>
-            <a:endParaRPr lang="de-DE"/>
-          </a:p>
-        </p:txBody>
-      </p:sp>
-      <p:sp>
-        <p:nvSpPr>
-          <p:cNvPr id="7" name="Date Placeholder 6">
-            <a:extLst>
-              <a:ext uri="{FF2B5EF4-FFF2-40B4-BE49-F238E27FC236}">
-                <a16:creationId xmlns:a16="http://schemas.microsoft.com/office/drawing/2014/main" id="{393105D1-FCC6-449D-966D-EA7E2CCFFEE7}"/>
-              </a:ext>
-            </a:extLst>
-          </p:cNvPr>
+            <a:endParaRPr lang="en-US" dirty="0"/>
+          </a:p>
+        </p:txBody>
+      </p:sp>
+      <p:sp>
+        <p:nvSpPr>
+          <p:cNvPr id="7" name="Date Placeholder 6"/>
           <p:cNvSpPr>
             <a:spLocks noGrp="1"/>
           </p:cNvSpPr>
@@ -1835,7 +1974,7 @@
           <a:p>
             <a:fld id="{BE17025A-5189-4947-81BB-5983C6028C2C}" type="datetimeFigureOut">
               <a:rPr lang="de-DE" smtClean="0"/>
-              <a:t>05.08.2022</a:t>
+              <a:t>10.08.2022</a:t>
             </a:fld>
             <a:endParaRPr lang="de-DE"/>
           </a:p>
@@ -1843,13 +1982,7 @@
       </p:sp>
       <p:sp>
         <p:nvSpPr>
-          <p:cNvPr id="8" name="Footer Placeholder 7">
-            <a:extLst>
-              <a:ext uri="{FF2B5EF4-FFF2-40B4-BE49-F238E27FC236}">
-                <a16:creationId xmlns:a16="http://schemas.microsoft.com/office/drawing/2014/main" id="{F60A417A-57D4-4400-8945-149E151CB0F8}"/>
-              </a:ext>
-            </a:extLst>
-          </p:cNvPr>
+          <p:cNvPr id="8" name="Footer Placeholder 7"/>
           <p:cNvSpPr>
             <a:spLocks noGrp="1"/>
           </p:cNvSpPr>
@@ -1868,13 +2001,7 @@
       </p:sp>
       <p:sp>
         <p:nvSpPr>
-          <p:cNvPr id="9" name="Slide Number Placeholder 8">
-            <a:extLst>
-              <a:ext uri="{FF2B5EF4-FFF2-40B4-BE49-F238E27FC236}">
-                <a16:creationId xmlns:a16="http://schemas.microsoft.com/office/drawing/2014/main" id="{2B7FA64F-2466-4960-B25E-08C38EAE2B8D}"/>
-              </a:ext>
-            </a:extLst>
-          </p:cNvPr>
+          <p:cNvPr id="9" name="Slide Number Placeholder 8"/>
           <p:cNvSpPr>
             <a:spLocks noGrp="1"/>
           </p:cNvSpPr>
@@ -1898,7 +2025,7 @@
     </p:spTree>
     <p:extLst>
       <p:ext uri="{BB962C8B-B14F-4D97-AF65-F5344CB8AC3E}">
-        <p14:creationId xmlns:p14="http://schemas.microsoft.com/office/powerpoint/2010/main" val="1805138821"/>
+        <p14:creationId xmlns:p14="http://schemas.microsoft.com/office/powerpoint/2010/main" val="2115692463"/>
       </p:ext>
     </p:extLst>
   </p:cSld>
@@ -1927,13 +2054,7 @@
       </p:grpSpPr>
       <p:sp>
         <p:nvSpPr>
-          <p:cNvPr id="2" name="Title 1">
-            <a:extLst>
-              <a:ext uri="{FF2B5EF4-FFF2-40B4-BE49-F238E27FC236}">
-                <a16:creationId xmlns:a16="http://schemas.microsoft.com/office/drawing/2014/main" id="{3A146ED4-466D-4C38-B10B-5815BBE71D4B}"/>
-              </a:ext>
-            </a:extLst>
-          </p:cNvPr>
+          <p:cNvPr id="2" name="Title 1"/>
           <p:cNvSpPr>
             <a:spLocks noGrp="1"/>
           </p:cNvSpPr>
@@ -1950,19 +2071,13 @@
               <a:rPr lang="en-US"/>
               <a:t>Click to edit Master title style</a:t>
             </a:r>
-            <a:endParaRPr lang="de-DE"/>
-          </a:p>
-        </p:txBody>
-      </p:sp>
-      <p:sp>
-        <p:nvSpPr>
-          <p:cNvPr id="3" name="Date Placeholder 2">
-            <a:extLst>
-              <a:ext uri="{FF2B5EF4-FFF2-40B4-BE49-F238E27FC236}">
-                <a16:creationId xmlns:a16="http://schemas.microsoft.com/office/drawing/2014/main" id="{79B62BD5-940B-4B43-B88C-7E5F05CE5000}"/>
-              </a:ext>
-            </a:extLst>
-          </p:cNvPr>
+            <a:endParaRPr lang="en-US" dirty="0"/>
+          </a:p>
+        </p:txBody>
+      </p:sp>
+      <p:sp>
+        <p:nvSpPr>
+          <p:cNvPr id="3" name="Date Placeholder 2"/>
           <p:cNvSpPr>
             <a:spLocks noGrp="1"/>
           </p:cNvSpPr>
@@ -1977,7 +2092,7 @@
           <a:p>
             <a:fld id="{BE17025A-5189-4947-81BB-5983C6028C2C}" type="datetimeFigureOut">
               <a:rPr lang="de-DE" smtClean="0"/>
-              <a:t>05.08.2022</a:t>
+              <a:t>10.08.2022</a:t>
             </a:fld>
             <a:endParaRPr lang="de-DE"/>
           </a:p>
@@ -1985,13 +2100,7 @@
       </p:sp>
       <p:sp>
         <p:nvSpPr>
-          <p:cNvPr id="4" name="Footer Placeholder 3">
-            <a:extLst>
-              <a:ext uri="{FF2B5EF4-FFF2-40B4-BE49-F238E27FC236}">
-                <a16:creationId xmlns:a16="http://schemas.microsoft.com/office/drawing/2014/main" id="{E604E4B9-53B8-4369-9F6D-64E9DA051D61}"/>
-              </a:ext>
-            </a:extLst>
-          </p:cNvPr>
+          <p:cNvPr id="4" name="Footer Placeholder 3"/>
           <p:cNvSpPr>
             <a:spLocks noGrp="1"/>
           </p:cNvSpPr>
@@ -2010,13 +2119,7 @@
       </p:sp>
       <p:sp>
         <p:nvSpPr>
-          <p:cNvPr id="5" name="Slide Number Placeholder 4">
-            <a:extLst>
-              <a:ext uri="{FF2B5EF4-FFF2-40B4-BE49-F238E27FC236}">
-                <a16:creationId xmlns:a16="http://schemas.microsoft.com/office/drawing/2014/main" id="{6CE82043-893D-4169-97D2-D639D3AA124E}"/>
-              </a:ext>
-            </a:extLst>
-          </p:cNvPr>
+          <p:cNvPr id="5" name="Slide Number Placeholder 4"/>
           <p:cNvSpPr>
             <a:spLocks noGrp="1"/>
           </p:cNvSpPr>
@@ -2040,7 +2143,7 @@
     </p:spTree>
     <p:extLst>
       <p:ext uri="{BB962C8B-B14F-4D97-AF65-F5344CB8AC3E}">
-        <p14:creationId xmlns:p14="http://schemas.microsoft.com/office/powerpoint/2010/main" val="2923734461"/>
+        <p14:creationId xmlns:p14="http://schemas.microsoft.com/office/powerpoint/2010/main" val="3161928697"/>
       </p:ext>
     </p:extLst>
   </p:cSld>
@@ -2051,7 +2154,7 @@
 </file>
 
 <file path=ppt/slideLayouts/slideLayout7.xml><?xml version="1.0" encoding="utf-8"?>
-<p:sldLayout xmlns:a="http://schemas.openxmlformats.org/drawingml/2006/main" xmlns:r="http://schemas.openxmlformats.org/officeDocument/2006/relationships" xmlns:p="http://schemas.openxmlformats.org/presentationml/2006/main" type="blank" preserve="1">
+<p:sldLayout xmlns:a="http://schemas.openxmlformats.org/drawingml/2006/main" xmlns:r="http://schemas.openxmlformats.org/officeDocument/2006/relationships" xmlns:p="http://schemas.openxmlformats.org/presentationml/2006/main" showMasterSp="0" type="blank" preserve="1">
   <p:cSld name="Blank">
     <p:spTree>
       <p:nvGrpSpPr>
@@ -2069,13 +2172,83 @@
       </p:grpSpPr>
       <p:sp>
         <p:nvSpPr>
-          <p:cNvPr id="2" name="Date Placeholder 1">
-            <a:extLst>
-              <a:ext uri="{FF2B5EF4-FFF2-40B4-BE49-F238E27FC236}">
-                <a16:creationId xmlns:a16="http://schemas.microsoft.com/office/drawing/2014/main" id="{953AF30B-42D7-4BEB-BEF6-430BC14EF029}"/>
-              </a:ext>
-            </a:extLst>
-          </p:cNvPr>
+          <p:cNvPr id="5" name="Rectangle 4"/>
+          <p:cNvSpPr/>
+          <p:nvPr/>
+        </p:nvSpPr>
+        <p:spPr>
+          <a:xfrm>
+            <a:off x="3175" y="6400800"/>
+            <a:ext cx="12188825" cy="457200"/>
+          </a:xfrm>
+          <a:prstGeom prst="rect">
+            <a:avLst/>
+          </a:prstGeom>
+          <a:solidFill>
+            <a:schemeClr val="accent2"/>
+          </a:solidFill>
+          <a:ln>
+            <a:noFill/>
+          </a:ln>
+        </p:spPr>
+        <p:style>
+          <a:lnRef idx="2">
+            <a:schemeClr val="accent1">
+              <a:shade val="50000"/>
+            </a:schemeClr>
+          </a:lnRef>
+          <a:fillRef idx="1">
+            <a:schemeClr val="accent1"/>
+          </a:fillRef>
+          <a:effectRef idx="0">
+            <a:schemeClr val="accent1"/>
+          </a:effectRef>
+          <a:fontRef idx="minor">
+            <a:schemeClr val="lt1"/>
+          </a:fontRef>
+        </p:style>
+      </p:sp>
+      <p:sp>
+        <p:nvSpPr>
+          <p:cNvPr id="6" name="Rectangle 5"/>
+          <p:cNvSpPr/>
+          <p:nvPr/>
+        </p:nvSpPr>
+        <p:spPr>
+          <a:xfrm>
+            <a:off x="15" y="6334316"/>
+            <a:ext cx="12188825" cy="64008"/>
+          </a:xfrm>
+          <a:prstGeom prst="rect">
+            <a:avLst/>
+          </a:prstGeom>
+          <a:solidFill>
+            <a:schemeClr val="accent1"/>
+          </a:solidFill>
+          <a:ln>
+            <a:noFill/>
+          </a:ln>
+        </p:spPr>
+        <p:style>
+          <a:lnRef idx="2">
+            <a:schemeClr val="accent1">
+              <a:shade val="50000"/>
+            </a:schemeClr>
+          </a:lnRef>
+          <a:fillRef idx="1">
+            <a:schemeClr val="accent1"/>
+          </a:fillRef>
+          <a:effectRef idx="0">
+            <a:schemeClr val="accent1"/>
+          </a:effectRef>
+          <a:fontRef idx="minor">
+            <a:schemeClr val="lt1"/>
+          </a:fontRef>
+        </p:style>
+      </p:sp>
+      <p:sp>
+        <p:nvSpPr>
+          <p:cNvPr id="7" name="Date Placeholder 6"/>
           <p:cNvSpPr>
             <a:spLocks noGrp="1"/>
           </p:cNvSpPr>
@@ -2090,7 +2263,7 @@
           <a:p>
             <a:fld id="{BE17025A-5189-4947-81BB-5983C6028C2C}" type="datetimeFigureOut">
               <a:rPr lang="de-DE" smtClean="0"/>
-              <a:t>05.08.2022</a:t>
+              <a:t>10.08.2022</a:t>
             </a:fld>
             <a:endParaRPr lang="de-DE"/>
           </a:p>
@@ -2098,13 +2271,7 @@
       </p:sp>
       <p:sp>
         <p:nvSpPr>
-          <p:cNvPr id="3" name="Footer Placeholder 2">
-            <a:extLst>
-              <a:ext uri="{FF2B5EF4-FFF2-40B4-BE49-F238E27FC236}">
-                <a16:creationId xmlns:a16="http://schemas.microsoft.com/office/drawing/2014/main" id="{C2D77D1C-114F-448E-99D5-79854B092FB5}"/>
-              </a:ext>
-            </a:extLst>
-          </p:cNvPr>
+          <p:cNvPr id="8" name="Footer Placeholder 7"/>
           <p:cNvSpPr>
             <a:spLocks noGrp="1"/>
           </p:cNvSpPr>
@@ -2115,7 +2282,15 @@
         <p:spPr/>
         <p:txBody>
           <a:bodyPr/>
-          <a:lstStyle/>
+          <a:lstStyle>
+            <a:lvl1pPr>
+              <a:defRPr>
+                <a:solidFill>
+                  <a:srgbClr val="FFFFFF"/>
+                </a:solidFill>
+              </a:defRPr>
+            </a:lvl1pPr>
+          </a:lstStyle>
           <a:p>
             <a:endParaRPr lang="de-DE"/>
           </a:p>
@@ -2123,13 +2298,7 @@
       </p:sp>
       <p:sp>
         <p:nvSpPr>
-          <p:cNvPr id="4" name="Slide Number Placeholder 3">
-            <a:extLst>
-              <a:ext uri="{FF2B5EF4-FFF2-40B4-BE49-F238E27FC236}">
-                <a16:creationId xmlns:a16="http://schemas.microsoft.com/office/drawing/2014/main" id="{FF1D47F8-E766-48FB-B02D-2A3466510572}"/>
-              </a:ext>
-            </a:extLst>
-          </p:cNvPr>
+          <p:cNvPr id="9" name="Slide Number Placeholder 8"/>
           <p:cNvSpPr>
             <a:spLocks noGrp="1"/>
           </p:cNvSpPr>
@@ -2153,7 +2322,7 @@
     </p:spTree>
     <p:extLst>
       <p:ext uri="{BB962C8B-B14F-4D97-AF65-F5344CB8AC3E}">
-        <p14:creationId xmlns:p14="http://schemas.microsoft.com/office/powerpoint/2010/main" val="743998478"/>
+        <p14:creationId xmlns:p14="http://schemas.microsoft.com/office/powerpoint/2010/main" val="2423073785"/>
       </p:ext>
     </p:extLst>
   </p:cSld>
@@ -2164,7 +2333,7 @@
 </file>
 
 <file path=ppt/slideLayouts/slideLayout8.xml><?xml version="1.0" encoding="utf-8"?>
-<p:sldLayout xmlns:a="http://schemas.openxmlformats.org/drawingml/2006/main" xmlns:r="http://schemas.openxmlformats.org/officeDocument/2006/relationships" xmlns:p="http://schemas.openxmlformats.org/presentationml/2006/main" type="objTx" preserve="1">
+<p:sldLayout xmlns:a="http://schemas.openxmlformats.org/drawingml/2006/main" xmlns:r="http://schemas.openxmlformats.org/officeDocument/2006/relationships" xmlns:p="http://schemas.openxmlformats.org/presentationml/2006/main" showMasterSp="0" type="objTx" preserve="1">
   <p:cSld name="Content with Caption">
     <p:spTree>
       <p:nvGrpSpPr>
@@ -2182,13 +2351,83 @@
       </p:grpSpPr>
       <p:sp>
         <p:nvSpPr>
-          <p:cNvPr id="2" name="Title 1">
-            <a:extLst>
-              <a:ext uri="{FF2B5EF4-FFF2-40B4-BE49-F238E27FC236}">
-                <a16:creationId xmlns:a16="http://schemas.microsoft.com/office/drawing/2014/main" id="{F311A0A7-58A3-4076-9A64-AC700A85B366}"/>
-              </a:ext>
-            </a:extLst>
-          </p:cNvPr>
+          <p:cNvPr id="8" name="Rectangle 7"/>
+          <p:cNvSpPr/>
+          <p:nvPr/>
+        </p:nvSpPr>
+        <p:spPr>
+          <a:xfrm>
+            <a:off x="16" y="0"/>
+            <a:ext cx="4050791" cy="6858000"/>
+          </a:xfrm>
+          <a:prstGeom prst="rect">
+            <a:avLst/>
+          </a:prstGeom>
+          <a:solidFill>
+            <a:schemeClr val="accent2"/>
+          </a:solidFill>
+          <a:ln>
+            <a:noFill/>
+          </a:ln>
+        </p:spPr>
+        <p:style>
+          <a:lnRef idx="2">
+            <a:schemeClr val="accent1">
+              <a:shade val="50000"/>
+            </a:schemeClr>
+          </a:lnRef>
+          <a:fillRef idx="1">
+            <a:schemeClr val="accent1"/>
+          </a:fillRef>
+          <a:effectRef idx="0">
+            <a:schemeClr val="accent1"/>
+          </a:effectRef>
+          <a:fontRef idx="minor">
+            <a:schemeClr val="lt1"/>
+          </a:fontRef>
+        </p:style>
+      </p:sp>
+      <p:sp>
+        <p:nvSpPr>
+          <p:cNvPr id="9" name="Rectangle 8"/>
+          <p:cNvSpPr/>
+          <p:nvPr/>
+        </p:nvSpPr>
+        <p:spPr>
+          <a:xfrm>
+            <a:off x="4040071" y="0"/>
+            <a:ext cx="64008" cy="6858000"/>
+          </a:xfrm>
+          <a:prstGeom prst="rect">
+            <a:avLst/>
+          </a:prstGeom>
+          <a:solidFill>
+            <a:schemeClr val="accent1"/>
+          </a:solidFill>
+          <a:ln>
+            <a:noFill/>
+          </a:ln>
+        </p:spPr>
+        <p:style>
+          <a:lnRef idx="2">
+            <a:schemeClr val="accent1">
+              <a:shade val="50000"/>
+            </a:schemeClr>
+          </a:lnRef>
+          <a:fillRef idx="1">
+            <a:schemeClr val="accent1"/>
+          </a:fillRef>
+          <a:effectRef idx="0">
+            <a:schemeClr val="accent1"/>
+          </a:effectRef>
+          <a:fontRef idx="minor">
+            <a:schemeClr val="lt1"/>
+          </a:fontRef>
+        </p:style>
+      </p:sp>
+      <p:sp>
+        <p:nvSpPr>
+          <p:cNvPr id="2" name="Title 1"/>
           <p:cNvSpPr>
             <a:spLocks noGrp="1"/>
           </p:cNvSpPr>
@@ -2198,15 +2437,21 @@
         </p:nvSpPr>
         <p:spPr>
           <a:xfrm>
-            <a:off x="839788" y="457200"/>
-            <a:ext cx="3932237" cy="1600200"/>
-          </a:xfrm>
-        </p:spPr>
-        <p:txBody>
-          <a:bodyPr anchor="b"/>
+            <a:off x="457200" y="594359"/>
+            <a:ext cx="3200400" cy="2286000"/>
+          </a:xfrm>
+        </p:spPr>
+        <p:txBody>
+          <a:bodyPr anchor="b">
+            <a:normAutofit/>
+          </a:bodyPr>
           <a:lstStyle>
             <a:lvl1pPr>
-              <a:defRPr sz="3200"/>
+              <a:defRPr sz="3600" b="0">
+                <a:solidFill>
+                  <a:srgbClr val="FFFFFF"/>
+                </a:solidFill>
+              </a:defRPr>
             </a:lvl1pPr>
           </a:lstStyle>
           <a:p>
@@ -2214,246 +2459,224 @@
               <a:rPr lang="en-US"/>
               <a:t>Click to edit Master title style</a:t>
             </a:r>
+            <a:endParaRPr lang="en-US" dirty="0"/>
+          </a:p>
+        </p:txBody>
+      </p:sp>
+      <p:sp>
+        <p:nvSpPr>
+          <p:cNvPr id="3" name="Content Placeholder 2"/>
+          <p:cNvSpPr>
+            <a:spLocks noGrp="1"/>
+          </p:cNvSpPr>
+          <p:nvPr>
+            <p:ph idx="1"/>
+          </p:nvPr>
+        </p:nvSpPr>
+        <p:spPr>
+          <a:xfrm>
+            <a:off x="4800600" y="731520"/>
+            <a:ext cx="6492240" cy="5257800"/>
+          </a:xfrm>
+        </p:spPr>
+        <p:txBody>
+          <a:bodyPr/>
+          <a:lstStyle/>
+          <a:p>
+            <a:pPr lvl="0"/>
+            <a:r>
+              <a:rPr lang="en-US"/>
+              <a:t>Click to edit Master text styles</a:t>
+            </a:r>
+          </a:p>
+          <a:p>
+            <a:pPr lvl="1"/>
+            <a:r>
+              <a:rPr lang="en-US"/>
+              <a:t>Second level</a:t>
+            </a:r>
+          </a:p>
+          <a:p>
+            <a:pPr lvl="2"/>
+            <a:r>
+              <a:rPr lang="en-US"/>
+              <a:t>Third level</a:t>
+            </a:r>
+          </a:p>
+          <a:p>
+            <a:pPr lvl="3"/>
+            <a:r>
+              <a:rPr lang="en-US"/>
+              <a:t>Fourth level</a:t>
+            </a:r>
+          </a:p>
+          <a:p>
+            <a:pPr lvl="4"/>
+            <a:r>
+              <a:rPr lang="en-US"/>
+              <a:t>Fifth level</a:t>
+            </a:r>
+            <a:endParaRPr lang="en-US" dirty="0"/>
+          </a:p>
+        </p:txBody>
+      </p:sp>
+      <p:sp>
+        <p:nvSpPr>
+          <p:cNvPr id="4" name="Text Placeholder 3"/>
+          <p:cNvSpPr>
+            <a:spLocks noGrp="1"/>
+          </p:cNvSpPr>
+          <p:nvPr>
+            <p:ph type="body" sz="half" idx="2"/>
+          </p:nvPr>
+        </p:nvSpPr>
+        <p:spPr>
+          <a:xfrm>
+            <a:off x="457200" y="2926080"/>
+            <a:ext cx="3200400" cy="3379124"/>
+          </a:xfrm>
+        </p:spPr>
+        <p:txBody>
+          <a:bodyPr lIns="91440" rIns="91440">
+            <a:normAutofit/>
+          </a:bodyPr>
+          <a:lstStyle>
+            <a:lvl1pPr marL="0" indent="0">
+              <a:buNone/>
+              <a:defRPr sz="1500">
+                <a:solidFill>
+                  <a:srgbClr val="FFFFFF"/>
+                </a:solidFill>
+              </a:defRPr>
+            </a:lvl1pPr>
+            <a:lvl2pPr marL="457200" indent="0">
+              <a:buNone/>
+              <a:defRPr sz="1200"/>
+            </a:lvl2pPr>
+            <a:lvl3pPr marL="914400" indent="0">
+              <a:buNone/>
+              <a:defRPr sz="1000"/>
+            </a:lvl3pPr>
+            <a:lvl4pPr marL="1371600" indent="0">
+              <a:buNone/>
+              <a:defRPr sz="900"/>
+            </a:lvl4pPr>
+            <a:lvl5pPr marL="1828800" indent="0">
+              <a:buNone/>
+              <a:defRPr sz="900"/>
+            </a:lvl5pPr>
+            <a:lvl6pPr marL="2286000" indent="0">
+              <a:buNone/>
+              <a:defRPr sz="900"/>
+            </a:lvl6pPr>
+            <a:lvl7pPr marL="2743200" indent="0">
+              <a:buNone/>
+              <a:defRPr sz="900"/>
+            </a:lvl7pPr>
+            <a:lvl8pPr marL="3200400" indent="0">
+              <a:buNone/>
+              <a:defRPr sz="900"/>
+            </a:lvl8pPr>
+            <a:lvl9pPr marL="3657600" indent="0">
+              <a:buNone/>
+              <a:defRPr sz="900"/>
+            </a:lvl9pPr>
+          </a:lstStyle>
+          <a:p>
+            <a:pPr lvl="0"/>
+            <a:r>
+              <a:rPr lang="en-US"/>
+              <a:t>Click to edit Master text styles</a:t>
+            </a:r>
+          </a:p>
+        </p:txBody>
+      </p:sp>
+      <p:sp>
+        <p:nvSpPr>
+          <p:cNvPr id="5" name="Date Placeholder 4"/>
+          <p:cNvSpPr>
+            <a:spLocks noGrp="1"/>
+          </p:cNvSpPr>
+          <p:nvPr>
+            <p:ph type="dt" sz="half" idx="10"/>
+          </p:nvPr>
+        </p:nvSpPr>
+        <p:spPr>
+          <a:xfrm>
+            <a:off x="465512" y="6459785"/>
+            <a:ext cx="2618510" cy="365125"/>
+          </a:xfrm>
+        </p:spPr>
+        <p:txBody>
+          <a:bodyPr/>
+          <a:lstStyle>
+            <a:lvl1pPr algn="l">
+              <a:defRPr/>
+            </a:lvl1pPr>
+          </a:lstStyle>
+          <a:p>
+            <a:fld id="{BE17025A-5189-4947-81BB-5983C6028C2C}" type="datetimeFigureOut">
+              <a:rPr lang="de-DE" smtClean="0"/>
+              <a:t>10.08.2022</a:t>
+            </a:fld>
             <a:endParaRPr lang="de-DE"/>
           </a:p>
         </p:txBody>
       </p:sp>
       <p:sp>
         <p:nvSpPr>
-          <p:cNvPr id="3" name="Content Placeholder 2">
-            <a:extLst>
-              <a:ext uri="{FF2B5EF4-FFF2-40B4-BE49-F238E27FC236}">
-                <a16:creationId xmlns:a16="http://schemas.microsoft.com/office/drawing/2014/main" id="{A67EC767-CC25-4F2B-B8E8-4D2DCF1719CA}"/>
-              </a:ext>
-            </a:extLst>
-          </p:cNvPr>
-          <p:cNvSpPr>
-            <a:spLocks noGrp="1"/>
-          </p:cNvSpPr>
-          <p:nvPr>
-            <p:ph idx="1"/>
-          </p:nvPr>
-        </p:nvSpPr>
-        <p:spPr>
-          <a:xfrm>
-            <a:off x="5183188" y="987425"/>
-            <a:ext cx="6172200" cy="4873625"/>
-          </a:xfrm>
-        </p:spPr>
+          <p:cNvPr id="6" name="Footer Placeholder 5"/>
+          <p:cNvSpPr>
+            <a:spLocks noGrp="1"/>
+          </p:cNvSpPr>
+          <p:nvPr>
+            <p:ph type="ftr" sz="quarter" idx="11"/>
+          </p:nvPr>
+        </p:nvSpPr>
+        <p:spPr>
+          <a:xfrm>
+            <a:off x="4800600" y="6459785"/>
+            <a:ext cx="4648200" cy="365125"/>
+          </a:xfrm>
+        </p:spPr>
+        <p:txBody>
+          <a:bodyPr/>
+          <a:lstStyle>
+            <a:lvl1pPr algn="l">
+              <a:defRPr>
+                <a:solidFill>
+                  <a:schemeClr val="tx2"/>
+                </a:solidFill>
+              </a:defRPr>
+            </a:lvl1pPr>
+          </a:lstStyle>
+          <a:p>
+            <a:endParaRPr lang="de-DE"/>
+          </a:p>
+        </p:txBody>
+      </p:sp>
+      <p:sp>
+        <p:nvSpPr>
+          <p:cNvPr id="7" name="Slide Number Placeholder 6"/>
+          <p:cNvSpPr>
+            <a:spLocks noGrp="1"/>
+          </p:cNvSpPr>
+          <p:nvPr>
+            <p:ph type="sldNum" sz="quarter" idx="12"/>
+          </p:nvPr>
+        </p:nvSpPr>
+        <p:spPr/>
         <p:txBody>
           <a:bodyPr/>
           <a:lstStyle>
             <a:lvl1pPr>
-              <a:defRPr sz="3200"/>
+              <a:defRPr>
+                <a:solidFill>
+                  <a:schemeClr val="tx2"/>
+                </a:solidFill>
+              </a:defRPr>
             </a:lvl1pPr>
-            <a:lvl2pPr>
-              <a:defRPr sz="2800"/>
-            </a:lvl2pPr>
-            <a:lvl3pPr>
-              <a:defRPr sz="2400"/>
-            </a:lvl3pPr>
-            <a:lvl4pPr>
-              <a:defRPr sz="2000"/>
-            </a:lvl4pPr>
-            <a:lvl5pPr>
-              <a:defRPr sz="2000"/>
-            </a:lvl5pPr>
-            <a:lvl6pPr>
-              <a:defRPr sz="2000"/>
-            </a:lvl6pPr>
-            <a:lvl7pPr>
-              <a:defRPr sz="2000"/>
-            </a:lvl7pPr>
-            <a:lvl8pPr>
-              <a:defRPr sz="2000"/>
-            </a:lvl8pPr>
-            <a:lvl9pPr>
-              <a:defRPr sz="2000"/>
-            </a:lvl9pPr>
           </a:lstStyle>
-          <a:p>
-            <a:pPr lvl="0"/>
-            <a:r>
-              <a:rPr lang="en-US"/>
-              <a:t>Click to edit Master text styles</a:t>
-            </a:r>
-          </a:p>
-          <a:p>
-            <a:pPr lvl="1"/>
-            <a:r>
-              <a:rPr lang="en-US"/>
-              <a:t>Second level</a:t>
-            </a:r>
-          </a:p>
-          <a:p>
-            <a:pPr lvl="2"/>
-            <a:r>
-              <a:rPr lang="en-US"/>
-              <a:t>Third level</a:t>
-            </a:r>
-          </a:p>
-          <a:p>
-            <a:pPr lvl="3"/>
-            <a:r>
-              <a:rPr lang="en-US"/>
-              <a:t>Fourth level</a:t>
-            </a:r>
-          </a:p>
-          <a:p>
-            <a:pPr lvl="4"/>
-            <a:r>
-              <a:rPr lang="en-US"/>
-              <a:t>Fifth level</a:t>
-            </a:r>
-            <a:endParaRPr lang="de-DE"/>
-          </a:p>
-        </p:txBody>
-      </p:sp>
-      <p:sp>
-        <p:nvSpPr>
-          <p:cNvPr id="4" name="Text Placeholder 3">
-            <a:extLst>
-              <a:ext uri="{FF2B5EF4-FFF2-40B4-BE49-F238E27FC236}">
-                <a16:creationId xmlns:a16="http://schemas.microsoft.com/office/drawing/2014/main" id="{BC3246E6-2DB6-427C-B94D-64F79636BA01}"/>
-              </a:ext>
-            </a:extLst>
-          </p:cNvPr>
-          <p:cNvSpPr>
-            <a:spLocks noGrp="1"/>
-          </p:cNvSpPr>
-          <p:nvPr>
-            <p:ph type="body" sz="half" idx="2"/>
-          </p:nvPr>
-        </p:nvSpPr>
-        <p:spPr>
-          <a:xfrm>
-            <a:off x="839788" y="2057400"/>
-            <a:ext cx="3932237" cy="3811588"/>
-          </a:xfrm>
-        </p:spPr>
-        <p:txBody>
-          <a:bodyPr/>
-          <a:lstStyle>
-            <a:lvl1pPr marL="0" indent="0">
-              <a:buNone/>
-              <a:defRPr sz="1600"/>
-            </a:lvl1pPr>
-            <a:lvl2pPr marL="457200" indent="0">
-              <a:buNone/>
-              <a:defRPr sz="1400"/>
-            </a:lvl2pPr>
-            <a:lvl3pPr marL="914400" indent="0">
-              <a:buNone/>
-              <a:defRPr sz="1200"/>
-            </a:lvl3pPr>
-            <a:lvl4pPr marL="1371600" indent="0">
-              <a:buNone/>
-              <a:defRPr sz="1000"/>
-            </a:lvl4pPr>
-            <a:lvl5pPr marL="1828800" indent="0">
-              <a:buNone/>
-              <a:defRPr sz="1000"/>
-            </a:lvl5pPr>
-            <a:lvl6pPr marL="2286000" indent="0">
-              <a:buNone/>
-              <a:defRPr sz="1000"/>
-            </a:lvl6pPr>
-            <a:lvl7pPr marL="2743200" indent="0">
-              <a:buNone/>
-              <a:defRPr sz="1000"/>
-            </a:lvl7pPr>
-            <a:lvl8pPr marL="3200400" indent="0">
-              <a:buNone/>
-              <a:defRPr sz="1000"/>
-            </a:lvl8pPr>
-            <a:lvl9pPr marL="3657600" indent="0">
-              <a:buNone/>
-              <a:defRPr sz="1000"/>
-            </a:lvl9pPr>
-          </a:lstStyle>
-          <a:p>
-            <a:pPr lvl="0"/>
-            <a:r>
-              <a:rPr lang="en-US"/>
-              <a:t>Click to edit Master text styles</a:t>
-            </a:r>
-          </a:p>
-        </p:txBody>
-      </p:sp>
-      <p:sp>
-        <p:nvSpPr>
-          <p:cNvPr id="5" name="Date Placeholder 4">
-            <a:extLst>
-              <a:ext uri="{FF2B5EF4-FFF2-40B4-BE49-F238E27FC236}">
-                <a16:creationId xmlns:a16="http://schemas.microsoft.com/office/drawing/2014/main" id="{3709C47A-1327-4A42-81E6-519C13F62148}"/>
-              </a:ext>
-            </a:extLst>
-          </p:cNvPr>
-          <p:cNvSpPr>
-            <a:spLocks noGrp="1"/>
-          </p:cNvSpPr>
-          <p:nvPr>
-            <p:ph type="dt" sz="half" idx="10"/>
-          </p:nvPr>
-        </p:nvSpPr>
-        <p:spPr/>
-        <p:txBody>
-          <a:bodyPr/>
-          <a:lstStyle/>
-          <a:p>
-            <a:fld id="{BE17025A-5189-4947-81BB-5983C6028C2C}" type="datetimeFigureOut">
-              <a:rPr lang="de-DE" smtClean="0"/>
-              <a:t>05.08.2022</a:t>
-            </a:fld>
-            <a:endParaRPr lang="de-DE"/>
-          </a:p>
-        </p:txBody>
-      </p:sp>
-      <p:sp>
-        <p:nvSpPr>
-          <p:cNvPr id="6" name="Footer Placeholder 5">
-            <a:extLst>
-              <a:ext uri="{FF2B5EF4-FFF2-40B4-BE49-F238E27FC236}">
-                <a16:creationId xmlns:a16="http://schemas.microsoft.com/office/drawing/2014/main" id="{CE606CDC-AE97-4B9B-BEC1-164F43F30F79}"/>
-              </a:ext>
-            </a:extLst>
-          </p:cNvPr>
-          <p:cNvSpPr>
-            <a:spLocks noGrp="1"/>
-          </p:cNvSpPr>
-          <p:nvPr>
-            <p:ph type="ftr" sz="quarter" idx="11"/>
-          </p:nvPr>
-        </p:nvSpPr>
-        <p:spPr/>
-        <p:txBody>
-          <a:bodyPr/>
-          <a:lstStyle/>
-          <a:p>
-            <a:endParaRPr lang="de-DE"/>
-          </a:p>
-        </p:txBody>
-      </p:sp>
-      <p:sp>
-        <p:nvSpPr>
-          <p:cNvPr id="7" name="Slide Number Placeholder 6">
-            <a:extLst>
-              <a:ext uri="{FF2B5EF4-FFF2-40B4-BE49-F238E27FC236}">
-                <a16:creationId xmlns:a16="http://schemas.microsoft.com/office/drawing/2014/main" id="{D2D6532C-FFAE-464F-AD69-C0EF8FB79D10}"/>
-              </a:ext>
-            </a:extLst>
-          </p:cNvPr>
-          <p:cNvSpPr>
-            <a:spLocks noGrp="1"/>
-          </p:cNvSpPr>
-          <p:nvPr>
-            <p:ph type="sldNum" sz="quarter" idx="12"/>
-          </p:nvPr>
-        </p:nvSpPr>
-        <p:spPr/>
-        <p:txBody>
-          <a:bodyPr/>
-          <a:lstStyle/>
           <a:p>
             <a:fld id="{64D17405-16FE-4FAD-9A21-F2DCFBD05A9B}" type="slidenum">
               <a:rPr lang="de-DE" smtClean="0"/>
@@ -2466,7 +2689,7 @@
     </p:spTree>
     <p:extLst>
       <p:ext uri="{BB962C8B-B14F-4D97-AF65-F5344CB8AC3E}">
-        <p14:creationId xmlns:p14="http://schemas.microsoft.com/office/powerpoint/2010/main" val="2384018864"/>
+        <p14:creationId xmlns:p14="http://schemas.microsoft.com/office/powerpoint/2010/main" val="13161848"/>
       </p:ext>
     </p:extLst>
   </p:cSld>
@@ -2477,7 +2700,7 @@
 </file>
 
 <file path=ppt/slideLayouts/slideLayout9.xml><?xml version="1.0" encoding="utf-8"?>
-<p:sldLayout xmlns:a="http://schemas.openxmlformats.org/drawingml/2006/main" xmlns:r="http://schemas.openxmlformats.org/officeDocument/2006/relationships" xmlns:p="http://schemas.openxmlformats.org/presentationml/2006/main" type="picTx" preserve="1">
+<p:sldLayout xmlns:a="http://schemas.openxmlformats.org/drawingml/2006/main" xmlns:r="http://schemas.openxmlformats.org/officeDocument/2006/relationships" xmlns:p="http://schemas.openxmlformats.org/presentationml/2006/main" showMasterSp="0" type="picTx" preserve="1">
   <p:cSld name="Picture with Caption">
     <p:spTree>
       <p:nvGrpSpPr>
@@ -2495,13 +2718,83 @@
       </p:grpSpPr>
       <p:sp>
         <p:nvSpPr>
-          <p:cNvPr id="2" name="Title 1">
-            <a:extLst>
-              <a:ext uri="{FF2B5EF4-FFF2-40B4-BE49-F238E27FC236}">
-                <a16:creationId xmlns:a16="http://schemas.microsoft.com/office/drawing/2014/main" id="{63386BA6-A664-458C-9EA5-88B8DD46EF5C}"/>
-              </a:ext>
-            </a:extLst>
-          </p:cNvPr>
+          <p:cNvPr id="8" name="Rectangle 7"/>
+          <p:cNvSpPr/>
+          <p:nvPr/>
+        </p:nvSpPr>
+        <p:spPr>
+          <a:xfrm>
+            <a:off x="0" y="4953000"/>
+            <a:ext cx="12188825" cy="1905000"/>
+          </a:xfrm>
+          <a:prstGeom prst="rect">
+            <a:avLst/>
+          </a:prstGeom>
+          <a:solidFill>
+            <a:schemeClr val="accent2"/>
+          </a:solidFill>
+          <a:ln>
+            <a:noFill/>
+          </a:ln>
+        </p:spPr>
+        <p:style>
+          <a:lnRef idx="2">
+            <a:schemeClr val="accent1">
+              <a:shade val="50000"/>
+            </a:schemeClr>
+          </a:lnRef>
+          <a:fillRef idx="1">
+            <a:schemeClr val="accent1"/>
+          </a:fillRef>
+          <a:effectRef idx="0">
+            <a:schemeClr val="accent1"/>
+          </a:effectRef>
+          <a:fontRef idx="minor">
+            <a:schemeClr val="lt1"/>
+          </a:fontRef>
+        </p:style>
+      </p:sp>
+      <p:sp>
+        <p:nvSpPr>
+          <p:cNvPr id="9" name="Rectangle 8"/>
+          <p:cNvSpPr/>
+          <p:nvPr/>
+        </p:nvSpPr>
+        <p:spPr>
+          <a:xfrm>
+            <a:off x="15" y="4915076"/>
+            <a:ext cx="12188825" cy="64008"/>
+          </a:xfrm>
+          <a:prstGeom prst="rect">
+            <a:avLst/>
+          </a:prstGeom>
+          <a:solidFill>
+            <a:schemeClr val="accent1"/>
+          </a:solidFill>
+          <a:ln>
+            <a:noFill/>
+          </a:ln>
+        </p:spPr>
+        <p:style>
+          <a:lnRef idx="2">
+            <a:schemeClr val="accent1">
+              <a:shade val="50000"/>
+            </a:schemeClr>
+          </a:lnRef>
+          <a:fillRef idx="1">
+            <a:schemeClr val="accent1"/>
+          </a:fillRef>
+          <a:effectRef idx="0">
+            <a:schemeClr val="accent1"/>
+          </a:effectRef>
+          <a:fontRef idx="minor">
+            <a:schemeClr val="lt1"/>
+          </a:fontRef>
+        </p:style>
+      </p:sp>
+      <p:sp>
+        <p:nvSpPr>
+          <p:cNvPr id="2" name="Title 1"/>
           <p:cNvSpPr>
             <a:spLocks noGrp="1"/>
           </p:cNvSpPr>
@@ -2511,15 +2804,21 @@
         </p:nvSpPr>
         <p:spPr>
           <a:xfrm>
-            <a:off x="839788" y="457200"/>
-            <a:ext cx="3932237" cy="1600200"/>
-          </a:xfrm>
-        </p:spPr>
-        <p:txBody>
-          <a:bodyPr anchor="b"/>
+            <a:off x="1097280" y="5074920"/>
+            <a:ext cx="10113645" cy="822960"/>
+          </a:xfrm>
+        </p:spPr>
+        <p:txBody>
+          <a:bodyPr lIns="91440" tIns="0" rIns="91440" bIns="0" anchor="b">
+            <a:noAutofit/>
+          </a:bodyPr>
           <a:lstStyle>
             <a:lvl1pPr>
-              <a:defRPr sz="3200"/>
+              <a:defRPr sz="3600" b="0">
+                <a:solidFill>
+                  <a:srgbClr val="FFFFFF"/>
+                </a:solidFill>
+              </a:defRPr>
             </a:lvl1pPr>
           </a:lstStyle>
           <a:p>
@@ -2527,21 +2826,15 @@
               <a:rPr lang="en-US"/>
               <a:t>Click to edit Master title style</a:t>
             </a:r>
-            <a:endParaRPr lang="de-DE"/>
-          </a:p>
-        </p:txBody>
-      </p:sp>
-      <p:sp>
-        <p:nvSpPr>
-          <p:cNvPr id="3" name="Picture Placeholder 2">
-            <a:extLst>
-              <a:ext uri="{FF2B5EF4-FFF2-40B4-BE49-F238E27FC236}">
-                <a16:creationId xmlns:a16="http://schemas.microsoft.com/office/drawing/2014/main" id="{E59C70FE-F88D-485A-AACE-66C9A811855F}"/>
-              </a:ext>
-            </a:extLst>
-          </p:cNvPr>
-          <p:cNvSpPr>
-            <a:spLocks noGrp="1"/>
+            <a:endParaRPr lang="en-US" dirty="0"/>
+          </a:p>
+        </p:txBody>
+      </p:sp>
+      <p:sp>
+        <p:nvSpPr>
+          <p:cNvPr id="3" name="Picture Placeholder 2"/>
+          <p:cNvSpPr>
+            <a:spLocks noGrp="1" noChangeAspect="1"/>
           </p:cNvSpPr>
           <p:nvPr>
             <p:ph type="pic" idx="1"/>
@@ -2549,12 +2842,17 @@
         </p:nvSpPr>
         <p:spPr>
           <a:xfrm>
-            <a:off x="5183188" y="987425"/>
-            <a:ext cx="6172200" cy="4873625"/>
-          </a:xfrm>
-        </p:spPr>
-        <p:txBody>
-          <a:bodyPr/>
+            <a:off x="15" y="0"/>
+            <a:ext cx="12191985" cy="4915076"/>
+          </a:xfrm>
+          <a:solidFill>
+            <a:schemeClr val="bg2">
+              <a:lumMod val="90000"/>
+            </a:schemeClr>
+          </a:solidFill>
+        </p:spPr>
+        <p:txBody>
+          <a:bodyPr lIns="457200" tIns="457200" anchor="t"/>
           <a:lstStyle>
             <a:lvl1pPr marL="0" indent="0">
               <a:buNone/>
@@ -2594,19 +2892,17 @@
             </a:lvl9pPr>
           </a:lstStyle>
           <a:p>
-            <a:endParaRPr lang="de-DE"/>
-          </a:p>
-        </p:txBody>
-      </p:sp>
-      <p:sp>
-        <p:nvSpPr>
-          <p:cNvPr id="4" name="Text Placeholder 3">
-            <a:extLst>
-              <a:ext uri="{FF2B5EF4-FFF2-40B4-BE49-F238E27FC236}">
-                <a16:creationId xmlns:a16="http://schemas.microsoft.com/office/drawing/2014/main" id="{52F7C398-ADD4-4306-8C0B-EBC3EBD3A78E}"/>
-              </a:ext>
-            </a:extLst>
-          </p:cNvPr>
+            <a:r>
+              <a:rPr lang="en-US"/>
+              <a:t>Click icon to add picture</a:t>
+            </a:r>
+            <a:endParaRPr lang="en-US" dirty="0"/>
+          </a:p>
+        </p:txBody>
+      </p:sp>
+      <p:sp>
+        <p:nvSpPr>
+          <p:cNvPr id="4" name="Text Placeholder 3"/>
           <p:cNvSpPr>
             <a:spLocks noGrp="1"/>
           </p:cNvSpPr>
@@ -2616,48 +2912,60 @@
         </p:nvSpPr>
         <p:spPr>
           <a:xfrm>
-            <a:off x="839788" y="2057400"/>
-            <a:ext cx="3932237" cy="3811588"/>
-          </a:xfrm>
-        </p:spPr>
-        <p:txBody>
-          <a:bodyPr/>
+            <a:off x="1097280" y="5907024"/>
+            <a:ext cx="10113264" cy="594360"/>
+          </a:xfrm>
+        </p:spPr>
+        <p:txBody>
+          <a:bodyPr lIns="91440" tIns="0" rIns="91440" bIns="0">
+            <a:normAutofit/>
+          </a:bodyPr>
           <a:lstStyle>
             <a:lvl1pPr marL="0" indent="0">
-              <a:buNone/>
-              <a:defRPr sz="1600"/>
+              <a:spcBef>
+                <a:spcPts val="0"/>
+              </a:spcBef>
+              <a:spcAft>
+                <a:spcPts val="600"/>
+              </a:spcAft>
+              <a:buNone/>
+              <a:defRPr sz="1500">
+                <a:solidFill>
+                  <a:srgbClr val="FFFFFF"/>
+                </a:solidFill>
+              </a:defRPr>
             </a:lvl1pPr>
             <a:lvl2pPr marL="457200" indent="0">
               <a:buNone/>
-              <a:defRPr sz="1400"/>
+              <a:defRPr sz="1200"/>
             </a:lvl2pPr>
             <a:lvl3pPr marL="914400" indent="0">
               <a:buNone/>
-              <a:defRPr sz="1200"/>
+              <a:defRPr sz="1000"/>
             </a:lvl3pPr>
             <a:lvl4pPr marL="1371600" indent="0">
               <a:buNone/>
-              <a:defRPr sz="1000"/>
+              <a:defRPr sz="900"/>
             </a:lvl4pPr>
             <a:lvl5pPr marL="1828800" indent="0">
               <a:buNone/>
-              <a:defRPr sz="1000"/>
+              <a:defRPr sz="900"/>
             </a:lvl5pPr>
             <a:lvl6pPr marL="2286000" indent="0">
               <a:buNone/>
-              <a:defRPr sz="1000"/>
+              <a:defRPr sz="900"/>
             </a:lvl6pPr>
             <a:lvl7pPr marL="2743200" indent="0">
               <a:buNone/>
-              <a:defRPr sz="1000"/>
+              <a:defRPr sz="900"/>
             </a:lvl7pPr>
             <a:lvl8pPr marL="3200400" indent="0">
               <a:buNone/>
-              <a:defRPr sz="1000"/>
+              <a:defRPr sz="900"/>
             </a:lvl8pPr>
             <a:lvl9pPr marL="3657600" indent="0">
               <a:buNone/>
-              <a:defRPr sz="1000"/>
+              <a:defRPr sz="900"/>
             </a:lvl9pPr>
           </a:lstStyle>
           <a:p>
@@ -2671,13 +2979,7 @@
       </p:sp>
       <p:sp>
         <p:nvSpPr>
-          <p:cNvPr id="5" name="Date Placeholder 4">
-            <a:extLst>
-              <a:ext uri="{FF2B5EF4-FFF2-40B4-BE49-F238E27FC236}">
-                <a16:creationId xmlns:a16="http://schemas.microsoft.com/office/drawing/2014/main" id="{BDA86EFF-BB6D-4893-8A51-BFC8B25EAB8F}"/>
-              </a:ext>
-            </a:extLst>
-          </p:cNvPr>
+          <p:cNvPr id="5" name="Date Placeholder 4"/>
           <p:cNvSpPr>
             <a:spLocks noGrp="1"/>
           </p:cNvSpPr>
@@ -2692,7 +2994,7 @@
           <a:p>
             <a:fld id="{BE17025A-5189-4947-81BB-5983C6028C2C}" type="datetimeFigureOut">
               <a:rPr lang="de-DE" smtClean="0"/>
-              <a:t>05.08.2022</a:t>
+              <a:t>10.08.2022</a:t>
             </a:fld>
             <a:endParaRPr lang="de-DE"/>
           </a:p>
@@ -2700,13 +3002,7 @@
       </p:sp>
       <p:sp>
         <p:nvSpPr>
-          <p:cNvPr id="6" name="Footer Placeholder 5">
-            <a:extLst>
-              <a:ext uri="{FF2B5EF4-FFF2-40B4-BE49-F238E27FC236}">
-                <a16:creationId xmlns:a16="http://schemas.microsoft.com/office/drawing/2014/main" id="{AD685C5B-79AE-41A3-807A-8941199B5476}"/>
-              </a:ext>
-            </a:extLst>
-          </p:cNvPr>
+          <p:cNvPr id="6" name="Footer Placeholder 5"/>
           <p:cNvSpPr>
             <a:spLocks noGrp="1"/>
           </p:cNvSpPr>
@@ -2725,13 +3021,7 @@
       </p:sp>
       <p:sp>
         <p:nvSpPr>
-          <p:cNvPr id="7" name="Slide Number Placeholder 6">
-            <a:extLst>
-              <a:ext uri="{FF2B5EF4-FFF2-40B4-BE49-F238E27FC236}">
-                <a16:creationId xmlns:a16="http://schemas.microsoft.com/office/drawing/2014/main" id="{2B17D112-4118-4DF7-BA51-EA76D1001F82}"/>
-              </a:ext>
-            </a:extLst>
-          </p:cNvPr>
+          <p:cNvPr id="7" name="Slide Number Placeholder 6"/>
           <p:cNvSpPr>
             <a:spLocks noGrp="1"/>
           </p:cNvSpPr>
@@ -2755,7 +3045,7 @@
     </p:spTree>
     <p:extLst>
       <p:ext uri="{BB962C8B-B14F-4D97-AF65-F5344CB8AC3E}">
-        <p14:creationId xmlns:p14="http://schemas.microsoft.com/office/powerpoint/2010/main" val="2931525955"/>
+        <p14:creationId xmlns:p14="http://schemas.microsoft.com/office/powerpoint/2010/main" val="840324183"/>
       </p:ext>
     </p:extLst>
   </p:cSld>
@@ -2789,145 +3079,201 @@
       </p:grpSpPr>
       <p:sp>
         <p:nvSpPr>
-          <p:cNvPr id="2" name="Title Placeholder 1">
-            <a:extLst>
-              <a:ext uri="{FF2B5EF4-FFF2-40B4-BE49-F238E27FC236}">
-                <a16:creationId xmlns:a16="http://schemas.microsoft.com/office/drawing/2014/main" id="{49313B94-7CE0-45B5-8A69-042CC011E2B2}"/>
-              </a:ext>
-            </a:extLst>
-          </p:cNvPr>
-          <p:cNvSpPr>
-            <a:spLocks noGrp="1"/>
-          </p:cNvSpPr>
-          <p:nvPr>
-            <p:ph type="title"/>
-          </p:nvPr>
-        </p:nvSpPr>
-        <p:spPr>
-          <a:xfrm>
-            <a:off x="838200" y="365125"/>
-            <a:ext cx="10515600" cy="1325563"/>
+          <p:cNvPr id="7" name="Rectangle 6"/>
+          <p:cNvSpPr/>
+          <p:nvPr/>
+        </p:nvSpPr>
+        <p:spPr>
+          <a:xfrm>
+            <a:off x="1" y="6400800"/>
+            <a:ext cx="12192000" cy="457200"/>
           </a:xfrm>
           <a:prstGeom prst="rect">
             <a:avLst/>
           </a:prstGeom>
-        </p:spPr>
-        <p:txBody>
-          <a:bodyPr vert="horz" lIns="91440" tIns="45720" rIns="91440" bIns="45720" rtlCol="0" anchor="ctr">
-            <a:normAutofit/>
-          </a:bodyPr>
-          <a:lstStyle/>
-          <a:p>
-            <a:r>
-              <a:rPr lang="en-US"/>
-              <a:t>Click to edit Master title style</a:t>
-            </a:r>
-            <a:endParaRPr lang="de-DE"/>
-          </a:p>
-        </p:txBody>
-      </p:sp>
-      <p:sp>
-        <p:nvSpPr>
-          <p:cNvPr id="3" name="Text Placeholder 2">
-            <a:extLst>
-              <a:ext uri="{FF2B5EF4-FFF2-40B4-BE49-F238E27FC236}">
-                <a16:creationId xmlns:a16="http://schemas.microsoft.com/office/drawing/2014/main" id="{C04BD167-8C0B-4B85-B448-E5749A49C6A3}"/>
-              </a:ext>
-            </a:extLst>
-          </p:cNvPr>
-          <p:cNvSpPr>
-            <a:spLocks noGrp="1"/>
-          </p:cNvSpPr>
-          <p:nvPr>
-            <p:ph type="body" idx="1"/>
-          </p:nvPr>
-        </p:nvSpPr>
-        <p:spPr>
-          <a:xfrm>
-            <a:off x="838200" y="1825625"/>
-            <a:ext cx="10515600" cy="4351338"/>
+          <a:solidFill>
+            <a:schemeClr val="accent2"/>
+          </a:solidFill>
+          <a:ln>
+            <a:noFill/>
+          </a:ln>
+        </p:spPr>
+        <p:style>
+          <a:lnRef idx="2">
+            <a:schemeClr val="accent1">
+              <a:shade val="50000"/>
+            </a:schemeClr>
+          </a:lnRef>
+          <a:fillRef idx="1">
+            <a:schemeClr val="accent1"/>
+          </a:fillRef>
+          <a:effectRef idx="0">
+            <a:schemeClr val="accent1"/>
+          </a:effectRef>
+          <a:fontRef idx="minor">
+            <a:schemeClr val="lt1"/>
+          </a:fontRef>
+        </p:style>
+      </p:sp>
+      <p:sp>
+        <p:nvSpPr>
+          <p:cNvPr id="9" name="Rectangle 8"/>
+          <p:cNvSpPr/>
+          <p:nvPr/>
+        </p:nvSpPr>
+        <p:spPr>
+          <a:xfrm>
+            <a:off x="15" y="6334316"/>
+            <a:ext cx="12191985" cy="66484"/>
           </a:xfrm>
           <a:prstGeom prst="rect">
             <a:avLst/>
           </a:prstGeom>
-        </p:spPr>
-        <p:txBody>
-          <a:bodyPr vert="horz" lIns="91440" tIns="45720" rIns="91440" bIns="45720" rtlCol="0">
-            <a:normAutofit/>
-          </a:bodyPr>
-          <a:lstStyle/>
-          <a:p>
-            <a:pPr lvl="0"/>
-            <a:r>
-              <a:rPr lang="en-US"/>
-              <a:t>Click to edit Master text styles</a:t>
-            </a:r>
-          </a:p>
-          <a:p>
-            <a:pPr lvl="1"/>
-            <a:r>
-              <a:rPr lang="en-US"/>
-              <a:t>Second level</a:t>
-            </a:r>
-          </a:p>
-          <a:p>
-            <a:pPr lvl="2"/>
-            <a:r>
-              <a:rPr lang="en-US"/>
-              <a:t>Third level</a:t>
-            </a:r>
-          </a:p>
-          <a:p>
-            <a:pPr lvl="3"/>
-            <a:r>
-              <a:rPr lang="en-US"/>
-              <a:t>Fourth level</a:t>
-            </a:r>
-          </a:p>
-          <a:p>
-            <a:pPr lvl="4"/>
-            <a:r>
-              <a:rPr lang="en-US"/>
-              <a:t>Fifth level</a:t>
-            </a:r>
-            <a:endParaRPr lang="de-DE"/>
-          </a:p>
-        </p:txBody>
-      </p:sp>
-      <p:sp>
-        <p:nvSpPr>
-          <p:cNvPr id="4" name="Date Placeholder 3">
-            <a:extLst>
-              <a:ext uri="{FF2B5EF4-FFF2-40B4-BE49-F238E27FC236}">
-                <a16:creationId xmlns:a16="http://schemas.microsoft.com/office/drawing/2014/main" id="{6CA67E14-618E-4B43-BBE3-7118DCD9D69A}"/>
-              </a:ext>
-            </a:extLst>
-          </p:cNvPr>
-          <p:cNvSpPr>
-            <a:spLocks noGrp="1"/>
-          </p:cNvSpPr>
-          <p:nvPr>
-            <p:ph type="dt" sz="half" idx="2"/>
-          </p:nvPr>
-        </p:nvSpPr>
-        <p:spPr>
-          <a:xfrm>
-            <a:off x="838200" y="6356350"/>
-            <a:ext cx="2743200" cy="365125"/>
+          <a:solidFill>
+            <a:schemeClr val="accent1"/>
+          </a:solidFill>
+          <a:ln>
+            <a:noFill/>
+          </a:ln>
+        </p:spPr>
+        <p:style>
+          <a:lnRef idx="2">
+            <a:schemeClr val="accent1">
+              <a:shade val="50000"/>
+            </a:schemeClr>
+          </a:lnRef>
+          <a:fillRef idx="1">
+            <a:schemeClr val="accent1"/>
+          </a:fillRef>
+          <a:effectRef idx="0">
+            <a:schemeClr val="accent1"/>
+          </a:effectRef>
+          <a:fontRef idx="minor">
+            <a:schemeClr val="lt1"/>
+          </a:fontRef>
+        </p:style>
+      </p:sp>
+      <p:sp>
+        <p:nvSpPr>
+          <p:cNvPr id="2" name="Title Placeholder 1"/>
+          <p:cNvSpPr>
+            <a:spLocks noGrp="1"/>
+          </p:cNvSpPr>
+          <p:nvPr>
+            <p:ph type="title"/>
+          </p:nvPr>
+        </p:nvSpPr>
+        <p:spPr>
+          <a:xfrm>
+            <a:off x="1097280" y="286603"/>
+            <a:ext cx="10058400" cy="1450757"/>
           </a:xfrm>
           <a:prstGeom prst="rect">
             <a:avLst/>
           </a:prstGeom>
         </p:spPr>
         <p:txBody>
+          <a:bodyPr vert="horz" lIns="91440" tIns="45720" rIns="91440" bIns="45720" rtlCol="0" anchor="b">
+            <a:normAutofit/>
+          </a:bodyPr>
+          <a:lstStyle/>
+          <a:p>
+            <a:r>
+              <a:rPr lang="en-US"/>
+              <a:t>Click to edit Master title style</a:t>
+            </a:r>
+            <a:endParaRPr lang="en-US" dirty="0"/>
+          </a:p>
+        </p:txBody>
+      </p:sp>
+      <p:sp>
+        <p:nvSpPr>
+          <p:cNvPr id="3" name="Text Placeholder 2"/>
+          <p:cNvSpPr>
+            <a:spLocks noGrp="1"/>
+          </p:cNvSpPr>
+          <p:nvPr>
+            <p:ph type="body" idx="1"/>
+          </p:nvPr>
+        </p:nvSpPr>
+        <p:spPr>
+          <a:xfrm>
+            <a:off x="1097280" y="1845734"/>
+            <a:ext cx="10058400" cy="4023360"/>
+          </a:xfrm>
+          <a:prstGeom prst="rect">
+            <a:avLst/>
+          </a:prstGeom>
+        </p:spPr>
+        <p:txBody>
+          <a:bodyPr vert="horz" lIns="0" tIns="45720" rIns="0" bIns="45720" rtlCol="0">
+            <a:normAutofit/>
+          </a:bodyPr>
+          <a:lstStyle/>
+          <a:p>
+            <a:pPr lvl="0"/>
+            <a:r>
+              <a:rPr lang="en-US"/>
+              <a:t>Click to edit Master text styles</a:t>
+            </a:r>
+          </a:p>
+          <a:p>
+            <a:pPr lvl="1"/>
+            <a:r>
+              <a:rPr lang="en-US"/>
+              <a:t>Second level</a:t>
+            </a:r>
+          </a:p>
+          <a:p>
+            <a:pPr lvl="2"/>
+            <a:r>
+              <a:rPr lang="en-US"/>
+              <a:t>Third level</a:t>
+            </a:r>
+          </a:p>
+          <a:p>
+            <a:pPr lvl="3"/>
+            <a:r>
+              <a:rPr lang="en-US"/>
+              <a:t>Fourth level</a:t>
+            </a:r>
+          </a:p>
+          <a:p>
+            <a:pPr lvl="4"/>
+            <a:r>
+              <a:rPr lang="en-US"/>
+              <a:t>Fifth level</a:t>
+            </a:r>
+            <a:endParaRPr lang="en-US" dirty="0"/>
+          </a:p>
+        </p:txBody>
+      </p:sp>
+      <p:sp>
+        <p:nvSpPr>
+          <p:cNvPr id="4" name="Date Placeholder 3"/>
+          <p:cNvSpPr>
+            <a:spLocks noGrp="1"/>
+          </p:cNvSpPr>
+          <p:nvPr>
+            <p:ph type="dt" sz="half" idx="2"/>
+          </p:nvPr>
+        </p:nvSpPr>
+        <p:spPr>
+          <a:xfrm>
+            <a:off x="1097280" y="6459785"/>
+            <a:ext cx="2472271" cy="365125"/>
+          </a:xfrm>
+          <a:prstGeom prst="rect">
+            <a:avLst/>
+          </a:prstGeom>
+        </p:spPr>
+        <p:txBody>
           <a:bodyPr vert="horz" lIns="91440" tIns="45720" rIns="91440" bIns="45720" rtlCol="0" anchor="ctr"/>
           <a:lstStyle>
             <a:lvl1pPr algn="l">
-              <a:defRPr sz="1200">
+              <a:defRPr sz="900">
                 <a:solidFill>
-                  <a:schemeClr val="tx1">
-                    <a:tint val="75000"/>
-                  </a:schemeClr>
+                  <a:srgbClr val="FFFFFF"/>
                 </a:solidFill>
               </a:defRPr>
             </a:lvl1pPr>
@@ -2935,7 +3281,7 @@
           <a:p>
             <a:fld id="{BE17025A-5189-4947-81BB-5983C6028C2C}" type="datetimeFigureOut">
               <a:rPr lang="de-DE" smtClean="0"/>
-              <a:t>05.08.2022</a:t>
+              <a:t>10.08.2022</a:t>
             </a:fld>
             <a:endParaRPr lang="de-DE"/>
           </a:p>
@@ -2943,13 +3289,7 @@
       </p:sp>
       <p:sp>
         <p:nvSpPr>
-          <p:cNvPr id="5" name="Footer Placeholder 4">
-            <a:extLst>
-              <a:ext uri="{FF2B5EF4-FFF2-40B4-BE49-F238E27FC236}">
-                <a16:creationId xmlns:a16="http://schemas.microsoft.com/office/drawing/2014/main" id="{50294921-B83B-4E6E-A29C-B809ADF26A28}"/>
-              </a:ext>
-            </a:extLst>
-          </p:cNvPr>
+          <p:cNvPr id="5" name="Footer Placeholder 4"/>
           <p:cNvSpPr>
             <a:spLocks noGrp="1"/>
           </p:cNvSpPr>
@@ -2959,8 +3299,8 @@
         </p:nvSpPr>
         <p:spPr>
           <a:xfrm>
-            <a:off x="4038600" y="6356350"/>
-            <a:ext cx="4114800" cy="365125"/>
+            <a:off x="3686185" y="6459785"/>
+            <a:ext cx="4822804" cy="365125"/>
           </a:xfrm>
           <a:prstGeom prst="rect">
             <a:avLst/>
@@ -2970,11 +3310,9 @@
           <a:bodyPr vert="horz" lIns="91440" tIns="45720" rIns="91440" bIns="45720" rtlCol="0" anchor="ctr"/>
           <a:lstStyle>
             <a:lvl1pPr algn="ctr">
-              <a:defRPr sz="1200">
+              <a:defRPr sz="900" cap="all" baseline="0">
                 <a:solidFill>
-                  <a:schemeClr val="tx1">
-                    <a:tint val="75000"/>
-                  </a:schemeClr>
+                  <a:srgbClr val="FFFFFF"/>
                 </a:solidFill>
               </a:defRPr>
             </a:lvl1pPr>
@@ -2986,13 +3324,7 @@
       </p:sp>
       <p:sp>
         <p:nvSpPr>
-          <p:cNvPr id="6" name="Slide Number Placeholder 5">
-            <a:extLst>
-              <a:ext uri="{FF2B5EF4-FFF2-40B4-BE49-F238E27FC236}">
-                <a16:creationId xmlns:a16="http://schemas.microsoft.com/office/drawing/2014/main" id="{4E8A46A5-1464-48E1-B37C-EEF984C685B0}"/>
-              </a:ext>
-            </a:extLst>
-          </p:cNvPr>
+          <p:cNvPr id="6" name="Slide Number Placeholder 5"/>
           <p:cNvSpPr>
             <a:spLocks noGrp="1"/>
           </p:cNvSpPr>
@@ -3002,8 +3334,8 @@
         </p:nvSpPr>
         <p:spPr>
           <a:xfrm>
-            <a:off x="8610600" y="6356350"/>
-            <a:ext cx="2743200" cy="365125"/>
+            <a:off x="9900458" y="6459785"/>
+            <a:ext cx="1312025" cy="365125"/>
           </a:xfrm>
           <a:prstGeom prst="rect">
             <a:avLst/>
@@ -3013,11 +3345,9 @@
           <a:bodyPr vert="horz" lIns="91440" tIns="45720" rIns="91440" bIns="45720" rtlCol="0" anchor="ctr"/>
           <a:lstStyle>
             <a:lvl1pPr algn="r">
-              <a:defRPr sz="1200">
+              <a:defRPr sz="1050">
                 <a:solidFill>
-                  <a:schemeClr val="tx1">
-                    <a:tint val="75000"/>
-                  </a:schemeClr>
+                  <a:srgbClr val="FFFFFF"/>
                 </a:solidFill>
               </a:defRPr>
             </a:lvl1pPr>
@@ -3031,40 +3361,81 @@
           </a:p>
         </p:txBody>
       </p:sp>
+      <p:cxnSp>
+        <p:nvCxnSpPr>
+          <p:cNvPr id="10" name="Straight Connector 9"/>
+          <p:cNvCxnSpPr/>
+          <p:nvPr/>
+        </p:nvCxnSpPr>
+        <p:spPr>
+          <a:xfrm>
+            <a:off x="1193532" y="1737845"/>
+            <a:ext cx="9966960" cy="0"/>
+          </a:xfrm>
+          <a:prstGeom prst="line">
+            <a:avLst/>
+          </a:prstGeom>
+          <a:ln w="6350">
+            <a:solidFill>
+              <a:schemeClr val="tx1">
+                <a:lumMod val="50000"/>
+                <a:lumOff val="50000"/>
+              </a:schemeClr>
+            </a:solidFill>
+          </a:ln>
+        </p:spPr>
+        <p:style>
+          <a:lnRef idx="1">
+            <a:schemeClr val="accent1"/>
+          </a:lnRef>
+          <a:fillRef idx="0">
+            <a:schemeClr val="accent1"/>
+          </a:fillRef>
+          <a:effectRef idx="0">
+            <a:schemeClr val="accent1"/>
+          </a:effectRef>
+          <a:fontRef idx="minor">
+            <a:schemeClr val="tx1"/>
+          </a:fontRef>
+        </p:style>
+      </p:cxnSp>
     </p:spTree>
     <p:extLst>
       <p:ext uri="{BB962C8B-B14F-4D97-AF65-F5344CB8AC3E}">
-        <p14:creationId xmlns:p14="http://schemas.microsoft.com/office/powerpoint/2010/main" val="1704135276"/>
+        <p14:creationId xmlns:p14="http://schemas.microsoft.com/office/powerpoint/2010/main" val="1620976937"/>
       </p:ext>
     </p:extLst>
   </p:cSld>
   <p:clrMap bg1="lt1" tx1="dk1" bg2="lt2" tx2="dk2" accent1="accent1" accent2="accent2" accent3="accent3" accent4="accent4" accent5="accent5" accent6="accent6" hlink="hlink" folHlink="folHlink"/>
   <p:sldLayoutIdLst>
-    <p:sldLayoutId id="2147483720" r:id="rId1"/>
-    <p:sldLayoutId id="2147483721" r:id="rId2"/>
-    <p:sldLayoutId id="2147483722" r:id="rId3"/>
-    <p:sldLayoutId id="2147483723" r:id="rId4"/>
-    <p:sldLayoutId id="2147483724" r:id="rId5"/>
-    <p:sldLayoutId id="2147483725" r:id="rId6"/>
-    <p:sldLayoutId id="2147483726" r:id="rId7"/>
-    <p:sldLayoutId id="2147483727" r:id="rId8"/>
-    <p:sldLayoutId id="2147483728" r:id="rId9"/>
-    <p:sldLayoutId id="2147483729" r:id="rId10"/>
-    <p:sldLayoutId id="2147483730" r:id="rId11"/>
+    <p:sldLayoutId id="2147483774" r:id="rId1"/>
+    <p:sldLayoutId id="2147483775" r:id="rId2"/>
+    <p:sldLayoutId id="2147483776" r:id="rId3"/>
+    <p:sldLayoutId id="2147483777" r:id="rId4"/>
+    <p:sldLayoutId id="2147483778" r:id="rId5"/>
+    <p:sldLayoutId id="2147483779" r:id="rId6"/>
+    <p:sldLayoutId id="2147483780" r:id="rId7"/>
+    <p:sldLayoutId id="2147483781" r:id="rId8"/>
+    <p:sldLayoutId id="2147483782" r:id="rId9"/>
+    <p:sldLayoutId id="2147483783" r:id="rId10"/>
+    <p:sldLayoutId id="2147483784" r:id="rId11"/>
   </p:sldLayoutIdLst>
   <p:txStyles>
     <p:titleStyle>
       <a:lvl1pPr algn="l" defTabSz="914400" rtl="0" eaLnBrk="1" latinLnBrk="0" hangingPunct="1">
         <a:lnSpc>
-          <a:spcPct val="90000"/>
+          <a:spcPct val="85000"/>
         </a:lnSpc>
         <a:spcBef>
           <a:spcPct val="0"/>
         </a:spcBef>
         <a:buNone/>
-        <a:defRPr sz="4400" kern="1200">
+        <a:defRPr sz="4800" kern="1200" spc="-50" baseline="0">
           <a:solidFill>
-            <a:schemeClr val="tx1"/>
+            <a:schemeClr val="tx1">
+              <a:lumMod val="75000"/>
+              <a:lumOff val="25000"/>
+            </a:schemeClr>
           </a:solidFill>
           <a:latin typeface="+mj-lt"/>
           <a:ea typeface="+mj-ea"/>
@@ -3073,162 +3444,244 @@
       </a:lvl1pPr>
     </p:titleStyle>
     <p:bodyStyle>
-      <a:lvl1pPr marL="228600" indent="-228600" algn="l" defTabSz="914400" rtl="0" eaLnBrk="1" latinLnBrk="0" hangingPunct="1">
+      <a:lvl1pPr marL="91440" indent="-91440" algn="l" defTabSz="914400" rtl="0" eaLnBrk="1" latinLnBrk="0" hangingPunct="1">
         <a:lnSpc>
           <a:spcPct val="90000"/>
         </a:lnSpc>
         <a:spcBef>
-          <a:spcPts val="1000"/>
+          <a:spcPts val="1200"/>
         </a:spcBef>
-        <a:buFont typeface="Arial" panose="020B0604020202020204" pitchFamily="34" charset="0"/>
-        <a:buChar char="•"/>
-        <a:defRPr sz="2800" kern="1200">
+        <a:spcAft>
+          <a:spcPts val="200"/>
+        </a:spcAft>
+        <a:buClr>
+          <a:schemeClr val="accent1"/>
+        </a:buClr>
+        <a:buSzPct val="100000"/>
+        <a:buFont typeface="Calibri" panose="020F0502020204030204" pitchFamily="34" charset="0"/>
+        <a:buChar char=" "/>
+        <a:defRPr sz="2000" kern="1200">
           <a:solidFill>
-            <a:schemeClr val="tx1"/>
+            <a:schemeClr val="tx1">
+              <a:lumMod val="75000"/>
+              <a:lumOff val="25000"/>
+            </a:schemeClr>
           </a:solidFill>
           <a:latin typeface="+mn-lt"/>
           <a:ea typeface="+mn-ea"/>
           <a:cs typeface="+mn-cs"/>
         </a:defRPr>
       </a:lvl1pPr>
-      <a:lvl2pPr marL="685800" indent="-228600" algn="l" defTabSz="914400" rtl="0" eaLnBrk="1" latinLnBrk="0" hangingPunct="1">
+      <a:lvl2pPr marL="384048" indent="-182880" algn="l" defTabSz="914400" rtl="0" eaLnBrk="1" latinLnBrk="0" hangingPunct="1">
         <a:lnSpc>
           <a:spcPct val="90000"/>
         </a:lnSpc>
         <a:spcBef>
-          <a:spcPts val="500"/>
+          <a:spcPts val="200"/>
         </a:spcBef>
-        <a:buFont typeface="Arial" panose="020B0604020202020204" pitchFamily="34" charset="0"/>
-        <a:buChar char="•"/>
-        <a:defRPr sz="2400" kern="1200">
+        <a:spcAft>
+          <a:spcPts val="400"/>
+        </a:spcAft>
+        <a:buClr>
+          <a:schemeClr val="accent1"/>
+        </a:buClr>
+        <a:buFont typeface="Calibri" pitchFamily="34" charset="0"/>
+        <a:buChar char="◦"/>
+        <a:defRPr sz="1800" kern="1200">
           <a:solidFill>
-            <a:schemeClr val="tx1"/>
+            <a:schemeClr val="tx1">
+              <a:lumMod val="75000"/>
+              <a:lumOff val="25000"/>
+            </a:schemeClr>
           </a:solidFill>
           <a:latin typeface="+mn-lt"/>
           <a:ea typeface="+mn-ea"/>
           <a:cs typeface="+mn-cs"/>
         </a:defRPr>
       </a:lvl2pPr>
-      <a:lvl3pPr marL="1143000" indent="-228600" algn="l" defTabSz="914400" rtl="0" eaLnBrk="1" latinLnBrk="0" hangingPunct="1">
+      <a:lvl3pPr marL="566928" indent="-182880" algn="l" defTabSz="914400" rtl="0" eaLnBrk="1" latinLnBrk="0" hangingPunct="1">
         <a:lnSpc>
           <a:spcPct val="90000"/>
         </a:lnSpc>
         <a:spcBef>
-          <a:spcPts val="500"/>
+          <a:spcPts val="200"/>
         </a:spcBef>
-        <a:buFont typeface="Arial" panose="020B0604020202020204" pitchFamily="34" charset="0"/>
-        <a:buChar char="•"/>
-        <a:defRPr sz="2000" kern="1200">
+        <a:spcAft>
+          <a:spcPts val="400"/>
+        </a:spcAft>
+        <a:buClr>
+          <a:schemeClr val="accent1"/>
+        </a:buClr>
+        <a:buFont typeface="Calibri" pitchFamily="34" charset="0"/>
+        <a:buChar char="◦"/>
+        <a:defRPr sz="1400" kern="1200">
           <a:solidFill>
-            <a:schemeClr val="tx1"/>
+            <a:schemeClr val="tx1">
+              <a:lumMod val="75000"/>
+              <a:lumOff val="25000"/>
+            </a:schemeClr>
           </a:solidFill>
           <a:latin typeface="+mn-lt"/>
           <a:ea typeface="+mn-ea"/>
           <a:cs typeface="+mn-cs"/>
         </a:defRPr>
       </a:lvl3pPr>
-      <a:lvl4pPr marL="1600200" indent="-228600" algn="l" defTabSz="914400" rtl="0" eaLnBrk="1" latinLnBrk="0" hangingPunct="1">
+      <a:lvl4pPr marL="749808" indent="-182880" algn="l" defTabSz="914400" rtl="0" eaLnBrk="1" latinLnBrk="0" hangingPunct="1">
         <a:lnSpc>
           <a:spcPct val="90000"/>
         </a:lnSpc>
         <a:spcBef>
-          <a:spcPts val="500"/>
+          <a:spcPts val="200"/>
         </a:spcBef>
-        <a:buFont typeface="Arial" panose="020B0604020202020204" pitchFamily="34" charset="0"/>
-        <a:buChar char="•"/>
-        <a:defRPr sz="1800" kern="1200">
+        <a:spcAft>
+          <a:spcPts val="400"/>
+        </a:spcAft>
+        <a:buClr>
+          <a:schemeClr val="accent1"/>
+        </a:buClr>
+        <a:buFont typeface="Calibri" pitchFamily="34" charset="0"/>
+        <a:buChar char="◦"/>
+        <a:defRPr sz="1400" kern="1200">
           <a:solidFill>
-            <a:schemeClr val="tx1"/>
+            <a:schemeClr val="tx1">
+              <a:lumMod val="75000"/>
+              <a:lumOff val="25000"/>
+            </a:schemeClr>
           </a:solidFill>
           <a:latin typeface="+mn-lt"/>
           <a:ea typeface="+mn-ea"/>
           <a:cs typeface="+mn-cs"/>
         </a:defRPr>
       </a:lvl4pPr>
-      <a:lvl5pPr marL="2057400" indent="-228600" algn="l" defTabSz="914400" rtl="0" eaLnBrk="1" latinLnBrk="0" hangingPunct="1">
+      <a:lvl5pPr marL="932688" indent="-182880" algn="l" defTabSz="914400" rtl="0" eaLnBrk="1" latinLnBrk="0" hangingPunct="1">
         <a:lnSpc>
           <a:spcPct val="90000"/>
         </a:lnSpc>
         <a:spcBef>
-          <a:spcPts val="500"/>
+          <a:spcPts val="200"/>
         </a:spcBef>
-        <a:buFont typeface="Arial" panose="020B0604020202020204" pitchFamily="34" charset="0"/>
-        <a:buChar char="•"/>
-        <a:defRPr sz="1800" kern="1200">
+        <a:spcAft>
+          <a:spcPts val="400"/>
+        </a:spcAft>
+        <a:buClr>
+          <a:schemeClr val="accent1"/>
+        </a:buClr>
+        <a:buFont typeface="Calibri" pitchFamily="34" charset="0"/>
+        <a:buChar char="◦"/>
+        <a:defRPr sz="1400" kern="1200">
           <a:solidFill>
-            <a:schemeClr val="tx1"/>
+            <a:schemeClr val="tx1">
+              <a:lumMod val="75000"/>
+              <a:lumOff val="25000"/>
+            </a:schemeClr>
           </a:solidFill>
           <a:latin typeface="+mn-lt"/>
           <a:ea typeface="+mn-ea"/>
           <a:cs typeface="+mn-cs"/>
         </a:defRPr>
       </a:lvl5pPr>
-      <a:lvl6pPr marL="2514600" indent="-228600" algn="l" defTabSz="914400" rtl="0" eaLnBrk="1" latinLnBrk="0" hangingPunct="1">
+      <a:lvl6pPr marL="1100000" indent="-228600" algn="l" defTabSz="914400" rtl="0" eaLnBrk="1" latinLnBrk="0" hangingPunct="1">
         <a:lnSpc>
           <a:spcPct val="90000"/>
         </a:lnSpc>
         <a:spcBef>
-          <a:spcPts val="500"/>
+          <a:spcPts val="200"/>
         </a:spcBef>
-        <a:buFont typeface="Arial" panose="020B0604020202020204" pitchFamily="34" charset="0"/>
-        <a:buChar char="•"/>
-        <a:defRPr sz="1800" kern="1200">
+        <a:spcAft>
+          <a:spcPts val="400"/>
+        </a:spcAft>
+        <a:buClr>
+          <a:schemeClr val="accent1"/>
+        </a:buClr>
+        <a:buFont typeface="Calibri" pitchFamily="34" charset="0"/>
+        <a:buChar char="◦"/>
+        <a:defRPr sz="1400" kern="1200">
           <a:solidFill>
-            <a:schemeClr val="tx1"/>
+            <a:schemeClr val="tx1">
+              <a:lumMod val="75000"/>
+              <a:lumOff val="25000"/>
+            </a:schemeClr>
           </a:solidFill>
           <a:latin typeface="+mn-lt"/>
           <a:ea typeface="+mn-ea"/>
           <a:cs typeface="+mn-cs"/>
         </a:defRPr>
       </a:lvl6pPr>
-      <a:lvl7pPr marL="2971800" indent="-228600" algn="l" defTabSz="914400" rtl="0" eaLnBrk="1" latinLnBrk="0" hangingPunct="1">
+      <a:lvl7pPr marL="1300000" indent="-228600" algn="l" defTabSz="914400" rtl="0" eaLnBrk="1" latinLnBrk="0" hangingPunct="1">
         <a:lnSpc>
           <a:spcPct val="90000"/>
         </a:lnSpc>
         <a:spcBef>
-          <a:spcPts val="500"/>
+          <a:spcPts val="200"/>
         </a:spcBef>
-        <a:buFont typeface="Arial" panose="020B0604020202020204" pitchFamily="34" charset="0"/>
-        <a:buChar char="•"/>
-        <a:defRPr sz="1800" kern="1200">
+        <a:spcAft>
+          <a:spcPts val="400"/>
+        </a:spcAft>
+        <a:buClr>
+          <a:schemeClr val="accent1"/>
+        </a:buClr>
+        <a:buFont typeface="Calibri" pitchFamily="34" charset="0"/>
+        <a:buChar char="◦"/>
+        <a:defRPr sz="1400" kern="1200">
           <a:solidFill>
-            <a:schemeClr val="tx1"/>
+            <a:schemeClr val="tx1">
+              <a:lumMod val="75000"/>
+              <a:lumOff val="25000"/>
+            </a:schemeClr>
           </a:solidFill>
           <a:latin typeface="+mn-lt"/>
           <a:ea typeface="+mn-ea"/>
           <a:cs typeface="+mn-cs"/>
         </a:defRPr>
       </a:lvl7pPr>
-      <a:lvl8pPr marL="3429000" indent="-228600" algn="l" defTabSz="914400" rtl="0" eaLnBrk="1" latinLnBrk="0" hangingPunct="1">
+      <a:lvl8pPr marL="1500000" indent="-228600" algn="l" defTabSz="914400" rtl="0" eaLnBrk="1" latinLnBrk="0" hangingPunct="1">
         <a:lnSpc>
           <a:spcPct val="90000"/>
         </a:lnSpc>
         <a:spcBef>
-          <a:spcPts val="500"/>
+          <a:spcPts val="200"/>
         </a:spcBef>
-        <a:buFont typeface="Arial" panose="020B0604020202020204" pitchFamily="34" charset="0"/>
-        <a:buChar char="•"/>
-        <a:defRPr sz="1800" kern="1200">
+        <a:spcAft>
+          <a:spcPts val="400"/>
+        </a:spcAft>
+        <a:buClr>
+          <a:schemeClr val="accent1"/>
+        </a:buClr>
+        <a:buFont typeface="Calibri" pitchFamily="34" charset="0"/>
+        <a:buChar char="◦"/>
+        <a:defRPr sz="1400" kern="1200">
           <a:solidFill>
-            <a:schemeClr val="tx1"/>
+            <a:schemeClr val="tx1">
+              <a:lumMod val="75000"/>
+              <a:lumOff val="25000"/>
+            </a:schemeClr>
           </a:solidFill>
           <a:latin typeface="+mn-lt"/>
           <a:ea typeface="+mn-ea"/>
           <a:cs typeface="+mn-cs"/>
         </a:defRPr>
       </a:lvl8pPr>
-      <a:lvl9pPr marL="3886200" indent="-228600" algn="l" defTabSz="914400" rtl="0" eaLnBrk="1" latinLnBrk="0" hangingPunct="1">
+      <a:lvl9pPr marL="1700000" indent="-228600" algn="l" defTabSz="914400" rtl="0" eaLnBrk="1" latinLnBrk="0" hangingPunct="1">
         <a:lnSpc>
           <a:spcPct val="90000"/>
         </a:lnSpc>
         <a:spcBef>
-          <a:spcPts val="500"/>
+          <a:spcPts val="200"/>
         </a:spcBef>
-        <a:buFont typeface="Arial" panose="020B0604020202020204" pitchFamily="34" charset="0"/>
-        <a:buChar char="•"/>
-        <a:defRPr sz="1800" kern="1200">
+        <a:spcAft>
+          <a:spcPts val="400"/>
+        </a:spcAft>
+        <a:buClr>
+          <a:schemeClr val="accent1"/>
+        </a:buClr>
+        <a:buFont typeface="Calibri" pitchFamily="34" charset="0"/>
+        <a:buChar char="◦"/>
+        <a:defRPr sz="1400" kern="1200">
           <a:solidFill>
-            <a:schemeClr val="tx1"/>
+            <a:schemeClr val="tx1">
+              <a:lumMod val="75000"/>
+              <a:lumOff val="25000"/>
+            </a:schemeClr>
           </a:solidFill>
           <a:latin typeface="+mn-lt"/>
           <a:ea typeface="+mn-ea"/>
@@ -3238,7 +3691,7 @@
     </p:bodyStyle>
     <p:otherStyle>
       <a:defPPr>
-        <a:defRPr lang="de-DE"/>
+        <a:defRPr lang="en-US"/>
       </a:defPPr>
       <a:lvl1pPr marL="0" algn="l" defTabSz="914400" rtl="0" eaLnBrk="1" latinLnBrk="0" hangingPunct="1">
         <a:defRPr sz="1800" kern="1200">
@@ -3370,8 +3823,8 @@
         </p:nvSpPr>
         <p:spPr>
           <a:xfrm>
-            <a:off x="239697" y="1899820"/>
-            <a:ext cx="11398927" cy="2281562"/>
+            <a:off x="721217" y="2567951"/>
+            <a:ext cx="11125136" cy="949105"/>
           </a:xfrm>
         </p:spPr>
         <p:txBody>
@@ -3380,34 +3833,13 @@
           </a:bodyPr>
           <a:lstStyle/>
           <a:p>
+            <a:pPr algn="ctr"/>
             <a:r>
               <a:rPr lang="de-DE" sz="4500" b="1" dirty="0">
                 <a:latin typeface="Times New Roman" panose="02020603050405020304" pitchFamily="18" charset="0"/>
                 <a:cs typeface="Times New Roman" panose="02020603050405020304" pitchFamily="18" charset="0"/>
               </a:rPr>
-              <a:t>JOB RECOMMENDER VIA </a:t>
-            </a:r>
-            <a:br>
-              <a:rPr lang="de-DE" sz="4500" b="1" dirty="0">
-                <a:latin typeface="Times New Roman" panose="02020603050405020304" pitchFamily="18" charset="0"/>
-                <a:cs typeface="Times New Roman" panose="02020603050405020304" pitchFamily="18" charset="0"/>
-              </a:rPr>
-            </a:br>
-            <a:br>
-              <a:rPr lang="de-DE" sz="4500" b="1" dirty="0">
-                <a:latin typeface="Times New Roman" panose="02020603050405020304" pitchFamily="18" charset="0"/>
-                <a:cs typeface="Times New Roman" panose="02020603050405020304" pitchFamily="18" charset="0"/>
-              </a:rPr>
-            </a:br>
-            <a:r>
-              <a:rPr lang="de-DE" sz="4500" b="1" dirty="0">
-                <a:solidFill>
-                  <a:schemeClr val="accent1"/>
-                </a:solidFill>
-                <a:latin typeface="Times New Roman" panose="02020603050405020304" pitchFamily="18" charset="0"/>
-                <a:cs typeface="Times New Roman" panose="02020603050405020304" pitchFamily="18" charset="0"/>
-              </a:rPr>
-              <a:t>NATURAL LANGUAGE PROCESSING</a:t>
+              <a:t>JOB RECOMMENDER</a:t>
             </a:r>
             <a:endParaRPr lang="de-DE" sz="4500" b="1" dirty="0">
               <a:solidFill>
@@ -3417,6 +3849,42 @@
           </a:p>
         </p:txBody>
       </p:sp>
+      <p:pic>
+        <p:nvPicPr>
+          <p:cNvPr id="4" name="Picture 3">
+            <a:extLst>
+              <a:ext uri="{FF2B5EF4-FFF2-40B4-BE49-F238E27FC236}">
+                <a16:creationId xmlns:a16="http://schemas.microsoft.com/office/drawing/2014/main" id="{92A81245-A5B5-49CF-B65A-5A3E42F061D1}"/>
+              </a:ext>
+            </a:extLst>
+          </p:cNvPr>
+          <p:cNvPicPr>
+            <a:picLocks noChangeAspect="1"/>
+          </p:cNvPicPr>
+          <p:nvPr/>
+        </p:nvPicPr>
+        <p:blipFill>
+          <a:blip r:embed="rId2">
+            <a:extLst>
+              <a:ext uri="{28A0092B-C50C-407E-A947-70E740481C1C}">
+                <a14:useLocalDpi xmlns:a14="http://schemas.microsoft.com/office/drawing/2010/main" val="0"/>
+              </a:ext>
+            </a:extLst>
+          </a:blip>
+          <a:stretch>
+            <a:fillRect/>
+          </a:stretch>
+        </p:blipFill>
+        <p:spPr>
+          <a:xfrm>
+            <a:off x="4236129" y="625790"/>
+            <a:ext cx="3457575" cy="1323975"/>
+          </a:xfrm>
+          <a:prstGeom prst="rect">
+            <a:avLst/>
+          </a:prstGeom>
+        </p:spPr>
+      </p:pic>
     </p:spTree>
     <p:extLst>
       <p:ext uri="{BB962C8B-B14F-4D97-AF65-F5344CB8AC3E}">
@@ -3463,26 +3931,31 @@
             <p:ph type="title"/>
           </p:nvPr>
         </p:nvSpPr>
-        <p:spPr/>
+        <p:spPr>
+          <a:xfrm>
+            <a:off x="1171734" y="246249"/>
+            <a:ext cx="10058400" cy="1450757"/>
+          </a:xfrm>
+        </p:spPr>
         <p:txBody>
           <a:bodyPr/>
           <a:lstStyle/>
           <a:p>
             <a:r>
-              <a:rPr lang="de-DE" dirty="0">
+              <a:rPr lang="de-DE" b="1" dirty="0">
                 <a:latin typeface="Times New Roman" panose="02020603050405020304" pitchFamily="18" charset="0"/>
                 <a:cs typeface="Times New Roman" panose="02020603050405020304" pitchFamily="18" charset="0"/>
               </a:rPr>
-              <a:t>1. Web </a:t>
-            </a:r>
-            <a:r>
-              <a:rPr lang="de-DE" dirty="0" err="1">
+              <a:t>Data </a:t>
+            </a:r>
+            <a:r>
+              <a:rPr lang="de-DE" b="1" dirty="0" err="1">
                 <a:latin typeface="Times New Roman" panose="02020603050405020304" pitchFamily="18" charset="0"/>
                 <a:cs typeface="Times New Roman" panose="02020603050405020304" pitchFamily="18" charset="0"/>
               </a:rPr>
-              <a:t>Scrapping</a:t>
-            </a:r>
-            <a:endParaRPr lang="de-DE" dirty="0">
+              <a:t>Aquisition</a:t>
+            </a:r>
+            <a:endParaRPr lang="de-DE" b="1" dirty="0">
               <a:latin typeface="Times New Roman" panose="02020603050405020304" pitchFamily="18" charset="0"/>
               <a:cs typeface="Times New Roman" panose="02020603050405020304" pitchFamily="18" charset="0"/>
             </a:endParaRPr>
@@ -3503,8 +3976,8 @@
         </p:nvSpPr>
         <p:spPr>
           <a:xfrm>
-            <a:off x="210260" y="1845012"/>
-            <a:ext cx="6507332" cy="1107996"/>
+            <a:off x="650212" y="1994411"/>
+            <a:ext cx="5924210" cy="1107996"/>
           </a:xfrm>
           <a:prstGeom prst="rect">
             <a:avLst/>
@@ -3543,7 +4016,7 @@
                 <a:latin typeface="Times New Roman" panose="02020603050405020304" pitchFamily="18" charset="0"/>
                 <a:cs typeface="Times New Roman" panose="02020603050405020304" pitchFamily="18" charset="0"/>
               </a:rPr>
-              <a:t>, Data Analyst, Data</a:t>
+              <a:t>, Data Analyst</a:t>
             </a:r>
           </a:p>
           <a:p>
@@ -3589,7 +4062,7 @@
         </p:blipFill>
         <p:spPr>
           <a:xfrm>
-            <a:off x="437627" y="4026409"/>
+            <a:off x="47021" y="2961662"/>
             <a:ext cx="2924175" cy="876300"/>
           </a:xfrm>
           <a:prstGeom prst="rect">
@@ -3619,38 +4092,8 @@
         </p:blipFill>
         <p:spPr>
           <a:xfrm>
-            <a:off x="8574668" y="4093084"/>
+            <a:off x="2971959" y="3837962"/>
             <a:ext cx="3228975" cy="742950"/>
-          </a:xfrm>
-          <a:prstGeom prst="rect">
-            <a:avLst/>
-          </a:prstGeom>
-        </p:spPr>
-      </p:pic>
-      <p:pic>
-        <p:nvPicPr>
-          <p:cNvPr id="37" name="Picture 36">
-            <a:extLst>
-              <a:ext uri="{FF2B5EF4-FFF2-40B4-BE49-F238E27FC236}">
-                <a16:creationId xmlns:a16="http://schemas.microsoft.com/office/drawing/2014/main" id="{0ACF65C0-FB80-4571-914E-1C315F156A99}"/>
-              </a:ext>
-            </a:extLst>
-          </p:cNvPr>
-          <p:cNvPicPr>
-            <a:picLocks noChangeAspect="1"/>
-          </p:cNvPicPr>
-          <p:nvPr/>
-        </p:nvPicPr>
-        <p:blipFill>
-          <a:blip r:embed="rId4"/>
-          <a:stretch>
-            <a:fillRect/>
-          </a:stretch>
-        </p:blipFill>
-        <p:spPr>
-          <a:xfrm>
-            <a:off x="6494486" y="923279"/>
-            <a:ext cx="5658532" cy="2885798"/>
           </a:xfrm>
           <a:prstGeom prst="rect">
             <a:avLst/>
@@ -3672,15 +4115,51 @@
           <p:nvPr/>
         </p:nvPicPr>
         <p:blipFill>
-          <a:blip r:embed="rId5"/>
+          <a:blip r:embed="rId4"/>
           <a:stretch>
             <a:fillRect/>
           </a:stretch>
         </p:blipFill>
         <p:spPr>
           <a:xfrm>
-            <a:off x="4347477" y="5683625"/>
+            <a:off x="295971" y="4978329"/>
             <a:ext cx="2943225" cy="676275"/>
+          </a:xfrm>
+          <a:prstGeom prst="rect">
+            <a:avLst/>
+          </a:prstGeom>
+        </p:spPr>
+      </p:pic>
+      <p:pic>
+        <p:nvPicPr>
+          <p:cNvPr id="4" name="Picture 3">
+            <a:extLst>
+              <a:ext uri="{FF2B5EF4-FFF2-40B4-BE49-F238E27FC236}">
+                <a16:creationId xmlns:a16="http://schemas.microsoft.com/office/drawing/2014/main" id="{513684D5-C23E-4751-8185-1CAB17EF01E2}"/>
+              </a:ext>
+            </a:extLst>
+          </p:cNvPr>
+          <p:cNvPicPr>
+            <a:picLocks noChangeAspect="1"/>
+          </p:cNvPicPr>
+          <p:nvPr/>
+        </p:nvPicPr>
+        <p:blipFill>
+          <a:blip r:embed="rId5">
+            <a:extLst>
+              <a:ext uri="{28A0092B-C50C-407E-A947-70E740481C1C}">
+                <a14:useLocalDpi xmlns:a14="http://schemas.microsoft.com/office/drawing/2010/main" val="0"/>
+              </a:ext>
+            </a:extLst>
+          </a:blip>
+          <a:stretch>
+            <a:fillRect/>
+          </a:stretch>
+        </p:blipFill>
+        <p:spPr>
+          <a:xfrm>
+            <a:off x="6200934" y="1994411"/>
+            <a:ext cx="5771351" cy="3847567"/>
           </a:xfrm>
           <a:prstGeom prst="rect">
             <a:avLst/>
@@ -3739,58 +4218,15 @@
           <a:lstStyle/>
           <a:p>
             <a:r>
-              <a:rPr lang="de-DE" dirty="0">
+              <a:rPr lang="de-DE" sz="4400" b="1" dirty="0">
                 <a:latin typeface="Times New Roman" panose="02020603050405020304" pitchFamily="18" charset="0"/>
                 <a:cs typeface="Times New Roman" panose="02020603050405020304" pitchFamily="18" charset="0"/>
               </a:rPr>
-              <a:t>2. </a:t>
-            </a:r>
-            <a:r>
-              <a:rPr lang="de-DE" dirty="0" err="1">
-                <a:latin typeface="Times New Roman" panose="02020603050405020304" pitchFamily="18" charset="0"/>
-                <a:cs typeface="Times New Roman" panose="02020603050405020304" pitchFamily="18" charset="0"/>
-              </a:rPr>
-              <a:t>Exploratory</a:t>
-            </a:r>
-            <a:r>
-              <a:rPr lang="de-DE" dirty="0">
-                <a:latin typeface="Times New Roman" panose="02020603050405020304" pitchFamily="18" charset="0"/>
-                <a:cs typeface="Times New Roman" panose="02020603050405020304" pitchFamily="18" charset="0"/>
-              </a:rPr>
-              <a:t> Data Analyst</a:t>
-            </a:r>
-          </a:p>
-        </p:txBody>
-      </p:sp>
-      <p:pic>
-        <p:nvPicPr>
-          <p:cNvPr id="5" name="Content Placeholder 4">
-            <a:extLst>
-              <a:ext uri="{FF2B5EF4-FFF2-40B4-BE49-F238E27FC236}">
-                <a16:creationId xmlns:a16="http://schemas.microsoft.com/office/drawing/2014/main" id="{7942B6B0-F42C-4426-9D97-9B8F9EA372C4}"/>
-              </a:ext>
-            </a:extLst>
-          </p:cNvPr>
-          <p:cNvPicPr>
-            <a:picLocks noGrp="1" noChangeAspect="1"/>
-          </p:cNvPicPr>
-          <p:nvPr>
-            <p:ph idx="1"/>
-          </p:nvPr>
-        </p:nvPicPr>
-        <p:blipFill>
-          <a:blip r:embed="rId2"/>
-          <a:stretch>
-            <a:fillRect/>
-          </a:stretch>
-        </p:blipFill>
-        <p:spPr>
-          <a:xfrm>
-            <a:off x="5492911" y="2027789"/>
-            <a:ext cx="6365299" cy="3176690"/>
-          </a:xfrm>
-        </p:spPr>
-      </p:pic>
+              <a:t>Language</a:t>
+            </a:r>
+          </a:p>
+        </p:txBody>
+      </p:sp>
       <p:sp>
         <p:nvSpPr>
           <p:cNvPr id="6" name="TextBox 5">
@@ -3806,7 +4242,7 @@
         <p:spPr>
           <a:xfrm>
             <a:off x="266330" y="1420427"/>
-            <a:ext cx="3994951" cy="1200329"/>
+            <a:ext cx="3994951" cy="461665"/>
           </a:xfrm>
           <a:prstGeom prst="rect">
             <a:avLst/>
@@ -3820,115 +4256,83 @@
           <a:lstStyle/>
           <a:p>
             <a:r>
-              <a:rPr lang="de-DE" sz="2400" b="1" dirty="0"/>
-              <a:t>Language:</a:t>
-            </a:r>
-          </a:p>
-          <a:p>
-            <a:r>
-              <a:rPr lang="de-DE" sz="2400" dirty="0"/>
-              <a:t>	English:  ~ 1400</a:t>
-            </a:r>
-          </a:p>
-          <a:p>
-            <a:r>
               <a:rPr lang="de-DE" sz="2400" dirty="0"/>
               <a:t>	</a:t>
             </a:r>
-            <a:r>
-              <a:rPr lang="de-DE" sz="2400" dirty="0" err="1"/>
-              <a:t>Geman</a:t>
-            </a:r>
-            <a:r>
-              <a:rPr lang="de-DE" sz="2400" dirty="0"/>
-              <a:t>: ~ 2000</a:t>
-            </a:r>
-          </a:p>
-        </p:txBody>
-      </p:sp>
-      <p:sp>
-        <p:nvSpPr>
-          <p:cNvPr id="8" name="TextBox 7">
+          </a:p>
+        </p:txBody>
+      </p:sp>
+      <p:pic>
+        <p:nvPicPr>
+          <p:cNvPr id="5" name="Picture 4">
             <a:extLst>
               <a:ext uri="{FF2B5EF4-FFF2-40B4-BE49-F238E27FC236}">
-                <a16:creationId xmlns:a16="http://schemas.microsoft.com/office/drawing/2014/main" id="{FC558EAF-B1F7-4A27-BA1E-21C8E329CEFF}"/>
+                <a16:creationId xmlns:a16="http://schemas.microsoft.com/office/drawing/2014/main" id="{683231BD-85DC-40C5-888B-6F2497E7AF63}"/>
               </a:ext>
             </a:extLst>
           </p:cNvPr>
-          <p:cNvSpPr txBox="1"/>
+          <p:cNvPicPr>
+            <a:picLocks noChangeAspect="1"/>
+          </p:cNvPicPr>
           <p:nvPr/>
-        </p:nvSpPr>
-        <p:spPr>
-          <a:xfrm>
-            <a:off x="138497" y="3616134"/>
-            <a:ext cx="5540253" cy="2308324"/>
+        </p:nvPicPr>
+        <p:blipFill>
+          <a:blip r:embed="rId2">
+            <a:extLst>
+              <a:ext uri="{28A0092B-C50C-407E-A947-70E740481C1C}">
+                <a14:useLocalDpi xmlns:a14="http://schemas.microsoft.com/office/drawing/2010/main" val="0"/>
+              </a:ext>
+            </a:extLst>
+          </a:blip>
+          <a:stretch>
+            <a:fillRect/>
+          </a:stretch>
+        </p:blipFill>
+        <p:spPr>
+          <a:xfrm>
+            <a:off x="5837861" y="2353610"/>
+            <a:ext cx="5486411" cy="3657607"/>
           </a:xfrm>
           <a:prstGeom prst="rect">
             <a:avLst/>
           </a:prstGeom>
-          <a:noFill/>
-        </p:spPr>
-        <p:txBody>
-          <a:bodyPr wrap="square" rtlCol="0">
-            <a:spAutoFit/>
-          </a:bodyPr>
-          <a:lstStyle/>
-          <a:p>
-            <a:r>
-              <a:rPr lang="de-DE" sz="2400" b="1" dirty="0">
-                <a:latin typeface="Times New Roman" panose="02020603050405020304" pitchFamily="18" charset="0"/>
-                <a:cs typeface="Times New Roman" panose="02020603050405020304" pitchFamily="18" charset="0"/>
-              </a:rPr>
-              <a:t>Location:</a:t>
-            </a:r>
-          </a:p>
-          <a:p>
-            <a:r>
-              <a:rPr lang="de-DE" sz="2400" dirty="0">
-                <a:latin typeface="Times New Roman" panose="02020603050405020304" pitchFamily="18" charset="0"/>
-                <a:cs typeface="Times New Roman" panose="02020603050405020304" pitchFamily="18" charset="0"/>
-              </a:rPr>
-              <a:t>	1. Berlin</a:t>
-            </a:r>
-          </a:p>
-          <a:p>
-            <a:r>
-              <a:rPr lang="de-DE" sz="2400" dirty="0">
-                <a:latin typeface="Times New Roman" panose="02020603050405020304" pitchFamily="18" charset="0"/>
-                <a:cs typeface="Times New Roman" panose="02020603050405020304" pitchFamily="18" charset="0"/>
-              </a:rPr>
-              <a:t>	2. Munich</a:t>
-            </a:r>
-          </a:p>
-          <a:p>
-            <a:r>
-              <a:rPr lang="de-DE" sz="2400" dirty="0">
-                <a:latin typeface="Times New Roman" panose="02020603050405020304" pitchFamily="18" charset="0"/>
-                <a:cs typeface="Times New Roman" panose="02020603050405020304" pitchFamily="18" charset="0"/>
-              </a:rPr>
-              <a:t>	3. Hamburg</a:t>
-            </a:r>
-          </a:p>
-          <a:p>
-            <a:r>
-              <a:rPr lang="de-DE" sz="2400" dirty="0">
-                <a:latin typeface="Times New Roman" panose="02020603050405020304" pitchFamily="18" charset="0"/>
-                <a:cs typeface="Times New Roman" panose="02020603050405020304" pitchFamily="18" charset="0"/>
-              </a:rPr>
-              <a:t>	4. Homeoffice</a:t>
-            </a:r>
-          </a:p>
-          <a:p>
-            <a:r>
-              <a:rPr lang="de-DE" sz="2400" dirty="0">
-                <a:latin typeface="Times New Roman" panose="02020603050405020304" pitchFamily="18" charset="0"/>
-                <a:cs typeface="Times New Roman" panose="02020603050405020304" pitchFamily="18" charset="0"/>
-              </a:rPr>
-              <a:t>	5. Frankfurt, Stuttgart, Düsseldorf</a:t>
-            </a:r>
-          </a:p>
-        </p:txBody>
-      </p:sp>
+        </p:spPr>
+      </p:pic>
+      <p:pic>
+        <p:nvPicPr>
+          <p:cNvPr id="10" name="Content Placeholder 9">
+            <a:extLst>
+              <a:ext uri="{FF2B5EF4-FFF2-40B4-BE49-F238E27FC236}">
+                <a16:creationId xmlns:a16="http://schemas.microsoft.com/office/drawing/2014/main" id="{79C9764B-8885-462B-8FBB-584BEF840403}"/>
+              </a:ext>
+            </a:extLst>
+          </p:cNvPr>
+          <p:cNvPicPr>
+            <a:picLocks noGrp="1" noChangeAspect="1"/>
+          </p:cNvPicPr>
+          <p:nvPr>
+            <p:ph idx="1"/>
+          </p:nvPr>
+        </p:nvPicPr>
+        <p:blipFill>
+          <a:blip r:embed="rId3">
+            <a:extLst>
+              <a:ext uri="{28A0092B-C50C-407E-A947-70E740481C1C}">
+                <a14:useLocalDpi xmlns:a14="http://schemas.microsoft.com/office/drawing/2010/main" val="0"/>
+              </a:ext>
+            </a:extLst>
+          </a:blip>
+          <a:stretch>
+            <a:fillRect/>
+          </a:stretch>
+        </p:blipFill>
+        <p:spPr>
+          <a:xfrm>
+            <a:off x="640069" y="2353610"/>
+            <a:ext cx="5486411" cy="3657607"/>
+          </a:xfrm>
+        </p:spPr>
+      </p:pic>
     </p:spTree>
     <p:extLst>
       <p:ext uri="{BB962C8B-B14F-4D97-AF65-F5344CB8AC3E}">
@@ -3964,7 +4368,7 @@
           <p:cNvPr id="2" name="Title 1">
             <a:extLst>
               <a:ext uri="{FF2B5EF4-FFF2-40B4-BE49-F238E27FC236}">
-                <a16:creationId xmlns:a16="http://schemas.microsoft.com/office/drawing/2014/main" id="{0DA2ED9A-4562-4335-A3F1-AEDA25209823}"/>
+                <a16:creationId xmlns:a16="http://schemas.microsoft.com/office/drawing/2014/main" id="{EE2D77E5-8F19-4D85-BCF2-3646FBB24BF7}"/>
               </a:ext>
             </a:extLst>
           </p:cNvPr>
@@ -3981,65 +4385,114 @@
           <a:lstStyle/>
           <a:p>
             <a:r>
-              <a:rPr lang="de-DE" dirty="0">
+              <a:rPr lang="de-DE" sz="4400" b="1" dirty="0">
                 <a:latin typeface="Times New Roman" panose="02020603050405020304" pitchFamily="18" charset="0"/>
                 <a:cs typeface="Times New Roman" panose="02020603050405020304" pitchFamily="18" charset="0"/>
               </a:rPr>
-              <a:t>2. </a:t>
-            </a:r>
-            <a:r>
-              <a:rPr lang="de-DE" dirty="0" err="1">
+              <a:t>Location</a:t>
+            </a:r>
+          </a:p>
+        </p:txBody>
+      </p:sp>
+      <p:sp>
+        <p:nvSpPr>
+          <p:cNvPr id="6" name="Content Placeholder 5">
+            <a:extLst>
+              <a:ext uri="{FF2B5EF4-FFF2-40B4-BE49-F238E27FC236}">
+                <a16:creationId xmlns:a16="http://schemas.microsoft.com/office/drawing/2014/main" id="{91A4B8A3-6538-4CAC-BDF7-33C8988BEEC8}"/>
+              </a:ext>
+            </a:extLst>
+          </p:cNvPr>
+          <p:cNvSpPr txBox="1">
+            <a:spLocks noGrp="1"/>
+          </p:cNvSpPr>
+          <p:nvPr>
+            <p:ph idx="1"/>
+          </p:nvPr>
+        </p:nvSpPr>
+        <p:spPr>
+          <a:xfrm>
+            <a:off x="735169" y="2469569"/>
+            <a:ext cx="10515600" cy="2267287"/>
+          </a:xfrm>
+          <a:prstGeom prst="rect">
+            <a:avLst/>
+          </a:prstGeom>
+          <a:noFill/>
+        </p:spPr>
+        <p:txBody>
+          <a:bodyPr wrap="square" rtlCol="0">
+            <a:spAutoFit/>
+          </a:bodyPr>
+          <a:lstStyle/>
+          <a:p>
+            <a:pPr marL="0" indent="0">
+              <a:buNone/>
+            </a:pPr>
+            <a:r>
+              <a:rPr lang="de-DE" sz="2400" dirty="0">
                 <a:latin typeface="Times New Roman" panose="02020603050405020304" pitchFamily="18" charset="0"/>
                 <a:cs typeface="Times New Roman" panose="02020603050405020304" pitchFamily="18" charset="0"/>
               </a:rPr>
-              <a:t>Exploratory</a:t>
-            </a:r>
-            <a:r>
-              <a:rPr lang="de-DE" dirty="0">
+              <a:t>	1. Berlin</a:t>
+            </a:r>
+          </a:p>
+          <a:p>
+            <a:pPr marL="0" indent="0">
+              <a:buNone/>
+            </a:pPr>
+            <a:r>
+              <a:rPr lang="de-DE" sz="2400" dirty="0">
                 <a:latin typeface="Times New Roman" panose="02020603050405020304" pitchFamily="18" charset="0"/>
                 <a:cs typeface="Times New Roman" panose="02020603050405020304" pitchFamily="18" charset="0"/>
               </a:rPr>
-              <a:t> Data Analyst</a:t>
-            </a:r>
-            <a:endParaRPr lang="de-DE" dirty="0"/>
+              <a:t>	2. Munich</a:t>
+            </a:r>
+          </a:p>
+          <a:p>
+            <a:pPr marL="0" indent="0">
+              <a:buNone/>
+            </a:pPr>
+            <a:r>
+              <a:rPr lang="de-DE" sz="2400" dirty="0">
+                <a:latin typeface="Times New Roman" panose="02020603050405020304" pitchFamily="18" charset="0"/>
+                <a:cs typeface="Times New Roman" panose="02020603050405020304" pitchFamily="18" charset="0"/>
+              </a:rPr>
+              <a:t>	3. Hamburg</a:t>
+            </a:r>
+          </a:p>
+          <a:p>
+            <a:pPr marL="0" indent="0">
+              <a:buNone/>
+            </a:pPr>
+            <a:r>
+              <a:rPr lang="de-DE" sz="2400" dirty="0">
+                <a:latin typeface="Times New Roman" panose="02020603050405020304" pitchFamily="18" charset="0"/>
+                <a:cs typeface="Times New Roman" panose="02020603050405020304" pitchFamily="18" charset="0"/>
+              </a:rPr>
+              <a:t>	4. Homeoffice</a:t>
+            </a:r>
+          </a:p>
+          <a:p>
+            <a:pPr marL="0" indent="0">
+              <a:buNone/>
+            </a:pPr>
+            <a:r>
+              <a:rPr lang="de-DE" sz="2400" dirty="0">
+                <a:latin typeface="Times New Roman" panose="02020603050405020304" pitchFamily="18" charset="0"/>
+                <a:cs typeface="Times New Roman" panose="02020603050405020304" pitchFamily="18" charset="0"/>
+              </a:rPr>
+              <a:t>	5. Frankfurt, Stuttgart, Düsseldorf</a:t>
+            </a:r>
           </a:p>
         </p:txBody>
       </p:sp>
       <p:pic>
         <p:nvPicPr>
-          <p:cNvPr id="5" name="Content Placeholder 4">
+          <p:cNvPr id="4" name="Picture 3">
             <a:extLst>
               <a:ext uri="{FF2B5EF4-FFF2-40B4-BE49-F238E27FC236}">
-                <a16:creationId xmlns:a16="http://schemas.microsoft.com/office/drawing/2014/main" id="{3CEFB1DF-1C58-46D4-A213-1D811CBA2598}"/>
-              </a:ext>
-            </a:extLst>
-          </p:cNvPr>
-          <p:cNvPicPr>
-            <a:picLocks noGrp="1" noChangeAspect="1"/>
-          </p:cNvPicPr>
-          <p:nvPr>
-            <p:ph idx="1"/>
-          </p:nvPr>
-        </p:nvPicPr>
-        <p:blipFill>
-          <a:blip r:embed="rId2"/>
-          <a:stretch>
-            <a:fillRect/>
-          </a:stretch>
-        </p:blipFill>
-        <p:spPr>
-          <a:xfrm>
-            <a:off x="838200" y="2379215"/>
-            <a:ext cx="4142173" cy="3203017"/>
-          </a:xfrm>
-        </p:spPr>
-      </p:pic>
-      <p:pic>
-        <p:nvPicPr>
-          <p:cNvPr id="7" name="Picture 6">
-            <a:extLst>
-              <a:ext uri="{FF2B5EF4-FFF2-40B4-BE49-F238E27FC236}">
-                <a16:creationId xmlns:a16="http://schemas.microsoft.com/office/drawing/2014/main" id="{C3D4CFF1-EFC8-4DE0-9877-6DADBD42CC33}"/>
+                <a16:creationId xmlns:a16="http://schemas.microsoft.com/office/drawing/2014/main" id="{B62CE6B8-2D56-450C-B3DA-DE4F212614DA}"/>
               </a:ext>
             </a:extLst>
           </p:cNvPr>
@@ -4049,143 +4502,31 @@
           <p:nvPr/>
         </p:nvPicPr>
         <p:blipFill>
-          <a:blip r:embed="rId3"/>
+          <a:blip r:embed="rId2">
+            <a:extLst>
+              <a:ext uri="{28A0092B-C50C-407E-A947-70E740481C1C}">
+                <a14:useLocalDpi xmlns:a14="http://schemas.microsoft.com/office/drawing/2010/main" val="0"/>
+              </a:ext>
+            </a:extLst>
+          </a:blip>
           <a:stretch>
             <a:fillRect/>
           </a:stretch>
         </p:blipFill>
         <p:spPr>
           <a:xfrm>
-            <a:off x="6069924" y="2379215"/>
-            <a:ext cx="6109581" cy="3275861"/>
+            <a:off x="5992969" y="1737360"/>
+            <a:ext cx="6083345" cy="4055563"/>
           </a:xfrm>
           <a:prstGeom prst="rect">
             <a:avLst/>
           </a:prstGeom>
         </p:spPr>
       </p:pic>
-      <p:sp>
-        <p:nvSpPr>
-          <p:cNvPr id="9" name="TextBox 8">
-            <a:extLst>
-              <a:ext uri="{FF2B5EF4-FFF2-40B4-BE49-F238E27FC236}">
-                <a16:creationId xmlns:a16="http://schemas.microsoft.com/office/drawing/2014/main" id="{5B91F928-9049-41C7-9A4E-E1059126C3CD}"/>
-              </a:ext>
-            </a:extLst>
-          </p:cNvPr>
-          <p:cNvSpPr txBox="1"/>
-          <p:nvPr/>
-        </p:nvSpPr>
-        <p:spPr>
-          <a:xfrm>
-            <a:off x="838200" y="1480953"/>
-            <a:ext cx="3124939" cy="461665"/>
-          </a:xfrm>
-          <a:prstGeom prst="rect">
-            <a:avLst/>
-          </a:prstGeom>
-          <a:noFill/>
-        </p:spPr>
-        <p:txBody>
-          <a:bodyPr wrap="square" rtlCol="0">
-            <a:spAutoFit/>
-          </a:bodyPr>
-          <a:lstStyle/>
-          <a:p>
-            <a:r>
-              <a:rPr lang="de-DE" sz="2400" b="1" dirty="0">
-                <a:latin typeface="Times New Roman" panose="02020603050405020304" pitchFamily="18" charset="0"/>
-                <a:cs typeface="Times New Roman" panose="02020603050405020304" pitchFamily="18" charset="0"/>
-              </a:rPr>
-              <a:t>Company</a:t>
-            </a:r>
-          </a:p>
-        </p:txBody>
-      </p:sp>
-      <p:sp>
-        <p:nvSpPr>
-          <p:cNvPr id="10" name="TextBox 9">
-            <a:extLst>
-              <a:ext uri="{FF2B5EF4-FFF2-40B4-BE49-F238E27FC236}">
-                <a16:creationId xmlns:a16="http://schemas.microsoft.com/office/drawing/2014/main" id="{4C7C7FF3-A349-4425-B100-543A35A10309}"/>
-              </a:ext>
-            </a:extLst>
-          </p:cNvPr>
-          <p:cNvSpPr txBox="1"/>
-          <p:nvPr/>
-        </p:nvSpPr>
-        <p:spPr>
-          <a:xfrm>
-            <a:off x="1491449" y="5894773"/>
-            <a:ext cx="2947386" cy="400110"/>
-          </a:xfrm>
-          <a:prstGeom prst="rect">
-            <a:avLst/>
-          </a:prstGeom>
-          <a:noFill/>
-        </p:spPr>
-        <p:txBody>
-          <a:bodyPr wrap="square" rtlCol="0">
-            <a:spAutoFit/>
-          </a:bodyPr>
-          <a:lstStyle/>
-          <a:p>
-            <a:r>
-              <a:rPr lang="de-DE" sz="2000" b="1" dirty="0"/>
-              <a:t>Data </a:t>
-            </a:r>
-            <a:r>
-              <a:rPr lang="de-DE" sz="2000" b="1" dirty="0" err="1"/>
-              <a:t>scientist</a:t>
-            </a:r>
-            <a:endParaRPr lang="de-DE" sz="2000" b="1" dirty="0"/>
-          </a:p>
-        </p:txBody>
-      </p:sp>
-      <p:sp>
-        <p:nvSpPr>
-          <p:cNvPr id="11" name="TextBox 10">
-            <a:extLst>
-              <a:ext uri="{FF2B5EF4-FFF2-40B4-BE49-F238E27FC236}">
-                <a16:creationId xmlns:a16="http://schemas.microsoft.com/office/drawing/2014/main" id="{490FCE0C-90BA-4BB4-990A-36EE7FD77E87}"/>
-              </a:ext>
-            </a:extLst>
-          </p:cNvPr>
-          <p:cNvSpPr txBox="1"/>
-          <p:nvPr/>
-        </p:nvSpPr>
-        <p:spPr>
-          <a:xfrm>
-            <a:off x="7361068" y="5961862"/>
-            <a:ext cx="2947386" cy="400110"/>
-          </a:xfrm>
-          <a:prstGeom prst="rect">
-            <a:avLst/>
-          </a:prstGeom>
-          <a:noFill/>
-        </p:spPr>
-        <p:txBody>
-          <a:bodyPr wrap="square" rtlCol="0">
-            <a:spAutoFit/>
-          </a:bodyPr>
-          <a:lstStyle/>
-          <a:p>
-            <a:r>
-              <a:rPr lang="de-DE" b="1" dirty="0"/>
-              <a:t>Data </a:t>
-            </a:r>
-            <a:r>
-              <a:rPr lang="de-DE" sz="2000" b="1" dirty="0" err="1"/>
-              <a:t>analyst</a:t>
-            </a:r>
-            <a:endParaRPr lang="de-DE" sz="2000" b="1" dirty="0"/>
-          </a:p>
-        </p:txBody>
-      </p:sp>
     </p:spTree>
     <p:extLst>
       <p:ext uri="{BB962C8B-B14F-4D97-AF65-F5344CB8AC3E}">
-        <p14:creationId xmlns:p14="http://schemas.microsoft.com/office/powerpoint/2010/main" val="554863662"/>
+        <p14:creationId xmlns:p14="http://schemas.microsoft.com/office/powerpoint/2010/main" val="123667390"/>
       </p:ext>
     </p:extLst>
   </p:cSld>
@@ -4217,7 +4558,7 @@
           <p:cNvPr id="2" name="Title 1">
             <a:extLst>
               <a:ext uri="{FF2B5EF4-FFF2-40B4-BE49-F238E27FC236}">
-                <a16:creationId xmlns:a16="http://schemas.microsoft.com/office/drawing/2014/main" id="{6DE857F6-F872-450C-9463-8BD3B3A24890}"/>
+                <a16:creationId xmlns:a16="http://schemas.microsoft.com/office/drawing/2014/main" id="{C1A34B7B-AA77-41A8-A38D-B72135418A4E}"/>
               </a:ext>
             </a:extLst>
           </p:cNvPr>
@@ -4234,43 +4575,31 @@
           <a:lstStyle/>
           <a:p>
             <a:r>
-              <a:rPr lang="de-DE" dirty="0">
+              <a:rPr lang="de-DE" b="1" dirty="0">
                 <a:latin typeface="Times New Roman" panose="02020603050405020304" pitchFamily="18" charset="0"/>
                 <a:cs typeface="Times New Roman" panose="02020603050405020304" pitchFamily="18" charset="0"/>
               </a:rPr>
-              <a:t>2. </a:t>
-            </a:r>
-            <a:r>
-              <a:rPr lang="de-DE" dirty="0" err="1">
-                <a:latin typeface="Times New Roman" panose="02020603050405020304" pitchFamily="18" charset="0"/>
-                <a:cs typeface="Times New Roman" panose="02020603050405020304" pitchFamily="18" charset="0"/>
-              </a:rPr>
-              <a:t>Exploratory</a:t>
-            </a:r>
-            <a:r>
-              <a:rPr lang="de-DE" dirty="0">
-                <a:latin typeface="Times New Roman" panose="02020603050405020304" pitchFamily="18" charset="0"/>
-                <a:cs typeface="Times New Roman" panose="02020603050405020304" pitchFamily="18" charset="0"/>
-              </a:rPr>
-              <a:t> Data Analyst</a:t>
-            </a:r>
-            <a:endParaRPr lang="de-DE" dirty="0"/>
+              <a:t>Company</a:t>
+            </a:r>
+            <a:endParaRPr lang="de-DE" b="1" dirty="0"/>
           </a:p>
         </p:txBody>
       </p:sp>
       <p:pic>
         <p:nvPicPr>
-          <p:cNvPr id="13" name="Picture 12">
+          <p:cNvPr id="1026" name="Picture 2" descr="Logos – Delivery Hero">
             <a:extLst>
               <a:ext uri="{FF2B5EF4-FFF2-40B4-BE49-F238E27FC236}">
-                <a16:creationId xmlns:a16="http://schemas.microsoft.com/office/drawing/2014/main" id="{A01CC9EE-2620-4087-854F-C14B83691417}"/>
+                <a16:creationId xmlns:a16="http://schemas.microsoft.com/office/drawing/2014/main" id="{7FA71CDA-ABB8-4681-A0EE-85EC8D9348F2}"/>
               </a:ext>
             </a:extLst>
           </p:cNvPr>
           <p:cNvPicPr>
-            <a:picLocks noChangeAspect="1"/>
+            <a:picLocks noGrp="1" noChangeAspect="1" noChangeArrowheads="1"/>
           </p:cNvPicPr>
-          <p:nvPr/>
+          <p:nvPr>
+            <p:ph idx="1"/>
+          </p:nvPr>
         </p:nvPicPr>
         <p:blipFill>
           <a:blip r:embed="rId2">
@@ -4280,35 +4609,44 @@
               </a:ext>
             </a:extLst>
           </a:blip>
+          <a:srcRect/>
           <a:stretch>
             <a:fillRect/>
           </a:stretch>
         </p:blipFill>
-        <p:spPr>
-          <a:xfrm>
-            <a:off x="0" y="1892487"/>
-            <a:ext cx="6270982" cy="3762589"/>
+        <p:spPr bwMode="auto">
+          <a:xfrm>
+            <a:off x="1617479" y="2061786"/>
+            <a:ext cx="1520174" cy="801904"/>
           </a:xfrm>
           <a:prstGeom prst="rect">
             <a:avLst/>
           </a:prstGeom>
+          <a:noFill/>
+          <a:extLst>
+            <a:ext uri="{909E8E84-426E-40DD-AFC4-6F175D3DCCD1}">
+              <a14:hiddenFill xmlns:a14="http://schemas.microsoft.com/office/drawing/2010/main">
+                <a:solidFill>
+                  <a:srgbClr val="FFFFFF"/>
+                </a:solidFill>
+              </a14:hiddenFill>
+            </a:ext>
+          </a:extLst>
         </p:spPr>
       </p:pic>
       <p:pic>
         <p:nvPicPr>
-          <p:cNvPr id="17" name="Content Placeholder 16">
+          <p:cNvPr id="1028" name="Picture 4" descr="Images and videos | Amazon.com, Inc. - Press Room">
             <a:extLst>
               <a:ext uri="{FF2B5EF4-FFF2-40B4-BE49-F238E27FC236}">
-                <a16:creationId xmlns:a16="http://schemas.microsoft.com/office/drawing/2014/main" id="{B8135A7A-6F07-42A3-89A9-78FB5E6C3522}"/>
+                <a16:creationId xmlns:a16="http://schemas.microsoft.com/office/drawing/2014/main" id="{E521A453-0BE3-4370-A43C-5C3F70441830}"/>
               </a:ext>
             </a:extLst>
           </p:cNvPr>
           <p:cNvPicPr>
-            <a:picLocks noGrp="1" noChangeAspect="1"/>
+            <a:picLocks noChangeAspect="1" noChangeArrowheads="1"/>
           </p:cNvPicPr>
-          <p:nvPr>
-            <p:ph idx="1"/>
-          </p:nvPr>
+          <p:nvPr/>
         </p:nvPicPr>
         <p:blipFill>
           <a:blip r:embed="rId3">
@@ -4318,21 +4656,268 @@
               </a:ext>
             </a:extLst>
           </a:blip>
+          <a:srcRect/>
           <a:stretch>
             <a:fillRect/>
           </a:stretch>
         </p:blipFill>
-        <p:spPr>
-          <a:xfrm>
-            <a:off x="6096000" y="1927225"/>
-            <a:ext cx="6155184" cy="3693111"/>
-          </a:xfrm>
+        <p:spPr bwMode="auto">
+          <a:xfrm>
+            <a:off x="1322696" y="3318587"/>
+            <a:ext cx="2109741" cy="887025"/>
+          </a:xfrm>
+          <a:prstGeom prst="rect">
+            <a:avLst/>
+          </a:prstGeom>
+          <a:noFill/>
+          <a:extLst>
+            <a:ext uri="{909E8E84-426E-40DD-AFC4-6F175D3DCCD1}">
+              <a14:hiddenFill xmlns:a14="http://schemas.microsoft.com/office/drawing/2010/main">
+                <a:solidFill>
+                  <a:srgbClr val="FFFFFF"/>
+                </a:solidFill>
+              </a14:hiddenFill>
+            </a:ext>
+          </a:extLst>
+        </p:spPr>
+      </p:pic>
+      <p:pic>
+        <p:nvPicPr>
+          <p:cNvPr id="1030" name="Picture 6">
+            <a:extLst>
+              <a:ext uri="{FF2B5EF4-FFF2-40B4-BE49-F238E27FC236}">
+                <a16:creationId xmlns:a16="http://schemas.microsoft.com/office/drawing/2014/main" id="{268B0688-D381-4910-BE66-23A19F53D500}"/>
+              </a:ext>
+            </a:extLst>
+          </p:cNvPr>
+          <p:cNvPicPr>
+            <a:picLocks noChangeAspect="1" noChangeArrowheads="1"/>
+          </p:cNvPicPr>
+          <p:nvPr/>
+        </p:nvPicPr>
+        <p:blipFill>
+          <a:blip r:embed="rId4">
+            <a:extLst>
+              <a:ext uri="{28A0092B-C50C-407E-A947-70E740481C1C}">
+                <a14:useLocalDpi xmlns:a14="http://schemas.microsoft.com/office/drawing/2010/main" val="0"/>
+              </a:ext>
+            </a:extLst>
+          </a:blip>
+          <a:srcRect/>
+          <a:stretch>
+            <a:fillRect/>
+          </a:stretch>
+        </p:blipFill>
+        <p:spPr bwMode="auto">
+          <a:xfrm>
+            <a:off x="1226862" y="4548051"/>
+            <a:ext cx="2419779" cy="515149"/>
+          </a:xfrm>
+          <a:prstGeom prst="rect">
+            <a:avLst/>
+          </a:prstGeom>
+          <a:noFill/>
+          <a:extLst>
+            <a:ext uri="{909E8E84-426E-40DD-AFC4-6F175D3DCCD1}">
+              <a14:hiddenFill xmlns:a14="http://schemas.microsoft.com/office/drawing/2010/main">
+                <a:solidFill>
+                  <a:srgbClr val="FFFFFF"/>
+                </a:solidFill>
+              </a14:hiddenFill>
+            </a:ext>
+          </a:extLst>
+        </p:spPr>
+      </p:pic>
+      <p:sp>
+        <p:nvSpPr>
+          <p:cNvPr id="4" name="AutoShape 8" descr="EY Vector Logo - Download Free SVG Icon | Worldvectorlogo">
+            <a:extLst>
+              <a:ext uri="{FF2B5EF4-FFF2-40B4-BE49-F238E27FC236}">
+                <a16:creationId xmlns:a16="http://schemas.microsoft.com/office/drawing/2014/main" id="{BD6C160D-03EA-46F6-A4DA-70C76B6B54A7}"/>
+              </a:ext>
+            </a:extLst>
+          </p:cNvPr>
+          <p:cNvSpPr>
+            <a:spLocks noChangeAspect="1" noChangeArrowheads="1"/>
+          </p:cNvSpPr>
+          <p:nvPr/>
+        </p:nvSpPr>
+        <p:spPr bwMode="auto">
+          <a:xfrm>
+            <a:off x="5943599" y="301101"/>
+            <a:ext cx="3280299" cy="3280299"/>
+          </a:xfrm>
+          <a:prstGeom prst="rect">
+            <a:avLst/>
+          </a:prstGeom>
+          <a:noFill/>
+          <a:extLst>
+            <a:ext uri="{909E8E84-426E-40DD-AFC4-6F175D3DCCD1}">
+              <a14:hiddenFill xmlns:a14="http://schemas.microsoft.com/office/drawing/2010/main">
+                <a:solidFill>
+                  <a:srgbClr val="FFFFFF"/>
+                </a:solidFill>
+              </a14:hiddenFill>
+            </a:ext>
+          </a:extLst>
+        </p:spPr>
+        <p:txBody>
+          <a:bodyPr vert="horz" wrap="square" lIns="91440" tIns="45720" rIns="91440" bIns="45720" numCol="1" anchor="t" anchorCtr="0" compatLnSpc="1">
+            <a:prstTxWarp prst="textNoShape">
+              <a:avLst/>
+            </a:prstTxWarp>
+          </a:bodyPr>
+          <a:lstStyle/>
+          <a:p>
+            <a:endParaRPr lang="de-DE"/>
+          </a:p>
+        </p:txBody>
+      </p:sp>
+      <p:pic>
+        <p:nvPicPr>
+          <p:cNvPr id="1036" name="Picture 12" descr="Ey, logo Symbol in Vector Logo">
+            <a:extLst>
+              <a:ext uri="{FF2B5EF4-FFF2-40B4-BE49-F238E27FC236}">
+                <a16:creationId xmlns:a16="http://schemas.microsoft.com/office/drawing/2014/main" id="{8C6338DC-C71A-48D0-B677-410EB99A00BA}"/>
+              </a:ext>
+            </a:extLst>
+          </p:cNvPr>
+          <p:cNvPicPr>
+            <a:picLocks noChangeAspect="1" noChangeArrowheads="1"/>
+          </p:cNvPicPr>
+          <p:nvPr/>
+        </p:nvPicPr>
+        <p:blipFill>
+          <a:blip r:embed="rId5">
+            <a:extLst>
+              <a:ext uri="{28A0092B-C50C-407E-A947-70E740481C1C}">
+                <a14:useLocalDpi xmlns:a14="http://schemas.microsoft.com/office/drawing/2010/main" val="0"/>
+              </a:ext>
+            </a:extLst>
+          </a:blip>
+          <a:srcRect/>
+          <a:stretch>
+            <a:fillRect/>
+          </a:stretch>
+        </p:blipFill>
+        <p:spPr bwMode="auto">
+          <a:xfrm>
+            <a:off x="7696163" y="1916430"/>
+            <a:ext cx="2452549" cy="1226275"/>
+          </a:xfrm>
+          <a:prstGeom prst="rect">
+            <a:avLst/>
+          </a:prstGeom>
+          <a:noFill/>
+          <a:extLst>
+            <a:ext uri="{909E8E84-426E-40DD-AFC4-6F175D3DCCD1}">
+              <a14:hiddenFill xmlns:a14="http://schemas.microsoft.com/office/drawing/2010/main">
+                <a:solidFill>
+                  <a:srgbClr val="FFFFFF"/>
+                </a:solidFill>
+              </a14:hiddenFill>
+            </a:ext>
+          </a:extLst>
+        </p:spPr>
+      </p:pic>
+      <p:pic>
+        <p:nvPicPr>
+          <p:cNvPr id="1038" name="Picture 14" descr="PwC Logo, symbol, meaning, history, PNG">
+            <a:extLst>
+              <a:ext uri="{FF2B5EF4-FFF2-40B4-BE49-F238E27FC236}">
+                <a16:creationId xmlns:a16="http://schemas.microsoft.com/office/drawing/2014/main" id="{F3CC1F9F-F057-40C5-9A7C-D7E638043FF3}"/>
+              </a:ext>
+            </a:extLst>
+          </p:cNvPr>
+          <p:cNvPicPr>
+            <a:picLocks noChangeAspect="1" noChangeArrowheads="1"/>
+          </p:cNvPicPr>
+          <p:nvPr/>
+        </p:nvPicPr>
+        <p:blipFill>
+          <a:blip r:embed="rId6">
+            <a:extLst>
+              <a:ext uri="{28A0092B-C50C-407E-A947-70E740481C1C}">
+                <a14:useLocalDpi xmlns:a14="http://schemas.microsoft.com/office/drawing/2010/main" val="0"/>
+              </a:ext>
+            </a:extLst>
+          </a:blip>
+          <a:srcRect/>
+          <a:stretch>
+            <a:fillRect/>
+          </a:stretch>
+        </p:blipFill>
+        <p:spPr bwMode="auto">
+          <a:xfrm>
+            <a:off x="7990299" y="3188117"/>
+            <a:ext cx="2199490" cy="1237213"/>
+          </a:xfrm>
+          <a:prstGeom prst="rect">
+            <a:avLst/>
+          </a:prstGeom>
+          <a:noFill/>
+          <a:extLst>
+            <a:ext uri="{909E8E84-426E-40DD-AFC4-6F175D3DCCD1}">
+              <a14:hiddenFill xmlns:a14="http://schemas.microsoft.com/office/drawing/2010/main">
+                <a:solidFill>
+                  <a:srgbClr val="FFFFFF"/>
+                </a:solidFill>
+              </a14:hiddenFill>
+            </a:ext>
+          </a:extLst>
+        </p:spPr>
+      </p:pic>
+      <p:pic>
+        <p:nvPicPr>
+          <p:cNvPr id="1040" name="Picture 16">
+            <a:extLst>
+              <a:ext uri="{FF2B5EF4-FFF2-40B4-BE49-F238E27FC236}">
+                <a16:creationId xmlns:a16="http://schemas.microsoft.com/office/drawing/2014/main" id="{AF57F935-488F-4449-85D6-D3640F2574B8}"/>
+              </a:ext>
+            </a:extLst>
+          </p:cNvPr>
+          <p:cNvPicPr>
+            <a:picLocks noChangeAspect="1" noChangeArrowheads="1"/>
+          </p:cNvPicPr>
+          <p:nvPr/>
+        </p:nvPicPr>
+        <p:blipFill>
+          <a:blip r:embed="rId7">
+            <a:extLst>
+              <a:ext uri="{28A0092B-C50C-407E-A947-70E740481C1C}">
+                <a14:useLocalDpi xmlns:a14="http://schemas.microsoft.com/office/drawing/2010/main" val="0"/>
+              </a:ext>
+            </a:extLst>
+          </a:blip>
+          <a:srcRect/>
+          <a:stretch>
+            <a:fillRect/>
+          </a:stretch>
+        </p:blipFill>
+        <p:spPr bwMode="auto">
+          <a:xfrm>
+            <a:off x="7990299" y="4833842"/>
+            <a:ext cx="2108279" cy="458716"/>
+          </a:xfrm>
+          <a:prstGeom prst="rect">
+            <a:avLst/>
+          </a:prstGeom>
+          <a:noFill/>
+          <a:extLst>
+            <a:ext uri="{909E8E84-426E-40DD-AFC4-6F175D3DCCD1}">
+              <a14:hiddenFill xmlns:a14="http://schemas.microsoft.com/office/drawing/2010/main">
+                <a:solidFill>
+                  <a:srgbClr val="FFFFFF"/>
+                </a:solidFill>
+              </a14:hiddenFill>
+            </a:ext>
+          </a:extLst>
         </p:spPr>
       </p:pic>
     </p:spTree>
     <p:extLst>
       <p:ext uri="{BB962C8B-B14F-4D97-AF65-F5344CB8AC3E}">
-        <p14:creationId xmlns:p14="http://schemas.microsoft.com/office/powerpoint/2010/main" val="1195913801"/>
+        <p14:creationId xmlns:p14="http://schemas.microsoft.com/office/powerpoint/2010/main" val="1240998309"/>
       </p:ext>
     </p:extLst>
   </p:cSld>
@@ -4364,7 +4949,7 @@
           <p:cNvPr id="2" name="Title 1">
             <a:extLst>
               <a:ext uri="{FF2B5EF4-FFF2-40B4-BE49-F238E27FC236}">
-                <a16:creationId xmlns:a16="http://schemas.microsoft.com/office/drawing/2014/main" id="{874CD79B-61D5-437C-8992-E8BBD8F96992}"/>
+                <a16:creationId xmlns:a16="http://schemas.microsoft.com/office/drawing/2014/main" id="{4D2AE701-EB92-4DAD-ABB9-C1BC9F614B52}"/>
               </a:ext>
             </a:extLst>
           </p:cNvPr>
@@ -4385,14 +4970,14 @@
                 <a:latin typeface="Times New Roman" panose="02020603050405020304" pitchFamily="18" charset="0"/>
                 <a:cs typeface="Times New Roman" panose="02020603050405020304" pitchFamily="18" charset="0"/>
               </a:rPr>
-              <a:t>3. Job </a:t>
+              <a:t>Tech </a:t>
             </a:r>
             <a:r>
               <a:rPr lang="de-DE" b="1" dirty="0" err="1">
                 <a:latin typeface="Times New Roman" panose="02020603050405020304" pitchFamily="18" charset="0"/>
                 <a:cs typeface="Times New Roman" panose="02020603050405020304" pitchFamily="18" charset="0"/>
               </a:rPr>
-              <a:t>recommender</a:t>
+              <a:t>skill</a:t>
             </a:r>
             <a:endParaRPr lang="de-DE" b="1" dirty="0">
               <a:latin typeface="Times New Roman" panose="02020603050405020304" pitchFamily="18" charset="0"/>
@@ -4401,316 +4986,12 @@
           </a:p>
         </p:txBody>
       </p:sp>
-      <p:sp>
-        <p:nvSpPr>
-          <p:cNvPr id="7" name="TextBox 6">
+      <p:pic>
+        <p:nvPicPr>
+          <p:cNvPr id="5" name="Content Placeholder 4">
             <a:extLst>
               <a:ext uri="{FF2B5EF4-FFF2-40B4-BE49-F238E27FC236}">
-                <a16:creationId xmlns:a16="http://schemas.microsoft.com/office/drawing/2014/main" id="{03013540-3433-4885-B67A-26D5CF1E6D62}"/>
-              </a:ext>
-            </a:extLst>
-          </p:cNvPr>
-          <p:cNvSpPr txBox="1"/>
-          <p:nvPr/>
-        </p:nvSpPr>
-        <p:spPr>
-          <a:xfrm>
-            <a:off x="497151" y="1597981"/>
-            <a:ext cx="7696938" cy="461665"/>
-          </a:xfrm>
-          <a:prstGeom prst="rect">
-            <a:avLst/>
-          </a:prstGeom>
-          <a:noFill/>
-        </p:spPr>
-        <p:txBody>
-          <a:bodyPr wrap="square" rtlCol="0">
-            <a:spAutoFit/>
-          </a:bodyPr>
-          <a:lstStyle/>
-          <a:p>
-            <a:r>
-              <a:rPr lang="de-DE" sz="2400" b="1" dirty="0" err="1">
-                <a:latin typeface="Times New Roman" panose="02020603050405020304" pitchFamily="18" charset="0"/>
-                <a:cs typeface="Times New Roman" panose="02020603050405020304" pitchFamily="18" charset="0"/>
-              </a:rPr>
-              <a:t>Using</a:t>
-            </a:r>
-            <a:r>
-              <a:rPr lang="de-DE" sz="2400" b="1" dirty="0">
-                <a:latin typeface="Times New Roman" panose="02020603050405020304" pitchFamily="18" charset="0"/>
-                <a:cs typeface="Times New Roman" panose="02020603050405020304" pitchFamily="18" charset="0"/>
-              </a:rPr>
-              <a:t> </a:t>
-            </a:r>
-            <a:r>
-              <a:rPr lang="de-DE" sz="2400" b="1" dirty="0" err="1">
-                <a:latin typeface="Times New Roman" panose="02020603050405020304" pitchFamily="18" charset="0"/>
-                <a:cs typeface="Times New Roman" panose="02020603050405020304" pitchFamily="18" charset="0"/>
-              </a:rPr>
-              <a:t>natural</a:t>
-            </a:r>
-            <a:r>
-              <a:rPr lang="de-DE" sz="2400" b="1" dirty="0">
-                <a:latin typeface="Times New Roman" panose="02020603050405020304" pitchFamily="18" charset="0"/>
-                <a:cs typeface="Times New Roman" panose="02020603050405020304" pitchFamily="18" charset="0"/>
-              </a:rPr>
-              <a:t> </a:t>
-            </a:r>
-            <a:r>
-              <a:rPr lang="de-DE" sz="2400" b="1" dirty="0" err="1">
-                <a:latin typeface="Times New Roman" panose="02020603050405020304" pitchFamily="18" charset="0"/>
-                <a:cs typeface="Times New Roman" panose="02020603050405020304" pitchFamily="18" charset="0"/>
-              </a:rPr>
-              <a:t>language</a:t>
-            </a:r>
-            <a:r>
-              <a:rPr lang="de-DE" sz="2400" b="1" dirty="0">
-                <a:latin typeface="Times New Roman" panose="02020603050405020304" pitchFamily="18" charset="0"/>
-                <a:cs typeface="Times New Roman" panose="02020603050405020304" pitchFamily="18" charset="0"/>
-              </a:rPr>
-              <a:t> </a:t>
-            </a:r>
-            <a:r>
-              <a:rPr lang="de-DE" sz="2400" b="1" dirty="0" err="1">
-                <a:latin typeface="Times New Roman" panose="02020603050405020304" pitchFamily="18" charset="0"/>
-                <a:cs typeface="Times New Roman" panose="02020603050405020304" pitchFamily="18" charset="0"/>
-              </a:rPr>
-              <a:t>processing</a:t>
-            </a:r>
-            <a:r>
-              <a:rPr lang="de-DE" sz="2400" b="1" dirty="0">
-                <a:latin typeface="Times New Roman" panose="02020603050405020304" pitchFamily="18" charset="0"/>
-                <a:cs typeface="Times New Roman" panose="02020603050405020304" pitchFamily="18" charset="0"/>
-              </a:rPr>
-              <a:t> </a:t>
-            </a:r>
-            <a:r>
-              <a:rPr lang="de-DE" sz="2400" dirty="0">
-                <a:latin typeface="Times New Roman" panose="02020603050405020304" pitchFamily="18" charset="0"/>
-                <a:cs typeface="Times New Roman" panose="02020603050405020304" pitchFamily="18" charset="0"/>
-              </a:rPr>
-              <a:t>(</a:t>
-            </a:r>
-            <a:r>
-              <a:rPr lang="de-DE" sz="2400" dirty="0" err="1">
-                <a:latin typeface="Times New Roman" panose="02020603050405020304" pitchFamily="18" charset="0"/>
-                <a:cs typeface="Times New Roman" panose="02020603050405020304" pitchFamily="18" charset="0"/>
-              </a:rPr>
-              <a:t>nltk</a:t>
-            </a:r>
-            <a:r>
-              <a:rPr lang="de-DE" sz="2400" dirty="0">
-                <a:latin typeface="Times New Roman" panose="02020603050405020304" pitchFamily="18" charset="0"/>
-                <a:cs typeface="Times New Roman" panose="02020603050405020304" pitchFamily="18" charset="0"/>
-              </a:rPr>
-              <a:t>, </a:t>
-            </a:r>
-            <a:r>
-              <a:rPr lang="de-DE" sz="2400" dirty="0" err="1">
-                <a:latin typeface="Times New Roman" panose="02020603050405020304" pitchFamily="18" charset="0"/>
-                <a:cs typeface="Times New Roman" panose="02020603050405020304" pitchFamily="18" charset="0"/>
-              </a:rPr>
-              <a:t>spacy</a:t>
-            </a:r>
-            <a:r>
-              <a:rPr lang="de-DE" sz="2400" dirty="0">
-                <a:latin typeface="Times New Roman" panose="02020603050405020304" pitchFamily="18" charset="0"/>
-                <a:cs typeface="Times New Roman" panose="02020603050405020304" pitchFamily="18" charset="0"/>
-              </a:rPr>
-              <a:t>)</a:t>
-            </a:r>
-          </a:p>
-        </p:txBody>
-      </p:sp>
-      <p:sp>
-        <p:nvSpPr>
-          <p:cNvPr id="8" name="TextBox 7">
-            <a:extLst>
-              <a:ext uri="{FF2B5EF4-FFF2-40B4-BE49-F238E27FC236}">
-                <a16:creationId xmlns:a16="http://schemas.microsoft.com/office/drawing/2014/main" id="{0BECC6D8-10F7-41E7-8297-19DEAAF6E817}"/>
-              </a:ext>
-            </a:extLst>
-          </p:cNvPr>
-          <p:cNvSpPr txBox="1"/>
-          <p:nvPr/>
-        </p:nvSpPr>
-        <p:spPr>
-          <a:xfrm>
-            <a:off x="461642" y="2228822"/>
-            <a:ext cx="5646198" cy="461665"/>
-          </a:xfrm>
-          <a:prstGeom prst="rect">
-            <a:avLst/>
-          </a:prstGeom>
-          <a:noFill/>
-        </p:spPr>
-        <p:txBody>
-          <a:bodyPr wrap="square" rtlCol="0">
-            <a:spAutoFit/>
-          </a:bodyPr>
-          <a:lstStyle/>
-          <a:p>
-            <a:r>
-              <a:rPr lang="de-DE" sz="2400" b="1" dirty="0">
-                <a:latin typeface="Times New Roman" panose="02020603050405020304" pitchFamily="18" charset="0"/>
-                <a:cs typeface="Times New Roman" panose="02020603050405020304" pitchFamily="18" charset="0"/>
-              </a:rPr>
-              <a:t>Content Base </a:t>
-            </a:r>
-            <a:r>
-              <a:rPr lang="de-DE" sz="2400" b="1" dirty="0" err="1">
-                <a:latin typeface="Times New Roman" panose="02020603050405020304" pitchFamily="18" charset="0"/>
-                <a:cs typeface="Times New Roman" panose="02020603050405020304" pitchFamily="18" charset="0"/>
-              </a:rPr>
-              <a:t>recommender</a:t>
-            </a:r>
-            <a:r>
-              <a:rPr lang="de-DE" sz="2400" b="1" dirty="0">
-                <a:latin typeface="Times New Roman" panose="02020603050405020304" pitchFamily="18" charset="0"/>
-                <a:cs typeface="Times New Roman" panose="02020603050405020304" pitchFamily="18" charset="0"/>
-              </a:rPr>
-              <a:t> </a:t>
-            </a:r>
-            <a:r>
-              <a:rPr lang="de-DE" sz="2400" b="1" dirty="0" err="1">
-                <a:latin typeface="Times New Roman" panose="02020603050405020304" pitchFamily="18" charset="0"/>
-                <a:cs typeface="Times New Roman" panose="02020603050405020304" pitchFamily="18" charset="0"/>
-              </a:rPr>
-              <a:t>system</a:t>
-            </a:r>
-            <a:endParaRPr lang="de-DE" sz="2400" b="1" dirty="0">
-              <a:latin typeface="Times New Roman" panose="02020603050405020304" pitchFamily="18" charset="0"/>
-              <a:cs typeface="Times New Roman" panose="02020603050405020304" pitchFamily="18" charset="0"/>
-            </a:endParaRPr>
-          </a:p>
-        </p:txBody>
-      </p:sp>
-      <p:sp>
-        <p:nvSpPr>
-          <p:cNvPr id="9" name="TextBox 8">
-            <a:extLst>
-              <a:ext uri="{FF2B5EF4-FFF2-40B4-BE49-F238E27FC236}">
-                <a16:creationId xmlns:a16="http://schemas.microsoft.com/office/drawing/2014/main" id="{F39062D1-0B48-47C9-AC2B-862B4F46FF36}"/>
-              </a:ext>
-            </a:extLst>
-          </p:cNvPr>
-          <p:cNvSpPr txBox="1"/>
-          <p:nvPr/>
-        </p:nvSpPr>
-        <p:spPr>
-          <a:xfrm>
-            <a:off x="1553593" y="2965256"/>
-            <a:ext cx="4471386" cy="369332"/>
-          </a:xfrm>
-          <a:prstGeom prst="rect">
-            <a:avLst/>
-          </a:prstGeom>
-          <a:noFill/>
-        </p:spPr>
-        <p:txBody>
-          <a:bodyPr wrap="square" rtlCol="0">
-            <a:spAutoFit/>
-          </a:bodyPr>
-          <a:lstStyle/>
-          <a:p>
-            <a:r>
-              <a:rPr lang="de-DE" dirty="0" err="1"/>
-              <a:t>Cosin</a:t>
-            </a:r>
-            <a:r>
-              <a:rPr lang="de-DE" dirty="0"/>
-              <a:t> </a:t>
-            </a:r>
-            <a:r>
-              <a:rPr lang="de-DE" dirty="0" err="1"/>
-              <a:t>Similarity</a:t>
-            </a:r>
-            <a:endParaRPr lang="de-DE" dirty="0"/>
-          </a:p>
-        </p:txBody>
-      </p:sp>
-      <p:sp>
-        <p:nvSpPr>
-          <p:cNvPr id="10" name="TextBox 9">
-            <a:extLst>
-              <a:ext uri="{FF2B5EF4-FFF2-40B4-BE49-F238E27FC236}">
-                <a16:creationId xmlns:a16="http://schemas.microsoft.com/office/drawing/2014/main" id="{735E6A68-F196-4082-8BA8-E602A01EC38A}"/>
-              </a:ext>
-            </a:extLst>
-          </p:cNvPr>
-          <p:cNvSpPr txBox="1"/>
-          <p:nvPr/>
-        </p:nvSpPr>
-        <p:spPr>
-          <a:xfrm>
-            <a:off x="1553593" y="3491598"/>
-            <a:ext cx="4471386" cy="369332"/>
-          </a:xfrm>
-          <a:prstGeom prst="rect">
-            <a:avLst/>
-          </a:prstGeom>
-          <a:noFill/>
-        </p:spPr>
-        <p:txBody>
-          <a:bodyPr wrap="square" rtlCol="0">
-            <a:spAutoFit/>
-          </a:bodyPr>
-          <a:lstStyle/>
-          <a:p>
-            <a:r>
-              <a:rPr lang="de-DE" dirty="0"/>
-              <a:t>Person </a:t>
-            </a:r>
-            <a:r>
-              <a:rPr lang="de-DE" dirty="0" err="1"/>
-              <a:t>correlation</a:t>
-            </a:r>
-            <a:endParaRPr lang="de-DE" dirty="0"/>
-          </a:p>
-        </p:txBody>
-      </p:sp>
-      <p:sp>
-        <p:nvSpPr>
-          <p:cNvPr id="11" name="TextBox 10">
-            <a:extLst>
-              <a:ext uri="{FF2B5EF4-FFF2-40B4-BE49-F238E27FC236}">
-                <a16:creationId xmlns:a16="http://schemas.microsoft.com/office/drawing/2014/main" id="{F8C838BD-535F-4E9B-BC94-F58B8C57DD70}"/>
-              </a:ext>
-            </a:extLst>
-          </p:cNvPr>
-          <p:cNvSpPr txBox="1"/>
-          <p:nvPr/>
-        </p:nvSpPr>
-        <p:spPr>
-          <a:xfrm>
-            <a:off x="1553593" y="4059245"/>
-            <a:ext cx="4471386" cy="369332"/>
-          </a:xfrm>
-          <a:prstGeom prst="rect">
-            <a:avLst/>
-          </a:prstGeom>
-          <a:noFill/>
-        </p:spPr>
-        <p:txBody>
-          <a:bodyPr wrap="square" rtlCol="0">
-            <a:spAutoFit/>
-          </a:bodyPr>
-          <a:lstStyle/>
-          <a:p>
-            <a:r>
-              <a:rPr lang="de-DE" dirty="0"/>
-              <a:t>KNN</a:t>
-            </a:r>
-          </a:p>
-        </p:txBody>
-      </p:sp>
-      <p:pic>
-        <p:nvPicPr>
-          <p:cNvPr id="6" name="Content Placeholder 5">
-            <a:extLst>
-              <a:ext uri="{FF2B5EF4-FFF2-40B4-BE49-F238E27FC236}">
-                <a16:creationId xmlns:a16="http://schemas.microsoft.com/office/drawing/2014/main" id="{44D37559-2D06-4298-9F8F-EA4C3A1BCA1E}"/>
+                <a16:creationId xmlns:a16="http://schemas.microsoft.com/office/drawing/2014/main" id="{4C39E6EA-32CA-4E90-8BC7-D092893654FA}"/>
               </a:ext>
             </a:extLst>
           </p:cNvPr>
@@ -4722,22 +5003,64 @@
           </p:nvPr>
         </p:nvPicPr>
         <p:blipFill>
-          <a:blip r:embed="rId2"/>
+          <a:blip r:embed="rId2">
+            <a:extLst>
+              <a:ext uri="{28A0092B-C50C-407E-A947-70E740481C1C}">
+                <a14:useLocalDpi xmlns:a14="http://schemas.microsoft.com/office/drawing/2010/main" val="0"/>
+              </a:ext>
+            </a:extLst>
+          </a:blip>
           <a:stretch>
             <a:fillRect/>
           </a:stretch>
         </p:blipFill>
         <p:spPr>
           <a:xfrm>
-            <a:off x="310718" y="4719147"/>
-            <a:ext cx="11594237" cy="1773728"/>
-          </a:xfrm>
+            <a:off x="0" y="2350345"/>
+            <a:ext cx="6057886" cy="3028942"/>
+          </a:xfrm>
+        </p:spPr>
+      </p:pic>
+      <p:pic>
+        <p:nvPicPr>
+          <p:cNvPr id="7" name="Picture 6">
+            <a:extLst>
+              <a:ext uri="{FF2B5EF4-FFF2-40B4-BE49-F238E27FC236}">
+                <a16:creationId xmlns:a16="http://schemas.microsoft.com/office/drawing/2014/main" id="{D4C4EBD4-24DA-4D7F-8C1E-DF04AEC63EA9}"/>
+              </a:ext>
+            </a:extLst>
+          </p:cNvPr>
+          <p:cNvPicPr>
+            <a:picLocks noChangeAspect="1"/>
+          </p:cNvPicPr>
+          <p:nvPr/>
+        </p:nvPicPr>
+        <p:blipFill>
+          <a:blip r:embed="rId3">
+            <a:extLst>
+              <a:ext uri="{28A0092B-C50C-407E-A947-70E740481C1C}">
+                <a14:useLocalDpi xmlns:a14="http://schemas.microsoft.com/office/drawing/2010/main" val="0"/>
+              </a:ext>
+            </a:extLst>
+          </a:blip>
+          <a:stretch>
+            <a:fillRect/>
+          </a:stretch>
+        </p:blipFill>
+        <p:spPr>
+          <a:xfrm>
+            <a:off x="6012811" y="2320676"/>
+            <a:ext cx="6204150" cy="3102075"/>
+          </a:xfrm>
+          <a:prstGeom prst="rect">
+            <a:avLst/>
+          </a:prstGeom>
         </p:spPr>
       </p:pic>
     </p:spTree>
     <p:extLst>
       <p:ext uri="{BB962C8B-B14F-4D97-AF65-F5344CB8AC3E}">
-        <p14:creationId xmlns:p14="http://schemas.microsoft.com/office/powerpoint/2010/main" val="3973118690"/>
+        <p14:creationId xmlns:p14="http://schemas.microsoft.com/office/powerpoint/2010/main" val="2923176428"/>
       </p:ext>
     </p:extLst>
   </p:cSld>
@@ -4748,9 +5071,9 @@
 </file>
 
 <file path=ppt/theme/theme1.xml><?xml version="1.0" encoding="utf-8"?>
-<a:theme xmlns:a="http://schemas.openxmlformats.org/drawingml/2006/main" name="Office Theme">
+<a:theme xmlns:a="http://schemas.openxmlformats.org/drawingml/2006/main" name="Retrospect">
   <a:themeElements>
-    <a:clrScheme name="Office">
+    <a:clrScheme name="Retrospect">
       <a:dk1>
         <a:sysClr val="windowText" lastClr="000000"/>
       </a:dk1>
@@ -4758,44 +5081,44 @@
         <a:sysClr val="window" lastClr="FFFFFF"/>
       </a:lt1>
       <a:dk2>
-        <a:srgbClr val="44546A"/>
+        <a:srgbClr val="455F51"/>
       </a:dk2>
       <a:lt2>
-        <a:srgbClr val="E7E6E6"/>
+        <a:srgbClr val="E2DFCC"/>
       </a:lt2>
       <a:accent1>
-        <a:srgbClr val="4472C4"/>
+        <a:srgbClr val="99CB38"/>
       </a:accent1>
       <a:accent2>
-        <a:srgbClr val="ED7D31"/>
+        <a:srgbClr val="63A537"/>
       </a:accent2>
       <a:accent3>
-        <a:srgbClr val="A5A5A5"/>
+        <a:srgbClr val="37A76F"/>
       </a:accent3>
       <a:accent4>
-        <a:srgbClr val="FFC000"/>
+        <a:srgbClr val="44C1A3"/>
       </a:accent4>
       <a:accent5>
-        <a:srgbClr val="5B9BD5"/>
+        <a:srgbClr val="4EB3CF"/>
       </a:accent5>
       <a:accent6>
-        <a:srgbClr val="70AD47"/>
+        <a:srgbClr val="51C3F9"/>
       </a:accent6>
       <a:hlink>
-        <a:srgbClr val="0563C1"/>
+        <a:srgbClr val="6B9F25"/>
       </a:hlink>
       <a:folHlink>
-        <a:srgbClr val="954F72"/>
+        <a:srgbClr val="B26B02"/>
       </a:folHlink>
     </a:clrScheme>
-    <a:fontScheme name="Office">
+    <a:fontScheme name="Retrospect">
       <a:majorFont>
         <a:latin typeface="Calibri Light" panose="020F0302020204030204"/>
         <a:ea typeface=""/>
         <a:cs typeface=""/>
-        <a:font script="Jpan" typeface="游ゴシック Light"/>
+        <a:font script="Jpan" typeface="ＭＳ Ｐゴシック"/>
         <a:font script="Hang" typeface="맑은 고딕"/>
-        <a:font script="Hans" typeface="等线 Light"/>
+        <a:font script="Hans" typeface="宋体"/>
         <a:font script="Hant" typeface="新細明體"/>
         <a:font script="Arab" typeface="Times New Roman"/>
         <a:font script="Hebr" typeface="Times New Roman"/>
@@ -4823,31 +5146,14 @@
         <a:font script="Viet" typeface="Times New Roman"/>
         <a:font script="Uigh" typeface="Microsoft Uighur"/>
         <a:font script="Geor" typeface="Sylfaen"/>
-        <a:font script="Armn" typeface="Arial"/>
-        <a:font script="Bugi" typeface="Leelawadee UI"/>
-        <a:font script="Bopo" typeface="Microsoft JhengHei"/>
-        <a:font script="Java" typeface="Javanese Text"/>
-        <a:font script="Lisu" typeface="Segoe UI"/>
-        <a:font script="Mymr" typeface="Myanmar Text"/>
-        <a:font script="Nkoo" typeface="Ebrima"/>
-        <a:font script="Olck" typeface="Nirmala UI"/>
-        <a:font script="Osma" typeface="Ebrima"/>
-        <a:font script="Phag" typeface="Phagspa"/>
-        <a:font script="Syrn" typeface="Estrangelo Edessa"/>
-        <a:font script="Syrj" typeface="Estrangelo Edessa"/>
-        <a:font script="Syre" typeface="Estrangelo Edessa"/>
-        <a:font script="Sora" typeface="Nirmala UI"/>
-        <a:font script="Tale" typeface="Microsoft Tai Le"/>
-        <a:font script="Talu" typeface="Microsoft New Tai Lue"/>
-        <a:font script="Tfng" typeface="Ebrima"/>
       </a:majorFont>
       <a:minorFont>
         <a:latin typeface="Calibri" panose="020F0502020204030204"/>
         <a:ea typeface=""/>
         <a:cs typeface=""/>
-        <a:font script="Jpan" typeface="游ゴシック"/>
+        <a:font script="Jpan" typeface="ＭＳ Ｐゴシック"/>
         <a:font script="Hang" typeface="맑은 고딕"/>
-        <a:font script="Hans" typeface="等线"/>
+        <a:font script="Hans" typeface="宋体"/>
         <a:font script="Hant" typeface="新細明體"/>
         <a:font script="Arab" typeface="Arial"/>
         <a:font script="Hebr" typeface="Arial"/>
@@ -4875,26 +5181,9 @@
         <a:font script="Viet" typeface="Arial"/>
         <a:font script="Uigh" typeface="Microsoft Uighur"/>
         <a:font script="Geor" typeface="Sylfaen"/>
-        <a:font script="Armn" typeface="Arial"/>
-        <a:font script="Bugi" typeface="Leelawadee UI"/>
-        <a:font script="Bopo" typeface="Microsoft JhengHei"/>
-        <a:font script="Java" typeface="Javanese Text"/>
-        <a:font script="Lisu" typeface="Segoe UI"/>
-        <a:font script="Mymr" typeface="Myanmar Text"/>
-        <a:font script="Nkoo" typeface="Ebrima"/>
-        <a:font script="Olck" typeface="Nirmala UI"/>
-        <a:font script="Osma" typeface="Ebrima"/>
-        <a:font script="Phag" typeface="Phagspa"/>
-        <a:font script="Syrn" typeface="Estrangelo Edessa"/>
-        <a:font script="Syrj" typeface="Estrangelo Edessa"/>
-        <a:font script="Syre" typeface="Estrangelo Edessa"/>
-        <a:font script="Sora" typeface="Nirmala UI"/>
-        <a:font script="Tale" typeface="Microsoft Tai Le"/>
-        <a:font script="Talu" typeface="Microsoft New Tai Lue"/>
-        <a:font script="Tfng" typeface="Ebrima"/>
       </a:minorFont>
     </a:fontScheme>
-    <a:fmtScheme name="Office">
+    <a:fmtScheme name="Retrospect">
       <a:fillStyleLst>
         <a:solidFill>
           <a:schemeClr val="phClr"/>
@@ -4903,76 +5192,81 @@
           <a:gsLst>
             <a:gs pos="0">
               <a:schemeClr val="phClr">
-                <a:lumMod val="110000"/>
-                <a:satMod val="105000"/>
-                <a:tint val="67000"/>
+                <a:tint val="65000"/>
+                <a:shade val="92000"/>
+                <a:satMod val="130000"/>
               </a:schemeClr>
             </a:gs>
-            <a:gs pos="50000">
+            <a:gs pos="45000">
               <a:schemeClr val="phClr">
-                <a:lumMod val="105000"/>
-                <a:satMod val="103000"/>
-                <a:tint val="73000"/>
+                <a:tint val="60000"/>
+                <a:shade val="99000"/>
+                <a:satMod val="120000"/>
               </a:schemeClr>
             </a:gs>
             <a:gs pos="100000">
               <a:schemeClr val="phClr">
-                <a:lumMod val="105000"/>
-                <a:satMod val="109000"/>
-                <a:tint val="81000"/>
+                <a:tint val="55000"/>
+                <a:satMod val="140000"/>
               </a:schemeClr>
             </a:gs>
           </a:gsLst>
-          <a:lin ang="5400000" scaled="0"/>
+          <a:path path="circle">
+            <a:fillToRect l="100000" t="100000" r="100000" b="100000"/>
+          </a:path>
         </a:gradFill>
         <a:gradFill rotWithShape="1">
           <a:gsLst>
             <a:gs pos="0">
               <a:schemeClr val="phClr">
-                <a:satMod val="103000"/>
-                <a:lumMod val="102000"/>
-                <a:tint val="94000"/>
+                <a:shade val="85000"/>
+                <a:satMod val="130000"/>
               </a:schemeClr>
             </a:gs>
-            <a:gs pos="50000">
+            <a:gs pos="34000">
               <a:schemeClr val="phClr">
-                <a:satMod val="110000"/>
-                <a:lumMod val="100000"/>
-                <a:shade val="100000"/>
+                <a:shade val="87000"/>
+                <a:satMod val="125000"/>
+              </a:schemeClr>
+            </a:gs>
+            <a:gs pos="70000">
+              <a:schemeClr val="phClr">
+                <a:tint val="100000"/>
+                <a:shade val="90000"/>
+                <a:satMod val="130000"/>
               </a:schemeClr>
             </a:gs>
             <a:gs pos="100000">
               <a:schemeClr val="phClr">
-                <a:lumMod val="99000"/>
-                <a:satMod val="120000"/>
-                <a:shade val="78000"/>
+                <a:tint val="100000"/>
+                <a:shade val="100000"/>
+                <a:satMod val="110000"/>
               </a:schemeClr>
             </a:gs>
           </a:gsLst>
-          <a:lin ang="5400000" scaled="0"/>
+          <a:path path="circle">
+            <a:fillToRect l="100000" t="100000" r="100000" b="100000"/>
+          </a:path>
         </a:gradFill>
       </a:fillStyleLst>
       <a:lnStyleLst>
-        <a:ln w="6350" cap="flat" cmpd="sng" algn="ctr">
-          <a:solidFill>
-            <a:schemeClr val="phClr"/>
-          </a:solidFill>
-          <a:prstDash val="solid"/>
-          <a:miter lim="800000"/>
-        </a:ln>
         <a:ln w="12700" cap="flat" cmpd="sng" algn="ctr">
           <a:solidFill>
             <a:schemeClr val="phClr"/>
           </a:solidFill>
           <a:prstDash val="solid"/>
-          <a:miter lim="800000"/>
         </a:ln>
-        <a:ln w="19050" cap="flat" cmpd="sng" algn="ctr">
+        <a:ln w="15875" cap="flat" cmpd="sng" algn="ctr">
           <a:solidFill>
             <a:schemeClr val="phClr"/>
           </a:solidFill>
           <a:prstDash val="solid"/>
-          <a:miter lim="800000"/>
+        </a:ln>
+        <a:ln w="25400" cap="flat" cmpd="sng" algn="ctr">
+          <a:solidFill>
+            <a:schemeClr val="phClr"/>
+          </a:solidFill>
+          <a:prstDash val="solid"/>
         </a:ln>
       </a:lnStyleLst>
       <a:effectStyleLst>
@@ -4980,16 +5274,33 @@
           <a:effectLst/>
         </a:effectStyle>
         <a:effectStyle>
-          <a:effectLst/>
+          <a:effectLst>
+            <a:outerShdw blurRad="38100" dist="25400" dir="2700000" algn="br" rotWithShape="0">
+              <a:srgbClr val="000000">
+                <a:alpha val="60000"/>
+              </a:srgbClr>
+            </a:outerShdw>
+          </a:effectLst>
         </a:effectStyle>
         <a:effectStyle>
           <a:effectLst>
-            <a:outerShdw blurRad="57150" dist="19050" dir="5400000" algn="ctr" rotWithShape="0">
+            <a:outerShdw blurRad="44450" dist="25400" dir="2700000" algn="br" rotWithShape="0">
               <a:srgbClr val="000000">
-                <a:alpha val="63000"/>
+                <a:alpha val="60000"/>
               </a:srgbClr>
             </a:outerShdw>
           </a:effectLst>
+          <a:scene3d>
+            <a:camera prst="orthographicFront">
+              <a:rot lat="0" lon="0" rev="0"/>
+            </a:camera>
+            <a:lightRig rig="threePt" dir="t">
+              <a:rot lat="0" lon="0" rev="19800000"/>
+            </a:lightRig>
+          </a:scene3d>
+          <a:sp3d prstMaterial="flat">
+            <a:bevelT w="25400" h="31750"/>
+          </a:sp3d>
         </a:effectStyle>
       </a:effectStyleLst>
       <a:bgFillStyleLst>
@@ -4998,36 +5309,36 @@
         </a:solidFill>
         <a:solidFill>
           <a:schemeClr val="phClr">
-            <a:tint val="95000"/>
-            <a:satMod val="170000"/>
+            <a:tint val="90000"/>
+            <a:shade val="97000"/>
+            <a:satMod val="130000"/>
           </a:schemeClr>
         </a:solidFill>
         <a:gradFill rotWithShape="1">
           <a:gsLst>
             <a:gs pos="0">
               <a:schemeClr val="phClr">
-                <a:tint val="93000"/>
-                <a:satMod val="150000"/>
-                <a:shade val="98000"/>
-                <a:lumMod val="102000"/>
+                <a:tint val="96000"/>
+                <a:shade val="99000"/>
+                <a:satMod val="140000"/>
               </a:schemeClr>
             </a:gs>
-            <a:gs pos="50000">
+            <a:gs pos="65000">
               <a:schemeClr val="phClr">
-                <a:tint val="98000"/>
+                <a:tint val="100000"/>
+                <a:shade val="80000"/>
                 <a:satMod val="130000"/>
-                <a:shade val="90000"/>
-                <a:lumMod val="103000"/>
               </a:schemeClr>
             </a:gs>
             <a:gs pos="100000">
               <a:schemeClr val="phClr">
-                <a:shade val="63000"/>
+                <a:tint val="100000"/>
+                <a:shade val="48000"/>
                 <a:satMod val="120000"/>
               </a:schemeClr>
             </a:gs>
           </a:gsLst>
-          <a:lin ang="5400000" scaled="0"/>
+          <a:lin ang="16200000" scaled="0"/>
         </a:gradFill>
       </a:bgFillStyleLst>
     </a:fmtScheme>
@@ -5036,7 +5347,7 @@
   <a:extraClrSchemeLst/>
   <a:extLst>
     <a:ext uri="{05A4C25C-085E-4340-85A3-A5531E510DB2}">
-      <thm15:themeFamily xmlns:thm15="http://schemas.microsoft.com/office/thememl/2012/main" name="Office Theme" id="{62F939B6-93AF-4DB8-9C6B-D6C7DFDC589F}" vid="{4A3C46E8-61CC-4603-A589-7422A47A8E4A}"/>
+      <thm15:themeFamily xmlns:thm15="http://schemas.microsoft.com/office/thememl/2012/main" name="Retrospect" id="{5F128B03-DCCA-4EEB-AB3B-CF2899314A46}" vid="{D26EA377-59BD-4C9C-9D94-EE8416EE4C79}"/>
     </a:ext>
   </a:extLst>
 </a:theme>

--- a/JOB RECOMMENDER.pptx
+++ b/JOB RECOMMENDER.pptx
@@ -4,6 +4,9 @@
   <p:sldMasterIdLst>
     <p:sldMasterId id="2147483773" r:id="rId1"/>
   </p:sldMasterIdLst>
+  <p:notesMasterIdLst>
+    <p:notesMasterId r:id="rId8"/>
+  </p:notesMasterIdLst>
   <p:sldIdLst>
     <p:sldId id="256" r:id="rId2"/>
     <p:sldId id="257" r:id="rId3"/>
@@ -117,6 +120,2717 @@
 </p:presentation>
 </file>
 
+<file path=ppt/notesMasters/notesMaster1.xml><?xml version="1.0" encoding="utf-8"?>
+<p:notesMaster xmlns:a="http://schemas.openxmlformats.org/drawingml/2006/main" xmlns:r="http://schemas.openxmlformats.org/officeDocument/2006/relationships" xmlns:p="http://schemas.openxmlformats.org/presentationml/2006/main">
+  <p:cSld>
+    <p:bg>
+      <p:bgRef idx="1001">
+        <a:schemeClr val="bg1"/>
+      </p:bgRef>
+    </p:bg>
+    <p:spTree>
+      <p:nvGrpSpPr>
+        <p:cNvPr id="1" name=""/>
+        <p:cNvGrpSpPr/>
+        <p:nvPr/>
+      </p:nvGrpSpPr>
+      <p:grpSpPr>
+        <a:xfrm>
+          <a:off x="0" y="0"/>
+          <a:ext cx="0" cy="0"/>
+          <a:chOff x="0" y="0"/>
+          <a:chExt cx="0" cy="0"/>
+        </a:xfrm>
+      </p:grpSpPr>
+      <p:sp>
+        <p:nvSpPr>
+          <p:cNvPr id="2" name="Header Placeholder 1"/>
+          <p:cNvSpPr>
+            <a:spLocks noGrp="1"/>
+          </p:cNvSpPr>
+          <p:nvPr>
+            <p:ph type="hdr" sz="quarter"/>
+          </p:nvPr>
+        </p:nvSpPr>
+        <p:spPr>
+          <a:xfrm>
+            <a:off x="0" y="0"/>
+            <a:ext cx="2971800" cy="458788"/>
+          </a:xfrm>
+          <a:prstGeom prst="rect">
+            <a:avLst/>
+          </a:prstGeom>
+        </p:spPr>
+        <p:txBody>
+          <a:bodyPr vert="horz" lIns="91440" tIns="45720" rIns="91440" bIns="45720" rtlCol="0"/>
+          <a:lstStyle>
+            <a:lvl1pPr algn="l">
+              <a:defRPr sz="1200"/>
+            </a:lvl1pPr>
+          </a:lstStyle>
+          <a:p>
+            <a:endParaRPr lang="de-DE"/>
+          </a:p>
+        </p:txBody>
+      </p:sp>
+      <p:sp>
+        <p:nvSpPr>
+          <p:cNvPr id="3" name="Date Placeholder 2"/>
+          <p:cNvSpPr>
+            <a:spLocks noGrp="1"/>
+          </p:cNvSpPr>
+          <p:nvPr>
+            <p:ph type="dt" idx="1"/>
+          </p:nvPr>
+        </p:nvSpPr>
+        <p:spPr>
+          <a:xfrm>
+            <a:off x="3884613" y="0"/>
+            <a:ext cx="2971800" cy="458788"/>
+          </a:xfrm>
+          <a:prstGeom prst="rect">
+            <a:avLst/>
+          </a:prstGeom>
+        </p:spPr>
+        <p:txBody>
+          <a:bodyPr vert="horz" lIns="91440" tIns="45720" rIns="91440" bIns="45720" rtlCol="0"/>
+          <a:lstStyle>
+            <a:lvl1pPr algn="r">
+              <a:defRPr sz="1200"/>
+            </a:lvl1pPr>
+          </a:lstStyle>
+          <a:p>
+            <a:fld id="{4AF02628-394D-4533-BDC3-458BBE470683}" type="datetimeFigureOut">
+              <a:rPr lang="de-DE" smtClean="0"/>
+              <a:t>11.08.2022</a:t>
+            </a:fld>
+            <a:endParaRPr lang="de-DE"/>
+          </a:p>
+        </p:txBody>
+      </p:sp>
+      <p:sp>
+        <p:nvSpPr>
+          <p:cNvPr id="4" name="Slide Image Placeholder 3"/>
+          <p:cNvSpPr>
+            <a:spLocks noGrp="1" noRot="1" noChangeAspect="1"/>
+          </p:cNvSpPr>
+          <p:nvPr>
+            <p:ph type="sldImg" idx="2"/>
+          </p:nvPr>
+        </p:nvSpPr>
+        <p:spPr>
+          <a:xfrm>
+            <a:off x="685800" y="1143000"/>
+            <a:ext cx="5486400" cy="3086100"/>
+          </a:xfrm>
+          <a:prstGeom prst="rect">
+            <a:avLst/>
+          </a:prstGeom>
+          <a:noFill/>
+          <a:ln w="12700">
+            <a:solidFill>
+              <a:prstClr val="black"/>
+            </a:solidFill>
+          </a:ln>
+        </p:spPr>
+        <p:txBody>
+          <a:bodyPr vert="horz" lIns="91440" tIns="45720" rIns="91440" bIns="45720" rtlCol="0" anchor="ctr"/>
+          <a:lstStyle/>
+          <a:p>
+            <a:endParaRPr lang="de-DE"/>
+          </a:p>
+        </p:txBody>
+      </p:sp>
+      <p:sp>
+        <p:nvSpPr>
+          <p:cNvPr id="5" name="Notes Placeholder 4"/>
+          <p:cNvSpPr>
+            <a:spLocks noGrp="1"/>
+          </p:cNvSpPr>
+          <p:nvPr>
+            <p:ph type="body" sz="quarter" idx="3"/>
+          </p:nvPr>
+        </p:nvSpPr>
+        <p:spPr>
+          <a:xfrm>
+            <a:off x="685800" y="4400550"/>
+            <a:ext cx="5486400" cy="3600450"/>
+          </a:xfrm>
+          <a:prstGeom prst="rect">
+            <a:avLst/>
+          </a:prstGeom>
+        </p:spPr>
+        <p:txBody>
+          <a:bodyPr vert="horz" lIns="91440" tIns="45720" rIns="91440" bIns="45720" rtlCol="0"/>
+          <a:lstStyle/>
+          <a:p>
+            <a:pPr lvl="0"/>
+            <a:r>
+              <a:rPr lang="en-US"/>
+              <a:t>Click to edit Master text styles</a:t>
+            </a:r>
+          </a:p>
+          <a:p>
+            <a:pPr lvl="1"/>
+            <a:r>
+              <a:rPr lang="en-US"/>
+              <a:t>Second level</a:t>
+            </a:r>
+          </a:p>
+          <a:p>
+            <a:pPr lvl="2"/>
+            <a:r>
+              <a:rPr lang="en-US"/>
+              <a:t>Third level</a:t>
+            </a:r>
+          </a:p>
+          <a:p>
+            <a:pPr lvl="3"/>
+            <a:r>
+              <a:rPr lang="en-US"/>
+              <a:t>Fourth level</a:t>
+            </a:r>
+          </a:p>
+          <a:p>
+            <a:pPr lvl="4"/>
+            <a:r>
+              <a:rPr lang="en-US"/>
+              <a:t>Fifth level</a:t>
+            </a:r>
+            <a:endParaRPr lang="de-DE"/>
+          </a:p>
+        </p:txBody>
+      </p:sp>
+      <p:sp>
+        <p:nvSpPr>
+          <p:cNvPr id="6" name="Footer Placeholder 5"/>
+          <p:cNvSpPr>
+            <a:spLocks noGrp="1"/>
+          </p:cNvSpPr>
+          <p:nvPr>
+            <p:ph type="ftr" sz="quarter" idx="4"/>
+          </p:nvPr>
+        </p:nvSpPr>
+        <p:spPr>
+          <a:xfrm>
+            <a:off x="0" y="8685213"/>
+            <a:ext cx="2971800" cy="458787"/>
+          </a:xfrm>
+          <a:prstGeom prst="rect">
+            <a:avLst/>
+          </a:prstGeom>
+        </p:spPr>
+        <p:txBody>
+          <a:bodyPr vert="horz" lIns="91440" tIns="45720" rIns="91440" bIns="45720" rtlCol="0" anchor="b"/>
+          <a:lstStyle>
+            <a:lvl1pPr algn="l">
+              <a:defRPr sz="1200"/>
+            </a:lvl1pPr>
+          </a:lstStyle>
+          <a:p>
+            <a:endParaRPr lang="de-DE"/>
+          </a:p>
+        </p:txBody>
+      </p:sp>
+      <p:sp>
+        <p:nvSpPr>
+          <p:cNvPr id="7" name="Slide Number Placeholder 6"/>
+          <p:cNvSpPr>
+            <a:spLocks noGrp="1"/>
+          </p:cNvSpPr>
+          <p:nvPr>
+            <p:ph type="sldNum" sz="quarter" idx="5"/>
+          </p:nvPr>
+        </p:nvSpPr>
+        <p:spPr>
+          <a:xfrm>
+            <a:off x="3884613" y="8685213"/>
+            <a:ext cx="2971800" cy="458787"/>
+          </a:xfrm>
+          <a:prstGeom prst="rect">
+            <a:avLst/>
+          </a:prstGeom>
+        </p:spPr>
+        <p:txBody>
+          <a:bodyPr vert="horz" lIns="91440" tIns="45720" rIns="91440" bIns="45720" rtlCol="0" anchor="b"/>
+          <a:lstStyle>
+            <a:lvl1pPr algn="r">
+              <a:defRPr sz="1200"/>
+            </a:lvl1pPr>
+          </a:lstStyle>
+          <a:p>
+            <a:fld id="{3774CC8E-AF13-4F9C-AA2A-87325E0FD44E}" type="slidenum">
+              <a:rPr lang="de-DE" smtClean="0"/>
+              <a:t>‹#›</a:t>
+            </a:fld>
+            <a:endParaRPr lang="de-DE"/>
+          </a:p>
+        </p:txBody>
+      </p:sp>
+    </p:spTree>
+    <p:extLst>
+      <p:ext uri="{BB962C8B-B14F-4D97-AF65-F5344CB8AC3E}">
+        <p14:creationId xmlns:p14="http://schemas.microsoft.com/office/powerpoint/2010/main" val="3512214106"/>
+      </p:ext>
+    </p:extLst>
+  </p:cSld>
+  <p:clrMap bg1="lt1" tx1="dk1" bg2="lt2" tx2="dk2" accent1="accent1" accent2="accent2" accent3="accent3" accent4="accent4" accent5="accent5" accent6="accent6" hlink="hlink" folHlink="folHlink"/>
+  <p:notesStyle>
+    <a:lvl1pPr marL="0" algn="l" defTabSz="914400" rtl="0" eaLnBrk="1" latinLnBrk="0" hangingPunct="1">
+      <a:defRPr sz="1200" kern="1200">
+        <a:solidFill>
+          <a:schemeClr val="tx1"/>
+        </a:solidFill>
+        <a:latin typeface="+mn-lt"/>
+        <a:ea typeface="+mn-ea"/>
+        <a:cs typeface="+mn-cs"/>
+      </a:defRPr>
+    </a:lvl1pPr>
+    <a:lvl2pPr marL="457200" algn="l" defTabSz="914400" rtl="0" eaLnBrk="1" latinLnBrk="0" hangingPunct="1">
+      <a:defRPr sz="1200" kern="1200">
+        <a:solidFill>
+          <a:schemeClr val="tx1"/>
+        </a:solidFill>
+        <a:latin typeface="+mn-lt"/>
+        <a:ea typeface="+mn-ea"/>
+        <a:cs typeface="+mn-cs"/>
+      </a:defRPr>
+    </a:lvl2pPr>
+    <a:lvl3pPr marL="914400" algn="l" defTabSz="914400" rtl="0" eaLnBrk="1" latinLnBrk="0" hangingPunct="1">
+      <a:defRPr sz="1200" kern="1200">
+        <a:solidFill>
+          <a:schemeClr val="tx1"/>
+        </a:solidFill>
+        <a:latin typeface="+mn-lt"/>
+        <a:ea typeface="+mn-ea"/>
+        <a:cs typeface="+mn-cs"/>
+      </a:defRPr>
+    </a:lvl3pPr>
+    <a:lvl4pPr marL="1371600" algn="l" defTabSz="914400" rtl="0" eaLnBrk="1" latinLnBrk="0" hangingPunct="1">
+      <a:defRPr sz="1200" kern="1200">
+        <a:solidFill>
+          <a:schemeClr val="tx1"/>
+        </a:solidFill>
+        <a:latin typeface="+mn-lt"/>
+        <a:ea typeface="+mn-ea"/>
+        <a:cs typeface="+mn-cs"/>
+      </a:defRPr>
+    </a:lvl4pPr>
+    <a:lvl5pPr marL="1828800" algn="l" defTabSz="914400" rtl="0" eaLnBrk="1" latinLnBrk="0" hangingPunct="1">
+      <a:defRPr sz="1200" kern="1200">
+        <a:solidFill>
+          <a:schemeClr val="tx1"/>
+        </a:solidFill>
+        <a:latin typeface="+mn-lt"/>
+        <a:ea typeface="+mn-ea"/>
+        <a:cs typeface="+mn-cs"/>
+      </a:defRPr>
+    </a:lvl5pPr>
+    <a:lvl6pPr marL="2286000" algn="l" defTabSz="914400" rtl="0" eaLnBrk="1" latinLnBrk="0" hangingPunct="1">
+      <a:defRPr sz="1200" kern="1200">
+        <a:solidFill>
+          <a:schemeClr val="tx1"/>
+        </a:solidFill>
+        <a:latin typeface="+mn-lt"/>
+        <a:ea typeface="+mn-ea"/>
+        <a:cs typeface="+mn-cs"/>
+      </a:defRPr>
+    </a:lvl6pPr>
+    <a:lvl7pPr marL="2743200" algn="l" defTabSz="914400" rtl="0" eaLnBrk="1" latinLnBrk="0" hangingPunct="1">
+      <a:defRPr sz="1200" kern="1200">
+        <a:solidFill>
+          <a:schemeClr val="tx1"/>
+        </a:solidFill>
+        <a:latin typeface="+mn-lt"/>
+        <a:ea typeface="+mn-ea"/>
+        <a:cs typeface="+mn-cs"/>
+      </a:defRPr>
+    </a:lvl7pPr>
+    <a:lvl8pPr marL="3200400" algn="l" defTabSz="914400" rtl="0" eaLnBrk="1" latinLnBrk="0" hangingPunct="1">
+      <a:defRPr sz="1200" kern="1200">
+        <a:solidFill>
+          <a:schemeClr val="tx1"/>
+        </a:solidFill>
+        <a:latin typeface="+mn-lt"/>
+        <a:ea typeface="+mn-ea"/>
+        <a:cs typeface="+mn-cs"/>
+      </a:defRPr>
+    </a:lvl8pPr>
+    <a:lvl9pPr marL="3657600" algn="l" defTabSz="914400" rtl="0" eaLnBrk="1" latinLnBrk="0" hangingPunct="1">
+      <a:defRPr sz="1200" kern="1200">
+        <a:solidFill>
+          <a:schemeClr val="tx1"/>
+        </a:solidFill>
+        <a:latin typeface="+mn-lt"/>
+        <a:ea typeface="+mn-ea"/>
+        <a:cs typeface="+mn-cs"/>
+      </a:defRPr>
+    </a:lvl9pPr>
+  </p:notesStyle>
+</p:notesMaster>
+</file>
+
+<file path=ppt/notesSlides/notesSlide1.xml><?xml version="1.0" encoding="utf-8"?>
+<p:notes xmlns:a="http://schemas.openxmlformats.org/drawingml/2006/main" xmlns:r="http://schemas.openxmlformats.org/officeDocument/2006/relationships" xmlns:p="http://schemas.openxmlformats.org/presentationml/2006/main">
+  <p:cSld>
+    <p:spTree>
+      <p:nvGrpSpPr>
+        <p:cNvPr id="1" name=""/>
+        <p:cNvGrpSpPr/>
+        <p:nvPr/>
+      </p:nvGrpSpPr>
+      <p:grpSpPr>
+        <a:xfrm>
+          <a:off x="0" y="0"/>
+          <a:ext cx="0" cy="0"/>
+          <a:chOff x="0" y="0"/>
+          <a:chExt cx="0" cy="0"/>
+        </a:xfrm>
+      </p:grpSpPr>
+      <p:sp>
+        <p:nvSpPr>
+          <p:cNvPr id="2" name="Slide Image Placeholder 1"/>
+          <p:cNvSpPr>
+            <a:spLocks noGrp="1" noRot="1" noChangeAspect="1"/>
+          </p:cNvSpPr>
+          <p:nvPr>
+            <p:ph type="sldImg"/>
+          </p:nvPr>
+        </p:nvSpPr>
+        <p:spPr/>
+      </p:sp>
+      <p:sp>
+        <p:nvSpPr>
+          <p:cNvPr id="3" name="Notes Placeholder 2"/>
+          <p:cNvSpPr>
+            <a:spLocks noGrp="1"/>
+          </p:cNvSpPr>
+          <p:nvPr>
+            <p:ph type="body" idx="1"/>
+          </p:nvPr>
+        </p:nvSpPr>
+        <p:spPr/>
+        <p:txBody>
+          <a:bodyPr/>
+          <a:lstStyle/>
+          <a:p>
+            <a:r>
+              <a:rPr lang="de-DE" dirty="0" err="1"/>
+              <a:t>Good</a:t>
+            </a:r>
+            <a:r>
+              <a:rPr lang="de-DE" dirty="0"/>
+              <a:t> </a:t>
+            </a:r>
+            <a:r>
+              <a:rPr lang="de-DE" dirty="0" err="1"/>
+              <a:t>morning</a:t>
+            </a:r>
+            <a:r>
+              <a:rPr lang="de-DE" dirty="0"/>
+              <a:t> </a:t>
+            </a:r>
+            <a:r>
+              <a:rPr lang="de-DE" dirty="0" err="1"/>
+              <a:t>everyone</a:t>
+            </a:r>
+            <a:r>
+              <a:rPr lang="de-DE" dirty="0"/>
+              <a:t>! Today I </a:t>
+            </a:r>
+            <a:r>
+              <a:rPr lang="de-DE" dirty="0" err="1"/>
+              <a:t>would</a:t>
+            </a:r>
+            <a:r>
+              <a:rPr lang="de-DE" dirty="0"/>
+              <a:t> like </a:t>
+            </a:r>
+            <a:r>
+              <a:rPr lang="de-DE" dirty="0" err="1"/>
+              <a:t>to</a:t>
+            </a:r>
+            <a:r>
+              <a:rPr lang="de-DE" dirty="0"/>
+              <a:t> </a:t>
+            </a:r>
+            <a:r>
+              <a:rPr lang="de-DE" dirty="0" err="1"/>
+              <a:t>present</a:t>
+            </a:r>
+            <a:r>
+              <a:rPr lang="de-DE" dirty="0"/>
+              <a:t> </a:t>
+            </a:r>
+            <a:r>
+              <a:rPr lang="de-DE" dirty="0" err="1"/>
+              <a:t>my</a:t>
+            </a:r>
+            <a:r>
+              <a:rPr lang="de-DE" dirty="0"/>
+              <a:t> final </a:t>
+            </a:r>
+            <a:r>
+              <a:rPr lang="de-DE" dirty="0" err="1"/>
+              <a:t>prject</a:t>
+            </a:r>
+            <a:r>
+              <a:rPr lang="de-DE" dirty="0"/>
+              <a:t> </a:t>
+            </a:r>
+            <a:r>
+              <a:rPr lang="de-DE" dirty="0" err="1"/>
+              <a:t>about</a:t>
+            </a:r>
+            <a:r>
+              <a:rPr lang="de-DE" dirty="0"/>
+              <a:t> JOB </a:t>
+            </a:r>
+            <a:r>
+              <a:rPr lang="de-DE" dirty="0" err="1"/>
+              <a:t>recommender</a:t>
+            </a:r>
+            <a:r>
+              <a:rPr lang="de-DE" dirty="0"/>
+              <a:t>!</a:t>
+            </a:r>
+          </a:p>
+          <a:p>
+            <a:r>
+              <a:rPr lang="de-DE" dirty="0"/>
+              <a:t>The </a:t>
+            </a:r>
+            <a:r>
+              <a:rPr lang="de-DE" dirty="0" err="1"/>
+              <a:t>idea</a:t>
+            </a:r>
+            <a:r>
+              <a:rPr lang="de-DE" dirty="0"/>
+              <a:t> </a:t>
+            </a:r>
+            <a:r>
+              <a:rPr lang="de-DE" dirty="0" err="1"/>
+              <a:t>of</a:t>
+            </a:r>
+            <a:r>
+              <a:rPr lang="de-DE" dirty="0"/>
+              <a:t> </a:t>
+            </a:r>
+            <a:r>
+              <a:rPr lang="de-DE" dirty="0" err="1"/>
+              <a:t>my</a:t>
+            </a:r>
+            <a:r>
+              <a:rPr lang="de-DE" dirty="0"/>
+              <a:t> </a:t>
+            </a:r>
+            <a:r>
+              <a:rPr lang="de-DE" dirty="0" err="1"/>
+              <a:t>project</a:t>
+            </a:r>
+            <a:r>
+              <a:rPr lang="de-DE" dirty="0"/>
+              <a:t> </a:t>
+            </a:r>
+            <a:r>
+              <a:rPr lang="de-DE" dirty="0" err="1"/>
+              <a:t>is</a:t>
+            </a:r>
+            <a:r>
+              <a:rPr lang="de-DE" dirty="0"/>
+              <a:t> </a:t>
+            </a:r>
+            <a:r>
+              <a:rPr lang="de-DE" dirty="0" err="1"/>
+              <a:t>to</a:t>
+            </a:r>
+            <a:r>
+              <a:rPr lang="de-DE" dirty="0"/>
+              <a:t> </a:t>
+            </a:r>
+            <a:r>
+              <a:rPr lang="de-DE" dirty="0" err="1"/>
+              <a:t>help</a:t>
+            </a:r>
+            <a:r>
+              <a:rPr lang="de-DE" dirty="0"/>
+              <a:t> not </a:t>
+            </a:r>
+            <a:r>
+              <a:rPr lang="de-DE" dirty="0" err="1"/>
+              <a:t>only</a:t>
+            </a:r>
+            <a:r>
+              <a:rPr lang="de-DE" dirty="0"/>
+              <a:t> </a:t>
+            </a:r>
+            <a:r>
+              <a:rPr lang="de-DE" dirty="0" err="1"/>
+              <a:t>mysefl</a:t>
+            </a:r>
+            <a:r>
+              <a:rPr lang="de-DE" dirty="0"/>
+              <a:t> but also </a:t>
+            </a:r>
+            <a:r>
+              <a:rPr lang="de-DE" dirty="0" err="1"/>
+              <a:t>other</a:t>
+            </a:r>
+            <a:r>
+              <a:rPr lang="de-DE" dirty="0"/>
+              <a:t> </a:t>
+            </a:r>
+            <a:r>
+              <a:rPr lang="de-DE" dirty="0" err="1"/>
+              <a:t>people</a:t>
+            </a:r>
+            <a:r>
+              <a:rPr lang="de-DE" dirty="0"/>
+              <a:t> in </a:t>
+            </a:r>
+            <a:r>
+              <a:rPr lang="de-DE" dirty="0" err="1"/>
+              <a:t>the</a:t>
+            </a:r>
+            <a:r>
+              <a:rPr lang="de-DE" dirty="0"/>
+              <a:t> </a:t>
+            </a:r>
+            <a:r>
+              <a:rPr lang="de-DE" dirty="0" err="1"/>
+              <a:t>bootcamp</a:t>
+            </a:r>
+            <a:r>
+              <a:rPr lang="de-DE" dirty="0"/>
+              <a:t> and </a:t>
+            </a:r>
+            <a:r>
+              <a:rPr lang="de-DE" dirty="0" err="1"/>
+              <a:t>job</a:t>
+            </a:r>
+            <a:r>
+              <a:rPr lang="de-DE" dirty="0"/>
+              <a:t> </a:t>
+            </a:r>
+            <a:r>
+              <a:rPr lang="de-DE" dirty="0" err="1"/>
+              <a:t>seekers</a:t>
+            </a:r>
+            <a:r>
+              <a:rPr lang="de-DE" dirty="0"/>
+              <a:t> </a:t>
+            </a:r>
+            <a:r>
+              <a:rPr lang="de-DE" dirty="0" err="1"/>
+              <a:t>to</a:t>
+            </a:r>
+            <a:r>
+              <a:rPr lang="de-DE" dirty="0"/>
+              <a:t> find a </a:t>
+            </a:r>
+            <a:r>
+              <a:rPr lang="de-DE" dirty="0" err="1"/>
+              <a:t>job</a:t>
+            </a:r>
+            <a:r>
+              <a:rPr lang="de-DE" dirty="0"/>
+              <a:t> in Data </a:t>
+            </a:r>
+            <a:r>
+              <a:rPr lang="de-DE" dirty="0" err="1"/>
+              <a:t>field</a:t>
+            </a:r>
+            <a:r>
+              <a:rPr lang="de-DE" dirty="0"/>
+              <a:t>.</a:t>
+            </a:r>
+          </a:p>
+          <a:p>
+            <a:r>
+              <a:rPr lang="de-DE" dirty="0"/>
+              <a:t>At </a:t>
+            </a:r>
+            <a:r>
+              <a:rPr lang="de-DE" dirty="0" err="1"/>
+              <a:t>the</a:t>
+            </a:r>
+            <a:r>
+              <a:rPr lang="de-DE" dirty="0"/>
+              <a:t> end </a:t>
+            </a:r>
+            <a:r>
+              <a:rPr lang="de-DE" dirty="0" err="1"/>
+              <a:t>of</a:t>
+            </a:r>
+            <a:r>
+              <a:rPr lang="de-DE" dirty="0"/>
+              <a:t> </a:t>
+            </a:r>
+            <a:r>
+              <a:rPr lang="de-DE" dirty="0" err="1"/>
+              <a:t>my</a:t>
+            </a:r>
+            <a:r>
+              <a:rPr lang="de-DE" dirty="0"/>
+              <a:t> </a:t>
+            </a:r>
+            <a:r>
+              <a:rPr lang="de-DE" dirty="0" err="1"/>
+              <a:t>talk</a:t>
+            </a:r>
+            <a:r>
+              <a:rPr lang="de-DE" dirty="0"/>
+              <a:t>, I will </a:t>
+            </a:r>
+            <a:r>
+              <a:rPr lang="de-DE" dirty="0" err="1"/>
+              <a:t>show</a:t>
+            </a:r>
+            <a:r>
+              <a:rPr lang="de-DE" dirty="0"/>
+              <a:t> </a:t>
+            </a:r>
+            <a:r>
+              <a:rPr lang="de-DE" dirty="0" err="1"/>
+              <a:t>you</a:t>
+            </a:r>
+            <a:r>
+              <a:rPr lang="de-DE" dirty="0"/>
+              <a:t> an </a:t>
+            </a:r>
+            <a:r>
+              <a:rPr lang="de-DE" dirty="0" err="1"/>
+              <a:t>app</a:t>
+            </a:r>
+            <a:r>
+              <a:rPr lang="de-DE" dirty="0"/>
+              <a:t> </a:t>
+            </a:r>
+            <a:r>
+              <a:rPr lang="de-DE" dirty="0" err="1"/>
+              <a:t>to</a:t>
+            </a:r>
+            <a:r>
+              <a:rPr lang="de-DE" dirty="0"/>
+              <a:t> </a:t>
+            </a:r>
+            <a:r>
+              <a:rPr lang="de-DE" dirty="0" err="1"/>
+              <a:t>recommend</a:t>
+            </a:r>
+            <a:r>
+              <a:rPr lang="de-DE" dirty="0"/>
+              <a:t> </a:t>
+            </a:r>
+            <a:r>
+              <a:rPr lang="de-DE" dirty="0" err="1"/>
+              <a:t>jobs</a:t>
+            </a:r>
+            <a:r>
+              <a:rPr lang="de-DE" dirty="0"/>
+              <a:t> </a:t>
+            </a:r>
+            <a:r>
+              <a:rPr lang="de-DE" dirty="0" err="1"/>
+              <a:t>based</a:t>
+            </a:r>
+            <a:r>
+              <a:rPr lang="de-DE" dirty="0"/>
+              <a:t> on </a:t>
+            </a:r>
+            <a:r>
+              <a:rPr lang="de-DE" dirty="0" err="1"/>
+              <a:t>skills</a:t>
+            </a:r>
+            <a:r>
+              <a:rPr lang="de-DE" dirty="0"/>
+              <a:t> in </a:t>
+            </a:r>
+            <a:r>
+              <a:rPr lang="de-DE" dirty="0" err="1"/>
+              <a:t>the</a:t>
+            </a:r>
+            <a:r>
+              <a:rPr lang="de-DE" dirty="0"/>
+              <a:t> CV.</a:t>
+            </a:r>
+          </a:p>
+        </p:txBody>
+      </p:sp>
+      <p:sp>
+        <p:nvSpPr>
+          <p:cNvPr id="4" name="Slide Number Placeholder 3"/>
+          <p:cNvSpPr>
+            <a:spLocks noGrp="1"/>
+          </p:cNvSpPr>
+          <p:nvPr>
+            <p:ph type="sldNum" sz="quarter" idx="5"/>
+          </p:nvPr>
+        </p:nvSpPr>
+        <p:spPr/>
+        <p:txBody>
+          <a:bodyPr/>
+          <a:lstStyle/>
+          <a:p>
+            <a:fld id="{3774CC8E-AF13-4F9C-AA2A-87325E0FD44E}" type="slidenum">
+              <a:rPr lang="de-DE" smtClean="0"/>
+              <a:t>1</a:t>
+            </a:fld>
+            <a:endParaRPr lang="de-DE"/>
+          </a:p>
+        </p:txBody>
+      </p:sp>
+    </p:spTree>
+    <p:extLst>
+      <p:ext uri="{BB962C8B-B14F-4D97-AF65-F5344CB8AC3E}">
+        <p14:creationId xmlns:p14="http://schemas.microsoft.com/office/powerpoint/2010/main" val="2306740392"/>
+      </p:ext>
+    </p:extLst>
+  </p:cSld>
+  <p:clrMapOvr>
+    <a:masterClrMapping/>
+  </p:clrMapOvr>
+</p:notes>
+</file>
+
+<file path=ppt/notesSlides/notesSlide2.xml><?xml version="1.0" encoding="utf-8"?>
+<p:notes xmlns:a="http://schemas.openxmlformats.org/drawingml/2006/main" xmlns:r="http://schemas.openxmlformats.org/officeDocument/2006/relationships" xmlns:p="http://schemas.openxmlformats.org/presentationml/2006/main">
+  <p:cSld>
+    <p:spTree>
+      <p:nvGrpSpPr>
+        <p:cNvPr id="1" name=""/>
+        <p:cNvGrpSpPr/>
+        <p:nvPr/>
+      </p:nvGrpSpPr>
+      <p:grpSpPr>
+        <a:xfrm>
+          <a:off x="0" y="0"/>
+          <a:ext cx="0" cy="0"/>
+          <a:chOff x="0" y="0"/>
+          <a:chExt cx="0" cy="0"/>
+        </a:xfrm>
+      </p:grpSpPr>
+      <p:sp>
+        <p:nvSpPr>
+          <p:cNvPr id="2" name="Slide Image Placeholder 1"/>
+          <p:cNvSpPr>
+            <a:spLocks noGrp="1" noRot="1" noChangeAspect="1"/>
+          </p:cNvSpPr>
+          <p:nvPr>
+            <p:ph type="sldImg"/>
+          </p:nvPr>
+        </p:nvSpPr>
+        <p:spPr/>
+      </p:sp>
+      <p:sp>
+        <p:nvSpPr>
+          <p:cNvPr id="3" name="Notes Placeholder 2"/>
+          <p:cNvSpPr>
+            <a:spLocks noGrp="1"/>
+          </p:cNvSpPr>
+          <p:nvPr>
+            <p:ph type="body" idx="1"/>
+          </p:nvPr>
+        </p:nvSpPr>
+        <p:spPr/>
+        <p:txBody>
+          <a:bodyPr/>
+          <a:lstStyle/>
+          <a:p>
+            <a:r>
+              <a:rPr lang="de-DE" dirty="0"/>
+              <a:t>In </a:t>
+            </a:r>
+            <a:r>
+              <a:rPr lang="de-DE" dirty="0" err="1"/>
+              <a:t>order</a:t>
+            </a:r>
+            <a:r>
+              <a:rPr lang="de-DE" dirty="0"/>
+              <a:t> </a:t>
+            </a:r>
+            <a:r>
+              <a:rPr lang="de-DE" dirty="0" err="1"/>
+              <a:t>to</a:t>
+            </a:r>
+            <a:r>
+              <a:rPr lang="de-DE" dirty="0"/>
+              <a:t> </a:t>
+            </a:r>
+            <a:r>
+              <a:rPr lang="de-DE" dirty="0" err="1"/>
+              <a:t>get</a:t>
+            </a:r>
+            <a:r>
+              <a:rPr lang="de-DE" dirty="0"/>
+              <a:t> </a:t>
+            </a:r>
+            <a:r>
+              <a:rPr lang="de-DE" dirty="0" err="1"/>
+              <a:t>the</a:t>
+            </a:r>
+            <a:r>
+              <a:rPr lang="de-DE" dirty="0"/>
+              <a:t> </a:t>
+            </a:r>
+            <a:r>
+              <a:rPr lang="de-DE" dirty="0" err="1"/>
+              <a:t>app</a:t>
+            </a:r>
+            <a:r>
+              <a:rPr lang="de-DE" dirty="0"/>
+              <a:t>, </a:t>
+            </a:r>
+            <a:r>
+              <a:rPr lang="de-DE" dirty="0" err="1"/>
+              <a:t>first</a:t>
+            </a:r>
+            <a:r>
+              <a:rPr lang="de-DE" dirty="0"/>
+              <a:t> </a:t>
+            </a:r>
+            <a:r>
+              <a:rPr lang="de-DE" dirty="0" err="1"/>
+              <a:t>of</a:t>
+            </a:r>
+            <a:r>
+              <a:rPr lang="de-DE" dirty="0"/>
+              <a:t> all I </a:t>
+            </a:r>
+            <a:r>
+              <a:rPr lang="de-DE" dirty="0" err="1"/>
+              <a:t>had</a:t>
+            </a:r>
+            <a:r>
+              <a:rPr lang="de-DE" dirty="0"/>
+              <a:t> </a:t>
+            </a:r>
+            <a:r>
+              <a:rPr lang="de-DE" dirty="0" err="1"/>
+              <a:t>to</a:t>
+            </a:r>
+            <a:r>
+              <a:rPr lang="de-DE" dirty="0"/>
+              <a:t> </a:t>
+            </a:r>
+            <a:r>
+              <a:rPr lang="de-DE" dirty="0" err="1"/>
+              <a:t>collect</a:t>
+            </a:r>
+            <a:r>
+              <a:rPr lang="de-DE" dirty="0"/>
+              <a:t> </a:t>
+            </a:r>
+            <a:r>
+              <a:rPr lang="de-DE" dirty="0" err="1"/>
+              <a:t>some</a:t>
+            </a:r>
+            <a:r>
+              <a:rPr lang="de-DE" dirty="0"/>
+              <a:t> </a:t>
+            </a:r>
+            <a:r>
+              <a:rPr lang="de-DE" dirty="0" err="1"/>
+              <a:t>data</a:t>
+            </a:r>
+            <a:r>
+              <a:rPr lang="de-DE" dirty="0"/>
+              <a:t>.</a:t>
+            </a:r>
+          </a:p>
+          <a:p>
+            <a:r>
+              <a:rPr lang="de-DE" dirty="0"/>
+              <a:t>I </a:t>
+            </a:r>
+            <a:r>
+              <a:rPr lang="de-DE" dirty="0" err="1"/>
+              <a:t>chose</a:t>
+            </a:r>
+            <a:r>
+              <a:rPr lang="de-DE" dirty="0"/>
+              <a:t> </a:t>
+            </a:r>
+            <a:r>
+              <a:rPr lang="de-DE" dirty="0" err="1"/>
+              <a:t>three</a:t>
+            </a:r>
+            <a:r>
+              <a:rPr lang="de-DE" dirty="0"/>
+              <a:t> </a:t>
+            </a:r>
+            <a:r>
+              <a:rPr lang="de-DE" dirty="0" err="1"/>
+              <a:t>popular</a:t>
+            </a:r>
+            <a:r>
+              <a:rPr lang="de-DE" dirty="0"/>
+              <a:t> </a:t>
+            </a:r>
+            <a:r>
+              <a:rPr lang="de-DE" dirty="0" err="1"/>
+              <a:t>platflorms</a:t>
+            </a:r>
+            <a:r>
+              <a:rPr lang="de-DE" dirty="0"/>
+              <a:t> </a:t>
+            </a:r>
+            <a:r>
+              <a:rPr lang="de-DE" dirty="0" err="1"/>
+              <a:t>for</a:t>
+            </a:r>
+            <a:r>
+              <a:rPr lang="de-DE" dirty="0"/>
+              <a:t> </a:t>
+            </a:r>
+            <a:r>
+              <a:rPr lang="de-DE" dirty="0" err="1"/>
+              <a:t>job</a:t>
+            </a:r>
+            <a:r>
+              <a:rPr lang="de-DE" dirty="0"/>
+              <a:t> </a:t>
+            </a:r>
+            <a:r>
+              <a:rPr lang="de-DE" dirty="0" err="1"/>
+              <a:t>search</a:t>
+            </a:r>
+            <a:r>
+              <a:rPr lang="de-DE" dirty="0"/>
+              <a:t>: </a:t>
+            </a:r>
+            <a:r>
+              <a:rPr lang="de-DE" dirty="0" err="1"/>
+              <a:t>Indeed</a:t>
+            </a:r>
+            <a:r>
+              <a:rPr lang="de-DE" dirty="0"/>
+              <a:t>, Glassdoor and </a:t>
+            </a:r>
+            <a:r>
+              <a:rPr lang="de-DE" dirty="0" err="1"/>
+              <a:t>Linkedin</a:t>
+            </a:r>
+            <a:r>
+              <a:rPr lang="de-DE" dirty="0"/>
+              <a:t>.</a:t>
+            </a:r>
+          </a:p>
+          <a:p>
+            <a:r>
+              <a:rPr lang="de-DE" dirty="0"/>
+              <a:t>The </a:t>
+            </a:r>
+            <a:r>
+              <a:rPr lang="de-DE" dirty="0" err="1"/>
+              <a:t>job</a:t>
+            </a:r>
+            <a:r>
+              <a:rPr lang="de-DE" dirty="0"/>
+              <a:t> </a:t>
+            </a:r>
+            <a:r>
+              <a:rPr lang="de-DE" dirty="0" err="1"/>
+              <a:t>market</a:t>
+            </a:r>
+            <a:r>
+              <a:rPr lang="de-DE" dirty="0"/>
+              <a:t> </a:t>
+            </a:r>
+            <a:r>
+              <a:rPr lang="de-DE" dirty="0" err="1"/>
+              <a:t>is</a:t>
+            </a:r>
+            <a:r>
+              <a:rPr lang="de-DE" dirty="0"/>
+              <a:t> Germany and </a:t>
+            </a:r>
+            <a:r>
+              <a:rPr lang="de-DE" dirty="0" err="1"/>
+              <a:t>keywords</a:t>
+            </a:r>
+            <a:r>
+              <a:rPr lang="de-DE" dirty="0"/>
+              <a:t> </a:t>
+            </a:r>
+            <a:r>
+              <a:rPr lang="de-DE" i="0" dirty="0"/>
+              <a:t>I </a:t>
+            </a:r>
+            <a:r>
+              <a:rPr lang="de-DE" i="0" dirty="0" err="1"/>
+              <a:t>used</a:t>
+            </a:r>
+            <a:r>
+              <a:rPr lang="de-DE" i="0" dirty="0"/>
+              <a:t> </a:t>
+            </a:r>
+            <a:r>
+              <a:rPr lang="de-DE" i="0" dirty="0" err="1"/>
+              <a:t>are</a:t>
+            </a:r>
+            <a:r>
+              <a:rPr lang="de-DE" i="0" dirty="0"/>
+              <a:t> Data </a:t>
+            </a:r>
+            <a:r>
+              <a:rPr lang="de-DE" i="0" dirty="0" err="1"/>
+              <a:t>scientist</a:t>
+            </a:r>
+            <a:r>
+              <a:rPr lang="de-DE" i="0" dirty="0"/>
+              <a:t> and Data Analyst.</a:t>
+            </a:r>
+          </a:p>
+          <a:p>
+            <a:r>
+              <a:rPr lang="de-DE" i="0" dirty="0" err="1"/>
+              <a:t>Now</a:t>
+            </a:r>
+            <a:r>
+              <a:rPr lang="de-DE" i="0" dirty="0"/>
+              <a:t>, </a:t>
+            </a:r>
+            <a:r>
+              <a:rPr lang="de-DE" i="0" dirty="0" err="1"/>
+              <a:t>let</a:t>
+            </a:r>
+            <a:r>
+              <a:rPr lang="de-DE" i="0" dirty="0"/>
+              <a:t> </a:t>
+            </a:r>
+            <a:r>
+              <a:rPr lang="de-DE" i="0" dirty="0" err="1"/>
+              <a:t>come</a:t>
+            </a:r>
+            <a:r>
+              <a:rPr lang="de-DE" i="0" dirty="0"/>
+              <a:t> </a:t>
+            </a:r>
+            <a:r>
+              <a:rPr lang="de-DE" i="0" dirty="0" err="1"/>
+              <a:t>to</a:t>
+            </a:r>
+            <a:r>
+              <a:rPr lang="de-DE" i="0" dirty="0"/>
+              <a:t> </a:t>
+            </a:r>
+            <a:r>
+              <a:rPr lang="de-DE" i="0" dirty="0" err="1"/>
+              <a:t>some</a:t>
+            </a:r>
+            <a:r>
+              <a:rPr lang="de-DE" i="0" dirty="0"/>
+              <a:t> </a:t>
+            </a:r>
+            <a:r>
+              <a:rPr lang="de-DE" i="0" dirty="0" err="1"/>
+              <a:t>statistics</a:t>
+            </a:r>
+            <a:r>
+              <a:rPr lang="de-DE" i="0" dirty="0"/>
+              <a:t> and </a:t>
+            </a:r>
+            <a:r>
+              <a:rPr lang="de-DE" i="0" dirty="0" err="1"/>
+              <a:t>insight</a:t>
+            </a:r>
+            <a:r>
+              <a:rPr lang="de-DE" i="0" dirty="0"/>
+              <a:t> </a:t>
+            </a:r>
+            <a:r>
+              <a:rPr lang="de-DE" i="0" dirty="0" err="1"/>
+              <a:t>about</a:t>
+            </a:r>
+            <a:r>
+              <a:rPr lang="de-DE" i="0" dirty="0"/>
+              <a:t> German Market.</a:t>
+            </a:r>
+            <a:endParaRPr lang="de-DE" dirty="0"/>
+          </a:p>
+        </p:txBody>
+      </p:sp>
+      <p:sp>
+        <p:nvSpPr>
+          <p:cNvPr id="4" name="Slide Number Placeholder 3"/>
+          <p:cNvSpPr>
+            <a:spLocks noGrp="1"/>
+          </p:cNvSpPr>
+          <p:nvPr>
+            <p:ph type="sldNum" sz="quarter" idx="5"/>
+          </p:nvPr>
+        </p:nvSpPr>
+        <p:spPr/>
+        <p:txBody>
+          <a:bodyPr/>
+          <a:lstStyle/>
+          <a:p>
+            <a:fld id="{3774CC8E-AF13-4F9C-AA2A-87325E0FD44E}" type="slidenum">
+              <a:rPr lang="de-DE" smtClean="0"/>
+              <a:t>2</a:t>
+            </a:fld>
+            <a:endParaRPr lang="de-DE"/>
+          </a:p>
+        </p:txBody>
+      </p:sp>
+    </p:spTree>
+    <p:extLst>
+      <p:ext uri="{BB962C8B-B14F-4D97-AF65-F5344CB8AC3E}">
+        <p14:creationId xmlns:p14="http://schemas.microsoft.com/office/powerpoint/2010/main" val="2299716365"/>
+      </p:ext>
+    </p:extLst>
+  </p:cSld>
+  <p:clrMapOvr>
+    <a:masterClrMapping/>
+  </p:clrMapOvr>
+</p:notes>
+</file>
+
+<file path=ppt/notesSlides/notesSlide3.xml><?xml version="1.0" encoding="utf-8"?>
+<p:notes xmlns:a="http://schemas.openxmlformats.org/drawingml/2006/main" xmlns:r="http://schemas.openxmlformats.org/officeDocument/2006/relationships" xmlns:p="http://schemas.openxmlformats.org/presentationml/2006/main">
+  <p:cSld>
+    <p:spTree>
+      <p:nvGrpSpPr>
+        <p:cNvPr id="1" name=""/>
+        <p:cNvGrpSpPr/>
+        <p:nvPr/>
+      </p:nvGrpSpPr>
+      <p:grpSpPr>
+        <a:xfrm>
+          <a:off x="0" y="0"/>
+          <a:ext cx="0" cy="0"/>
+          <a:chOff x="0" y="0"/>
+          <a:chExt cx="0" cy="0"/>
+        </a:xfrm>
+      </p:grpSpPr>
+      <p:sp>
+        <p:nvSpPr>
+          <p:cNvPr id="2" name="Slide Image Placeholder 1"/>
+          <p:cNvSpPr>
+            <a:spLocks noGrp="1" noRot="1" noChangeAspect="1"/>
+          </p:cNvSpPr>
+          <p:nvPr>
+            <p:ph type="sldImg"/>
+          </p:nvPr>
+        </p:nvSpPr>
+        <p:spPr/>
+      </p:sp>
+      <p:sp>
+        <p:nvSpPr>
+          <p:cNvPr id="3" name="Notes Placeholder 2"/>
+          <p:cNvSpPr>
+            <a:spLocks noGrp="1"/>
+          </p:cNvSpPr>
+          <p:nvPr>
+            <p:ph type="body" idx="1"/>
+          </p:nvPr>
+        </p:nvSpPr>
+        <p:spPr/>
+        <p:txBody>
+          <a:bodyPr/>
+          <a:lstStyle/>
+          <a:p>
+            <a:r>
+              <a:rPr lang="de-DE" dirty="0"/>
+              <a:t>Frist </a:t>
+            </a:r>
+            <a:r>
+              <a:rPr lang="de-DE" dirty="0" err="1"/>
+              <a:t>about</a:t>
+            </a:r>
+            <a:r>
+              <a:rPr lang="de-DE" dirty="0"/>
+              <a:t> </a:t>
+            </a:r>
+            <a:r>
+              <a:rPr lang="de-DE" dirty="0" err="1"/>
+              <a:t>languages</a:t>
+            </a:r>
+            <a:r>
+              <a:rPr lang="de-DE" dirty="0"/>
+              <a:t>. </a:t>
+            </a:r>
+          </a:p>
+          <a:p>
+            <a:r>
+              <a:rPr lang="de-DE" dirty="0"/>
+              <a:t>As </a:t>
+            </a:r>
+            <a:r>
+              <a:rPr lang="de-DE" dirty="0" err="1"/>
+              <a:t>you</a:t>
+            </a:r>
+            <a:r>
+              <a:rPr lang="de-DE" dirty="0"/>
+              <a:t> </a:t>
+            </a:r>
+            <a:r>
+              <a:rPr lang="de-DE" dirty="0" err="1"/>
+              <a:t>can</a:t>
+            </a:r>
+            <a:r>
+              <a:rPr lang="de-DE" dirty="0"/>
+              <a:t> </a:t>
+            </a:r>
+            <a:r>
+              <a:rPr lang="de-DE" dirty="0" err="1"/>
+              <a:t>see</a:t>
+            </a:r>
+            <a:r>
+              <a:rPr lang="de-DE" dirty="0"/>
+              <a:t> </a:t>
+            </a:r>
+            <a:r>
+              <a:rPr lang="de-DE" dirty="0" err="1"/>
+              <a:t>the</a:t>
+            </a:r>
+            <a:r>
+              <a:rPr lang="de-DE" dirty="0"/>
+              <a:t> </a:t>
+            </a:r>
+            <a:r>
+              <a:rPr lang="de-DE" dirty="0" err="1"/>
+              <a:t>number</a:t>
+            </a:r>
+            <a:r>
+              <a:rPr lang="de-DE" dirty="0"/>
+              <a:t> </a:t>
+            </a:r>
+            <a:r>
+              <a:rPr lang="de-DE" dirty="0" err="1"/>
+              <a:t>of</a:t>
+            </a:r>
+            <a:r>
+              <a:rPr lang="de-DE" dirty="0"/>
+              <a:t> </a:t>
+            </a:r>
+            <a:r>
+              <a:rPr lang="de-DE" dirty="0" err="1"/>
+              <a:t>job</a:t>
+            </a:r>
+            <a:r>
+              <a:rPr lang="de-DE" dirty="0"/>
+              <a:t> in German </a:t>
+            </a:r>
+            <a:r>
+              <a:rPr lang="de-DE" dirty="0" err="1"/>
+              <a:t>is</a:t>
+            </a:r>
+            <a:r>
+              <a:rPr lang="de-DE" dirty="0"/>
+              <a:t> dominant </a:t>
+            </a:r>
+            <a:r>
+              <a:rPr lang="de-DE" dirty="0" err="1"/>
+              <a:t>the</a:t>
+            </a:r>
+            <a:r>
+              <a:rPr lang="de-DE" dirty="0"/>
+              <a:t> </a:t>
+            </a:r>
+            <a:r>
+              <a:rPr lang="de-DE" dirty="0" err="1"/>
+              <a:t>number</a:t>
+            </a:r>
+            <a:r>
+              <a:rPr lang="de-DE" dirty="0"/>
+              <a:t> </a:t>
+            </a:r>
+            <a:r>
+              <a:rPr lang="de-DE" dirty="0" err="1"/>
+              <a:t>of</a:t>
+            </a:r>
+            <a:r>
+              <a:rPr lang="de-DE" dirty="0"/>
+              <a:t> </a:t>
+            </a:r>
+            <a:r>
+              <a:rPr lang="de-DE" dirty="0" err="1"/>
+              <a:t>job</a:t>
+            </a:r>
+            <a:r>
+              <a:rPr lang="de-DE" dirty="0"/>
+              <a:t> in English. </a:t>
+            </a:r>
+          </a:p>
+          <a:p>
+            <a:r>
+              <a:rPr lang="de-DE" dirty="0" err="1"/>
+              <a:t>What</a:t>
+            </a:r>
+            <a:r>
+              <a:rPr lang="de-DE" dirty="0"/>
+              <a:t> </a:t>
+            </a:r>
+            <a:r>
+              <a:rPr lang="de-DE" dirty="0" err="1"/>
+              <a:t>does</a:t>
+            </a:r>
+            <a:r>
+              <a:rPr lang="de-DE" dirty="0"/>
+              <a:t> </a:t>
+            </a:r>
+            <a:r>
+              <a:rPr lang="de-DE" dirty="0" err="1"/>
+              <a:t>that</a:t>
+            </a:r>
+            <a:r>
+              <a:rPr lang="de-DE" dirty="0"/>
+              <a:t> </a:t>
+            </a:r>
+            <a:r>
+              <a:rPr lang="de-DE" dirty="0" err="1"/>
+              <a:t>mean</a:t>
+            </a:r>
+            <a:r>
+              <a:rPr lang="de-DE" dirty="0"/>
+              <a:t>? </a:t>
+            </a:r>
+            <a:r>
+              <a:rPr lang="de-DE" dirty="0" err="1"/>
+              <a:t>You</a:t>
+            </a:r>
+            <a:r>
+              <a:rPr lang="de-DE" dirty="0"/>
+              <a:t> </a:t>
+            </a:r>
+            <a:r>
+              <a:rPr lang="de-DE" dirty="0" err="1"/>
+              <a:t>should</a:t>
+            </a:r>
+            <a:r>
+              <a:rPr lang="de-DE" dirty="0"/>
+              <a:t> </a:t>
+            </a:r>
+            <a:r>
+              <a:rPr lang="de-DE" dirty="0" err="1"/>
+              <a:t>somehow</a:t>
+            </a:r>
+            <a:r>
+              <a:rPr lang="de-DE" dirty="0"/>
+              <a:t> </a:t>
+            </a:r>
+            <a:r>
+              <a:rPr lang="de-DE" dirty="0" err="1"/>
+              <a:t>learn</a:t>
+            </a:r>
+            <a:r>
+              <a:rPr lang="de-DE" dirty="0"/>
+              <a:t> German </a:t>
+            </a:r>
+            <a:r>
+              <a:rPr lang="de-DE" dirty="0" err="1"/>
+              <a:t>to</a:t>
+            </a:r>
+            <a:r>
+              <a:rPr lang="de-DE" dirty="0"/>
+              <a:t> </a:t>
+            </a:r>
+            <a:r>
+              <a:rPr lang="de-DE" dirty="0" err="1"/>
+              <a:t>increase</a:t>
+            </a:r>
+            <a:r>
+              <a:rPr lang="de-DE" dirty="0"/>
+              <a:t> </a:t>
+            </a:r>
+            <a:r>
+              <a:rPr lang="de-DE" dirty="0" err="1"/>
+              <a:t>the</a:t>
+            </a:r>
+            <a:r>
+              <a:rPr lang="de-DE" dirty="0"/>
+              <a:t> </a:t>
+            </a:r>
+            <a:r>
+              <a:rPr lang="de-DE" dirty="0" err="1"/>
+              <a:t>chance</a:t>
+            </a:r>
+            <a:r>
+              <a:rPr lang="de-DE" dirty="0"/>
+              <a:t> </a:t>
+            </a:r>
+            <a:r>
+              <a:rPr lang="de-DE" dirty="0" err="1"/>
+              <a:t>to</a:t>
+            </a:r>
+            <a:r>
+              <a:rPr lang="de-DE" dirty="0"/>
+              <a:t> </a:t>
+            </a:r>
+            <a:r>
+              <a:rPr lang="de-DE" dirty="0" err="1"/>
+              <a:t>get</a:t>
+            </a:r>
+            <a:r>
+              <a:rPr lang="de-DE" dirty="0"/>
+              <a:t> a </a:t>
+            </a:r>
+            <a:r>
+              <a:rPr lang="de-DE" dirty="0" err="1"/>
+              <a:t>job</a:t>
+            </a:r>
+            <a:r>
+              <a:rPr lang="de-DE" dirty="0"/>
+              <a:t> in Data </a:t>
+            </a:r>
+            <a:r>
+              <a:rPr lang="de-DE" dirty="0" err="1"/>
+              <a:t>field</a:t>
+            </a:r>
+            <a:r>
+              <a:rPr lang="de-DE" dirty="0"/>
+              <a:t>.</a:t>
+            </a:r>
+          </a:p>
+        </p:txBody>
+      </p:sp>
+      <p:sp>
+        <p:nvSpPr>
+          <p:cNvPr id="4" name="Slide Number Placeholder 3"/>
+          <p:cNvSpPr>
+            <a:spLocks noGrp="1"/>
+          </p:cNvSpPr>
+          <p:nvPr>
+            <p:ph type="sldNum" sz="quarter" idx="5"/>
+          </p:nvPr>
+        </p:nvSpPr>
+        <p:spPr/>
+        <p:txBody>
+          <a:bodyPr/>
+          <a:lstStyle/>
+          <a:p>
+            <a:fld id="{3774CC8E-AF13-4F9C-AA2A-87325E0FD44E}" type="slidenum">
+              <a:rPr lang="de-DE" smtClean="0"/>
+              <a:t>3</a:t>
+            </a:fld>
+            <a:endParaRPr lang="de-DE"/>
+          </a:p>
+        </p:txBody>
+      </p:sp>
+    </p:spTree>
+    <p:extLst>
+      <p:ext uri="{BB962C8B-B14F-4D97-AF65-F5344CB8AC3E}">
+        <p14:creationId xmlns:p14="http://schemas.microsoft.com/office/powerpoint/2010/main" val="3618854563"/>
+      </p:ext>
+    </p:extLst>
+  </p:cSld>
+  <p:clrMapOvr>
+    <a:masterClrMapping/>
+  </p:clrMapOvr>
+</p:notes>
+</file>
+
+<file path=ppt/notesSlides/notesSlide4.xml><?xml version="1.0" encoding="utf-8"?>
+<p:notes xmlns:a="http://schemas.openxmlformats.org/drawingml/2006/main" xmlns:r="http://schemas.openxmlformats.org/officeDocument/2006/relationships" xmlns:p="http://schemas.openxmlformats.org/presentationml/2006/main">
+  <p:cSld>
+    <p:spTree>
+      <p:nvGrpSpPr>
+        <p:cNvPr id="1" name=""/>
+        <p:cNvGrpSpPr/>
+        <p:nvPr/>
+      </p:nvGrpSpPr>
+      <p:grpSpPr>
+        <a:xfrm>
+          <a:off x="0" y="0"/>
+          <a:ext cx="0" cy="0"/>
+          <a:chOff x="0" y="0"/>
+          <a:chExt cx="0" cy="0"/>
+        </a:xfrm>
+      </p:grpSpPr>
+      <p:sp>
+        <p:nvSpPr>
+          <p:cNvPr id="2" name="Slide Image Placeholder 1"/>
+          <p:cNvSpPr>
+            <a:spLocks noGrp="1" noRot="1" noChangeAspect="1"/>
+          </p:cNvSpPr>
+          <p:nvPr>
+            <p:ph type="sldImg"/>
+          </p:nvPr>
+        </p:nvSpPr>
+        <p:spPr/>
+      </p:sp>
+      <p:sp>
+        <p:nvSpPr>
+          <p:cNvPr id="3" name="Notes Placeholder 2"/>
+          <p:cNvSpPr>
+            <a:spLocks noGrp="1"/>
+          </p:cNvSpPr>
+          <p:nvPr>
+            <p:ph type="body" idx="1"/>
+          </p:nvPr>
+        </p:nvSpPr>
+        <p:spPr/>
+        <p:txBody>
+          <a:bodyPr/>
+          <a:lstStyle/>
+          <a:p>
+            <a:pPr marL="0" marR="0" lvl="0" indent="0" algn="l" defTabSz="914400" rtl="0" eaLnBrk="1" fontAlgn="auto" latinLnBrk="0" hangingPunct="1">
+              <a:lnSpc>
+                <a:spcPct val="100000"/>
+              </a:lnSpc>
+              <a:spcBef>
+                <a:spcPts val="0"/>
+              </a:spcBef>
+              <a:spcAft>
+                <a:spcPts val="0"/>
+              </a:spcAft>
+              <a:buClrTx/>
+              <a:buSzTx/>
+              <a:buFontTx/>
+              <a:buNone/>
+              <a:tabLst/>
+              <a:defRPr/>
+            </a:pPr>
+            <a:r>
+              <a:rPr lang="de-DE" dirty="0"/>
+              <a:t>Next, </a:t>
+            </a:r>
+            <a:r>
+              <a:rPr lang="de-DE" dirty="0" err="1"/>
+              <a:t>come</a:t>
+            </a:r>
+            <a:r>
+              <a:rPr lang="de-DE" dirty="0"/>
+              <a:t> </a:t>
+            </a:r>
+            <a:r>
+              <a:rPr lang="de-DE" dirty="0" err="1"/>
+              <a:t>to</a:t>
+            </a:r>
+            <a:r>
+              <a:rPr lang="de-DE" dirty="0"/>
+              <a:t> </a:t>
+            </a:r>
+            <a:r>
+              <a:rPr lang="de-DE" dirty="0" err="1"/>
+              <a:t>location</a:t>
+            </a:r>
+            <a:r>
+              <a:rPr lang="de-DE" dirty="0"/>
+              <a:t>. </a:t>
+            </a:r>
+            <a:r>
+              <a:rPr lang="de-DE" dirty="0" err="1"/>
+              <a:t>There</a:t>
+            </a:r>
+            <a:r>
+              <a:rPr lang="de-DE" dirty="0"/>
+              <a:t> </a:t>
+            </a:r>
+            <a:r>
+              <a:rPr lang="de-DE" dirty="0" err="1"/>
+              <a:t>are</a:t>
+            </a:r>
+            <a:r>
+              <a:rPr lang="de-DE" dirty="0"/>
+              <a:t> </a:t>
+            </a:r>
+            <a:r>
+              <a:rPr lang="de-DE" dirty="0" err="1"/>
+              <a:t>three</a:t>
+            </a:r>
+            <a:r>
+              <a:rPr lang="de-DE" dirty="0"/>
+              <a:t> </a:t>
+            </a:r>
+            <a:r>
+              <a:rPr lang="de-DE" dirty="0" err="1"/>
+              <a:t>big</a:t>
+            </a:r>
+            <a:r>
+              <a:rPr lang="de-DE" dirty="0"/>
+              <a:t> </a:t>
+            </a:r>
+            <a:r>
+              <a:rPr lang="de-DE" dirty="0" err="1"/>
+              <a:t>cities</a:t>
+            </a:r>
+            <a:r>
+              <a:rPr lang="de-DE" dirty="0"/>
+              <a:t> </a:t>
+            </a:r>
+            <a:r>
+              <a:rPr lang="de-DE" dirty="0" err="1"/>
+              <a:t>for</a:t>
+            </a:r>
+            <a:r>
+              <a:rPr lang="de-DE" dirty="0"/>
+              <a:t> Data </a:t>
+            </a:r>
+            <a:r>
+              <a:rPr lang="de-DE" dirty="0" err="1"/>
+              <a:t>jobs</a:t>
+            </a:r>
+            <a:r>
+              <a:rPr lang="de-DE" dirty="0"/>
+              <a:t>: Berlin, Munich and Hamburg.</a:t>
+            </a:r>
+          </a:p>
+          <a:p>
+            <a:pPr marL="0" marR="0" lvl="0" indent="0" algn="l" defTabSz="914400" rtl="0" eaLnBrk="1" fontAlgn="auto" latinLnBrk="0" hangingPunct="1">
+              <a:lnSpc>
+                <a:spcPct val="100000"/>
+              </a:lnSpc>
+              <a:spcBef>
+                <a:spcPts val="0"/>
+              </a:spcBef>
+              <a:spcAft>
+                <a:spcPts val="0"/>
+              </a:spcAft>
+              <a:buClrTx/>
+              <a:buSzTx/>
+              <a:buFontTx/>
+              <a:buNone/>
+              <a:tabLst/>
+              <a:defRPr/>
+            </a:pPr>
+            <a:r>
+              <a:rPr lang="de-DE" dirty="0"/>
+              <a:t>On </a:t>
+            </a:r>
+            <a:r>
+              <a:rPr lang="de-DE" dirty="0" err="1"/>
+              <a:t>the</a:t>
+            </a:r>
+            <a:r>
+              <a:rPr lang="de-DE" dirty="0"/>
+              <a:t> </a:t>
+            </a:r>
+            <a:r>
+              <a:rPr lang="de-DE" dirty="0" err="1"/>
+              <a:t>other</a:t>
+            </a:r>
+            <a:r>
+              <a:rPr lang="de-DE" dirty="0"/>
+              <a:t> </a:t>
+            </a:r>
+            <a:r>
+              <a:rPr lang="de-DE" dirty="0" err="1"/>
+              <a:t>hand</a:t>
+            </a:r>
+            <a:r>
+              <a:rPr lang="de-DE" dirty="0"/>
+              <a:t>, </a:t>
+            </a:r>
+            <a:r>
+              <a:rPr lang="de-DE" dirty="0" err="1"/>
+              <a:t>there</a:t>
+            </a:r>
+            <a:r>
+              <a:rPr lang="de-DE" dirty="0"/>
+              <a:t> </a:t>
+            </a:r>
+            <a:r>
+              <a:rPr lang="de-DE" dirty="0" err="1"/>
+              <a:t>are</a:t>
+            </a:r>
+            <a:r>
+              <a:rPr lang="de-DE" dirty="0"/>
+              <a:t> a </a:t>
+            </a:r>
+            <a:r>
+              <a:rPr lang="de-DE" dirty="0" err="1"/>
+              <a:t>lot</a:t>
+            </a:r>
+            <a:r>
+              <a:rPr lang="de-DE" dirty="0"/>
+              <a:t> </a:t>
+            </a:r>
+            <a:r>
+              <a:rPr lang="de-DE" dirty="0" err="1"/>
+              <a:t>of</a:t>
+            </a:r>
+            <a:r>
+              <a:rPr lang="de-DE" dirty="0"/>
+              <a:t> </a:t>
+            </a:r>
+            <a:r>
+              <a:rPr lang="de-DE" dirty="0" err="1"/>
+              <a:t>companies</a:t>
+            </a:r>
+            <a:r>
+              <a:rPr lang="de-DE" dirty="0"/>
+              <a:t> </a:t>
+            </a:r>
+            <a:r>
+              <a:rPr lang="de-DE" dirty="0" err="1"/>
+              <a:t>offering</a:t>
+            </a:r>
+            <a:r>
+              <a:rPr lang="de-DE" dirty="0"/>
+              <a:t> </a:t>
+            </a:r>
+            <a:r>
+              <a:rPr lang="de-DE" dirty="0" err="1"/>
+              <a:t>homeoffice</a:t>
+            </a:r>
+            <a:r>
+              <a:rPr lang="de-DE" dirty="0"/>
+              <a:t> </a:t>
+            </a:r>
+            <a:r>
+              <a:rPr lang="de-DE" dirty="0" err="1"/>
+              <a:t>to</a:t>
+            </a:r>
+            <a:r>
+              <a:rPr lang="de-DE" dirty="0"/>
+              <a:t> </a:t>
+            </a:r>
+            <a:r>
+              <a:rPr lang="de-DE" dirty="0" err="1"/>
+              <a:t>employees</a:t>
+            </a:r>
+            <a:endParaRPr lang="de-DE" dirty="0"/>
+          </a:p>
+        </p:txBody>
+      </p:sp>
+      <p:sp>
+        <p:nvSpPr>
+          <p:cNvPr id="4" name="Slide Number Placeholder 3"/>
+          <p:cNvSpPr>
+            <a:spLocks noGrp="1"/>
+          </p:cNvSpPr>
+          <p:nvPr>
+            <p:ph type="sldNum" sz="quarter" idx="5"/>
+          </p:nvPr>
+        </p:nvSpPr>
+        <p:spPr/>
+        <p:txBody>
+          <a:bodyPr/>
+          <a:lstStyle/>
+          <a:p>
+            <a:fld id="{3774CC8E-AF13-4F9C-AA2A-87325E0FD44E}" type="slidenum">
+              <a:rPr lang="de-DE" smtClean="0"/>
+              <a:t>4</a:t>
+            </a:fld>
+            <a:endParaRPr lang="de-DE"/>
+          </a:p>
+        </p:txBody>
+      </p:sp>
+    </p:spTree>
+    <p:extLst>
+      <p:ext uri="{BB962C8B-B14F-4D97-AF65-F5344CB8AC3E}">
+        <p14:creationId xmlns:p14="http://schemas.microsoft.com/office/powerpoint/2010/main" val="1466608766"/>
+      </p:ext>
+    </p:extLst>
+  </p:cSld>
+  <p:clrMapOvr>
+    <a:masterClrMapping/>
+  </p:clrMapOvr>
+</p:notes>
+</file>
+
+<file path=ppt/notesSlides/notesSlide5.xml><?xml version="1.0" encoding="utf-8"?>
+<p:notes xmlns:a="http://schemas.openxmlformats.org/drawingml/2006/main" xmlns:r="http://schemas.openxmlformats.org/officeDocument/2006/relationships" xmlns:p="http://schemas.openxmlformats.org/presentationml/2006/main">
+  <p:cSld>
+    <p:spTree>
+      <p:nvGrpSpPr>
+        <p:cNvPr id="1" name=""/>
+        <p:cNvGrpSpPr/>
+        <p:nvPr/>
+      </p:nvGrpSpPr>
+      <p:grpSpPr>
+        <a:xfrm>
+          <a:off x="0" y="0"/>
+          <a:ext cx="0" cy="0"/>
+          <a:chOff x="0" y="0"/>
+          <a:chExt cx="0" cy="0"/>
+        </a:xfrm>
+      </p:grpSpPr>
+      <p:sp>
+        <p:nvSpPr>
+          <p:cNvPr id="2" name="Slide Image Placeholder 1"/>
+          <p:cNvSpPr>
+            <a:spLocks noGrp="1" noRot="1" noChangeAspect="1"/>
+          </p:cNvSpPr>
+          <p:nvPr>
+            <p:ph type="sldImg"/>
+          </p:nvPr>
+        </p:nvSpPr>
+        <p:spPr/>
+      </p:sp>
+      <p:sp>
+        <p:nvSpPr>
+          <p:cNvPr id="3" name="Notes Placeholder 2"/>
+          <p:cNvSpPr>
+            <a:spLocks noGrp="1"/>
+          </p:cNvSpPr>
+          <p:nvPr>
+            <p:ph type="body" idx="1"/>
+          </p:nvPr>
+        </p:nvSpPr>
+        <p:spPr/>
+        <p:txBody>
+          <a:bodyPr/>
+          <a:lstStyle/>
+          <a:p>
+            <a:r>
+              <a:rPr lang="de-DE" dirty="0"/>
+              <a:t>Here </a:t>
+            </a:r>
+            <a:r>
+              <a:rPr lang="de-DE" dirty="0" err="1"/>
+              <a:t>are</a:t>
+            </a:r>
+            <a:r>
+              <a:rPr lang="de-DE" dirty="0"/>
+              <a:t> top </a:t>
+            </a:r>
+            <a:r>
+              <a:rPr lang="de-DE" dirty="0" err="1"/>
+              <a:t>companies</a:t>
+            </a:r>
+            <a:r>
+              <a:rPr lang="de-DE" dirty="0"/>
+              <a:t>. On </a:t>
+            </a:r>
+            <a:r>
+              <a:rPr lang="de-DE" dirty="0" err="1"/>
+              <a:t>the</a:t>
+            </a:r>
+            <a:r>
+              <a:rPr lang="de-DE" dirty="0"/>
+              <a:t> </a:t>
+            </a:r>
+            <a:r>
+              <a:rPr lang="de-DE" dirty="0" err="1"/>
+              <a:t>left</a:t>
+            </a:r>
+            <a:r>
+              <a:rPr lang="de-DE" dirty="0"/>
+              <a:t> </a:t>
+            </a:r>
+            <a:r>
+              <a:rPr lang="de-DE" dirty="0" err="1"/>
+              <a:t>hand</a:t>
+            </a:r>
+            <a:r>
+              <a:rPr lang="de-DE" dirty="0"/>
+              <a:t> </a:t>
+            </a:r>
+            <a:r>
+              <a:rPr lang="de-DE" dirty="0" err="1"/>
+              <a:t>side</a:t>
+            </a:r>
+            <a:r>
+              <a:rPr lang="de-DE" dirty="0"/>
+              <a:t> </a:t>
+            </a:r>
+            <a:r>
+              <a:rPr lang="de-DE" dirty="0" err="1"/>
+              <a:t>are</a:t>
+            </a:r>
+            <a:r>
+              <a:rPr lang="de-DE" dirty="0"/>
+              <a:t> </a:t>
+            </a:r>
+            <a:r>
+              <a:rPr lang="de-DE" dirty="0" err="1"/>
+              <a:t>tech</a:t>
+            </a:r>
+            <a:r>
+              <a:rPr lang="de-DE" dirty="0"/>
+              <a:t> </a:t>
+            </a:r>
+            <a:r>
+              <a:rPr lang="de-DE" dirty="0" err="1"/>
+              <a:t>companies</a:t>
+            </a:r>
+            <a:r>
+              <a:rPr lang="de-DE" dirty="0"/>
+              <a:t>. And on </a:t>
+            </a:r>
+            <a:r>
+              <a:rPr lang="de-DE" dirty="0" err="1"/>
+              <a:t>the</a:t>
+            </a:r>
+            <a:r>
+              <a:rPr lang="de-DE" dirty="0"/>
+              <a:t> </a:t>
+            </a:r>
+            <a:r>
+              <a:rPr lang="de-DE" dirty="0" err="1"/>
+              <a:t>right</a:t>
+            </a:r>
+            <a:r>
+              <a:rPr lang="de-DE" dirty="0"/>
+              <a:t> </a:t>
+            </a:r>
+            <a:r>
+              <a:rPr lang="de-DE" dirty="0" err="1"/>
+              <a:t>hand</a:t>
+            </a:r>
+            <a:r>
+              <a:rPr lang="de-DE" dirty="0"/>
+              <a:t> </a:t>
+            </a:r>
+            <a:r>
+              <a:rPr lang="de-DE" dirty="0" err="1"/>
+              <a:t>side</a:t>
+            </a:r>
+            <a:r>
+              <a:rPr lang="de-DE" dirty="0"/>
+              <a:t> </a:t>
+            </a:r>
+            <a:r>
+              <a:rPr lang="de-DE" dirty="0" err="1"/>
+              <a:t>are</a:t>
+            </a:r>
+            <a:r>
+              <a:rPr lang="de-DE" dirty="0"/>
+              <a:t> </a:t>
+            </a:r>
+            <a:r>
+              <a:rPr lang="de-DE" dirty="0" err="1"/>
+              <a:t>the</a:t>
+            </a:r>
+            <a:r>
+              <a:rPr lang="de-DE" dirty="0"/>
+              <a:t> </a:t>
+            </a:r>
+            <a:r>
+              <a:rPr lang="de-DE" dirty="0" err="1"/>
+              <a:t>consulting</a:t>
+            </a:r>
+            <a:r>
+              <a:rPr lang="de-DE" dirty="0"/>
+              <a:t> </a:t>
+            </a:r>
+            <a:r>
+              <a:rPr lang="de-DE" dirty="0" err="1"/>
+              <a:t>companies</a:t>
+            </a:r>
+            <a:r>
+              <a:rPr lang="de-DE" dirty="0"/>
+              <a:t>.</a:t>
+            </a:r>
+          </a:p>
+          <a:p>
+            <a:r>
+              <a:rPr lang="de-DE" dirty="0" err="1"/>
+              <a:t>They</a:t>
+            </a:r>
+            <a:r>
+              <a:rPr lang="de-DE" dirty="0"/>
+              <a:t> </a:t>
+            </a:r>
+            <a:r>
+              <a:rPr lang="de-DE" dirty="0" err="1"/>
+              <a:t>offer</a:t>
+            </a:r>
+            <a:r>
+              <a:rPr lang="de-DE" dirty="0"/>
+              <a:t> a </a:t>
+            </a:r>
+            <a:r>
+              <a:rPr lang="de-DE" dirty="0" err="1"/>
+              <a:t>lot</a:t>
+            </a:r>
+            <a:r>
+              <a:rPr lang="de-DE" dirty="0"/>
+              <a:t> </a:t>
+            </a:r>
+            <a:r>
+              <a:rPr lang="de-DE" dirty="0" err="1"/>
+              <a:t>of</a:t>
+            </a:r>
+            <a:r>
+              <a:rPr lang="de-DE" dirty="0"/>
+              <a:t> </a:t>
+            </a:r>
+            <a:r>
+              <a:rPr lang="de-DE" dirty="0" err="1"/>
+              <a:t>job</a:t>
+            </a:r>
+            <a:r>
+              <a:rPr lang="de-DE" dirty="0"/>
+              <a:t> in Data Scientist and Data Analyst.</a:t>
+            </a:r>
+          </a:p>
+        </p:txBody>
+      </p:sp>
+      <p:sp>
+        <p:nvSpPr>
+          <p:cNvPr id="4" name="Slide Number Placeholder 3"/>
+          <p:cNvSpPr>
+            <a:spLocks noGrp="1"/>
+          </p:cNvSpPr>
+          <p:nvPr>
+            <p:ph type="sldNum" sz="quarter" idx="5"/>
+          </p:nvPr>
+        </p:nvSpPr>
+        <p:spPr/>
+        <p:txBody>
+          <a:bodyPr/>
+          <a:lstStyle/>
+          <a:p>
+            <a:fld id="{3774CC8E-AF13-4F9C-AA2A-87325E0FD44E}" type="slidenum">
+              <a:rPr lang="de-DE" smtClean="0"/>
+              <a:t>5</a:t>
+            </a:fld>
+            <a:endParaRPr lang="de-DE"/>
+          </a:p>
+        </p:txBody>
+      </p:sp>
+    </p:spTree>
+    <p:extLst>
+      <p:ext uri="{BB962C8B-B14F-4D97-AF65-F5344CB8AC3E}">
+        <p14:creationId xmlns:p14="http://schemas.microsoft.com/office/powerpoint/2010/main" val="42132195"/>
+      </p:ext>
+    </p:extLst>
+  </p:cSld>
+  <p:clrMapOvr>
+    <a:masterClrMapping/>
+  </p:clrMapOvr>
+</p:notes>
+</file>
+
+<file path=ppt/notesSlides/notesSlide6.xml><?xml version="1.0" encoding="utf-8"?>
+<p:notes xmlns:a="http://schemas.openxmlformats.org/drawingml/2006/main" xmlns:r="http://schemas.openxmlformats.org/officeDocument/2006/relationships" xmlns:p="http://schemas.openxmlformats.org/presentationml/2006/main">
+  <p:cSld>
+    <p:spTree>
+      <p:nvGrpSpPr>
+        <p:cNvPr id="1" name=""/>
+        <p:cNvGrpSpPr/>
+        <p:nvPr/>
+      </p:nvGrpSpPr>
+      <p:grpSpPr>
+        <a:xfrm>
+          <a:off x="0" y="0"/>
+          <a:ext cx="0" cy="0"/>
+          <a:chOff x="0" y="0"/>
+          <a:chExt cx="0" cy="0"/>
+        </a:xfrm>
+      </p:grpSpPr>
+      <p:sp>
+        <p:nvSpPr>
+          <p:cNvPr id="2" name="Slide Image Placeholder 1"/>
+          <p:cNvSpPr>
+            <a:spLocks noGrp="1" noRot="1" noChangeAspect="1"/>
+          </p:cNvSpPr>
+          <p:nvPr>
+            <p:ph type="sldImg"/>
+          </p:nvPr>
+        </p:nvSpPr>
+        <p:spPr/>
+      </p:sp>
+      <p:sp>
+        <p:nvSpPr>
+          <p:cNvPr id="3" name="Notes Placeholder 2"/>
+          <p:cNvSpPr>
+            <a:spLocks noGrp="1"/>
+          </p:cNvSpPr>
+          <p:nvPr>
+            <p:ph type="body" idx="1"/>
+          </p:nvPr>
+        </p:nvSpPr>
+        <p:spPr/>
+        <p:txBody>
+          <a:bodyPr/>
+          <a:lstStyle/>
+          <a:p>
+            <a:r>
+              <a:rPr lang="de-DE" dirty="0"/>
+              <a:t>Last but not least, </a:t>
+            </a:r>
+            <a:r>
+              <a:rPr lang="de-DE" dirty="0" err="1"/>
+              <a:t>let</a:t>
+            </a:r>
+            <a:r>
+              <a:rPr lang="de-DE" dirty="0"/>
+              <a:t> </a:t>
+            </a:r>
+            <a:r>
+              <a:rPr lang="de-DE" dirty="0" err="1"/>
+              <a:t>talk</a:t>
+            </a:r>
+            <a:r>
+              <a:rPr lang="de-DE" dirty="0"/>
+              <a:t> </a:t>
+            </a:r>
+            <a:r>
+              <a:rPr lang="de-DE" dirty="0" err="1"/>
+              <a:t>about</a:t>
+            </a:r>
+            <a:r>
+              <a:rPr lang="de-DE" dirty="0"/>
+              <a:t> </a:t>
+            </a:r>
+            <a:r>
+              <a:rPr lang="de-DE" dirty="0" err="1"/>
+              <a:t>some</a:t>
+            </a:r>
+            <a:r>
+              <a:rPr lang="de-DE" dirty="0"/>
+              <a:t> top </a:t>
+            </a:r>
+            <a:r>
+              <a:rPr lang="de-DE" dirty="0" err="1"/>
+              <a:t>technical</a:t>
+            </a:r>
+            <a:r>
+              <a:rPr lang="de-DE" dirty="0"/>
+              <a:t> </a:t>
+            </a:r>
+            <a:r>
+              <a:rPr lang="de-DE" dirty="0" err="1"/>
+              <a:t>skills</a:t>
+            </a:r>
+            <a:r>
+              <a:rPr lang="de-DE" dirty="0"/>
+              <a:t> </a:t>
+            </a:r>
+            <a:r>
+              <a:rPr lang="de-DE" dirty="0" err="1"/>
+              <a:t>for</a:t>
+            </a:r>
+            <a:r>
+              <a:rPr lang="de-DE" dirty="0"/>
+              <a:t> </a:t>
+            </a:r>
+            <a:r>
+              <a:rPr lang="de-DE" dirty="0" err="1"/>
+              <a:t>data</a:t>
+            </a:r>
+            <a:r>
+              <a:rPr lang="de-DE" dirty="0"/>
+              <a:t> </a:t>
+            </a:r>
+            <a:r>
+              <a:rPr lang="de-DE" dirty="0" err="1"/>
+              <a:t>scientist</a:t>
+            </a:r>
+            <a:r>
+              <a:rPr lang="de-DE" dirty="0"/>
+              <a:t> and </a:t>
+            </a:r>
+            <a:r>
+              <a:rPr lang="de-DE" dirty="0" err="1"/>
+              <a:t>data</a:t>
+            </a:r>
+            <a:r>
+              <a:rPr lang="de-DE" dirty="0"/>
+              <a:t> </a:t>
+            </a:r>
+            <a:r>
+              <a:rPr lang="de-DE" dirty="0" err="1"/>
+              <a:t>analyst</a:t>
+            </a:r>
+            <a:r>
+              <a:rPr lang="de-DE" dirty="0"/>
+              <a:t>.</a:t>
+            </a:r>
+          </a:p>
+          <a:p>
+            <a:r>
+              <a:rPr lang="de-DE" dirty="0" err="1"/>
+              <a:t>Almost</a:t>
+            </a:r>
+            <a:r>
+              <a:rPr lang="de-DE" dirty="0"/>
+              <a:t> </a:t>
+            </a:r>
+            <a:r>
+              <a:rPr lang="de-DE" dirty="0" err="1"/>
+              <a:t>eighty</a:t>
+            </a:r>
+            <a:r>
+              <a:rPr lang="de-DE" dirty="0"/>
+              <a:t> </a:t>
+            </a:r>
+            <a:r>
+              <a:rPr lang="de-DE" dirty="0" err="1"/>
+              <a:t>percents</a:t>
+            </a:r>
+            <a:r>
+              <a:rPr lang="de-DE" dirty="0"/>
+              <a:t> </a:t>
+            </a:r>
+            <a:r>
+              <a:rPr lang="de-DE" dirty="0" err="1"/>
+              <a:t>job</a:t>
+            </a:r>
+            <a:r>
+              <a:rPr lang="de-DE" dirty="0"/>
+              <a:t> </a:t>
+            </a:r>
+            <a:r>
+              <a:rPr lang="de-DE" dirty="0" err="1"/>
+              <a:t>posts</a:t>
+            </a:r>
+            <a:r>
+              <a:rPr lang="de-DE" dirty="0"/>
+              <a:t> in Data </a:t>
+            </a:r>
+            <a:r>
+              <a:rPr lang="de-DE" dirty="0" err="1"/>
+              <a:t>scientist</a:t>
+            </a:r>
+            <a:r>
+              <a:rPr lang="de-DE" dirty="0"/>
+              <a:t> </a:t>
+            </a:r>
+            <a:r>
+              <a:rPr lang="de-DE" dirty="0" err="1"/>
+              <a:t>require</a:t>
+            </a:r>
+            <a:r>
+              <a:rPr lang="de-DE" dirty="0"/>
+              <a:t> Python </a:t>
+            </a:r>
+            <a:r>
+              <a:rPr lang="de-DE" dirty="0" err="1"/>
+              <a:t>as</a:t>
+            </a:r>
+            <a:r>
+              <a:rPr lang="de-DE" dirty="0"/>
+              <a:t> </a:t>
+            </a:r>
+            <a:r>
+              <a:rPr lang="de-DE" dirty="0" err="1"/>
+              <a:t>the</a:t>
+            </a:r>
+            <a:r>
+              <a:rPr lang="de-DE" dirty="0"/>
+              <a:t> </a:t>
+            </a:r>
+            <a:r>
+              <a:rPr lang="de-DE" dirty="0" err="1"/>
+              <a:t>main</a:t>
+            </a:r>
+            <a:r>
+              <a:rPr lang="de-DE" dirty="0"/>
+              <a:t> </a:t>
+            </a:r>
+            <a:r>
+              <a:rPr lang="de-DE" dirty="0" err="1"/>
+              <a:t>programing</a:t>
+            </a:r>
+            <a:r>
+              <a:rPr lang="de-DE" dirty="0"/>
+              <a:t> </a:t>
+            </a:r>
+            <a:r>
+              <a:rPr lang="de-DE" dirty="0" err="1"/>
+              <a:t>language</a:t>
+            </a:r>
+            <a:r>
+              <a:rPr lang="de-DE" dirty="0"/>
+              <a:t>.</a:t>
+            </a:r>
+            <a:br>
+              <a:rPr lang="de-DE" dirty="0"/>
+            </a:br>
+            <a:r>
+              <a:rPr lang="de-DE" dirty="0"/>
+              <a:t>On </a:t>
+            </a:r>
+            <a:r>
+              <a:rPr lang="de-DE" dirty="0" err="1"/>
+              <a:t>the</a:t>
+            </a:r>
+            <a:r>
+              <a:rPr lang="de-DE" dirty="0"/>
+              <a:t> </a:t>
+            </a:r>
+            <a:r>
+              <a:rPr lang="de-DE" dirty="0" err="1"/>
+              <a:t>other</a:t>
+            </a:r>
+            <a:r>
+              <a:rPr lang="de-DE" dirty="0"/>
+              <a:t> </a:t>
+            </a:r>
+            <a:r>
+              <a:rPr lang="de-DE" dirty="0" err="1"/>
+              <a:t>hand</a:t>
+            </a:r>
+            <a:r>
+              <a:rPr lang="de-DE" dirty="0"/>
+              <a:t>, SQL </a:t>
+            </a:r>
+            <a:r>
+              <a:rPr lang="de-DE" dirty="0" err="1"/>
+              <a:t>is</a:t>
+            </a:r>
+            <a:r>
+              <a:rPr lang="de-DE" dirty="0"/>
+              <a:t> </a:t>
+            </a:r>
+            <a:r>
+              <a:rPr lang="de-DE" dirty="0" err="1"/>
+              <a:t>the</a:t>
+            </a:r>
+            <a:r>
+              <a:rPr lang="de-DE" dirty="0"/>
+              <a:t> top 1 </a:t>
+            </a:r>
+            <a:r>
+              <a:rPr lang="de-DE" dirty="0" err="1"/>
+              <a:t>skill</a:t>
+            </a:r>
+            <a:r>
+              <a:rPr lang="de-DE" dirty="0"/>
+              <a:t> </a:t>
+            </a:r>
+            <a:r>
+              <a:rPr lang="de-DE" dirty="0" err="1"/>
+              <a:t>for</a:t>
+            </a:r>
+            <a:r>
+              <a:rPr lang="de-DE" dirty="0"/>
+              <a:t> </a:t>
+            </a:r>
+            <a:r>
+              <a:rPr lang="de-DE" dirty="0" err="1"/>
+              <a:t>data</a:t>
+            </a:r>
+            <a:r>
+              <a:rPr lang="de-DE" dirty="0"/>
+              <a:t> </a:t>
+            </a:r>
+            <a:r>
+              <a:rPr lang="de-DE" dirty="0" err="1"/>
+              <a:t>analyst</a:t>
+            </a:r>
+            <a:r>
+              <a:rPr lang="de-DE" dirty="0"/>
+              <a:t>.</a:t>
+            </a:r>
+          </a:p>
+          <a:p>
+            <a:r>
+              <a:rPr lang="de-DE" dirty="0" err="1"/>
+              <a:t>If</a:t>
+            </a:r>
+            <a:r>
+              <a:rPr lang="de-DE" dirty="0"/>
+              <a:t> </a:t>
+            </a:r>
+            <a:r>
+              <a:rPr lang="de-DE" dirty="0" err="1"/>
+              <a:t>you</a:t>
+            </a:r>
+            <a:r>
+              <a:rPr lang="de-DE" dirty="0"/>
+              <a:t> </a:t>
+            </a:r>
+            <a:r>
+              <a:rPr lang="de-DE" dirty="0" err="1"/>
+              <a:t>want</a:t>
+            </a:r>
+            <a:r>
+              <a:rPr lang="de-DE" dirty="0"/>
+              <a:t> </a:t>
+            </a:r>
+            <a:r>
+              <a:rPr lang="de-DE" dirty="0" err="1"/>
+              <a:t>to</a:t>
+            </a:r>
+            <a:r>
+              <a:rPr lang="de-DE" dirty="0"/>
+              <a:t> </a:t>
+            </a:r>
+            <a:r>
+              <a:rPr lang="de-DE" dirty="0" err="1"/>
+              <a:t>go</a:t>
+            </a:r>
+            <a:r>
+              <a:rPr lang="de-DE" dirty="0"/>
+              <a:t> </a:t>
+            </a:r>
+            <a:r>
+              <a:rPr lang="de-DE" dirty="0" err="1"/>
+              <a:t>for</a:t>
+            </a:r>
+            <a:r>
+              <a:rPr lang="de-DE" dirty="0"/>
+              <a:t> </a:t>
+            </a:r>
+            <a:r>
+              <a:rPr lang="de-DE" dirty="0" err="1"/>
+              <a:t>data</a:t>
+            </a:r>
+            <a:r>
+              <a:rPr lang="de-DE" dirty="0"/>
+              <a:t> </a:t>
+            </a:r>
+            <a:r>
+              <a:rPr lang="de-DE" dirty="0" err="1"/>
+              <a:t>scientist</a:t>
+            </a:r>
+            <a:r>
+              <a:rPr lang="de-DE" dirty="0"/>
+              <a:t>, </a:t>
+            </a:r>
+            <a:r>
+              <a:rPr lang="de-DE" dirty="0" err="1"/>
+              <a:t>you</a:t>
+            </a:r>
+            <a:r>
+              <a:rPr lang="de-DE" dirty="0"/>
+              <a:t> </a:t>
+            </a:r>
+            <a:r>
+              <a:rPr lang="de-DE" dirty="0" err="1"/>
+              <a:t>should</a:t>
+            </a:r>
+            <a:r>
+              <a:rPr lang="de-DE" dirty="0"/>
+              <a:t> </a:t>
+            </a:r>
+            <a:r>
+              <a:rPr lang="de-DE" dirty="0" err="1"/>
+              <a:t>understand</a:t>
+            </a:r>
+            <a:r>
+              <a:rPr lang="de-DE" dirty="0"/>
+              <a:t> </a:t>
+            </a:r>
+            <a:r>
+              <a:rPr lang="de-DE" dirty="0" err="1"/>
+              <a:t>machine</a:t>
+            </a:r>
+            <a:r>
+              <a:rPr lang="de-DE" dirty="0"/>
+              <a:t> </a:t>
+            </a:r>
+            <a:r>
+              <a:rPr lang="de-DE" dirty="0" err="1"/>
+              <a:t>learning</a:t>
+            </a:r>
+            <a:r>
+              <a:rPr lang="de-DE" dirty="0"/>
+              <a:t> </a:t>
+            </a:r>
+            <a:r>
+              <a:rPr lang="de-DE" dirty="0" err="1"/>
+              <a:t>techniques</a:t>
+            </a:r>
+            <a:r>
+              <a:rPr lang="de-DE" dirty="0"/>
+              <a:t>. In </a:t>
+            </a:r>
+            <a:r>
+              <a:rPr lang="de-DE" dirty="0" err="1"/>
+              <a:t>constrast</a:t>
+            </a:r>
+            <a:r>
+              <a:rPr lang="de-DE" dirty="0"/>
+              <a:t>, </a:t>
+            </a:r>
+            <a:r>
+              <a:rPr lang="de-DE" dirty="0" err="1"/>
+              <a:t>machine</a:t>
+            </a:r>
+            <a:r>
+              <a:rPr lang="de-DE" dirty="0"/>
+              <a:t> </a:t>
+            </a:r>
+            <a:r>
+              <a:rPr lang="de-DE" dirty="0" err="1"/>
+              <a:t>learning</a:t>
+            </a:r>
+            <a:r>
+              <a:rPr lang="de-DE" dirty="0"/>
+              <a:t> </a:t>
+            </a:r>
+            <a:r>
+              <a:rPr lang="de-DE" dirty="0" err="1"/>
+              <a:t>is</a:t>
+            </a:r>
+            <a:r>
+              <a:rPr lang="de-DE" dirty="0"/>
+              <a:t> not so </a:t>
+            </a:r>
+            <a:r>
+              <a:rPr lang="de-DE" dirty="0" err="1"/>
+              <a:t>important</a:t>
+            </a:r>
+            <a:r>
+              <a:rPr lang="de-DE" dirty="0"/>
+              <a:t> </a:t>
+            </a:r>
+            <a:r>
+              <a:rPr lang="de-DE" dirty="0" err="1"/>
+              <a:t>for</a:t>
+            </a:r>
+            <a:r>
+              <a:rPr lang="de-DE" dirty="0"/>
+              <a:t> </a:t>
+            </a:r>
+            <a:r>
+              <a:rPr lang="de-DE" dirty="0" err="1"/>
+              <a:t>data</a:t>
+            </a:r>
+            <a:r>
+              <a:rPr lang="de-DE" dirty="0"/>
+              <a:t> </a:t>
+            </a:r>
+            <a:r>
+              <a:rPr lang="de-DE" dirty="0" err="1"/>
+              <a:t>analyst</a:t>
+            </a:r>
+            <a:r>
+              <a:rPr lang="de-DE" dirty="0"/>
+              <a:t>, but </a:t>
+            </a:r>
+            <a:r>
+              <a:rPr lang="de-DE" dirty="0" err="1"/>
+              <a:t>visualization</a:t>
+            </a:r>
+            <a:r>
+              <a:rPr lang="de-DE" dirty="0"/>
+              <a:t> </a:t>
+            </a:r>
+            <a:r>
+              <a:rPr lang="de-DE" dirty="0" err="1"/>
+              <a:t>tool</a:t>
+            </a:r>
+            <a:r>
+              <a:rPr lang="de-DE" dirty="0"/>
+              <a:t> </a:t>
+            </a:r>
+            <a:r>
+              <a:rPr lang="de-DE" dirty="0" err="1"/>
+              <a:t>likes</a:t>
+            </a:r>
+            <a:r>
+              <a:rPr lang="de-DE" dirty="0"/>
+              <a:t> </a:t>
+            </a:r>
+            <a:r>
+              <a:rPr lang="de-DE" dirty="0" err="1"/>
+              <a:t>tableau</a:t>
+            </a:r>
+            <a:r>
+              <a:rPr lang="de-DE" dirty="0"/>
+              <a:t> </a:t>
+            </a:r>
+            <a:r>
+              <a:rPr lang="de-DE" dirty="0" err="1"/>
+              <a:t>or</a:t>
+            </a:r>
+            <a:r>
+              <a:rPr lang="de-DE" dirty="0"/>
+              <a:t> power BI </a:t>
+            </a:r>
+            <a:r>
+              <a:rPr lang="de-DE" dirty="0" err="1"/>
+              <a:t>is</a:t>
+            </a:r>
+            <a:r>
+              <a:rPr lang="de-DE" dirty="0"/>
+              <a:t> </a:t>
+            </a:r>
+            <a:r>
+              <a:rPr lang="de-DE" dirty="0" err="1"/>
+              <a:t>more</a:t>
+            </a:r>
+            <a:r>
+              <a:rPr lang="de-DE" dirty="0"/>
+              <a:t> </a:t>
+            </a:r>
+            <a:r>
+              <a:rPr lang="de-DE" dirty="0" err="1"/>
+              <a:t>important</a:t>
+            </a:r>
+            <a:r>
+              <a:rPr lang="de-DE" dirty="0"/>
+              <a:t> .</a:t>
+            </a:r>
+          </a:p>
+          <a:p>
+            <a:r>
+              <a:rPr lang="de-DE" dirty="0" err="1"/>
+              <a:t>Now</a:t>
+            </a:r>
+            <a:r>
+              <a:rPr lang="de-DE" dirty="0"/>
+              <a:t>, </a:t>
+            </a:r>
+            <a:r>
+              <a:rPr lang="de-DE" dirty="0" err="1"/>
+              <a:t>let</a:t>
+            </a:r>
+            <a:r>
+              <a:rPr lang="de-DE" dirty="0"/>
+              <a:t> </a:t>
+            </a:r>
+            <a:r>
+              <a:rPr lang="de-DE" dirty="0" err="1"/>
+              <a:t>come</a:t>
+            </a:r>
+            <a:r>
+              <a:rPr lang="de-DE" dirty="0"/>
+              <a:t> </a:t>
+            </a:r>
+            <a:r>
+              <a:rPr lang="de-DE" dirty="0" err="1"/>
+              <a:t>to</a:t>
+            </a:r>
+            <a:r>
+              <a:rPr lang="de-DE" dirty="0"/>
+              <a:t> </a:t>
+            </a:r>
+            <a:r>
+              <a:rPr lang="de-DE" dirty="0" err="1"/>
+              <a:t>the</a:t>
+            </a:r>
+            <a:r>
+              <a:rPr lang="de-DE" dirty="0"/>
+              <a:t> </a:t>
+            </a:r>
+            <a:r>
+              <a:rPr lang="de-DE" dirty="0" err="1"/>
+              <a:t>app</a:t>
+            </a:r>
+            <a:r>
+              <a:rPr lang="de-DE" dirty="0"/>
+              <a:t>.</a:t>
+            </a:r>
+          </a:p>
+        </p:txBody>
+      </p:sp>
+      <p:sp>
+        <p:nvSpPr>
+          <p:cNvPr id="4" name="Slide Number Placeholder 3"/>
+          <p:cNvSpPr>
+            <a:spLocks noGrp="1"/>
+          </p:cNvSpPr>
+          <p:nvPr>
+            <p:ph type="sldNum" sz="quarter" idx="5"/>
+          </p:nvPr>
+        </p:nvSpPr>
+        <p:spPr/>
+        <p:txBody>
+          <a:bodyPr/>
+          <a:lstStyle/>
+          <a:p>
+            <a:fld id="{3774CC8E-AF13-4F9C-AA2A-87325E0FD44E}" type="slidenum">
+              <a:rPr lang="de-DE" smtClean="0"/>
+              <a:t>6</a:t>
+            </a:fld>
+            <a:endParaRPr lang="de-DE"/>
+          </a:p>
+        </p:txBody>
+      </p:sp>
+    </p:spTree>
+    <p:extLst>
+      <p:ext uri="{BB962C8B-B14F-4D97-AF65-F5344CB8AC3E}">
+        <p14:creationId xmlns:p14="http://schemas.microsoft.com/office/powerpoint/2010/main" val="2686579387"/>
+      </p:ext>
+    </p:extLst>
+  </p:cSld>
+  <p:clrMapOvr>
+    <a:masterClrMapping/>
+  </p:clrMapOvr>
+</p:notes>
+</file>
+
 <file path=ppt/slideLayouts/slideLayout1.xml><?xml version="1.0" encoding="utf-8"?>
 <p:sldLayout xmlns:a="http://schemas.openxmlformats.org/drawingml/2006/main" xmlns:r="http://schemas.openxmlformats.org/officeDocument/2006/relationships" xmlns:p="http://schemas.openxmlformats.org/presentationml/2006/main" showMasterSp="0" type="title" preserve="1">
   <p:cSld name="Title Slide">
@@ -343,7 +3057,7 @@
           <a:p>
             <a:fld id="{BE17025A-5189-4947-81BB-5983C6028C2C}" type="datetimeFigureOut">
               <a:rPr lang="de-DE" smtClean="0"/>
-              <a:t>10.08.2022</a:t>
+              <a:t>11.08.2022</a:t>
             </a:fld>
             <a:endParaRPr lang="de-DE"/>
           </a:p>
@@ -551,7 +3265,7 @@
           <a:p>
             <a:fld id="{BE17025A-5189-4947-81BB-5983C6028C2C}" type="datetimeFigureOut">
               <a:rPr lang="de-DE" smtClean="0"/>
-              <a:t>10.08.2022</a:t>
+              <a:t>11.08.2022</a:t>
             </a:fld>
             <a:endParaRPr lang="de-DE"/>
           </a:p>
@@ -807,7 +3521,7 @@
           <a:p>
             <a:fld id="{BE17025A-5189-4947-81BB-5983C6028C2C}" type="datetimeFigureOut">
               <a:rPr lang="de-DE" smtClean="0"/>
-              <a:t>10.08.2022</a:t>
+              <a:t>11.08.2022</a:t>
             </a:fld>
             <a:endParaRPr lang="de-DE"/>
           </a:p>
@@ -977,7 +3691,7 @@
           <a:p>
             <a:fld id="{BE17025A-5189-4947-81BB-5983C6028C2C}" type="datetimeFigureOut">
               <a:rPr lang="de-DE" smtClean="0"/>
-              <a:t>10.08.2022</a:t>
+              <a:t>11.08.2022</a:t>
             </a:fld>
             <a:endParaRPr lang="de-DE"/>
           </a:p>
@@ -1320,7 +4034,7 @@
           <a:p>
             <a:fld id="{BE17025A-5189-4947-81BB-5983C6028C2C}" type="datetimeFigureOut">
               <a:rPr lang="de-DE" smtClean="0"/>
-              <a:t>10.08.2022</a:t>
+              <a:t>11.08.2022</a:t>
             </a:fld>
             <a:endParaRPr lang="de-DE"/>
           </a:p>
@@ -1595,7 +4309,7 @@
           <a:p>
             <a:fld id="{BE17025A-5189-4947-81BB-5983C6028C2C}" type="datetimeFigureOut">
               <a:rPr lang="de-DE" smtClean="0"/>
-              <a:t>10.08.2022</a:t>
+              <a:t>11.08.2022</a:t>
             </a:fld>
             <a:endParaRPr lang="de-DE"/>
           </a:p>
@@ -1974,7 +4688,7 @@
           <a:p>
             <a:fld id="{BE17025A-5189-4947-81BB-5983C6028C2C}" type="datetimeFigureOut">
               <a:rPr lang="de-DE" smtClean="0"/>
-              <a:t>10.08.2022</a:t>
+              <a:t>11.08.2022</a:t>
             </a:fld>
             <a:endParaRPr lang="de-DE"/>
           </a:p>
@@ -2092,7 +4806,7 @@
           <a:p>
             <a:fld id="{BE17025A-5189-4947-81BB-5983C6028C2C}" type="datetimeFigureOut">
               <a:rPr lang="de-DE" smtClean="0"/>
-              <a:t>10.08.2022</a:t>
+              <a:t>11.08.2022</a:t>
             </a:fld>
             <a:endParaRPr lang="de-DE"/>
           </a:p>
@@ -2263,7 +4977,7 @@
           <a:p>
             <a:fld id="{BE17025A-5189-4947-81BB-5983C6028C2C}" type="datetimeFigureOut">
               <a:rPr lang="de-DE" smtClean="0"/>
-              <a:t>10.08.2022</a:t>
+              <a:t>11.08.2022</a:t>
             </a:fld>
             <a:endParaRPr lang="de-DE"/>
           </a:p>
@@ -2617,7 +5331,7 @@
           <a:p>
             <a:fld id="{BE17025A-5189-4947-81BB-5983C6028C2C}" type="datetimeFigureOut">
               <a:rPr lang="de-DE" smtClean="0"/>
-              <a:t>10.08.2022</a:t>
+              <a:t>11.08.2022</a:t>
             </a:fld>
             <a:endParaRPr lang="de-DE"/>
           </a:p>
@@ -2994,7 +5708,7 @@
           <a:p>
             <a:fld id="{BE17025A-5189-4947-81BB-5983C6028C2C}" type="datetimeFigureOut">
               <a:rPr lang="de-DE" smtClean="0"/>
-              <a:t>10.08.2022</a:t>
+              <a:t>11.08.2022</a:t>
             </a:fld>
             <a:endParaRPr lang="de-DE"/>
           </a:p>
@@ -3281,7 +5995,7 @@
           <a:p>
             <a:fld id="{BE17025A-5189-4947-81BB-5983C6028C2C}" type="datetimeFigureOut">
               <a:rPr lang="de-DE" smtClean="0"/>
-              <a:t>10.08.2022</a:t>
+              <a:t>11.08.2022</a:t>
             </a:fld>
             <a:endParaRPr lang="de-DE"/>
           </a:p>
@@ -3864,7 +6578,7 @@
           <p:nvPr/>
         </p:nvPicPr>
         <p:blipFill>
-          <a:blip r:embed="rId2">
+          <a:blip r:embed="rId3">
             <a:extLst>
               <a:ext uri="{28A0092B-C50C-407E-A947-70E740481C1C}">
                 <a14:useLocalDpi xmlns:a14="http://schemas.microsoft.com/office/drawing/2010/main" val="0"/>
@@ -4055,7 +6769,7 @@
           <p:nvPr/>
         </p:nvPicPr>
         <p:blipFill>
-          <a:blip r:embed="rId2"/>
+          <a:blip r:embed="rId3"/>
           <a:stretch>
             <a:fillRect/>
           </a:stretch>
@@ -4085,7 +6799,7 @@
           <p:nvPr/>
         </p:nvPicPr>
         <p:blipFill>
-          <a:blip r:embed="rId3"/>
+          <a:blip r:embed="rId4"/>
           <a:stretch>
             <a:fillRect/>
           </a:stretch>
@@ -4115,7 +6829,7 @@
           <p:nvPr/>
         </p:nvPicPr>
         <p:blipFill>
-          <a:blip r:embed="rId4"/>
+          <a:blip r:embed="rId5"/>
           <a:stretch>
             <a:fillRect/>
           </a:stretch>
@@ -4145,7 +6859,7 @@
           <p:nvPr/>
         </p:nvPicPr>
         <p:blipFill>
-          <a:blip r:embed="rId5">
+          <a:blip r:embed="rId6">
             <a:extLst>
               <a:ext uri="{28A0092B-C50C-407E-A947-70E740481C1C}">
                 <a14:useLocalDpi xmlns:a14="http://schemas.microsoft.com/office/drawing/2010/main" val="0"/>
@@ -4277,7 +6991,7 @@
           <p:nvPr/>
         </p:nvPicPr>
         <p:blipFill>
-          <a:blip r:embed="rId2">
+          <a:blip r:embed="rId3">
             <a:extLst>
               <a:ext uri="{28A0092B-C50C-407E-A947-70E740481C1C}">
                 <a14:useLocalDpi xmlns:a14="http://schemas.microsoft.com/office/drawing/2010/main" val="0"/>
@@ -4315,7 +7029,7 @@
           </p:nvPr>
         </p:nvPicPr>
         <p:blipFill>
-          <a:blip r:embed="rId3">
+          <a:blip r:embed="rId4">
             <a:extLst>
               <a:ext uri="{28A0092B-C50C-407E-A947-70E740481C1C}">
                 <a14:useLocalDpi xmlns:a14="http://schemas.microsoft.com/office/drawing/2010/main" val="0"/>
@@ -4502,7 +7216,7 @@
           <p:nvPr/>
         </p:nvPicPr>
         <p:blipFill>
-          <a:blip r:embed="rId2">
+          <a:blip r:embed="rId3">
             <a:extLst>
               <a:ext uri="{28A0092B-C50C-407E-A947-70E740481C1C}">
                 <a14:useLocalDpi xmlns:a14="http://schemas.microsoft.com/office/drawing/2010/main" val="0"/>
@@ -4602,7 +7316,7 @@
           </p:nvPr>
         </p:nvPicPr>
         <p:blipFill>
-          <a:blip r:embed="rId2">
+          <a:blip r:embed="rId3">
             <a:extLst>
               <a:ext uri="{28A0092B-C50C-407E-A947-70E740481C1C}">
                 <a14:useLocalDpi xmlns:a14="http://schemas.microsoft.com/office/drawing/2010/main" val="0"/>
@@ -4649,7 +7363,7 @@
           <p:nvPr/>
         </p:nvPicPr>
         <p:blipFill>
-          <a:blip r:embed="rId3">
+          <a:blip r:embed="rId4">
             <a:extLst>
               <a:ext uri="{28A0092B-C50C-407E-A947-70E740481C1C}">
                 <a14:useLocalDpi xmlns:a14="http://schemas.microsoft.com/office/drawing/2010/main" val="0"/>
@@ -4696,7 +7410,7 @@
           <p:nvPr/>
         </p:nvPicPr>
         <p:blipFill>
-          <a:blip r:embed="rId4">
+          <a:blip r:embed="rId5">
             <a:extLst>
               <a:ext uri="{28A0092B-C50C-407E-A947-70E740481C1C}">
                 <a14:useLocalDpi xmlns:a14="http://schemas.microsoft.com/office/drawing/2010/main" val="0"/>
@@ -4788,7 +7502,7 @@
           <p:nvPr/>
         </p:nvPicPr>
         <p:blipFill>
-          <a:blip r:embed="rId5">
+          <a:blip r:embed="rId6">
             <a:extLst>
               <a:ext uri="{28A0092B-C50C-407E-A947-70E740481C1C}">
                 <a14:useLocalDpi xmlns:a14="http://schemas.microsoft.com/office/drawing/2010/main" val="0"/>
@@ -4835,7 +7549,7 @@
           <p:nvPr/>
         </p:nvPicPr>
         <p:blipFill>
-          <a:blip r:embed="rId6">
+          <a:blip r:embed="rId7">
             <a:extLst>
               <a:ext uri="{28A0092B-C50C-407E-A947-70E740481C1C}">
                 <a14:useLocalDpi xmlns:a14="http://schemas.microsoft.com/office/drawing/2010/main" val="0"/>
@@ -4882,7 +7596,7 @@
           <p:nvPr/>
         </p:nvPicPr>
         <p:blipFill>
-          <a:blip r:embed="rId7">
+          <a:blip r:embed="rId8">
             <a:extLst>
               <a:ext uri="{28A0092B-C50C-407E-A947-70E740481C1C}">
                 <a14:useLocalDpi xmlns:a14="http://schemas.microsoft.com/office/drawing/2010/main" val="0"/>
@@ -5003,7 +7717,7 @@
           </p:nvPr>
         </p:nvPicPr>
         <p:blipFill>
-          <a:blip r:embed="rId2">
+          <a:blip r:embed="rId3">
             <a:extLst>
               <a:ext uri="{28A0092B-C50C-407E-A947-70E740481C1C}">
                 <a14:useLocalDpi xmlns:a14="http://schemas.microsoft.com/office/drawing/2010/main" val="0"/>
@@ -5036,7 +7750,7 @@
           <p:nvPr/>
         </p:nvPicPr>
         <p:blipFill>
-          <a:blip r:embed="rId3">
+          <a:blip r:embed="rId4">
             <a:extLst>
               <a:ext uri="{28A0092B-C50C-407E-A947-70E740481C1C}">
                 <a14:useLocalDpi xmlns:a14="http://schemas.microsoft.com/office/drawing/2010/main" val="0"/>
@@ -5351,4 +8065,299 @@
     </a:ext>
   </a:extLst>
 </a:theme>
+</file>
+
+<file path=ppt/theme/theme2.xml><?xml version="1.0" encoding="utf-8"?>
+<a:theme xmlns:a="http://schemas.openxmlformats.org/drawingml/2006/main" name="Office Theme">
+  <a:themeElements>
+    <a:clrScheme name="Office">
+      <a:dk1>
+        <a:sysClr val="windowText" lastClr="000000"/>
+      </a:dk1>
+      <a:lt1>
+        <a:sysClr val="window" lastClr="FFFFFF"/>
+      </a:lt1>
+      <a:dk2>
+        <a:srgbClr val="44546A"/>
+      </a:dk2>
+      <a:lt2>
+        <a:srgbClr val="E7E6E6"/>
+      </a:lt2>
+      <a:accent1>
+        <a:srgbClr val="4472C4"/>
+      </a:accent1>
+      <a:accent2>
+        <a:srgbClr val="ED7D31"/>
+      </a:accent2>
+      <a:accent3>
+        <a:srgbClr val="A5A5A5"/>
+      </a:accent3>
+      <a:accent4>
+        <a:srgbClr val="FFC000"/>
+      </a:accent4>
+      <a:accent5>
+        <a:srgbClr val="5B9BD5"/>
+      </a:accent5>
+      <a:accent6>
+        <a:srgbClr val="70AD47"/>
+      </a:accent6>
+      <a:hlink>
+        <a:srgbClr val="0563C1"/>
+      </a:hlink>
+      <a:folHlink>
+        <a:srgbClr val="954F72"/>
+      </a:folHlink>
+    </a:clrScheme>
+    <a:fontScheme name="Office">
+      <a:majorFont>
+        <a:latin typeface="Calibri Light" panose="020F0302020204030204"/>
+        <a:ea typeface=""/>
+        <a:cs typeface=""/>
+        <a:font script="Jpan" typeface="游ゴシック Light"/>
+        <a:font script="Hang" typeface="맑은 고딕"/>
+        <a:font script="Hans" typeface="等线 Light"/>
+        <a:font script="Hant" typeface="新細明體"/>
+        <a:font script="Arab" typeface="Times New Roman"/>
+        <a:font script="Hebr" typeface="Times New Roman"/>
+        <a:font script="Thai" typeface="Angsana New"/>
+        <a:font script="Ethi" typeface="Nyala"/>
+        <a:font script="Beng" typeface="Vrinda"/>
+        <a:font script="Gujr" typeface="Shruti"/>
+        <a:font script="Khmr" typeface="MoolBoran"/>
+        <a:font script="Knda" typeface="Tunga"/>
+        <a:font script="Guru" typeface="Raavi"/>
+        <a:font script="Cans" typeface="Euphemia"/>
+        <a:font script="Cher" typeface="Plantagenet Cherokee"/>
+        <a:font script="Yiii" typeface="Microsoft Yi Baiti"/>
+        <a:font script="Tibt" typeface="Microsoft Himalaya"/>
+        <a:font script="Thaa" typeface="MV Boli"/>
+        <a:font script="Deva" typeface="Mangal"/>
+        <a:font script="Telu" typeface="Gautami"/>
+        <a:font script="Taml" typeface="Latha"/>
+        <a:font script="Syrc" typeface="Estrangelo Edessa"/>
+        <a:font script="Orya" typeface="Kalinga"/>
+        <a:font script="Mlym" typeface="Kartika"/>
+        <a:font script="Laoo" typeface="DokChampa"/>
+        <a:font script="Sinh" typeface="Iskoola Pota"/>
+        <a:font script="Mong" typeface="Mongolian Baiti"/>
+        <a:font script="Viet" typeface="Times New Roman"/>
+        <a:font script="Uigh" typeface="Microsoft Uighur"/>
+        <a:font script="Geor" typeface="Sylfaen"/>
+        <a:font script="Armn" typeface="Arial"/>
+        <a:font script="Bugi" typeface="Leelawadee UI"/>
+        <a:font script="Bopo" typeface="Microsoft JhengHei"/>
+        <a:font script="Java" typeface="Javanese Text"/>
+        <a:font script="Lisu" typeface="Segoe UI"/>
+        <a:font script="Mymr" typeface="Myanmar Text"/>
+        <a:font script="Nkoo" typeface="Ebrima"/>
+        <a:font script="Olck" typeface="Nirmala UI"/>
+        <a:font script="Osma" typeface="Ebrima"/>
+        <a:font script="Phag" typeface="Phagspa"/>
+        <a:font script="Syrn" typeface="Estrangelo Edessa"/>
+        <a:font script="Syrj" typeface="Estrangelo Edessa"/>
+        <a:font script="Syre" typeface="Estrangelo Edessa"/>
+        <a:font script="Sora" typeface="Nirmala UI"/>
+        <a:font script="Tale" typeface="Microsoft Tai Le"/>
+        <a:font script="Talu" typeface="Microsoft New Tai Lue"/>
+        <a:font script="Tfng" typeface="Ebrima"/>
+      </a:majorFont>
+      <a:minorFont>
+        <a:latin typeface="Calibri" panose="020F0502020204030204"/>
+        <a:ea typeface=""/>
+        <a:cs typeface=""/>
+        <a:font script="Jpan" typeface="游ゴシック"/>
+        <a:font script="Hang" typeface="맑은 고딕"/>
+        <a:font script="Hans" typeface="等线"/>
+        <a:font script="Hant" typeface="新細明體"/>
+        <a:font script="Arab" typeface="Arial"/>
+        <a:font script="Hebr" typeface="Arial"/>
+        <a:font script="Thai" typeface="Cordia New"/>
+        <a:font script="Ethi" typeface="Nyala"/>
+        <a:font script="Beng" typeface="Vrinda"/>
+        <a:font script="Gujr" typeface="Shruti"/>
+        <a:font script="Khmr" typeface="DaunPenh"/>
+        <a:font script="Knda" typeface="Tunga"/>
+        <a:font script="Guru" typeface="Raavi"/>
+        <a:font script="Cans" typeface="Euphemia"/>
+        <a:font script="Cher" typeface="Plantagenet Cherokee"/>
+        <a:font script="Yiii" typeface="Microsoft Yi Baiti"/>
+        <a:font script="Tibt" typeface="Microsoft Himalaya"/>
+        <a:font script="Thaa" typeface="MV Boli"/>
+        <a:font script="Deva" typeface="Mangal"/>
+        <a:font script="Telu" typeface="Gautami"/>
+        <a:font script="Taml" typeface="Latha"/>
+        <a:font script="Syrc" typeface="Estrangelo Edessa"/>
+        <a:font script="Orya" typeface="Kalinga"/>
+        <a:font script="Mlym" typeface="Kartika"/>
+        <a:font script="Laoo" typeface="DokChampa"/>
+        <a:font script="Sinh" typeface="Iskoola Pota"/>
+        <a:font script="Mong" typeface="Mongolian Baiti"/>
+        <a:font script="Viet" typeface="Arial"/>
+        <a:font script="Uigh" typeface="Microsoft Uighur"/>
+        <a:font script="Geor" typeface="Sylfaen"/>
+        <a:font script="Armn" typeface="Arial"/>
+        <a:font script="Bugi" typeface="Leelawadee UI"/>
+        <a:font script="Bopo" typeface="Microsoft JhengHei"/>
+        <a:font script="Java" typeface="Javanese Text"/>
+        <a:font script="Lisu" typeface="Segoe UI"/>
+        <a:font script="Mymr" typeface="Myanmar Text"/>
+        <a:font script="Nkoo" typeface="Ebrima"/>
+        <a:font script="Olck" typeface="Nirmala UI"/>
+        <a:font script="Osma" typeface="Ebrima"/>
+        <a:font script="Phag" typeface="Phagspa"/>
+        <a:font script="Syrn" typeface="Estrangelo Edessa"/>
+        <a:font script="Syrj" typeface="Estrangelo Edessa"/>
+        <a:font script="Syre" typeface="Estrangelo Edessa"/>
+        <a:font script="Sora" typeface="Nirmala UI"/>
+        <a:font script="Tale" typeface="Microsoft Tai Le"/>
+        <a:font script="Talu" typeface="Microsoft New Tai Lue"/>
+        <a:font script="Tfng" typeface="Ebrima"/>
+      </a:minorFont>
+    </a:fontScheme>
+    <a:fmtScheme name="Office">
+      <a:fillStyleLst>
+        <a:solidFill>
+          <a:schemeClr val="phClr"/>
+        </a:solidFill>
+        <a:gradFill rotWithShape="1">
+          <a:gsLst>
+            <a:gs pos="0">
+              <a:schemeClr val="phClr">
+                <a:lumMod val="110000"/>
+                <a:satMod val="105000"/>
+                <a:tint val="67000"/>
+              </a:schemeClr>
+            </a:gs>
+            <a:gs pos="50000">
+              <a:schemeClr val="phClr">
+                <a:lumMod val="105000"/>
+                <a:satMod val="103000"/>
+                <a:tint val="73000"/>
+              </a:schemeClr>
+            </a:gs>
+            <a:gs pos="100000">
+              <a:schemeClr val="phClr">
+                <a:lumMod val="105000"/>
+                <a:satMod val="109000"/>
+                <a:tint val="81000"/>
+              </a:schemeClr>
+            </a:gs>
+          </a:gsLst>
+          <a:lin ang="5400000" scaled="0"/>
+        </a:gradFill>
+        <a:gradFill rotWithShape="1">
+          <a:gsLst>
+            <a:gs pos="0">
+              <a:schemeClr val="phClr">
+                <a:satMod val="103000"/>
+                <a:lumMod val="102000"/>
+                <a:tint val="94000"/>
+              </a:schemeClr>
+            </a:gs>
+            <a:gs pos="50000">
+              <a:schemeClr val="phClr">
+                <a:satMod val="110000"/>
+                <a:lumMod val="100000"/>
+                <a:shade val="100000"/>
+              </a:schemeClr>
+            </a:gs>
+            <a:gs pos="100000">
+              <a:schemeClr val="phClr">
+                <a:lumMod val="99000"/>
+                <a:satMod val="120000"/>
+                <a:shade val="78000"/>
+              </a:schemeClr>
+            </a:gs>
+          </a:gsLst>
+          <a:lin ang="5400000" scaled="0"/>
+        </a:gradFill>
+      </a:fillStyleLst>
+      <a:lnStyleLst>
+        <a:ln w="6350" cap="flat" cmpd="sng" algn="ctr">
+          <a:solidFill>
+            <a:schemeClr val="phClr"/>
+          </a:solidFill>
+          <a:prstDash val="solid"/>
+          <a:miter lim="800000"/>
+        </a:ln>
+        <a:ln w="12700" cap="flat" cmpd="sng" algn="ctr">
+          <a:solidFill>
+            <a:schemeClr val="phClr"/>
+          </a:solidFill>
+          <a:prstDash val="solid"/>
+          <a:miter lim="800000"/>
+        </a:ln>
+        <a:ln w="19050" cap="flat" cmpd="sng" algn="ctr">
+          <a:solidFill>
+            <a:schemeClr val="phClr"/>
+          </a:solidFill>
+          <a:prstDash val="solid"/>
+          <a:miter lim="800000"/>
+        </a:ln>
+      </a:lnStyleLst>
+      <a:effectStyleLst>
+        <a:effectStyle>
+          <a:effectLst/>
+        </a:effectStyle>
+        <a:effectStyle>
+          <a:effectLst/>
+        </a:effectStyle>
+        <a:effectStyle>
+          <a:effectLst>
+            <a:outerShdw blurRad="57150" dist="19050" dir="5400000" algn="ctr" rotWithShape="0">
+              <a:srgbClr val="000000">
+                <a:alpha val="63000"/>
+              </a:srgbClr>
+            </a:outerShdw>
+          </a:effectLst>
+        </a:effectStyle>
+      </a:effectStyleLst>
+      <a:bgFillStyleLst>
+        <a:solidFill>
+          <a:schemeClr val="phClr"/>
+        </a:solidFill>
+        <a:solidFill>
+          <a:schemeClr val="phClr">
+            <a:tint val="95000"/>
+            <a:satMod val="170000"/>
+          </a:schemeClr>
+        </a:solidFill>
+        <a:gradFill rotWithShape="1">
+          <a:gsLst>
+            <a:gs pos="0">
+              <a:schemeClr val="phClr">
+                <a:tint val="93000"/>
+                <a:satMod val="150000"/>
+                <a:shade val="98000"/>
+                <a:lumMod val="102000"/>
+              </a:schemeClr>
+            </a:gs>
+            <a:gs pos="50000">
+              <a:schemeClr val="phClr">
+                <a:tint val="98000"/>
+                <a:satMod val="130000"/>
+                <a:shade val="90000"/>
+                <a:lumMod val="103000"/>
+              </a:schemeClr>
+            </a:gs>
+            <a:gs pos="100000">
+              <a:schemeClr val="phClr">
+                <a:shade val="63000"/>
+                <a:satMod val="120000"/>
+              </a:schemeClr>
+            </a:gs>
+          </a:gsLst>
+          <a:lin ang="5400000" scaled="0"/>
+        </a:gradFill>
+      </a:bgFillStyleLst>
+    </a:fmtScheme>
+  </a:themeElements>
+  <a:objectDefaults/>
+  <a:extraClrSchemeLst/>
+  <a:extLst>
+    <a:ext uri="{05A4C25C-085E-4340-85A3-A5531E510DB2}">
+      <thm15:themeFamily xmlns:thm15="http://schemas.microsoft.com/office/thememl/2012/main" name="Office Theme" id="{62F939B6-93AF-4DB8-9C6B-D6C7DFDC589F}" vid="{4A3C46E8-61CC-4603-A589-7422A47A8E4A}"/>
+    </a:ext>
+  </a:extLst>
+</a:theme>
 </file>